--- a/doc/ATM slide.pptx
+++ b/doc/ATM slide.pptx
@@ -5,7 +5,7 @@
     <p:sldMasterId id="2147483648" r:id="rId1"/>
   </p:sldMasterIdLst>
   <p:notesMasterIdLst>
-    <p:notesMasterId r:id="rId10"/>
+    <p:notesMasterId r:id="rId12"/>
   </p:notesMasterIdLst>
   <p:sldIdLst>
     <p:sldId id="256" r:id="rId2"/>
@@ -14,8 +14,10 @@
     <p:sldId id="263" r:id="rId5"/>
     <p:sldId id="264" r:id="rId6"/>
     <p:sldId id="265" r:id="rId7"/>
-    <p:sldId id="266" r:id="rId8"/>
-    <p:sldId id="267" r:id="rId9"/>
+    <p:sldId id="268" r:id="rId8"/>
+    <p:sldId id="269" r:id="rId9"/>
+    <p:sldId id="266" r:id="rId10"/>
+    <p:sldId id="267" r:id="rId11"/>
   </p:sldIdLst>
   <p:sldSz cx="9144000" cy="6858000" type="screen4x3"/>
   <p:notesSz cx="6858000" cy="9144000"/>
@@ -114,6 +116,36 @@
       </a:defRPr>
     </a:lvl9pPr>
   </p:defaultTextStyle>
+  <p:extLst>
+    <p:ext uri="{EFAFB233-063F-42B5-8137-9DF3F51BA10A}">
+      <p15:sldGuideLst xmlns:p15="http://schemas.microsoft.com/office/powerpoint/2012/main">
+        <p15:guide id="1" orient="horz" pos="2160">
+          <p15:clr>
+            <a:srgbClr val="A4A3A4"/>
+          </p15:clr>
+        </p15:guide>
+        <p15:guide id="2" pos="2880">
+          <p15:clr>
+            <a:srgbClr val="A4A3A4"/>
+          </p15:clr>
+        </p15:guide>
+      </p15:sldGuideLst>
+    </p:ext>
+    <p:ext uri="{2D200454-40CA-4A62-9FC3-DE9A4176ACB9}">
+      <p15:notesGuideLst xmlns:p15="http://schemas.microsoft.com/office/powerpoint/2012/main">
+        <p15:guide id="1" orient="horz" pos="2880">
+          <p15:clr>
+            <a:srgbClr val="A4A3A4"/>
+          </p15:clr>
+        </p15:guide>
+        <p15:guide id="2" pos="2160">
+          <p15:clr>
+            <a:srgbClr val="A4A3A4"/>
+          </p15:clr>
+        </p15:guide>
+      </p15:notesGuideLst>
+    </p:ext>
+  </p:extLst>
 </p:presentation>
 </file>
 
@@ -200,7 +232,7 @@
             <a:fld id="{0522E53A-8A26-486D-9F69-975F62FE5B2D}" type="datetimeFigureOut">
               <a:rPr lang="en-US" smtClean="0"/>
               <a:pPr/>
-              <a:t>5/29/2015</a:t>
+              <a:t>5/31/2015</a:t>
             </a:fld>
             <a:endParaRPr lang="en-US"/>
           </a:p>
@@ -369,6 +401,11 @@
         </p:txBody>
       </p:sp>
     </p:spTree>
+    <p:extLst>
+      <p:ext uri="{BB962C8B-B14F-4D97-AF65-F5344CB8AC3E}">
+        <p14:creationId xmlns:p14="http://schemas.microsoft.com/office/powerpoint/2010/main" val="3731141947"/>
+      </p:ext>
+    </p:extLst>
   </p:cSld>
   <p:clrMap bg1="lt1" tx1="dk1" bg2="lt2" tx2="dk2" accent1="accent1" accent2="accent2" accent3="accent3" accent4="accent4" accent5="accent5" accent6="accent6" hlink="hlink" folHlink="folHlink"/>
   <p:notesStyle>
@@ -541,6 +578,11 @@
         </p:txBody>
       </p:sp>
     </p:spTree>
+    <p:extLst>
+      <p:ext uri="{BB962C8B-B14F-4D97-AF65-F5344CB8AC3E}">
+        <p14:creationId xmlns:p14="http://schemas.microsoft.com/office/powerpoint/2010/main" val="1104829773"/>
+      </p:ext>
+    </p:extLst>
   </p:cSld>
   <p:clrMapOvr>
     <a:masterClrMapping/>
@@ -732,7 +774,7 @@
     </p:spTree>
     <p:extLst>
       <p:ext uri="{BB962C8B-B14F-4D97-AF65-F5344CB8AC3E}">
-        <p14:creationId xmlns="" xmlns:p14="http://schemas.microsoft.com/office/powerpoint/2010/main" val="774822008"/>
+        <p14:creationId xmlns:p14="http://schemas.microsoft.com/office/powerpoint/2010/main" val="774822008"/>
       </p:ext>
     </p:extLst>
   </p:cSld>
@@ -785,7 +827,7 @@
     </p:spTree>
     <p:extLst>
       <p:ext uri="{BB962C8B-B14F-4D97-AF65-F5344CB8AC3E}">
-        <p14:creationId xmlns="" xmlns:p14="http://schemas.microsoft.com/office/powerpoint/2010/main" val="3427868849"/>
+        <p14:creationId xmlns:p14="http://schemas.microsoft.com/office/powerpoint/2010/main" val="3427868849"/>
       </p:ext>
     </p:extLst>
   </p:cSld>
@@ -947,7 +989,7 @@
     </p:spTree>
     <p:extLst>
       <p:ext uri="{BB962C8B-B14F-4D97-AF65-F5344CB8AC3E}">
-        <p14:creationId xmlns="" xmlns:p14="http://schemas.microsoft.com/office/powerpoint/2010/main" val="1117342930"/>
+        <p14:creationId xmlns:p14="http://schemas.microsoft.com/office/powerpoint/2010/main" val="1117342930"/>
       </p:ext>
     </p:extLst>
   </p:cSld>
@@ -1411,7 +1453,7 @@
           <a:blip r:embed="rId2" cstate="print">
             <a:extLst>
               <a:ext uri="{28A0092B-C50C-407E-A947-70E740481C1C}">
-                <a14:useLocalDpi xmlns="" xmlns:a14="http://schemas.microsoft.com/office/drawing/2010/main" val="0"/>
+                <a14:useLocalDpi xmlns:a14="http://schemas.microsoft.com/office/drawing/2010/main" val="0"/>
               </a:ext>
             </a:extLst>
           </a:blip>
@@ -1443,7 +1485,7 @@
           <a:blip r:embed="rId2" cstate="print">
             <a:extLst>
               <a:ext uri="{28A0092B-C50C-407E-A947-70E740481C1C}">
-                <a14:useLocalDpi xmlns="" xmlns:a14="http://schemas.microsoft.com/office/drawing/2010/main" val="0"/>
+                <a14:useLocalDpi xmlns:a14="http://schemas.microsoft.com/office/drawing/2010/main" val="0"/>
               </a:ext>
             </a:extLst>
           </a:blip>
@@ -1464,7 +1506,7 @@
     </p:spTree>
     <p:extLst>
       <p:ext uri="{BB962C8B-B14F-4D97-AF65-F5344CB8AC3E}">
-        <p14:creationId xmlns="" xmlns:p14="http://schemas.microsoft.com/office/powerpoint/2010/main" val="2845707207"/>
+        <p14:creationId xmlns:p14="http://schemas.microsoft.com/office/powerpoint/2010/main" val="2845707207"/>
       </p:ext>
     </p:extLst>
   </p:cSld>
@@ -1535,7 +1577,7 @@
           <a:blip r:embed="rId2" cstate="print">
             <a:extLst>
               <a:ext uri="{28A0092B-C50C-407E-A947-70E740481C1C}">
-                <a14:useLocalDpi xmlns="" xmlns:a14="http://schemas.microsoft.com/office/drawing/2010/main" val="0"/>
+                <a14:useLocalDpi xmlns:a14="http://schemas.microsoft.com/office/drawing/2010/main" val="0"/>
               </a:ext>
             </a:extLst>
           </a:blip>
@@ -1556,7 +1598,7 @@
     </p:spTree>
     <p:extLst>
       <p:ext uri="{BB962C8B-B14F-4D97-AF65-F5344CB8AC3E}">
-        <p14:creationId xmlns="" xmlns:p14="http://schemas.microsoft.com/office/powerpoint/2010/main" val="1475645304"/>
+        <p14:creationId xmlns:p14="http://schemas.microsoft.com/office/powerpoint/2010/main" val="1475645304"/>
       </p:ext>
     </p:extLst>
   </p:cSld>
@@ -1710,7 +1752,7 @@
           <a:blip r:embed="rId7" cstate="print">
             <a:extLst>
               <a:ext uri="{28A0092B-C50C-407E-A947-70E740481C1C}">
-                <a14:useLocalDpi xmlns="" xmlns:a14="http://schemas.microsoft.com/office/drawing/2010/main" val="0"/>
+                <a14:useLocalDpi xmlns:a14="http://schemas.microsoft.com/office/drawing/2010/main" val="0"/>
               </a:ext>
             </a:extLst>
           </a:blip>
@@ -1730,7 +1772,7 @@
           <a:noFill/>
           <a:extLst>
             <a:ext uri="{909E8E84-426E-40DD-AFC4-6F175D3DCCD1}">
-              <a14:hiddenFill xmlns="" xmlns:a14="http://schemas.microsoft.com/office/drawing/2010/main">
+              <a14:hiddenFill xmlns:a14="http://schemas.microsoft.com/office/drawing/2010/main">
                 <a:solidFill>
                   <a:srgbClr val="FFFFFF"/>
                 </a:solidFill>
@@ -1753,7 +1795,7 @@
           <a:blip r:embed="rId8" cstate="print">
             <a:extLst>
               <a:ext uri="{28A0092B-C50C-407E-A947-70E740481C1C}">
-                <a14:useLocalDpi xmlns="" xmlns:a14="http://schemas.microsoft.com/office/drawing/2010/main" val="0"/>
+                <a14:useLocalDpi xmlns:a14="http://schemas.microsoft.com/office/drawing/2010/main" val="0"/>
               </a:ext>
             </a:extLst>
           </a:blip>
@@ -1785,7 +1827,7 @@
           <a:blip r:embed="rId9" cstate="print">
             <a:extLst>
               <a:ext uri="{28A0092B-C50C-407E-A947-70E740481C1C}">
-                <a14:useLocalDpi xmlns="" xmlns:a14="http://schemas.microsoft.com/office/drawing/2010/main" val="0"/>
+                <a14:useLocalDpi xmlns:a14="http://schemas.microsoft.com/office/drawing/2010/main" val="0"/>
               </a:ext>
             </a:extLst>
           </a:blip>
@@ -1817,7 +1859,7 @@
           <a:blip r:embed="rId10" cstate="print">
             <a:extLst>
               <a:ext uri="{28A0092B-C50C-407E-A947-70E740481C1C}">
-                <a14:useLocalDpi xmlns="" xmlns:a14="http://schemas.microsoft.com/office/drawing/2010/main" val="0"/>
+                <a14:useLocalDpi xmlns:a14="http://schemas.microsoft.com/office/drawing/2010/main" val="0"/>
               </a:ext>
             </a:extLst>
           </a:blip>
@@ -1838,7 +1880,7 @@
     </p:spTree>
     <p:extLst>
       <p:ext uri="{BB962C8B-B14F-4D97-AF65-F5344CB8AC3E}">
-        <p14:creationId xmlns="" xmlns:p14="http://schemas.microsoft.com/office/powerpoint/2010/main" val="3345936536"/>
+        <p14:creationId xmlns:p14="http://schemas.microsoft.com/office/powerpoint/2010/main" val="3345936536"/>
       </p:ext>
     </p:extLst>
   </p:cSld>
@@ -2143,10 +2185,14 @@
           <a:lstStyle/>
           <a:p>
             <a:r>
-              <a:rPr lang="en-GB" smtClean="0"/>
-              <a:t>ATM Project using Spring Framwork</a:t>
-            </a:r>
-            <a:endParaRPr lang="en-GB"/>
+              <a:rPr lang="en-GB" dirty="0" smtClean="0"/>
+              <a:t>ATM Project using Spring </a:t>
+            </a:r>
+            <a:r>
+              <a:rPr lang="en-GB" dirty="0" err="1" smtClean="0"/>
+              <a:t>Framwork</a:t>
+            </a:r>
+            <a:endParaRPr lang="en-GB" dirty="0"/>
           </a:p>
         </p:txBody>
       </p:sp>
@@ -2247,7 +2293,69 @@
     </p:spTree>
     <p:extLst>
       <p:ext uri="{BB962C8B-B14F-4D97-AF65-F5344CB8AC3E}">
-        <p14:creationId xmlns="" xmlns:p14="http://schemas.microsoft.com/office/powerpoint/2010/main" val="2631791243"/>
+        <p14:creationId xmlns:p14="http://schemas.microsoft.com/office/powerpoint/2010/main" val="2631791243"/>
+      </p:ext>
+    </p:extLst>
+  </p:cSld>
+  <p:clrMapOvr>
+    <a:masterClrMapping/>
+  </p:clrMapOvr>
+  <p:timing>
+    <p:tnLst>
+      <p:par>
+        <p:cTn id="1" dur="indefinite" restart="never" nodeType="tmRoot"/>
+      </p:par>
+    </p:tnLst>
+  </p:timing>
+</p:sld>
+</file>
+
+<file path=ppt/slides/slide10.xml><?xml version="1.0" encoding="utf-8"?>
+<p:sld xmlns:a="http://schemas.openxmlformats.org/drawingml/2006/main" xmlns:r="http://schemas.openxmlformats.org/officeDocument/2006/relationships" xmlns:p="http://schemas.openxmlformats.org/presentationml/2006/main">
+  <p:cSld>
+    <p:spTree>
+      <p:nvGrpSpPr>
+        <p:cNvPr id="1" name=""/>
+        <p:cNvGrpSpPr/>
+        <p:nvPr/>
+      </p:nvGrpSpPr>
+      <p:grpSpPr>
+        <a:xfrm>
+          <a:off x="0" y="0"/>
+          <a:ext cx="0" cy="0"/>
+          <a:chOff x="0" y="0"/>
+          <a:chExt cx="0" cy="0"/>
+        </a:xfrm>
+      </p:grpSpPr>
+      <p:sp>
+        <p:nvSpPr>
+          <p:cNvPr id="2" name="Title 1"/>
+          <p:cNvSpPr>
+            <a:spLocks noGrp="1"/>
+          </p:cNvSpPr>
+          <p:nvPr>
+            <p:ph type="title"/>
+          </p:nvPr>
+        </p:nvSpPr>
+        <p:spPr/>
+        <p:txBody>
+          <a:bodyPr>
+            <a:normAutofit/>
+          </a:bodyPr>
+          <a:lstStyle/>
+          <a:p>
+            <a:r>
+              <a:rPr lang="en-GB" smtClean="0"/>
+              <a:t>Conclusion</a:t>
+            </a:r>
+            <a:endParaRPr lang="en-GB" dirty="0"/>
+          </a:p>
+        </p:txBody>
+      </p:sp>
+    </p:spTree>
+    <p:extLst>
+      <p:ext uri="{BB962C8B-B14F-4D97-AF65-F5344CB8AC3E}">
+        <p14:creationId xmlns:p14="http://schemas.microsoft.com/office/powerpoint/2010/main" val="761104530"/>
       </p:ext>
     </p:extLst>
   </p:cSld>
@@ -2951,11 +3059,7 @@
             <a:pPr algn="ctr"/>
             <a:r>
               <a:rPr lang="en-GB" smtClean="0"/>
-              <a:t>About </a:t>
-            </a:r>
-            <a:r>
-              <a:rPr lang="en-GB" smtClean="0"/>
-              <a:t>team</a:t>
+              <a:t>About team</a:t>
             </a:r>
             <a:endParaRPr lang="en-GB"/>
           </a:p>
@@ -3119,7 +3223,7 @@
     </p:spTree>
     <p:extLst>
       <p:ext uri="{BB962C8B-B14F-4D97-AF65-F5344CB8AC3E}">
-        <p14:creationId xmlns="" xmlns:p14="http://schemas.microsoft.com/office/powerpoint/2010/main" val="801267067"/>
+        <p14:creationId xmlns:p14="http://schemas.microsoft.com/office/powerpoint/2010/main" val="801267067"/>
       </p:ext>
     </p:extLst>
   </p:cSld>
@@ -3419,44 +3523,34 @@
           <a:lstStyle/>
           <a:p>
             <a:r>
-              <a:rPr lang="en-GB" b="1" smtClean="0">
+              <a:rPr lang="en-GB" b="1" dirty="0" smtClean="0">
                 <a:solidFill>
                   <a:schemeClr val="tx1"/>
                 </a:solidFill>
               </a:rPr>
               <a:t>Lê Văn Phú</a:t>
             </a:r>
-            <a:endParaRPr lang="en-GB" b="1" smtClean="0">
-              <a:solidFill>
-                <a:schemeClr val="tx1"/>
-              </a:solidFill>
-            </a:endParaRPr>
-          </a:p>
-          <a:p>
-            <a:r>
-              <a:rPr lang="en-GB" smtClean="0">
+          </a:p>
+          <a:p>
+            <a:r>
+              <a:rPr lang="en-GB" dirty="0" smtClean="0">
                 <a:solidFill>
                   <a:schemeClr val="tx1"/>
                 </a:solidFill>
               </a:rPr>
               <a:t>PhuLV1</a:t>
             </a:r>
-            <a:endParaRPr lang="en-GB" smtClean="0">
-              <a:solidFill>
-                <a:schemeClr val="tx1"/>
-              </a:solidFill>
-            </a:endParaRPr>
-          </a:p>
-          <a:p>
-            <a:r>
-              <a:rPr lang="en-GB" smtClean="0">
+          </a:p>
+          <a:p>
+            <a:r>
+              <a:rPr lang="en-GB" dirty="0" smtClean="0">
                 <a:solidFill>
                   <a:schemeClr val="tx1"/>
                 </a:solidFill>
               </a:rPr>
               <a:t>DNU</a:t>
             </a:r>
-            <a:endParaRPr lang="en-GB">
+            <a:endParaRPr lang="en-GB" dirty="0">
               <a:solidFill>
                 <a:schemeClr val="tx1"/>
               </a:solidFill>
@@ -3827,7 +3921,7 @@
     </p:spTree>
     <p:extLst>
       <p:ext uri="{BB962C8B-B14F-4D97-AF65-F5344CB8AC3E}">
-        <p14:creationId xmlns="" xmlns:p14="http://schemas.microsoft.com/office/powerpoint/2010/main" val="765166946"/>
+        <p14:creationId xmlns:p14="http://schemas.microsoft.com/office/powerpoint/2010/main" val="765166946"/>
       </p:ext>
     </p:extLst>
   </p:cSld>
@@ -3918,7 +4012,7 @@
     </p:spTree>
     <p:extLst>
       <p:ext uri="{BB962C8B-B14F-4D97-AF65-F5344CB8AC3E}">
-        <p14:creationId xmlns="" xmlns:p14="http://schemas.microsoft.com/office/powerpoint/2010/main" val="2054354637"/>
+        <p14:creationId xmlns:p14="http://schemas.microsoft.com/office/powerpoint/2010/main" val="2054354637"/>
       </p:ext>
     </p:extLst>
   </p:cSld>
@@ -3983,7 +4077,7 @@
     </p:spTree>
     <p:extLst>
       <p:ext uri="{BB962C8B-B14F-4D97-AF65-F5344CB8AC3E}">
-        <p14:creationId xmlns="" xmlns:p14="http://schemas.microsoft.com/office/powerpoint/2010/main" val="2067167423"/>
+        <p14:creationId xmlns:p14="http://schemas.microsoft.com/office/powerpoint/2010/main" val="2067167423"/>
       </p:ext>
     </p:extLst>
   </p:cSld>
@@ -4045,10 +4139,632 @@
           </a:p>
         </p:txBody>
       </p:sp>
+      <p:sp>
+        <p:nvSpPr>
+          <p:cNvPr id="3" name="TextBox 2"/>
+          <p:cNvSpPr txBox="1"/>
+          <p:nvPr/>
+        </p:nvSpPr>
+        <p:spPr>
+          <a:xfrm>
+            <a:off x="457200" y="2348880"/>
+            <a:ext cx="8229600" cy="369332"/>
+          </a:xfrm>
+          <a:prstGeom prst="rect">
+            <a:avLst/>
+          </a:prstGeom>
+          <a:noFill/>
+        </p:spPr>
+        <p:txBody>
+          <a:bodyPr wrap="square" rtlCol="0">
+            <a:spAutoFit/>
+          </a:bodyPr>
+          <a:lstStyle/>
+          <a:p>
+            <a:endParaRPr lang="vi-VN" dirty="0">
+              <a:latin typeface="Times New Roman" panose="02020603050405020304" pitchFamily="18" charset="0"/>
+              <a:cs typeface="Times New Roman" panose="02020603050405020304" pitchFamily="18" charset="0"/>
+            </a:endParaRPr>
+          </a:p>
+        </p:txBody>
+      </p:sp>
+      <p:graphicFrame>
+        <p:nvGraphicFramePr>
+          <p:cNvPr id="4" name="Table 3"/>
+          <p:cNvGraphicFramePr>
+            <a:graphicFrameLocks noGrp="1"/>
+          </p:cNvGraphicFramePr>
+          <p:nvPr>
+            <p:extLst>
+              <p:ext uri="{D42A27DB-BD31-4B8C-83A1-F6EECF244321}">
+                <p14:modId xmlns:p14="http://schemas.microsoft.com/office/powerpoint/2010/main" val="8374066"/>
+              </p:ext>
+            </p:extLst>
+          </p:nvPr>
+        </p:nvGraphicFramePr>
+        <p:xfrm>
+          <a:off x="489295" y="2345558"/>
+          <a:ext cx="8165410" cy="3459706"/>
+        </p:xfrm>
+        <a:graphic>
+          <a:graphicData uri="http://schemas.openxmlformats.org/drawingml/2006/table">
+            <a:tbl>
+              <a:tblPr firstRow="1" firstCol="1" bandRow="1">
+                <a:tableStyleId>{5C22544A-7EE6-4342-B048-85BDC9FD1C3A}</a:tableStyleId>
+              </a:tblPr>
+              <a:tblGrid>
+                <a:gridCol w="1508968"/>
+                <a:gridCol w="6656442"/>
+              </a:tblGrid>
+              <a:tr h="486423">
+                <a:tc>
+                  <a:txBody>
+                    <a:bodyPr/>
+                    <a:lstStyle/>
+                    <a:p>
+                      <a:pPr marL="0" marR="0">
+                        <a:lnSpc>
+                          <a:spcPct val="115000"/>
+                        </a:lnSpc>
+                        <a:spcBef>
+                          <a:spcPts val="0"/>
+                        </a:spcBef>
+                        <a:spcAft>
+                          <a:spcPts val="0"/>
+                        </a:spcAft>
+                      </a:pPr>
+                      <a:r>
+                        <a:rPr lang="en-US" sz="2000" dirty="0">
+                          <a:effectLst/>
+                          <a:latin typeface="Times New Roman" panose="02020603050405020304" pitchFamily="18" charset="0"/>
+                          <a:cs typeface="Times New Roman" panose="02020603050405020304" pitchFamily="18" charset="0"/>
+                        </a:rPr>
+                        <a:t>Name</a:t>
+                      </a:r>
+                      <a:endParaRPr lang="vi-VN" sz="2000" dirty="0">
+                        <a:effectLst/>
+                        <a:latin typeface="Times New Roman" panose="02020603050405020304" pitchFamily="18" charset="0"/>
+                        <a:ea typeface="MS Mincho" panose="02020609040205080304" pitchFamily="49" charset="-128"/>
+                        <a:cs typeface="Times New Roman" panose="02020603050405020304" pitchFamily="18" charset="0"/>
+                      </a:endParaRPr>
+                    </a:p>
+                  </a:txBody>
+                  <a:tcPr marL="73025" marR="73025" marT="18415" marB="18415"/>
+                </a:tc>
+                <a:tc>
+                  <a:txBody>
+                    <a:bodyPr/>
+                    <a:lstStyle/>
+                    <a:p>
+                      <a:pPr marL="0" marR="0">
+                        <a:lnSpc>
+                          <a:spcPct val="115000"/>
+                        </a:lnSpc>
+                        <a:spcBef>
+                          <a:spcPts val="0"/>
+                        </a:spcBef>
+                        <a:spcAft>
+                          <a:spcPts val="0"/>
+                        </a:spcAft>
+                      </a:pPr>
+                      <a:r>
+                        <a:rPr lang="en-US" sz="2000" dirty="0" err="1">
+                          <a:effectLst/>
+                          <a:latin typeface="Times New Roman" panose="02020603050405020304" pitchFamily="18" charset="0"/>
+                          <a:cs typeface="Times New Roman" panose="02020603050405020304" pitchFamily="18" charset="0"/>
+                        </a:rPr>
+                        <a:t>CheckBalance</a:t>
+                      </a:r>
+                      <a:endParaRPr lang="vi-VN" sz="2000" dirty="0">
+                        <a:effectLst/>
+                        <a:latin typeface="Times New Roman" panose="02020603050405020304" pitchFamily="18" charset="0"/>
+                        <a:ea typeface="MS Mincho" panose="02020609040205080304" pitchFamily="49" charset="-128"/>
+                        <a:cs typeface="Times New Roman" panose="02020603050405020304" pitchFamily="18" charset="0"/>
+                      </a:endParaRPr>
+                    </a:p>
+                  </a:txBody>
+                  <a:tcPr marL="73025" marR="73025" marT="18415" marB="18415"/>
+                </a:tc>
+              </a:tr>
+              <a:tr h="486423">
+                <a:tc>
+                  <a:txBody>
+                    <a:bodyPr/>
+                    <a:lstStyle/>
+                    <a:p>
+                      <a:pPr marL="0" marR="0">
+                        <a:lnSpc>
+                          <a:spcPct val="115000"/>
+                        </a:lnSpc>
+                        <a:spcBef>
+                          <a:spcPts val="0"/>
+                        </a:spcBef>
+                        <a:spcAft>
+                          <a:spcPts val="0"/>
+                        </a:spcAft>
+                      </a:pPr>
+                      <a:r>
+                        <a:rPr lang="en-US" sz="2000">
+                          <a:effectLst/>
+                          <a:latin typeface="Times New Roman" panose="02020603050405020304" pitchFamily="18" charset="0"/>
+                          <a:cs typeface="Times New Roman" panose="02020603050405020304" pitchFamily="18" charset="0"/>
+                        </a:rPr>
+                        <a:t>Description</a:t>
+                      </a:r>
+                      <a:endParaRPr lang="vi-VN" sz="2000">
+                        <a:effectLst/>
+                        <a:latin typeface="Times New Roman" panose="02020603050405020304" pitchFamily="18" charset="0"/>
+                        <a:ea typeface="MS Mincho" panose="02020609040205080304" pitchFamily="49" charset="-128"/>
+                        <a:cs typeface="Times New Roman" panose="02020603050405020304" pitchFamily="18" charset="0"/>
+                      </a:endParaRPr>
+                    </a:p>
+                  </a:txBody>
+                  <a:tcPr marL="73025" marR="73025" marT="18415" marB="18415"/>
+                </a:tc>
+                <a:tc>
+                  <a:txBody>
+                    <a:bodyPr/>
+                    <a:lstStyle/>
+                    <a:p>
+                      <a:pPr marL="0" marR="0">
+                        <a:lnSpc>
+                          <a:spcPct val="115000"/>
+                        </a:lnSpc>
+                        <a:spcBef>
+                          <a:spcPts val="0"/>
+                        </a:spcBef>
+                        <a:spcAft>
+                          <a:spcPts val="0"/>
+                        </a:spcAft>
+                      </a:pPr>
+                      <a:r>
+                        <a:rPr lang="en-US" sz="2000" dirty="0">
+                          <a:solidFill>
+                            <a:schemeClr val="bg1">
+                              <a:lumMod val="75000"/>
+                            </a:schemeClr>
+                          </a:solidFill>
+                          <a:effectLst/>
+                          <a:latin typeface="Times New Roman" panose="02020603050405020304" pitchFamily="18" charset="0"/>
+                          <a:cs typeface="Times New Roman" panose="02020603050405020304" pitchFamily="18" charset="0"/>
+                        </a:rPr>
+                        <a:t>This use case allows Customer to check their Balance. </a:t>
+                      </a:r>
+                      <a:endParaRPr lang="vi-VN" sz="2000" dirty="0">
+                        <a:solidFill>
+                          <a:schemeClr val="bg1">
+                            <a:lumMod val="75000"/>
+                          </a:schemeClr>
+                        </a:solidFill>
+                        <a:effectLst/>
+                        <a:latin typeface="Times New Roman" panose="02020603050405020304" pitchFamily="18" charset="0"/>
+                        <a:ea typeface="MS Mincho" panose="02020609040205080304" pitchFamily="49" charset="-128"/>
+                        <a:cs typeface="Times New Roman" panose="02020603050405020304" pitchFamily="18" charset="0"/>
+                      </a:endParaRPr>
+                    </a:p>
+                  </a:txBody>
+                  <a:tcPr marL="73025" marR="73025" marT="18415" marB="18415"/>
+                </a:tc>
+              </a:tr>
+              <a:tr h="486423">
+                <a:tc>
+                  <a:txBody>
+                    <a:bodyPr/>
+                    <a:lstStyle/>
+                    <a:p>
+                      <a:pPr marL="0" marR="0">
+                        <a:lnSpc>
+                          <a:spcPct val="115000"/>
+                        </a:lnSpc>
+                        <a:spcBef>
+                          <a:spcPts val="0"/>
+                        </a:spcBef>
+                        <a:spcAft>
+                          <a:spcPts val="0"/>
+                        </a:spcAft>
+                      </a:pPr>
+                      <a:r>
+                        <a:rPr lang="en-US" sz="2000">
+                          <a:effectLst/>
+                          <a:latin typeface="Times New Roman" panose="02020603050405020304" pitchFamily="18" charset="0"/>
+                          <a:cs typeface="Times New Roman" panose="02020603050405020304" pitchFamily="18" charset="0"/>
+                        </a:rPr>
+                        <a:t>Actor</a:t>
+                      </a:r>
+                      <a:endParaRPr lang="vi-VN" sz="2000">
+                        <a:effectLst/>
+                        <a:latin typeface="Times New Roman" panose="02020603050405020304" pitchFamily="18" charset="0"/>
+                        <a:ea typeface="MS Mincho" panose="02020609040205080304" pitchFamily="49" charset="-128"/>
+                        <a:cs typeface="Times New Roman" panose="02020603050405020304" pitchFamily="18" charset="0"/>
+                      </a:endParaRPr>
+                    </a:p>
+                  </a:txBody>
+                  <a:tcPr marL="73025" marR="73025" marT="18415" marB="18415"/>
+                </a:tc>
+                <a:tc>
+                  <a:txBody>
+                    <a:bodyPr/>
+                    <a:lstStyle/>
+                    <a:p>
+                      <a:pPr marL="0" marR="0">
+                        <a:lnSpc>
+                          <a:spcPct val="115000"/>
+                        </a:lnSpc>
+                        <a:spcBef>
+                          <a:spcPts val="0"/>
+                        </a:spcBef>
+                        <a:spcAft>
+                          <a:spcPts val="0"/>
+                        </a:spcAft>
+                      </a:pPr>
+                      <a:r>
+                        <a:rPr lang="en-US" sz="2000" dirty="0">
+                          <a:solidFill>
+                            <a:schemeClr val="bg1">
+                              <a:lumMod val="75000"/>
+                            </a:schemeClr>
+                          </a:solidFill>
+                          <a:effectLst/>
+                          <a:latin typeface="Times New Roman" panose="02020603050405020304" pitchFamily="18" charset="0"/>
+                          <a:cs typeface="Times New Roman" panose="02020603050405020304" pitchFamily="18" charset="0"/>
+                        </a:rPr>
+                        <a:t>Customer</a:t>
+                      </a:r>
+                      <a:endParaRPr lang="vi-VN" sz="2000" dirty="0">
+                        <a:solidFill>
+                          <a:schemeClr val="bg1">
+                            <a:lumMod val="75000"/>
+                          </a:schemeClr>
+                        </a:solidFill>
+                        <a:effectLst/>
+                        <a:latin typeface="Times New Roman" panose="02020603050405020304" pitchFamily="18" charset="0"/>
+                        <a:ea typeface="MS Mincho" panose="02020609040205080304" pitchFamily="49" charset="-128"/>
+                        <a:cs typeface="Times New Roman" panose="02020603050405020304" pitchFamily="18" charset="0"/>
+                      </a:endParaRPr>
+                    </a:p>
+                  </a:txBody>
+                  <a:tcPr marL="73025" marR="73025" marT="18415" marB="18415"/>
+                </a:tc>
+              </a:tr>
+              <a:tr h="486423">
+                <a:tc>
+                  <a:txBody>
+                    <a:bodyPr/>
+                    <a:lstStyle/>
+                    <a:p>
+                      <a:pPr marL="0" marR="0">
+                        <a:lnSpc>
+                          <a:spcPct val="115000"/>
+                        </a:lnSpc>
+                        <a:spcBef>
+                          <a:spcPts val="0"/>
+                        </a:spcBef>
+                        <a:spcAft>
+                          <a:spcPts val="0"/>
+                        </a:spcAft>
+                      </a:pPr>
+                      <a:r>
+                        <a:rPr lang="en-US" sz="2000" dirty="0">
+                          <a:effectLst/>
+                          <a:latin typeface="Times New Roman" panose="02020603050405020304" pitchFamily="18" charset="0"/>
+                          <a:cs typeface="Times New Roman" panose="02020603050405020304" pitchFamily="18" charset="0"/>
+                        </a:rPr>
+                        <a:t>Trigger</a:t>
+                      </a:r>
+                      <a:endParaRPr lang="vi-VN" sz="2000" dirty="0">
+                        <a:effectLst/>
+                        <a:latin typeface="Times New Roman" panose="02020603050405020304" pitchFamily="18" charset="0"/>
+                        <a:ea typeface="MS Mincho" panose="02020609040205080304" pitchFamily="49" charset="-128"/>
+                        <a:cs typeface="Times New Roman" panose="02020603050405020304" pitchFamily="18" charset="0"/>
+                      </a:endParaRPr>
+                    </a:p>
+                  </a:txBody>
+                  <a:tcPr marL="73025" marR="73025" marT="18415" marB="18415"/>
+                </a:tc>
+                <a:tc>
+                  <a:txBody>
+                    <a:bodyPr/>
+                    <a:lstStyle/>
+                    <a:p>
+                      <a:pPr marL="0" marR="0">
+                        <a:lnSpc>
+                          <a:spcPct val="115000"/>
+                        </a:lnSpc>
+                        <a:spcBef>
+                          <a:spcPts val="0"/>
+                        </a:spcBef>
+                        <a:spcAft>
+                          <a:spcPts val="0"/>
+                        </a:spcAft>
+                      </a:pPr>
+                      <a:r>
+                        <a:rPr lang="en-US" sz="2000" dirty="0">
+                          <a:solidFill>
+                            <a:schemeClr val="bg1">
+                              <a:lumMod val="75000"/>
+                            </a:schemeClr>
+                          </a:solidFill>
+                          <a:effectLst/>
+                          <a:latin typeface="Times New Roman" panose="02020603050405020304" pitchFamily="18" charset="0"/>
+                          <a:cs typeface="Times New Roman" panose="02020603050405020304" pitchFamily="18" charset="0"/>
+                        </a:rPr>
+                        <a:t>When Customer click “Check balance” button in </a:t>
+                      </a:r>
+                      <a:r>
+                        <a:rPr lang="en-US" sz="2000" dirty="0" err="1">
+                          <a:solidFill>
+                            <a:schemeClr val="bg1">
+                              <a:lumMod val="75000"/>
+                            </a:schemeClr>
+                          </a:solidFill>
+                          <a:effectLst/>
+                          <a:latin typeface="Times New Roman" panose="02020603050405020304" pitchFamily="18" charset="0"/>
+                          <a:cs typeface="Times New Roman" panose="02020603050405020304" pitchFamily="18" charset="0"/>
+                        </a:rPr>
+                        <a:t>MainScreen</a:t>
+                      </a:r>
+                      <a:endParaRPr lang="vi-VN" sz="2000" dirty="0">
+                        <a:solidFill>
+                          <a:schemeClr val="bg1">
+                            <a:lumMod val="75000"/>
+                          </a:schemeClr>
+                        </a:solidFill>
+                        <a:effectLst/>
+                        <a:latin typeface="Times New Roman" panose="02020603050405020304" pitchFamily="18" charset="0"/>
+                        <a:ea typeface="MS Mincho" panose="02020609040205080304" pitchFamily="49" charset="-128"/>
+                        <a:cs typeface="Times New Roman" panose="02020603050405020304" pitchFamily="18" charset="0"/>
+                      </a:endParaRPr>
+                    </a:p>
+                  </a:txBody>
+                  <a:tcPr marL="73025" marR="73025" marT="18415" marB="18415"/>
+                </a:tc>
+              </a:tr>
+              <a:tr h="757007">
+                <a:tc>
+                  <a:txBody>
+                    <a:bodyPr/>
+                    <a:lstStyle/>
+                    <a:p>
+                      <a:pPr marL="0" marR="0">
+                        <a:lnSpc>
+                          <a:spcPct val="115000"/>
+                        </a:lnSpc>
+                        <a:spcBef>
+                          <a:spcPts val="0"/>
+                        </a:spcBef>
+                        <a:spcAft>
+                          <a:spcPts val="0"/>
+                        </a:spcAft>
+                      </a:pPr>
+                      <a:r>
+                        <a:rPr lang="en-US" sz="2000">
+                          <a:effectLst/>
+                          <a:latin typeface="Times New Roman" panose="02020603050405020304" pitchFamily="18" charset="0"/>
+                          <a:cs typeface="Times New Roman" panose="02020603050405020304" pitchFamily="18" charset="0"/>
+                        </a:rPr>
+                        <a:t>Pre-condition</a:t>
+                      </a:r>
+                      <a:endParaRPr lang="vi-VN" sz="2000">
+                        <a:effectLst/>
+                        <a:latin typeface="Times New Roman" panose="02020603050405020304" pitchFamily="18" charset="0"/>
+                        <a:ea typeface="MS Mincho" panose="02020609040205080304" pitchFamily="49" charset="-128"/>
+                        <a:cs typeface="Times New Roman" panose="02020603050405020304" pitchFamily="18" charset="0"/>
+                      </a:endParaRPr>
+                    </a:p>
+                  </a:txBody>
+                  <a:tcPr marL="73025" marR="73025" marT="18415" marB="18415"/>
+                </a:tc>
+                <a:tc>
+                  <a:txBody>
+                    <a:bodyPr/>
+                    <a:lstStyle/>
+                    <a:p>
+                      <a:pPr marL="0" marR="0">
+                        <a:lnSpc>
+                          <a:spcPts val="1300"/>
+                        </a:lnSpc>
+                        <a:spcBef>
+                          <a:spcPts val="0"/>
+                        </a:spcBef>
+                        <a:spcAft>
+                          <a:spcPts val="0"/>
+                        </a:spcAft>
+                      </a:pPr>
+                      <a:endParaRPr lang="en-US" sz="2000" dirty="0" smtClean="0">
+                        <a:solidFill>
+                          <a:schemeClr val="bg1">
+                            <a:lumMod val="75000"/>
+                          </a:schemeClr>
+                        </a:solidFill>
+                        <a:effectLst/>
+                        <a:latin typeface="Times New Roman" panose="02020603050405020304" pitchFamily="18" charset="0"/>
+                        <a:cs typeface="Times New Roman" panose="02020603050405020304" pitchFamily="18" charset="0"/>
+                      </a:endParaRPr>
+                    </a:p>
+                    <a:p>
+                      <a:pPr marL="0" marR="0">
+                        <a:lnSpc>
+                          <a:spcPts val="1300"/>
+                        </a:lnSpc>
+                        <a:spcBef>
+                          <a:spcPts val="0"/>
+                        </a:spcBef>
+                        <a:spcAft>
+                          <a:spcPts val="0"/>
+                        </a:spcAft>
+                      </a:pPr>
+                      <a:r>
+                        <a:rPr lang="en-US" sz="2000" dirty="0" smtClean="0">
+                          <a:solidFill>
+                            <a:schemeClr val="bg1">
+                              <a:lumMod val="75000"/>
+                            </a:schemeClr>
+                          </a:solidFill>
+                          <a:effectLst/>
+                          <a:latin typeface="Times New Roman" panose="02020603050405020304" pitchFamily="18" charset="0"/>
+                          <a:cs typeface="Times New Roman" panose="02020603050405020304" pitchFamily="18" charset="0"/>
+                        </a:rPr>
+                        <a:t>Customer </a:t>
+                      </a:r>
+                      <a:r>
+                        <a:rPr lang="en-US" sz="2000" dirty="0">
+                          <a:solidFill>
+                            <a:schemeClr val="bg1">
+                              <a:lumMod val="75000"/>
+                            </a:schemeClr>
+                          </a:solidFill>
+                          <a:effectLst/>
+                          <a:latin typeface="Times New Roman" panose="02020603050405020304" pitchFamily="18" charset="0"/>
+                          <a:cs typeface="Times New Roman" panose="02020603050405020304" pitchFamily="18" charset="0"/>
+                        </a:rPr>
+                        <a:t>had Validation to ATM.</a:t>
+                      </a:r>
+                      <a:endParaRPr lang="vi-VN" sz="2000" dirty="0">
+                        <a:solidFill>
+                          <a:schemeClr val="bg1">
+                            <a:lumMod val="75000"/>
+                          </a:schemeClr>
+                        </a:solidFill>
+                        <a:effectLst/>
+                        <a:latin typeface="Times New Roman" panose="02020603050405020304" pitchFamily="18" charset="0"/>
+                        <a:ea typeface="MS Mincho" panose="02020609040205080304" pitchFamily="49" charset="-128"/>
+                        <a:cs typeface="Times New Roman" panose="02020603050405020304" pitchFamily="18" charset="0"/>
+                      </a:endParaRPr>
+                    </a:p>
+                  </a:txBody>
+                  <a:tcPr marL="73025" marR="73025" marT="18415" marB="18415"/>
+                </a:tc>
+              </a:tr>
+              <a:tr h="757007">
+                <a:tc>
+                  <a:txBody>
+                    <a:bodyPr/>
+                    <a:lstStyle/>
+                    <a:p>
+                      <a:pPr marL="0" marR="0">
+                        <a:lnSpc>
+                          <a:spcPct val="115000"/>
+                        </a:lnSpc>
+                        <a:spcBef>
+                          <a:spcPts val="0"/>
+                        </a:spcBef>
+                        <a:spcAft>
+                          <a:spcPts val="0"/>
+                        </a:spcAft>
+                      </a:pPr>
+                      <a:r>
+                        <a:rPr lang="en-US" sz="2000">
+                          <a:effectLst/>
+                          <a:latin typeface="Times New Roman" panose="02020603050405020304" pitchFamily="18" charset="0"/>
+                          <a:cs typeface="Times New Roman" panose="02020603050405020304" pitchFamily="18" charset="0"/>
+                        </a:rPr>
+                        <a:t>Post-condition</a:t>
+                      </a:r>
+                      <a:endParaRPr lang="vi-VN" sz="2000">
+                        <a:effectLst/>
+                        <a:latin typeface="Times New Roman" panose="02020603050405020304" pitchFamily="18" charset="0"/>
+                        <a:ea typeface="MS Mincho" panose="02020609040205080304" pitchFamily="49" charset="-128"/>
+                        <a:cs typeface="Times New Roman" panose="02020603050405020304" pitchFamily="18" charset="0"/>
+                      </a:endParaRPr>
+                    </a:p>
+                  </a:txBody>
+                  <a:tcPr marL="73025" marR="73025" marT="18415" marB="18415"/>
+                </a:tc>
+                <a:tc>
+                  <a:txBody>
+                    <a:bodyPr/>
+                    <a:lstStyle/>
+                    <a:p>
+                      <a:pPr marL="0" marR="0">
+                        <a:lnSpc>
+                          <a:spcPct val="115000"/>
+                        </a:lnSpc>
+                        <a:spcBef>
+                          <a:spcPts val="0"/>
+                        </a:spcBef>
+                        <a:spcAft>
+                          <a:spcPts val="0"/>
+                        </a:spcAft>
+                      </a:pPr>
+                      <a:r>
+                        <a:rPr lang="en-US" sz="2000" dirty="0">
+                          <a:solidFill>
+                            <a:schemeClr val="bg1">
+                              <a:lumMod val="75000"/>
+                            </a:schemeClr>
+                          </a:solidFill>
+                          <a:effectLst/>
+                          <a:latin typeface="Times New Roman" panose="02020603050405020304" pitchFamily="18" charset="0"/>
+                          <a:cs typeface="Times New Roman" panose="02020603050405020304" pitchFamily="18" charset="0"/>
+                        </a:rPr>
+                        <a:t>ATM system display balance of Customer. </a:t>
+                      </a:r>
+                      <a:endParaRPr lang="vi-VN" sz="2000" dirty="0">
+                        <a:solidFill>
+                          <a:schemeClr val="bg1">
+                            <a:lumMod val="75000"/>
+                          </a:schemeClr>
+                        </a:solidFill>
+                        <a:effectLst/>
+                        <a:latin typeface="Times New Roman" panose="02020603050405020304" pitchFamily="18" charset="0"/>
+                        <a:ea typeface="MS Mincho" panose="02020609040205080304" pitchFamily="49" charset="-128"/>
+                        <a:cs typeface="Times New Roman" panose="02020603050405020304" pitchFamily="18" charset="0"/>
+                      </a:endParaRPr>
+                    </a:p>
+                  </a:txBody>
+                  <a:tcPr marL="73025" marR="73025" marT="18415" marB="18415"/>
+                </a:tc>
+              </a:tr>
+            </a:tbl>
+          </a:graphicData>
+        </a:graphic>
+      </p:graphicFrame>
+      <p:sp>
+        <p:nvSpPr>
+          <p:cNvPr id="5" name="TextBox 4"/>
+          <p:cNvSpPr txBox="1"/>
+          <p:nvPr/>
+        </p:nvSpPr>
+        <p:spPr>
+          <a:xfrm>
+            <a:off x="457200" y="1550753"/>
+            <a:ext cx="3312368" cy="553998"/>
+          </a:xfrm>
+          <a:prstGeom prst="rect">
+            <a:avLst/>
+          </a:prstGeom>
+          <a:noFill/>
+        </p:spPr>
+        <p:txBody>
+          <a:bodyPr wrap="square" rtlCol="0">
+            <a:spAutoFit/>
+          </a:bodyPr>
+          <a:lstStyle/>
+          <a:p>
+            <a:r>
+              <a:rPr lang="en-US" sz="3000" dirty="0" smtClean="0">
+                <a:solidFill>
+                  <a:srgbClr val="FF0000"/>
+                </a:solidFill>
+                <a:latin typeface="Times New Roman" panose="02020603050405020304" pitchFamily="18" charset="0"/>
+                <a:cs typeface="Times New Roman" panose="02020603050405020304" pitchFamily="18" charset="0"/>
+              </a:rPr>
+              <a:t>1. Use Case</a:t>
+            </a:r>
+            <a:endParaRPr lang="vi-VN" sz="3000" dirty="0">
+              <a:solidFill>
+                <a:srgbClr val="FF0000"/>
+              </a:solidFill>
+              <a:latin typeface="Times New Roman" panose="02020603050405020304" pitchFamily="18" charset="0"/>
+              <a:cs typeface="Times New Roman" panose="02020603050405020304" pitchFamily="18" charset="0"/>
+            </a:endParaRPr>
+          </a:p>
+        </p:txBody>
+      </p:sp>
     </p:spTree>
     <p:extLst>
       <p:ext uri="{BB962C8B-B14F-4D97-AF65-F5344CB8AC3E}">
-        <p14:creationId xmlns="" xmlns:p14="http://schemas.microsoft.com/office/powerpoint/2010/main" val="1205388186"/>
+        <p14:creationId xmlns:p14="http://schemas.microsoft.com/office/powerpoint/2010/main" val="1205388186"/>
       </p:ext>
     </p:extLst>
   </p:cSld>
@@ -4094,7 +4810,7 @@
         </p:nvSpPr>
         <p:spPr>
           <a:xfrm>
-            <a:off x="467544" y="260648"/>
+            <a:off x="457200" y="274638"/>
             <a:ext cx="8229600" cy="850106"/>
           </a:xfrm>
         </p:spPr>
@@ -4104,16 +4820,130 @@
           <a:p>
             <a:r>
               <a:rPr lang="en-GB" smtClean="0"/>
-              <a:t>Withdraw</a:t>
+              <a:t>Check balance</a:t>
             </a:r>
             <a:endParaRPr lang="en-GB"/>
           </a:p>
         </p:txBody>
       </p:sp>
+      <p:sp>
+        <p:nvSpPr>
+          <p:cNvPr id="3" name="TextBox 2"/>
+          <p:cNvSpPr txBox="1"/>
+          <p:nvPr/>
+        </p:nvSpPr>
+        <p:spPr>
+          <a:xfrm>
+            <a:off x="457200" y="2348880"/>
+            <a:ext cx="8229600" cy="369332"/>
+          </a:xfrm>
+          <a:prstGeom prst="rect">
+            <a:avLst/>
+          </a:prstGeom>
+          <a:noFill/>
+        </p:spPr>
+        <p:txBody>
+          <a:bodyPr wrap="square" rtlCol="0">
+            <a:spAutoFit/>
+          </a:bodyPr>
+          <a:lstStyle/>
+          <a:p>
+            <a:endParaRPr lang="vi-VN" dirty="0">
+              <a:latin typeface="Times New Roman" panose="02020603050405020304" pitchFamily="18" charset="0"/>
+              <a:cs typeface="Times New Roman" panose="02020603050405020304" pitchFamily="18" charset="0"/>
+            </a:endParaRPr>
+          </a:p>
+        </p:txBody>
+      </p:sp>
+      <p:sp>
+        <p:nvSpPr>
+          <p:cNvPr id="5" name="TextBox 4"/>
+          <p:cNvSpPr txBox="1"/>
+          <p:nvPr/>
+        </p:nvSpPr>
+        <p:spPr>
+          <a:xfrm>
+            <a:off x="457200" y="1550753"/>
+            <a:ext cx="3312368" cy="553998"/>
+          </a:xfrm>
+          <a:prstGeom prst="rect">
+            <a:avLst/>
+          </a:prstGeom>
+          <a:noFill/>
+        </p:spPr>
+        <p:txBody>
+          <a:bodyPr wrap="square" rtlCol="0">
+            <a:spAutoFit/>
+          </a:bodyPr>
+          <a:lstStyle/>
+          <a:p>
+            <a:r>
+              <a:rPr lang="en-US" sz="3000" dirty="0">
+                <a:solidFill>
+                  <a:srgbClr val="FF0000"/>
+                </a:solidFill>
+                <a:latin typeface="Times New Roman" panose="02020603050405020304" pitchFamily="18" charset="0"/>
+                <a:cs typeface="Times New Roman" panose="02020603050405020304" pitchFamily="18" charset="0"/>
+              </a:rPr>
+              <a:t>2</a:t>
+            </a:r>
+            <a:r>
+              <a:rPr lang="en-US" sz="3000" dirty="0" smtClean="0">
+                <a:solidFill>
+                  <a:srgbClr val="FF0000"/>
+                </a:solidFill>
+                <a:latin typeface="Times New Roman" panose="02020603050405020304" pitchFamily="18" charset="0"/>
+                <a:cs typeface="Times New Roman" panose="02020603050405020304" pitchFamily="18" charset="0"/>
+              </a:rPr>
+              <a:t>. Activities flow</a:t>
+            </a:r>
+            <a:endParaRPr lang="vi-VN" sz="3000" dirty="0">
+              <a:solidFill>
+                <a:srgbClr val="FF0000"/>
+              </a:solidFill>
+              <a:latin typeface="Times New Roman" panose="02020603050405020304" pitchFamily="18" charset="0"/>
+              <a:cs typeface="Times New Roman" panose="02020603050405020304" pitchFamily="18" charset="0"/>
+            </a:endParaRPr>
+          </a:p>
+        </p:txBody>
+      </p:sp>
+      <p:pic>
+        <p:nvPicPr>
+          <p:cNvPr id="6" name="Picture 5"/>
+          <p:cNvPicPr/>
+          <p:nvPr/>
+        </p:nvPicPr>
+        <p:blipFill>
+          <a:blip r:embed="rId2">
+            <a:extLst>
+              <a:ext uri="{28A0092B-C50C-407E-A947-70E740481C1C}">
+                <a14:useLocalDpi xmlns:a14="http://schemas.microsoft.com/office/drawing/2010/main" val="0"/>
+              </a:ext>
+            </a:extLst>
+          </a:blip>
+          <a:srcRect/>
+          <a:stretch>
+            <a:fillRect/>
+          </a:stretch>
+        </p:blipFill>
+        <p:spPr bwMode="auto">
+          <a:xfrm>
+            <a:off x="457200" y="2204864"/>
+            <a:ext cx="8229600" cy="3960440"/>
+          </a:xfrm>
+          <a:prstGeom prst="rect">
+            <a:avLst/>
+          </a:prstGeom>
+          <a:noFill/>
+          <a:ln>
+            <a:noFill/>
+          </a:ln>
+        </p:spPr>
+      </p:pic>
     </p:spTree>
     <p:extLst>
       <p:ext uri="{BB962C8B-B14F-4D97-AF65-F5344CB8AC3E}">
-        <p14:creationId xmlns="" xmlns:p14="http://schemas.microsoft.com/office/powerpoint/2010/main" val="2468861637"/>
+        <p14:creationId xmlns:p14="http://schemas.microsoft.com/office/powerpoint/2010/main" val="2761531101"/>
       </p:ext>
     </p:extLst>
   </p:cSld>
@@ -4157,25 +4987,709 @@
             <p:ph type="title"/>
           </p:nvPr>
         </p:nvSpPr>
-        <p:spPr/>
-        <p:txBody>
-          <a:bodyPr>
-            <a:normAutofit/>
+        <p:spPr>
+          <a:xfrm>
+            <a:off x="457200" y="274638"/>
+            <a:ext cx="8229600" cy="850106"/>
+          </a:xfrm>
+        </p:spPr>
+        <p:txBody>
+          <a:bodyPr/>
+          <a:lstStyle/>
+          <a:p>
+            <a:r>
+              <a:rPr lang="en-GB" smtClean="0"/>
+              <a:t>Check balance</a:t>
+            </a:r>
+            <a:endParaRPr lang="en-GB"/>
+          </a:p>
+        </p:txBody>
+      </p:sp>
+      <p:sp>
+        <p:nvSpPr>
+          <p:cNvPr id="3" name="TextBox 2"/>
+          <p:cNvSpPr txBox="1"/>
+          <p:nvPr/>
+        </p:nvSpPr>
+        <p:spPr>
+          <a:xfrm>
+            <a:off x="457200" y="2348880"/>
+            <a:ext cx="8229600" cy="369332"/>
+          </a:xfrm>
+          <a:prstGeom prst="rect">
+            <a:avLst/>
+          </a:prstGeom>
+          <a:noFill/>
+        </p:spPr>
+        <p:txBody>
+          <a:bodyPr wrap="square" rtlCol="0">
+            <a:spAutoFit/>
           </a:bodyPr>
           <a:lstStyle/>
           <a:p>
-            <a:r>
-              <a:rPr lang="en-GB" smtClean="0"/>
-              <a:t>Conclusion</a:t>
-            </a:r>
-            <a:endParaRPr lang="en-GB" dirty="0"/>
+            <a:endParaRPr lang="vi-VN" dirty="0">
+              <a:latin typeface="Times New Roman" panose="02020603050405020304" pitchFamily="18" charset="0"/>
+              <a:cs typeface="Times New Roman" panose="02020603050405020304" pitchFamily="18" charset="0"/>
+            </a:endParaRPr>
+          </a:p>
+        </p:txBody>
+      </p:sp>
+      <p:graphicFrame>
+        <p:nvGraphicFramePr>
+          <p:cNvPr id="4" name="Table 3"/>
+          <p:cNvGraphicFramePr>
+            <a:graphicFrameLocks noGrp="1"/>
+          </p:cNvGraphicFramePr>
+          <p:nvPr/>
+        </p:nvGraphicFramePr>
+        <p:xfrm>
+          <a:off x="489295" y="2345558"/>
+          <a:ext cx="8165410" cy="3459706"/>
+        </p:xfrm>
+        <a:graphic>
+          <a:graphicData uri="http://schemas.openxmlformats.org/drawingml/2006/table">
+            <a:tbl>
+              <a:tblPr firstRow="1" firstCol="1" bandRow="1">
+                <a:tableStyleId>{5C22544A-7EE6-4342-B048-85BDC9FD1C3A}</a:tableStyleId>
+              </a:tblPr>
+              <a:tblGrid>
+                <a:gridCol w="1508968"/>
+                <a:gridCol w="6656442"/>
+              </a:tblGrid>
+              <a:tr h="486423">
+                <a:tc>
+                  <a:txBody>
+                    <a:bodyPr/>
+                    <a:lstStyle/>
+                    <a:p>
+                      <a:pPr marL="0" marR="0">
+                        <a:lnSpc>
+                          <a:spcPct val="115000"/>
+                        </a:lnSpc>
+                        <a:spcBef>
+                          <a:spcPts val="0"/>
+                        </a:spcBef>
+                        <a:spcAft>
+                          <a:spcPts val="0"/>
+                        </a:spcAft>
+                      </a:pPr>
+                      <a:r>
+                        <a:rPr lang="en-US" sz="2000" dirty="0">
+                          <a:effectLst/>
+                          <a:latin typeface="Times New Roman" panose="02020603050405020304" pitchFamily="18" charset="0"/>
+                          <a:cs typeface="Times New Roman" panose="02020603050405020304" pitchFamily="18" charset="0"/>
+                        </a:rPr>
+                        <a:t>Name</a:t>
+                      </a:r>
+                      <a:endParaRPr lang="vi-VN" sz="2000" dirty="0">
+                        <a:effectLst/>
+                        <a:latin typeface="Times New Roman" panose="02020603050405020304" pitchFamily="18" charset="0"/>
+                        <a:ea typeface="MS Mincho" panose="02020609040205080304" pitchFamily="49" charset="-128"/>
+                        <a:cs typeface="Times New Roman" panose="02020603050405020304" pitchFamily="18" charset="0"/>
+                      </a:endParaRPr>
+                    </a:p>
+                  </a:txBody>
+                  <a:tcPr marL="73025" marR="73025" marT="18415" marB="18415"/>
+                </a:tc>
+                <a:tc>
+                  <a:txBody>
+                    <a:bodyPr/>
+                    <a:lstStyle/>
+                    <a:p>
+                      <a:pPr marL="0" marR="0">
+                        <a:lnSpc>
+                          <a:spcPct val="115000"/>
+                        </a:lnSpc>
+                        <a:spcBef>
+                          <a:spcPts val="0"/>
+                        </a:spcBef>
+                        <a:spcAft>
+                          <a:spcPts val="0"/>
+                        </a:spcAft>
+                      </a:pPr>
+                      <a:r>
+                        <a:rPr lang="en-US" sz="2000" dirty="0" err="1">
+                          <a:effectLst/>
+                          <a:latin typeface="Times New Roman" panose="02020603050405020304" pitchFamily="18" charset="0"/>
+                          <a:cs typeface="Times New Roman" panose="02020603050405020304" pitchFamily="18" charset="0"/>
+                        </a:rPr>
+                        <a:t>CheckBalance</a:t>
+                      </a:r>
+                      <a:endParaRPr lang="vi-VN" sz="2000" dirty="0">
+                        <a:effectLst/>
+                        <a:latin typeface="Times New Roman" panose="02020603050405020304" pitchFamily="18" charset="0"/>
+                        <a:ea typeface="MS Mincho" panose="02020609040205080304" pitchFamily="49" charset="-128"/>
+                        <a:cs typeface="Times New Roman" panose="02020603050405020304" pitchFamily="18" charset="0"/>
+                      </a:endParaRPr>
+                    </a:p>
+                  </a:txBody>
+                  <a:tcPr marL="73025" marR="73025" marT="18415" marB="18415"/>
+                </a:tc>
+              </a:tr>
+              <a:tr h="486423">
+                <a:tc>
+                  <a:txBody>
+                    <a:bodyPr/>
+                    <a:lstStyle/>
+                    <a:p>
+                      <a:pPr marL="0" marR="0">
+                        <a:lnSpc>
+                          <a:spcPct val="115000"/>
+                        </a:lnSpc>
+                        <a:spcBef>
+                          <a:spcPts val="0"/>
+                        </a:spcBef>
+                        <a:spcAft>
+                          <a:spcPts val="0"/>
+                        </a:spcAft>
+                      </a:pPr>
+                      <a:r>
+                        <a:rPr lang="en-US" sz="2000">
+                          <a:effectLst/>
+                          <a:latin typeface="Times New Roman" panose="02020603050405020304" pitchFamily="18" charset="0"/>
+                          <a:cs typeface="Times New Roman" panose="02020603050405020304" pitchFamily="18" charset="0"/>
+                        </a:rPr>
+                        <a:t>Description</a:t>
+                      </a:r>
+                      <a:endParaRPr lang="vi-VN" sz="2000">
+                        <a:effectLst/>
+                        <a:latin typeface="Times New Roman" panose="02020603050405020304" pitchFamily="18" charset="0"/>
+                        <a:ea typeface="MS Mincho" panose="02020609040205080304" pitchFamily="49" charset="-128"/>
+                        <a:cs typeface="Times New Roman" panose="02020603050405020304" pitchFamily="18" charset="0"/>
+                      </a:endParaRPr>
+                    </a:p>
+                  </a:txBody>
+                  <a:tcPr marL="73025" marR="73025" marT="18415" marB="18415"/>
+                </a:tc>
+                <a:tc>
+                  <a:txBody>
+                    <a:bodyPr/>
+                    <a:lstStyle/>
+                    <a:p>
+                      <a:pPr marL="0" marR="0">
+                        <a:lnSpc>
+                          <a:spcPct val="115000"/>
+                        </a:lnSpc>
+                        <a:spcBef>
+                          <a:spcPts val="0"/>
+                        </a:spcBef>
+                        <a:spcAft>
+                          <a:spcPts val="0"/>
+                        </a:spcAft>
+                      </a:pPr>
+                      <a:r>
+                        <a:rPr lang="en-US" sz="2000" dirty="0">
+                          <a:solidFill>
+                            <a:schemeClr val="bg1">
+                              <a:lumMod val="75000"/>
+                            </a:schemeClr>
+                          </a:solidFill>
+                          <a:effectLst/>
+                          <a:latin typeface="Times New Roman" panose="02020603050405020304" pitchFamily="18" charset="0"/>
+                          <a:cs typeface="Times New Roman" panose="02020603050405020304" pitchFamily="18" charset="0"/>
+                        </a:rPr>
+                        <a:t>This use case allows Customer to check their Balance. </a:t>
+                      </a:r>
+                      <a:endParaRPr lang="vi-VN" sz="2000" dirty="0">
+                        <a:solidFill>
+                          <a:schemeClr val="bg1">
+                            <a:lumMod val="75000"/>
+                          </a:schemeClr>
+                        </a:solidFill>
+                        <a:effectLst/>
+                        <a:latin typeface="Times New Roman" panose="02020603050405020304" pitchFamily="18" charset="0"/>
+                        <a:ea typeface="MS Mincho" panose="02020609040205080304" pitchFamily="49" charset="-128"/>
+                        <a:cs typeface="Times New Roman" panose="02020603050405020304" pitchFamily="18" charset="0"/>
+                      </a:endParaRPr>
+                    </a:p>
+                  </a:txBody>
+                  <a:tcPr marL="73025" marR="73025" marT="18415" marB="18415"/>
+                </a:tc>
+              </a:tr>
+              <a:tr h="486423">
+                <a:tc>
+                  <a:txBody>
+                    <a:bodyPr/>
+                    <a:lstStyle/>
+                    <a:p>
+                      <a:pPr marL="0" marR="0">
+                        <a:lnSpc>
+                          <a:spcPct val="115000"/>
+                        </a:lnSpc>
+                        <a:spcBef>
+                          <a:spcPts val="0"/>
+                        </a:spcBef>
+                        <a:spcAft>
+                          <a:spcPts val="0"/>
+                        </a:spcAft>
+                      </a:pPr>
+                      <a:r>
+                        <a:rPr lang="en-US" sz="2000">
+                          <a:effectLst/>
+                          <a:latin typeface="Times New Roman" panose="02020603050405020304" pitchFamily="18" charset="0"/>
+                          <a:cs typeface="Times New Roman" panose="02020603050405020304" pitchFamily="18" charset="0"/>
+                        </a:rPr>
+                        <a:t>Actor</a:t>
+                      </a:r>
+                      <a:endParaRPr lang="vi-VN" sz="2000">
+                        <a:effectLst/>
+                        <a:latin typeface="Times New Roman" panose="02020603050405020304" pitchFamily="18" charset="0"/>
+                        <a:ea typeface="MS Mincho" panose="02020609040205080304" pitchFamily="49" charset="-128"/>
+                        <a:cs typeface="Times New Roman" panose="02020603050405020304" pitchFamily="18" charset="0"/>
+                      </a:endParaRPr>
+                    </a:p>
+                  </a:txBody>
+                  <a:tcPr marL="73025" marR="73025" marT="18415" marB="18415"/>
+                </a:tc>
+                <a:tc>
+                  <a:txBody>
+                    <a:bodyPr/>
+                    <a:lstStyle/>
+                    <a:p>
+                      <a:pPr marL="0" marR="0">
+                        <a:lnSpc>
+                          <a:spcPct val="115000"/>
+                        </a:lnSpc>
+                        <a:spcBef>
+                          <a:spcPts val="0"/>
+                        </a:spcBef>
+                        <a:spcAft>
+                          <a:spcPts val="0"/>
+                        </a:spcAft>
+                      </a:pPr>
+                      <a:r>
+                        <a:rPr lang="en-US" sz="2000" dirty="0">
+                          <a:solidFill>
+                            <a:schemeClr val="bg1">
+                              <a:lumMod val="75000"/>
+                            </a:schemeClr>
+                          </a:solidFill>
+                          <a:effectLst/>
+                          <a:latin typeface="Times New Roman" panose="02020603050405020304" pitchFamily="18" charset="0"/>
+                          <a:cs typeface="Times New Roman" panose="02020603050405020304" pitchFamily="18" charset="0"/>
+                        </a:rPr>
+                        <a:t>Customer</a:t>
+                      </a:r>
+                      <a:endParaRPr lang="vi-VN" sz="2000" dirty="0">
+                        <a:solidFill>
+                          <a:schemeClr val="bg1">
+                            <a:lumMod val="75000"/>
+                          </a:schemeClr>
+                        </a:solidFill>
+                        <a:effectLst/>
+                        <a:latin typeface="Times New Roman" panose="02020603050405020304" pitchFamily="18" charset="0"/>
+                        <a:ea typeface="MS Mincho" panose="02020609040205080304" pitchFamily="49" charset="-128"/>
+                        <a:cs typeface="Times New Roman" panose="02020603050405020304" pitchFamily="18" charset="0"/>
+                      </a:endParaRPr>
+                    </a:p>
+                  </a:txBody>
+                  <a:tcPr marL="73025" marR="73025" marT="18415" marB="18415"/>
+                </a:tc>
+              </a:tr>
+              <a:tr h="486423">
+                <a:tc>
+                  <a:txBody>
+                    <a:bodyPr/>
+                    <a:lstStyle/>
+                    <a:p>
+                      <a:pPr marL="0" marR="0">
+                        <a:lnSpc>
+                          <a:spcPct val="115000"/>
+                        </a:lnSpc>
+                        <a:spcBef>
+                          <a:spcPts val="0"/>
+                        </a:spcBef>
+                        <a:spcAft>
+                          <a:spcPts val="0"/>
+                        </a:spcAft>
+                      </a:pPr>
+                      <a:r>
+                        <a:rPr lang="en-US" sz="2000" dirty="0">
+                          <a:effectLst/>
+                          <a:latin typeface="Times New Roman" panose="02020603050405020304" pitchFamily="18" charset="0"/>
+                          <a:cs typeface="Times New Roman" panose="02020603050405020304" pitchFamily="18" charset="0"/>
+                        </a:rPr>
+                        <a:t>Trigger</a:t>
+                      </a:r>
+                      <a:endParaRPr lang="vi-VN" sz="2000" dirty="0">
+                        <a:effectLst/>
+                        <a:latin typeface="Times New Roman" panose="02020603050405020304" pitchFamily="18" charset="0"/>
+                        <a:ea typeface="MS Mincho" panose="02020609040205080304" pitchFamily="49" charset="-128"/>
+                        <a:cs typeface="Times New Roman" panose="02020603050405020304" pitchFamily="18" charset="0"/>
+                      </a:endParaRPr>
+                    </a:p>
+                  </a:txBody>
+                  <a:tcPr marL="73025" marR="73025" marT="18415" marB="18415"/>
+                </a:tc>
+                <a:tc>
+                  <a:txBody>
+                    <a:bodyPr/>
+                    <a:lstStyle/>
+                    <a:p>
+                      <a:pPr marL="0" marR="0">
+                        <a:lnSpc>
+                          <a:spcPct val="115000"/>
+                        </a:lnSpc>
+                        <a:spcBef>
+                          <a:spcPts val="0"/>
+                        </a:spcBef>
+                        <a:spcAft>
+                          <a:spcPts val="0"/>
+                        </a:spcAft>
+                      </a:pPr>
+                      <a:r>
+                        <a:rPr lang="en-US" sz="2000" dirty="0">
+                          <a:solidFill>
+                            <a:schemeClr val="bg1">
+                              <a:lumMod val="75000"/>
+                            </a:schemeClr>
+                          </a:solidFill>
+                          <a:effectLst/>
+                          <a:latin typeface="Times New Roman" panose="02020603050405020304" pitchFamily="18" charset="0"/>
+                          <a:cs typeface="Times New Roman" panose="02020603050405020304" pitchFamily="18" charset="0"/>
+                        </a:rPr>
+                        <a:t>When Customer click “Check balance” button in </a:t>
+                      </a:r>
+                      <a:r>
+                        <a:rPr lang="en-US" sz="2000" dirty="0" err="1">
+                          <a:solidFill>
+                            <a:schemeClr val="bg1">
+                              <a:lumMod val="75000"/>
+                            </a:schemeClr>
+                          </a:solidFill>
+                          <a:effectLst/>
+                          <a:latin typeface="Times New Roman" panose="02020603050405020304" pitchFamily="18" charset="0"/>
+                          <a:cs typeface="Times New Roman" panose="02020603050405020304" pitchFamily="18" charset="0"/>
+                        </a:rPr>
+                        <a:t>MainScreen</a:t>
+                      </a:r>
+                      <a:endParaRPr lang="vi-VN" sz="2000" dirty="0">
+                        <a:solidFill>
+                          <a:schemeClr val="bg1">
+                            <a:lumMod val="75000"/>
+                          </a:schemeClr>
+                        </a:solidFill>
+                        <a:effectLst/>
+                        <a:latin typeface="Times New Roman" panose="02020603050405020304" pitchFamily="18" charset="0"/>
+                        <a:ea typeface="MS Mincho" panose="02020609040205080304" pitchFamily="49" charset="-128"/>
+                        <a:cs typeface="Times New Roman" panose="02020603050405020304" pitchFamily="18" charset="0"/>
+                      </a:endParaRPr>
+                    </a:p>
+                  </a:txBody>
+                  <a:tcPr marL="73025" marR="73025" marT="18415" marB="18415"/>
+                </a:tc>
+              </a:tr>
+              <a:tr h="757007">
+                <a:tc>
+                  <a:txBody>
+                    <a:bodyPr/>
+                    <a:lstStyle/>
+                    <a:p>
+                      <a:pPr marL="0" marR="0">
+                        <a:lnSpc>
+                          <a:spcPct val="115000"/>
+                        </a:lnSpc>
+                        <a:spcBef>
+                          <a:spcPts val="0"/>
+                        </a:spcBef>
+                        <a:spcAft>
+                          <a:spcPts val="0"/>
+                        </a:spcAft>
+                      </a:pPr>
+                      <a:r>
+                        <a:rPr lang="en-US" sz="2000">
+                          <a:effectLst/>
+                          <a:latin typeface="Times New Roman" panose="02020603050405020304" pitchFamily="18" charset="0"/>
+                          <a:cs typeface="Times New Roman" panose="02020603050405020304" pitchFamily="18" charset="0"/>
+                        </a:rPr>
+                        <a:t>Pre-condition</a:t>
+                      </a:r>
+                      <a:endParaRPr lang="vi-VN" sz="2000">
+                        <a:effectLst/>
+                        <a:latin typeface="Times New Roman" panose="02020603050405020304" pitchFamily="18" charset="0"/>
+                        <a:ea typeface="MS Mincho" panose="02020609040205080304" pitchFamily="49" charset="-128"/>
+                        <a:cs typeface="Times New Roman" panose="02020603050405020304" pitchFamily="18" charset="0"/>
+                      </a:endParaRPr>
+                    </a:p>
+                  </a:txBody>
+                  <a:tcPr marL="73025" marR="73025" marT="18415" marB="18415"/>
+                </a:tc>
+                <a:tc>
+                  <a:txBody>
+                    <a:bodyPr/>
+                    <a:lstStyle/>
+                    <a:p>
+                      <a:pPr marL="0" marR="0">
+                        <a:lnSpc>
+                          <a:spcPts val="1300"/>
+                        </a:lnSpc>
+                        <a:spcBef>
+                          <a:spcPts val="0"/>
+                        </a:spcBef>
+                        <a:spcAft>
+                          <a:spcPts val="0"/>
+                        </a:spcAft>
+                      </a:pPr>
+                      <a:endParaRPr lang="en-US" sz="2000" dirty="0" smtClean="0">
+                        <a:solidFill>
+                          <a:schemeClr val="bg1">
+                            <a:lumMod val="75000"/>
+                          </a:schemeClr>
+                        </a:solidFill>
+                        <a:effectLst/>
+                        <a:latin typeface="Times New Roman" panose="02020603050405020304" pitchFamily="18" charset="0"/>
+                        <a:cs typeface="Times New Roman" panose="02020603050405020304" pitchFamily="18" charset="0"/>
+                      </a:endParaRPr>
+                    </a:p>
+                    <a:p>
+                      <a:pPr marL="0" marR="0">
+                        <a:lnSpc>
+                          <a:spcPts val="1300"/>
+                        </a:lnSpc>
+                        <a:spcBef>
+                          <a:spcPts val="0"/>
+                        </a:spcBef>
+                        <a:spcAft>
+                          <a:spcPts val="0"/>
+                        </a:spcAft>
+                      </a:pPr>
+                      <a:r>
+                        <a:rPr lang="en-US" sz="2000" dirty="0" smtClean="0">
+                          <a:solidFill>
+                            <a:schemeClr val="bg1">
+                              <a:lumMod val="75000"/>
+                            </a:schemeClr>
+                          </a:solidFill>
+                          <a:effectLst/>
+                          <a:latin typeface="Times New Roman" panose="02020603050405020304" pitchFamily="18" charset="0"/>
+                          <a:cs typeface="Times New Roman" panose="02020603050405020304" pitchFamily="18" charset="0"/>
+                        </a:rPr>
+                        <a:t>Customer </a:t>
+                      </a:r>
+                      <a:r>
+                        <a:rPr lang="en-US" sz="2000" dirty="0">
+                          <a:solidFill>
+                            <a:schemeClr val="bg1">
+                              <a:lumMod val="75000"/>
+                            </a:schemeClr>
+                          </a:solidFill>
+                          <a:effectLst/>
+                          <a:latin typeface="Times New Roman" panose="02020603050405020304" pitchFamily="18" charset="0"/>
+                          <a:cs typeface="Times New Roman" panose="02020603050405020304" pitchFamily="18" charset="0"/>
+                        </a:rPr>
+                        <a:t>had Validation to ATM.</a:t>
+                      </a:r>
+                      <a:endParaRPr lang="vi-VN" sz="2000" dirty="0">
+                        <a:solidFill>
+                          <a:schemeClr val="bg1">
+                            <a:lumMod val="75000"/>
+                          </a:schemeClr>
+                        </a:solidFill>
+                        <a:effectLst/>
+                        <a:latin typeface="Times New Roman" panose="02020603050405020304" pitchFamily="18" charset="0"/>
+                        <a:ea typeface="MS Mincho" panose="02020609040205080304" pitchFamily="49" charset="-128"/>
+                        <a:cs typeface="Times New Roman" panose="02020603050405020304" pitchFamily="18" charset="0"/>
+                      </a:endParaRPr>
+                    </a:p>
+                  </a:txBody>
+                  <a:tcPr marL="73025" marR="73025" marT="18415" marB="18415"/>
+                </a:tc>
+              </a:tr>
+              <a:tr h="757007">
+                <a:tc>
+                  <a:txBody>
+                    <a:bodyPr/>
+                    <a:lstStyle/>
+                    <a:p>
+                      <a:pPr marL="0" marR="0">
+                        <a:lnSpc>
+                          <a:spcPct val="115000"/>
+                        </a:lnSpc>
+                        <a:spcBef>
+                          <a:spcPts val="0"/>
+                        </a:spcBef>
+                        <a:spcAft>
+                          <a:spcPts val="0"/>
+                        </a:spcAft>
+                      </a:pPr>
+                      <a:r>
+                        <a:rPr lang="en-US" sz="2000">
+                          <a:effectLst/>
+                          <a:latin typeface="Times New Roman" panose="02020603050405020304" pitchFamily="18" charset="0"/>
+                          <a:cs typeface="Times New Roman" panose="02020603050405020304" pitchFamily="18" charset="0"/>
+                        </a:rPr>
+                        <a:t>Post-condition</a:t>
+                      </a:r>
+                      <a:endParaRPr lang="vi-VN" sz="2000">
+                        <a:effectLst/>
+                        <a:latin typeface="Times New Roman" panose="02020603050405020304" pitchFamily="18" charset="0"/>
+                        <a:ea typeface="MS Mincho" panose="02020609040205080304" pitchFamily="49" charset="-128"/>
+                        <a:cs typeface="Times New Roman" panose="02020603050405020304" pitchFamily="18" charset="0"/>
+                      </a:endParaRPr>
+                    </a:p>
+                  </a:txBody>
+                  <a:tcPr marL="73025" marR="73025" marT="18415" marB="18415"/>
+                </a:tc>
+                <a:tc>
+                  <a:txBody>
+                    <a:bodyPr/>
+                    <a:lstStyle/>
+                    <a:p>
+                      <a:pPr marL="0" marR="0">
+                        <a:lnSpc>
+                          <a:spcPct val="115000"/>
+                        </a:lnSpc>
+                        <a:spcBef>
+                          <a:spcPts val="0"/>
+                        </a:spcBef>
+                        <a:spcAft>
+                          <a:spcPts val="0"/>
+                        </a:spcAft>
+                      </a:pPr>
+                      <a:r>
+                        <a:rPr lang="en-US" sz="2000" dirty="0">
+                          <a:solidFill>
+                            <a:schemeClr val="bg1">
+                              <a:lumMod val="75000"/>
+                            </a:schemeClr>
+                          </a:solidFill>
+                          <a:effectLst/>
+                          <a:latin typeface="Times New Roman" panose="02020603050405020304" pitchFamily="18" charset="0"/>
+                          <a:cs typeface="Times New Roman" panose="02020603050405020304" pitchFamily="18" charset="0"/>
+                        </a:rPr>
+                        <a:t>ATM system display balance of Customer. </a:t>
+                      </a:r>
+                      <a:endParaRPr lang="vi-VN" sz="2000" dirty="0">
+                        <a:solidFill>
+                          <a:schemeClr val="bg1">
+                            <a:lumMod val="75000"/>
+                          </a:schemeClr>
+                        </a:solidFill>
+                        <a:effectLst/>
+                        <a:latin typeface="Times New Roman" panose="02020603050405020304" pitchFamily="18" charset="0"/>
+                        <a:ea typeface="MS Mincho" panose="02020609040205080304" pitchFamily="49" charset="-128"/>
+                        <a:cs typeface="Times New Roman" panose="02020603050405020304" pitchFamily="18" charset="0"/>
+                      </a:endParaRPr>
+                    </a:p>
+                  </a:txBody>
+                  <a:tcPr marL="73025" marR="73025" marT="18415" marB="18415"/>
+                </a:tc>
+              </a:tr>
+            </a:tbl>
+          </a:graphicData>
+        </a:graphic>
+      </p:graphicFrame>
+      <p:sp>
+        <p:nvSpPr>
+          <p:cNvPr id="5" name="TextBox 4"/>
+          <p:cNvSpPr txBox="1"/>
+          <p:nvPr/>
+        </p:nvSpPr>
+        <p:spPr>
+          <a:xfrm>
+            <a:off x="457200" y="1550753"/>
+            <a:ext cx="3312368" cy="553998"/>
+          </a:xfrm>
+          <a:prstGeom prst="rect">
+            <a:avLst/>
+          </a:prstGeom>
+          <a:noFill/>
+        </p:spPr>
+        <p:txBody>
+          <a:bodyPr wrap="square" rtlCol="0">
+            <a:spAutoFit/>
+          </a:bodyPr>
+          <a:lstStyle/>
+          <a:p>
+            <a:r>
+              <a:rPr lang="en-US" sz="3000" dirty="0" smtClean="0">
+                <a:solidFill>
+                  <a:srgbClr val="FF0000"/>
+                </a:solidFill>
+                <a:latin typeface="Times New Roman" panose="02020603050405020304" pitchFamily="18" charset="0"/>
+                <a:cs typeface="Times New Roman" panose="02020603050405020304" pitchFamily="18" charset="0"/>
+              </a:rPr>
+              <a:t>1. Use Case</a:t>
+            </a:r>
+            <a:endParaRPr lang="vi-VN" sz="3000" dirty="0">
+              <a:solidFill>
+                <a:srgbClr val="FF0000"/>
+              </a:solidFill>
+              <a:latin typeface="Times New Roman" panose="02020603050405020304" pitchFamily="18" charset="0"/>
+              <a:cs typeface="Times New Roman" panose="02020603050405020304" pitchFamily="18" charset="0"/>
+            </a:endParaRPr>
           </a:p>
         </p:txBody>
       </p:sp>
     </p:spTree>
     <p:extLst>
       <p:ext uri="{BB962C8B-B14F-4D97-AF65-F5344CB8AC3E}">
-        <p14:creationId xmlns="" xmlns:p14="http://schemas.microsoft.com/office/powerpoint/2010/main" val="761104530"/>
+        <p14:creationId xmlns:p14="http://schemas.microsoft.com/office/powerpoint/2010/main" val="1065343697"/>
+      </p:ext>
+    </p:extLst>
+  </p:cSld>
+  <p:clrMapOvr>
+    <a:masterClrMapping/>
+  </p:clrMapOvr>
+  <p:timing>
+    <p:tnLst>
+      <p:par>
+        <p:cTn id="1" dur="indefinite" restart="never" nodeType="tmRoot"/>
+      </p:par>
+    </p:tnLst>
+  </p:timing>
+</p:sld>
+</file>
+
+<file path=ppt/slides/slide9.xml><?xml version="1.0" encoding="utf-8"?>
+<p:sld xmlns:a="http://schemas.openxmlformats.org/drawingml/2006/main" xmlns:r="http://schemas.openxmlformats.org/officeDocument/2006/relationships" xmlns:p="http://schemas.openxmlformats.org/presentationml/2006/main">
+  <p:cSld>
+    <p:spTree>
+      <p:nvGrpSpPr>
+        <p:cNvPr id="1" name=""/>
+        <p:cNvGrpSpPr/>
+        <p:nvPr/>
+      </p:nvGrpSpPr>
+      <p:grpSpPr>
+        <a:xfrm>
+          <a:off x="0" y="0"/>
+          <a:ext cx="0" cy="0"/>
+          <a:chOff x="0" y="0"/>
+          <a:chExt cx="0" cy="0"/>
+        </a:xfrm>
+      </p:grpSpPr>
+      <p:sp>
+        <p:nvSpPr>
+          <p:cNvPr id="2" name="Title 1"/>
+          <p:cNvSpPr>
+            <a:spLocks noGrp="1"/>
+          </p:cNvSpPr>
+          <p:nvPr>
+            <p:ph type="title"/>
+          </p:nvPr>
+        </p:nvSpPr>
+        <p:spPr>
+          <a:xfrm>
+            <a:off x="467544" y="260648"/>
+            <a:ext cx="8229600" cy="850106"/>
+          </a:xfrm>
+        </p:spPr>
+        <p:txBody>
+          <a:bodyPr/>
+          <a:lstStyle/>
+          <a:p>
+            <a:r>
+              <a:rPr lang="en-GB" smtClean="0"/>
+              <a:t>Withdraw</a:t>
+            </a:r>
+            <a:endParaRPr lang="en-GB"/>
+          </a:p>
+        </p:txBody>
+      </p:sp>
+    </p:spTree>
+    <p:extLst>
+      <p:ext uri="{BB962C8B-B14F-4D97-AF65-F5344CB8AC3E}">
+        <p14:creationId xmlns:p14="http://schemas.microsoft.com/office/powerpoint/2010/main" val="2468861637"/>
       </p:ext>
     </p:extLst>
   </p:cSld>

--- a/doc/ATM slide.pptx
+++ b/doc/ATM slide.pptx
@@ -5,19 +5,29 @@
     <p:sldMasterId id="2147483648" r:id="rId1"/>
   </p:sldMasterIdLst>
   <p:notesMasterIdLst>
-    <p:notesMasterId r:id="rId12"/>
+    <p:notesMasterId r:id="rId22"/>
   </p:notesMasterIdLst>
   <p:sldIdLst>
     <p:sldId id="256" r:id="rId2"/>
     <p:sldId id="261" r:id="rId3"/>
     <p:sldId id="262" r:id="rId4"/>
     <p:sldId id="263" r:id="rId5"/>
-    <p:sldId id="264" r:id="rId6"/>
-    <p:sldId id="265" r:id="rId7"/>
-    <p:sldId id="268" r:id="rId8"/>
-    <p:sldId id="269" r:id="rId9"/>
-    <p:sldId id="266" r:id="rId10"/>
-    <p:sldId id="267" r:id="rId11"/>
+    <p:sldId id="268" r:id="rId6"/>
+    <p:sldId id="269" r:id="rId7"/>
+    <p:sldId id="276" r:id="rId8"/>
+    <p:sldId id="264" r:id="rId9"/>
+    <p:sldId id="272" r:id="rId10"/>
+    <p:sldId id="270" r:id="rId11"/>
+    <p:sldId id="273" r:id="rId12"/>
+    <p:sldId id="274" r:id="rId13"/>
+    <p:sldId id="275" r:id="rId14"/>
+    <p:sldId id="265" r:id="rId15"/>
+    <p:sldId id="280" r:id="rId16"/>
+    <p:sldId id="266" r:id="rId17"/>
+    <p:sldId id="277" r:id="rId18"/>
+    <p:sldId id="278" r:id="rId19"/>
+    <p:sldId id="279" r:id="rId20"/>
+    <p:sldId id="267" r:id="rId21"/>
   </p:sldIdLst>
   <p:sldSz cx="9144000" cy="6858000" type="screen4x3"/>
   <p:notesSz cx="6858000" cy="9144000"/>
@@ -116,36 +126,6 @@
       </a:defRPr>
     </a:lvl9pPr>
   </p:defaultTextStyle>
-  <p:extLst>
-    <p:ext uri="{EFAFB233-063F-42B5-8137-9DF3F51BA10A}">
-      <p15:sldGuideLst xmlns:p15="http://schemas.microsoft.com/office/powerpoint/2012/main">
-        <p15:guide id="1" orient="horz" pos="2160">
-          <p15:clr>
-            <a:srgbClr val="A4A3A4"/>
-          </p15:clr>
-        </p15:guide>
-        <p15:guide id="2" pos="2880">
-          <p15:clr>
-            <a:srgbClr val="A4A3A4"/>
-          </p15:clr>
-        </p15:guide>
-      </p15:sldGuideLst>
-    </p:ext>
-    <p:ext uri="{2D200454-40CA-4A62-9FC3-DE9A4176ACB9}">
-      <p15:notesGuideLst xmlns:p15="http://schemas.microsoft.com/office/powerpoint/2012/main">
-        <p15:guide id="1" orient="horz" pos="2880">
-          <p15:clr>
-            <a:srgbClr val="A4A3A4"/>
-          </p15:clr>
-        </p15:guide>
-        <p15:guide id="2" pos="2160">
-          <p15:clr>
-            <a:srgbClr val="A4A3A4"/>
-          </p15:clr>
-        </p15:guide>
-      </p15:notesGuideLst>
-    </p:ext>
-  </p:extLst>
 </p:presentation>
 </file>
 
@@ -232,7 +212,7 @@
             <a:fld id="{0522E53A-8A26-486D-9F69-975F62FE5B2D}" type="datetimeFigureOut">
               <a:rPr lang="en-US" smtClean="0"/>
               <a:pPr/>
-              <a:t>5/31/2015</a:t>
+              <a:t>6/1/2015</a:t>
             </a:fld>
             <a:endParaRPr lang="en-US"/>
           </a:p>
@@ -403,7 +383,7 @@
     </p:spTree>
     <p:extLst>
       <p:ext uri="{BB962C8B-B14F-4D97-AF65-F5344CB8AC3E}">
-        <p14:creationId xmlns:p14="http://schemas.microsoft.com/office/powerpoint/2010/main" val="3731141947"/>
+        <p14:creationId xmlns:p14="http://schemas.microsoft.com/office/powerpoint/2010/main" val="2233501657"/>
       </p:ext>
     </p:extLst>
   </p:cSld>
@@ -578,11 +558,6 @@
         </p:txBody>
       </p:sp>
     </p:spTree>
-    <p:extLst>
-      <p:ext uri="{BB962C8B-B14F-4D97-AF65-F5344CB8AC3E}">
-        <p14:creationId xmlns:p14="http://schemas.microsoft.com/office/powerpoint/2010/main" val="1104829773"/>
-      </p:ext>
-    </p:extLst>
   </p:cSld>
   <p:clrMapOvr>
     <a:masterClrMapping/>
@@ -2175,7 +2150,7 @@
         <p:spPr>
           <a:xfrm>
             <a:off x="827584" y="2420888"/>
-            <a:ext cx="7776864" cy="1010543"/>
+            <a:ext cx="8064896" cy="1010543"/>
           </a:xfrm>
         </p:spPr>
         <p:txBody>
@@ -2185,14 +2160,10 @@
           <a:lstStyle/>
           <a:p>
             <a:r>
-              <a:rPr lang="en-GB" dirty="0" smtClean="0"/>
-              <a:t>ATM Project using Spring </a:t>
-            </a:r>
-            <a:r>
-              <a:rPr lang="en-GB" dirty="0" err="1" smtClean="0"/>
-              <a:t>Framwork</a:t>
-            </a:r>
-            <a:endParaRPr lang="en-GB" dirty="0"/>
+              <a:rPr lang="en-GB" smtClean="0"/>
+              <a:t>ATM Project using Spring Framework</a:t>
+            </a:r>
+            <a:endParaRPr lang="en-GB"/>
           </a:p>
         </p:txBody>
       </p:sp>
@@ -2337,25 +2308,122 @@
             <p:ph type="title"/>
           </p:nvPr>
         </p:nvSpPr>
-        <p:spPr/>
-        <p:txBody>
-          <a:bodyPr>
-            <a:normAutofit/>
+        <p:spPr>
+          <a:xfrm>
+            <a:off x="457200" y="274638"/>
+            <a:ext cx="8229600" cy="850106"/>
+          </a:xfrm>
+        </p:spPr>
+        <p:txBody>
+          <a:bodyPr/>
+          <a:lstStyle/>
+          <a:p>
+            <a:r>
+              <a:rPr lang="en-GB" smtClean="0"/>
+              <a:t>Validation</a:t>
+            </a:r>
+            <a:endParaRPr lang="en-GB"/>
+          </a:p>
+        </p:txBody>
+      </p:sp>
+      <p:sp>
+        <p:nvSpPr>
+          <p:cNvPr id="3" name="TextBox 2"/>
+          <p:cNvSpPr txBox="1"/>
+          <p:nvPr/>
+        </p:nvSpPr>
+        <p:spPr>
+          <a:xfrm>
+            <a:off x="467544" y="1340768"/>
+            <a:ext cx="2016224" cy="461665"/>
+          </a:xfrm>
+          <a:prstGeom prst="rect">
+            <a:avLst/>
+          </a:prstGeom>
+          <a:solidFill>
+            <a:srgbClr val="7030A0"/>
+          </a:solidFill>
+        </p:spPr>
+        <p:txBody>
+          <a:bodyPr wrap="square" rtlCol="0">
+            <a:spAutoFit/>
           </a:bodyPr>
           <a:lstStyle/>
           <a:p>
             <a:r>
-              <a:rPr lang="en-GB" smtClean="0"/>
-              <a:t>Conclusion</a:t>
-            </a:r>
-            <a:endParaRPr lang="en-GB" dirty="0"/>
-          </a:p>
-        </p:txBody>
-      </p:sp>
+              <a:rPr lang="en-US" sz="2400" smtClean="0"/>
+              <a:t>Validate card</a:t>
+            </a:r>
+            <a:endParaRPr lang="en-US" sz="2400"/>
+          </a:p>
+        </p:txBody>
+      </p:sp>
+      <p:sp>
+        <p:nvSpPr>
+          <p:cNvPr id="8" name="TextBox 7"/>
+          <p:cNvSpPr txBox="1"/>
+          <p:nvPr/>
+        </p:nvSpPr>
+        <p:spPr>
+          <a:xfrm>
+            <a:off x="2987824" y="1402323"/>
+            <a:ext cx="2736304" cy="400110"/>
+          </a:xfrm>
+          <a:prstGeom prst="rect">
+            <a:avLst/>
+          </a:prstGeom>
+          <a:solidFill>
+            <a:srgbClr val="0070C0"/>
+          </a:solidFill>
+        </p:spPr>
+        <p:txBody>
+          <a:bodyPr wrap="square" rtlCol="0">
+            <a:spAutoFit/>
+          </a:bodyPr>
+          <a:lstStyle/>
+          <a:p>
+            <a:r>
+              <a:rPr lang="en-US" sz="2000" smtClean="0"/>
+              <a:t>Sequence diagram</a:t>
+            </a:r>
+            <a:endParaRPr lang="en-US" sz="2000"/>
+          </a:p>
+        </p:txBody>
+      </p:sp>
+      <p:pic>
+        <p:nvPicPr>
+          <p:cNvPr id="10" name="Picture 9"/>
+          <p:cNvPicPr>
+            <a:picLocks noChangeAspect="1"/>
+          </p:cNvPicPr>
+          <p:nvPr/>
+        </p:nvPicPr>
+        <p:blipFill>
+          <a:blip r:embed="rId2">
+            <a:extLst>
+              <a:ext uri="{28A0092B-C50C-407E-A947-70E740481C1C}">
+                <a14:useLocalDpi xmlns:a14="http://schemas.microsoft.com/office/drawing/2010/main" val="0"/>
+              </a:ext>
+            </a:extLst>
+          </a:blip>
+          <a:stretch>
+            <a:fillRect/>
+          </a:stretch>
+        </p:blipFill>
+        <p:spPr>
+          <a:xfrm>
+            <a:off x="566737" y="2060848"/>
+            <a:ext cx="8076190" cy="4031447"/>
+          </a:xfrm>
+          <a:prstGeom prst="rect">
+            <a:avLst/>
+          </a:prstGeom>
+        </p:spPr>
+      </p:pic>
     </p:spTree>
     <p:extLst>
       <p:ext uri="{BB962C8B-B14F-4D97-AF65-F5344CB8AC3E}">
-        <p14:creationId xmlns:p14="http://schemas.microsoft.com/office/powerpoint/2010/main" val="761104530"/>
+        <p14:creationId xmlns:p14="http://schemas.microsoft.com/office/powerpoint/2010/main" val="4126432131"/>
       </p:ext>
     </p:extLst>
   </p:cSld>
@@ -2372,7 +2440,7 @@
 </p:sld>
 </file>
 
-<file path=ppt/slides/slide2.xml><?xml version="1.0" encoding="utf-8"?>
+<file path=ppt/slides/slide11.xml><?xml version="1.0" encoding="utf-8"?>
 <p:sld xmlns:a="http://schemas.openxmlformats.org/drawingml/2006/main" xmlns:r="http://schemas.openxmlformats.org/officeDocument/2006/relationships" xmlns:p="http://schemas.openxmlformats.org/presentationml/2006/main">
   <p:cSld>
     <p:spTree>
@@ -2399,14 +2467,19 @@
             <p:ph type="title"/>
           </p:nvPr>
         </p:nvSpPr>
-        <p:spPr/>
+        <p:spPr>
+          <a:xfrm>
+            <a:off x="457200" y="274638"/>
+            <a:ext cx="8229600" cy="850106"/>
+          </a:xfrm>
+        </p:spPr>
         <p:txBody>
           <a:bodyPr/>
           <a:lstStyle/>
           <a:p>
             <a:r>
               <a:rPr lang="en-GB" smtClean="0"/>
-              <a:t>Agenda</a:t>
+              <a:t>Validation</a:t>
             </a:r>
             <a:endParaRPr lang="en-GB"/>
           </a:p>
@@ -2414,20 +2487,338 @@
       </p:sp>
       <p:sp>
         <p:nvSpPr>
-          <p:cNvPr id="3" name="Rectangle 2"/>
+          <p:cNvPr id="3" name="TextBox 2"/>
+          <p:cNvSpPr txBox="1"/>
+          <p:nvPr/>
+        </p:nvSpPr>
+        <p:spPr>
+          <a:xfrm>
+            <a:off x="395536" y="1340768"/>
+            <a:ext cx="2088232" cy="461665"/>
+          </a:xfrm>
+          <a:prstGeom prst="rect">
+            <a:avLst/>
+          </a:prstGeom>
+          <a:solidFill>
+            <a:srgbClr val="7030A0"/>
+          </a:solidFill>
+        </p:spPr>
+        <p:txBody>
+          <a:bodyPr wrap="square" rtlCol="0">
+            <a:spAutoFit/>
+          </a:bodyPr>
+          <a:lstStyle/>
+          <a:p>
+            <a:r>
+              <a:rPr lang="en-US" sz="2400" smtClean="0"/>
+              <a:t>Authentication</a:t>
+            </a:r>
+            <a:endParaRPr lang="en-US" sz="2400"/>
+          </a:p>
+        </p:txBody>
+      </p:sp>
+      <p:sp>
+        <p:nvSpPr>
+          <p:cNvPr id="8" name="TextBox 7"/>
+          <p:cNvSpPr txBox="1"/>
+          <p:nvPr/>
+        </p:nvSpPr>
+        <p:spPr>
+          <a:xfrm>
+            <a:off x="395536" y="2924944"/>
+            <a:ext cx="2088232" cy="400110"/>
+          </a:xfrm>
+          <a:prstGeom prst="rect">
+            <a:avLst/>
+          </a:prstGeom>
+          <a:solidFill>
+            <a:srgbClr val="0070C0"/>
+          </a:solidFill>
+        </p:spPr>
+        <p:txBody>
+          <a:bodyPr wrap="square" rtlCol="0">
+            <a:spAutoFit/>
+          </a:bodyPr>
+          <a:lstStyle/>
+          <a:p>
+            <a:r>
+              <a:rPr lang="en-US" sz="2000" smtClean="0"/>
+              <a:t>Activity diagram</a:t>
+            </a:r>
+            <a:endParaRPr lang="en-US" sz="2000"/>
+          </a:p>
+        </p:txBody>
+      </p:sp>
+      <p:pic>
+        <p:nvPicPr>
+          <p:cNvPr id="6" name="Picture 5"/>
+          <p:cNvPicPr>
+            <a:picLocks noChangeAspect="1"/>
+          </p:cNvPicPr>
+          <p:nvPr/>
+        </p:nvPicPr>
+        <p:blipFill>
+          <a:blip r:embed="rId2">
+            <a:extLst>
+              <a:ext uri="{28A0092B-C50C-407E-A947-70E740481C1C}">
+                <a14:useLocalDpi xmlns:a14="http://schemas.microsoft.com/office/drawing/2010/main" val="0"/>
+              </a:ext>
+            </a:extLst>
+          </a:blip>
+          <a:stretch>
+            <a:fillRect/>
+          </a:stretch>
+        </p:blipFill>
+        <p:spPr>
+          <a:xfrm>
+            <a:off x="2555776" y="1340768"/>
+            <a:ext cx="6575399" cy="4824535"/>
+          </a:xfrm>
+          <a:prstGeom prst="rect">
+            <a:avLst/>
+          </a:prstGeom>
+        </p:spPr>
+      </p:pic>
+    </p:spTree>
+    <p:extLst>
+      <p:ext uri="{BB962C8B-B14F-4D97-AF65-F5344CB8AC3E}">
+        <p14:creationId xmlns:p14="http://schemas.microsoft.com/office/powerpoint/2010/main" val="1959912032"/>
+      </p:ext>
+    </p:extLst>
+  </p:cSld>
+  <p:clrMapOvr>
+    <a:masterClrMapping/>
+  </p:clrMapOvr>
+  <p:timing>
+    <p:tnLst>
+      <p:par>
+        <p:cTn id="1" dur="indefinite" restart="never" nodeType="tmRoot"/>
+      </p:par>
+    </p:tnLst>
+  </p:timing>
+</p:sld>
+</file>
+
+<file path=ppt/slides/slide12.xml><?xml version="1.0" encoding="utf-8"?>
+<p:sld xmlns:a="http://schemas.openxmlformats.org/drawingml/2006/main" xmlns:r="http://schemas.openxmlformats.org/officeDocument/2006/relationships" xmlns:p="http://schemas.openxmlformats.org/presentationml/2006/main">
+  <p:cSld>
+    <p:spTree>
+      <p:nvGrpSpPr>
+        <p:cNvPr id="1" name=""/>
+        <p:cNvGrpSpPr/>
+        <p:nvPr/>
+      </p:nvGrpSpPr>
+      <p:grpSpPr>
+        <a:xfrm>
+          <a:off x="0" y="0"/>
+          <a:ext cx="0" cy="0"/>
+          <a:chOff x="0" y="0"/>
+          <a:chExt cx="0" cy="0"/>
+        </a:xfrm>
+      </p:grpSpPr>
+      <p:sp>
+        <p:nvSpPr>
+          <p:cNvPr id="2" name="Title 1"/>
+          <p:cNvSpPr>
+            <a:spLocks noGrp="1"/>
+          </p:cNvSpPr>
+          <p:nvPr>
+            <p:ph type="title"/>
+          </p:nvPr>
+        </p:nvSpPr>
+        <p:spPr>
+          <a:xfrm>
+            <a:off x="457200" y="274638"/>
+            <a:ext cx="8229600" cy="850106"/>
+          </a:xfrm>
+        </p:spPr>
+        <p:txBody>
+          <a:bodyPr/>
+          <a:lstStyle/>
+          <a:p>
+            <a:r>
+              <a:rPr lang="en-GB" smtClean="0"/>
+              <a:t>Validation</a:t>
+            </a:r>
+            <a:endParaRPr lang="en-GB"/>
+          </a:p>
+        </p:txBody>
+      </p:sp>
+      <p:sp>
+        <p:nvSpPr>
+          <p:cNvPr id="3" name="TextBox 2"/>
+          <p:cNvSpPr txBox="1"/>
+          <p:nvPr/>
+        </p:nvSpPr>
+        <p:spPr>
+          <a:xfrm>
+            <a:off x="467544" y="1340768"/>
+            <a:ext cx="2232248" cy="461665"/>
+          </a:xfrm>
+          <a:prstGeom prst="rect">
+            <a:avLst/>
+          </a:prstGeom>
+          <a:solidFill>
+            <a:srgbClr val="7030A0"/>
+          </a:solidFill>
+        </p:spPr>
+        <p:txBody>
+          <a:bodyPr wrap="square" rtlCol="0">
+            <a:spAutoFit/>
+          </a:bodyPr>
+          <a:lstStyle/>
+          <a:p>
+            <a:r>
+              <a:rPr lang="en-US" sz="2400" smtClean="0"/>
+              <a:t>Authentication</a:t>
+            </a:r>
+            <a:endParaRPr lang="en-US" sz="2400"/>
+          </a:p>
+        </p:txBody>
+      </p:sp>
+      <p:sp>
+        <p:nvSpPr>
+          <p:cNvPr id="8" name="TextBox 7"/>
+          <p:cNvSpPr txBox="1"/>
+          <p:nvPr/>
+        </p:nvSpPr>
+        <p:spPr>
+          <a:xfrm>
+            <a:off x="2987824" y="1402323"/>
+            <a:ext cx="2736304" cy="400110"/>
+          </a:xfrm>
+          <a:prstGeom prst="rect">
+            <a:avLst/>
+          </a:prstGeom>
+          <a:solidFill>
+            <a:srgbClr val="0070C0"/>
+          </a:solidFill>
+        </p:spPr>
+        <p:txBody>
+          <a:bodyPr wrap="square" rtlCol="0">
+            <a:spAutoFit/>
+          </a:bodyPr>
+          <a:lstStyle/>
+          <a:p>
+            <a:r>
+              <a:rPr lang="en-US" sz="2000" smtClean="0"/>
+              <a:t>Sequence diagram</a:t>
+            </a:r>
+            <a:endParaRPr lang="en-US" sz="2000"/>
+          </a:p>
+        </p:txBody>
+      </p:sp>
+      <p:pic>
+        <p:nvPicPr>
+          <p:cNvPr id="6" name="Picture 5"/>
+          <p:cNvPicPr>
+            <a:picLocks noChangeAspect="1"/>
+          </p:cNvPicPr>
+          <p:nvPr/>
+        </p:nvPicPr>
+        <p:blipFill>
+          <a:blip r:embed="rId2">
+            <a:extLst>
+              <a:ext uri="{28A0092B-C50C-407E-A947-70E740481C1C}">
+                <a14:useLocalDpi xmlns:a14="http://schemas.microsoft.com/office/drawing/2010/main" val="0"/>
+              </a:ext>
+            </a:extLst>
+          </a:blip>
+          <a:stretch>
+            <a:fillRect/>
+          </a:stretch>
+        </p:blipFill>
+        <p:spPr>
+          <a:xfrm>
+            <a:off x="1043607" y="1931745"/>
+            <a:ext cx="7836961" cy="4377575"/>
+          </a:xfrm>
+          <a:prstGeom prst="rect">
+            <a:avLst/>
+          </a:prstGeom>
+        </p:spPr>
+      </p:pic>
+    </p:spTree>
+    <p:extLst>
+      <p:ext uri="{BB962C8B-B14F-4D97-AF65-F5344CB8AC3E}">
+        <p14:creationId xmlns:p14="http://schemas.microsoft.com/office/powerpoint/2010/main" val="3203926366"/>
+      </p:ext>
+    </p:extLst>
+  </p:cSld>
+  <p:clrMapOvr>
+    <a:masterClrMapping/>
+  </p:clrMapOvr>
+  <p:timing>
+    <p:tnLst>
+      <p:par>
+        <p:cTn id="1" dur="indefinite" restart="never" nodeType="tmRoot"/>
+      </p:par>
+    </p:tnLst>
+  </p:timing>
+</p:sld>
+</file>
+
+<file path=ppt/slides/slide13.xml><?xml version="1.0" encoding="utf-8"?>
+<p:sld xmlns:a="http://schemas.openxmlformats.org/drawingml/2006/main" xmlns:r="http://schemas.openxmlformats.org/officeDocument/2006/relationships" xmlns:p="http://schemas.openxmlformats.org/presentationml/2006/main">
+  <p:cSld>
+    <p:spTree>
+      <p:nvGrpSpPr>
+        <p:cNvPr id="1" name=""/>
+        <p:cNvGrpSpPr/>
+        <p:nvPr/>
+      </p:nvGrpSpPr>
+      <p:grpSpPr>
+        <a:xfrm>
+          <a:off x="0" y="0"/>
+          <a:ext cx="0" cy="0"/>
+          <a:chOff x="0" y="0"/>
+          <a:chExt cx="0" cy="0"/>
+        </a:xfrm>
+      </p:grpSpPr>
+      <p:sp>
+        <p:nvSpPr>
+          <p:cNvPr id="2" name="Title 1"/>
+          <p:cNvSpPr>
+            <a:spLocks noGrp="1"/>
+          </p:cNvSpPr>
+          <p:nvPr>
+            <p:ph type="title"/>
+          </p:nvPr>
+        </p:nvSpPr>
+        <p:spPr>
+          <a:xfrm>
+            <a:off x="457200" y="274638"/>
+            <a:ext cx="8229600" cy="850106"/>
+          </a:xfrm>
+        </p:spPr>
+        <p:txBody>
+          <a:bodyPr/>
+          <a:lstStyle/>
+          <a:p>
+            <a:r>
+              <a:rPr lang="en-GB" smtClean="0"/>
+              <a:t>Validation</a:t>
+            </a:r>
+            <a:endParaRPr lang="en-GB"/>
+          </a:p>
+        </p:txBody>
+      </p:sp>
+      <p:sp>
+        <p:nvSpPr>
+          <p:cNvPr id="4" name="Rectangle 3"/>
           <p:cNvSpPr/>
           <p:nvPr/>
         </p:nvSpPr>
         <p:spPr>
           <a:xfrm>
-            <a:off x="481560" y="2852936"/>
-            <a:ext cx="1296000" cy="1296144"/>
+            <a:off x="558032" y="1483792"/>
+            <a:ext cx="3888432" cy="4032448"/>
           </a:xfrm>
           <a:prstGeom prst="rect">
             <a:avLst/>
           </a:prstGeom>
           <a:solidFill>
-            <a:srgbClr val="F58D01"/>
+            <a:srgbClr val="002060"/>
           </a:solidFill>
           <a:ln>
             <a:noFill/>
@@ -2454,28 +2845,26 @@
           <a:lstStyle/>
           <a:p>
             <a:pPr algn="ctr"/>
-            <a:endParaRPr lang="en-GB"/>
-          </a:p>
-        </p:txBody>
-      </p:sp>
-      <p:sp>
-        <p:nvSpPr>
-          <p:cNvPr id="4" name="Rectangle 3">
-            <a:hlinkClick r:id="rId2" action="ppaction://hlinksldjump"/>
-          </p:cNvPr>
+            <a:endParaRPr lang="en-US"/>
+          </a:p>
+        </p:txBody>
+      </p:sp>
+      <p:sp>
+        <p:nvSpPr>
+          <p:cNvPr id="10" name="Rectangle 9"/>
           <p:cNvSpPr/>
           <p:nvPr/>
         </p:nvSpPr>
         <p:spPr>
           <a:xfrm>
-            <a:off x="1864114" y="2852936"/>
-            <a:ext cx="1296000" cy="1296144"/>
+            <a:off x="4932040" y="1484784"/>
+            <a:ext cx="3672408" cy="4032448"/>
           </a:xfrm>
           <a:prstGeom prst="rect">
             <a:avLst/>
           </a:prstGeom>
           <a:solidFill>
-            <a:schemeClr val="accent5"/>
+            <a:srgbClr val="00B0F0"/>
           </a:solidFill>
           <a:ln>
             <a:noFill/>
@@ -2502,579 +2891,49 @@
           <a:lstStyle/>
           <a:p>
             <a:pPr algn="ctr"/>
-            <a:endParaRPr lang="en-GB">
-              <a:solidFill>
-                <a:schemeClr val="tx1"/>
-              </a:solidFill>
-            </a:endParaRPr>
-          </a:p>
-        </p:txBody>
-      </p:sp>
-      <p:sp>
-        <p:nvSpPr>
-          <p:cNvPr id="5" name="Rectangle 4">
-            <a:hlinkClick r:id="rId3" action="ppaction://hlinksldjump"/>
-          </p:cNvPr>
-          <p:cNvSpPr/>
-          <p:nvPr/>
-        </p:nvSpPr>
-        <p:spPr>
-          <a:xfrm>
-            <a:off x="3246668" y="2852936"/>
-            <a:ext cx="1296000" cy="1296144"/>
-          </a:xfrm>
-          <a:prstGeom prst="rect">
-            <a:avLst/>
-          </a:prstGeom>
-          <a:solidFill>
-            <a:srgbClr val="009F3C"/>
-          </a:solidFill>
-          <a:ln>
-            <a:noFill/>
-          </a:ln>
-        </p:spPr>
-        <p:style>
-          <a:lnRef idx="2">
-            <a:schemeClr val="accent1">
-              <a:shade val="50000"/>
-            </a:schemeClr>
-          </a:lnRef>
-          <a:fillRef idx="1">
-            <a:schemeClr val="accent1"/>
-          </a:fillRef>
-          <a:effectRef idx="0">
-            <a:schemeClr val="accent1"/>
-          </a:effectRef>
-          <a:fontRef idx="minor">
-            <a:schemeClr val="lt1"/>
-          </a:fontRef>
-        </p:style>
-        <p:txBody>
-          <a:bodyPr rtlCol="0" anchor="ctr"/>
-          <a:lstStyle/>
-          <a:p>
-            <a:pPr algn="ctr"/>
-            <a:endParaRPr lang="en-GB">
-              <a:solidFill>
-                <a:schemeClr val="tx1"/>
-              </a:solidFill>
-            </a:endParaRPr>
-          </a:p>
-        </p:txBody>
-      </p:sp>
-      <p:sp>
-        <p:nvSpPr>
-          <p:cNvPr id="6" name="Rectangle 5">
-            <a:hlinkClick r:id="rId4" action="ppaction://hlinksldjump"/>
-          </p:cNvPr>
-          <p:cNvSpPr/>
-          <p:nvPr/>
-        </p:nvSpPr>
-        <p:spPr>
-          <a:xfrm>
-            <a:off x="4629222" y="2852936"/>
-            <a:ext cx="1296000" cy="1296144"/>
-          </a:xfrm>
-          <a:prstGeom prst="rect">
-            <a:avLst/>
-          </a:prstGeom>
-          <a:solidFill>
-            <a:srgbClr val="464543"/>
-          </a:solidFill>
-          <a:ln>
-            <a:noFill/>
-          </a:ln>
-        </p:spPr>
-        <p:style>
-          <a:lnRef idx="2">
-            <a:schemeClr val="accent1">
-              <a:shade val="50000"/>
-            </a:schemeClr>
-          </a:lnRef>
-          <a:fillRef idx="1">
-            <a:schemeClr val="accent1"/>
-          </a:fillRef>
-          <a:effectRef idx="0">
-            <a:schemeClr val="accent1"/>
-          </a:effectRef>
-          <a:fontRef idx="minor">
-            <a:schemeClr val="lt1"/>
-          </a:fontRef>
-        </p:style>
-        <p:txBody>
-          <a:bodyPr rtlCol="0" anchor="ctr"/>
-          <a:lstStyle/>
-          <a:p>
-            <a:pPr algn="ctr"/>
-            <a:endParaRPr lang="en-GB">
-              <a:solidFill>
-                <a:schemeClr val="tx1"/>
-              </a:solidFill>
-            </a:endParaRPr>
-          </a:p>
-        </p:txBody>
-      </p:sp>
-      <p:sp>
-        <p:nvSpPr>
-          <p:cNvPr id="7" name="Rectangle 6">
-            <a:hlinkClick r:id="rId5" action="ppaction://hlinksldjump"/>
-          </p:cNvPr>
-          <p:cNvSpPr/>
-          <p:nvPr/>
-        </p:nvSpPr>
-        <p:spPr>
-          <a:xfrm>
-            <a:off x="6011776" y="2852936"/>
-            <a:ext cx="1296000" cy="1296144"/>
-          </a:xfrm>
-          <a:prstGeom prst="rect">
-            <a:avLst/>
-          </a:prstGeom>
-          <a:solidFill>
-            <a:srgbClr val="006699"/>
-          </a:solidFill>
-          <a:ln>
-            <a:noFill/>
-          </a:ln>
-        </p:spPr>
-        <p:style>
-          <a:lnRef idx="2">
-            <a:schemeClr val="accent1">
-              <a:shade val="50000"/>
-            </a:schemeClr>
-          </a:lnRef>
-          <a:fillRef idx="1">
-            <a:schemeClr val="accent1"/>
-          </a:fillRef>
-          <a:effectRef idx="0">
-            <a:schemeClr val="accent1"/>
-          </a:effectRef>
-          <a:fontRef idx="minor">
-            <a:schemeClr val="lt1"/>
-          </a:fontRef>
-        </p:style>
-        <p:txBody>
-          <a:bodyPr rtlCol="0" anchor="ctr"/>
-          <a:lstStyle/>
-          <a:p>
-            <a:pPr algn="ctr"/>
-            <a:endParaRPr lang="en-GB">
-              <a:solidFill>
-                <a:schemeClr val="tx1"/>
-              </a:solidFill>
-            </a:endParaRPr>
-          </a:p>
-        </p:txBody>
-      </p:sp>
-      <p:sp>
-        <p:nvSpPr>
-          <p:cNvPr id="8" name="Rectangle 7">
-            <a:hlinkClick r:id="rId6" action="ppaction://hlinksldjump"/>
-          </p:cNvPr>
-          <p:cNvSpPr/>
-          <p:nvPr/>
-        </p:nvSpPr>
-        <p:spPr>
-          <a:xfrm>
-            <a:off x="7394328" y="2852936"/>
-            <a:ext cx="1296000" cy="1296144"/>
-          </a:xfrm>
-          <a:prstGeom prst="rect">
-            <a:avLst/>
-          </a:prstGeom>
-          <a:ln>
-            <a:noFill/>
-          </a:ln>
-        </p:spPr>
-        <p:style>
-          <a:lnRef idx="2">
-            <a:schemeClr val="accent1">
-              <a:shade val="50000"/>
-            </a:schemeClr>
-          </a:lnRef>
-          <a:fillRef idx="1">
-            <a:schemeClr val="accent1"/>
-          </a:fillRef>
-          <a:effectRef idx="0">
-            <a:schemeClr val="accent1"/>
-          </a:effectRef>
-          <a:fontRef idx="minor">
-            <a:schemeClr val="lt1"/>
-          </a:fontRef>
-        </p:style>
-        <p:txBody>
-          <a:bodyPr rtlCol="0" anchor="ctr"/>
-          <a:lstStyle/>
-          <a:p>
-            <a:pPr algn="ctr"/>
-            <a:endParaRPr lang="en-GB"/>
-          </a:p>
-        </p:txBody>
-      </p:sp>
-      <p:sp>
-        <p:nvSpPr>
-          <p:cNvPr id="13" name="Oval 12"/>
-          <p:cNvSpPr/>
-          <p:nvPr/>
-        </p:nvSpPr>
-        <p:spPr>
-          <a:xfrm>
-            <a:off x="769520" y="3140968"/>
-            <a:ext cx="720080" cy="720080"/>
-          </a:xfrm>
-          <a:prstGeom prst="ellipse">
+            <a:endParaRPr lang="en-US"/>
+          </a:p>
+        </p:txBody>
+      </p:sp>
+      <p:sp>
+        <p:nvSpPr>
+          <p:cNvPr id="5" name="TextBox 4"/>
+          <p:cNvSpPr txBox="1"/>
+          <p:nvPr/>
+        </p:nvSpPr>
+        <p:spPr>
+          <a:xfrm>
+            <a:off x="683568" y="1628800"/>
+            <a:ext cx="2808312" cy="523220"/>
+          </a:xfrm>
+          <a:prstGeom prst="rect">
             <a:avLst/>
           </a:prstGeom>
           <a:noFill/>
-          <a:ln>
-            <a:solidFill>
-              <a:schemeClr val="tx1"/>
-            </a:solidFill>
-          </a:ln>
-        </p:spPr>
-        <p:style>
-          <a:lnRef idx="2">
-            <a:schemeClr val="accent1">
-              <a:shade val="50000"/>
-            </a:schemeClr>
-          </a:lnRef>
-          <a:fillRef idx="1">
-            <a:schemeClr val="accent1"/>
-          </a:fillRef>
-          <a:effectRef idx="0">
-            <a:schemeClr val="accent1"/>
-          </a:effectRef>
-          <a:fontRef idx="minor">
-            <a:schemeClr val="lt1"/>
-          </a:fontRef>
-        </p:style>
-        <p:txBody>
-          <a:bodyPr lIns="0" tIns="0" rIns="0" bIns="0" rtlCol="0" anchor="ctr"/>
-          <a:lstStyle/>
-          <a:p>
-            <a:pPr algn="ctr"/>
-            <a:r>
-              <a:rPr lang="en-GB" sz="4000" b="1" smtClean="0">
-                <a:solidFill>
-                  <a:schemeClr val="tx1"/>
-                </a:solidFill>
-              </a:rPr>
-              <a:t>1</a:t>
-            </a:r>
-            <a:endParaRPr lang="en-GB" sz="4000" b="1">
-              <a:solidFill>
-                <a:schemeClr val="tx1"/>
-              </a:solidFill>
-            </a:endParaRPr>
-          </a:p>
-        </p:txBody>
-      </p:sp>
-      <p:sp>
-        <p:nvSpPr>
-          <p:cNvPr id="15" name="Oval 14"/>
-          <p:cNvSpPr/>
-          <p:nvPr/>
-        </p:nvSpPr>
-        <p:spPr>
-          <a:xfrm>
-            <a:off x="2151128" y="3140968"/>
-            <a:ext cx="720080" cy="720080"/>
-          </a:xfrm>
-          <a:prstGeom prst="ellipse">
-            <a:avLst/>
-          </a:prstGeom>
-          <a:noFill/>
-          <a:ln>
-            <a:solidFill>
-              <a:schemeClr val="tx1"/>
-            </a:solidFill>
-          </a:ln>
-        </p:spPr>
-        <p:style>
-          <a:lnRef idx="2">
-            <a:schemeClr val="accent1">
-              <a:shade val="50000"/>
-            </a:schemeClr>
-          </a:lnRef>
-          <a:fillRef idx="1">
-            <a:schemeClr val="accent1"/>
-          </a:fillRef>
-          <a:effectRef idx="0">
-            <a:schemeClr val="accent1"/>
-          </a:effectRef>
-          <a:fontRef idx="minor">
-            <a:schemeClr val="lt1"/>
-          </a:fontRef>
-        </p:style>
-        <p:txBody>
-          <a:bodyPr lIns="0" tIns="0" rIns="0" bIns="0" rtlCol="0" anchor="ctr"/>
-          <a:lstStyle/>
-          <a:p>
-            <a:pPr algn="ctr"/>
-            <a:r>
-              <a:rPr lang="en-GB" sz="4000" b="1">
-                <a:solidFill>
-                  <a:schemeClr val="tx1"/>
-                </a:solidFill>
-              </a:rPr>
-              <a:t>2</a:t>
-            </a:r>
-          </a:p>
-        </p:txBody>
-      </p:sp>
-      <p:sp>
-        <p:nvSpPr>
-          <p:cNvPr id="16" name="Oval 15"/>
-          <p:cNvSpPr/>
-          <p:nvPr/>
-        </p:nvSpPr>
-        <p:spPr>
-          <a:xfrm>
-            <a:off x="3534628" y="3140968"/>
-            <a:ext cx="720080" cy="720080"/>
-          </a:xfrm>
-          <a:prstGeom prst="ellipse">
-            <a:avLst/>
-          </a:prstGeom>
-          <a:noFill/>
-          <a:ln>
-            <a:solidFill>
-              <a:schemeClr val="tx1"/>
-            </a:solidFill>
-          </a:ln>
-        </p:spPr>
-        <p:style>
-          <a:lnRef idx="2">
-            <a:schemeClr val="accent1">
-              <a:shade val="50000"/>
-            </a:schemeClr>
-          </a:lnRef>
-          <a:fillRef idx="1">
-            <a:schemeClr val="accent1"/>
-          </a:fillRef>
-          <a:effectRef idx="0">
-            <a:schemeClr val="accent1"/>
-          </a:effectRef>
-          <a:fontRef idx="minor">
-            <a:schemeClr val="lt1"/>
-          </a:fontRef>
-        </p:style>
-        <p:txBody>
-          <a:bodyPr lIns="0" tIns="0" rIns="0" bIns="0" rtlCol="0" anchor="ctr"/>
-          <a:lstStyle/>
-          <a:p>
-            <a:pPr algn="ctr"/>
-            <a:r>
-              <a:rPr lang="en-GB" sz="4000" b="1">
-                <a:solidFill>
-                  <a:schemeClr val="tx1"/>
-                </a:solidFill>
-              </a:rPr>
-              <a:t>3</a:t>
-            </a:r>
-          </a:p>
-        </p:txBody>
-      </p:sp>
-      <p:sp>
-        <p:nvSpPr>
-          <p:cNvPr id="19" name="Oval 18"/>
-          <p:cNvSpPr/>
-          <p:nvPr/>
-        </p:nvSpPr>
-        <p:spPr>
-          <a:xfrm>
-            <a:off x="4917182" y="3140968"/>
-            <a:ext cx="720080" cy="720080"/>
-          </a:xfrm>
-          <a:prstGeom prst="ellipse">
-            <a:avLst/>
-          </a:prstGeom>
-          <a:noFill/>
-          <a:ln>
-            <a:solidFill>
-              <a:schemeClr val="tx1"/>
-            </a:solidFill>
-          </a:ln>
-        </p:spPr>
-        <p:style>
-          <a:lnRef idx="2">
-            <a:schemeClr val="accent1">
-              <a:shade val="50000"/>
-            </a:schemeClr>
-          </a:lnRef>
-          <a:fillRef idx="1">
-            <a:schemeClr val="accent1"/>
-          </a:fillRef>
-          <a:effectRef idx="0">
-            <a:schemeClr val="accent1"/>
-          </a:effectRef>
-          <a:fontRef idx="minor">
-            <a:schemeClr val="lt1"/>
-          </a:fontRef>
-        </p:style>
-        <p:txBody>
-          <a:bodyPr lIns="0" tIns="0" rIns="0" bIns="0" rtlCol="0" anchor="ctr"/>
-          <a:lstStyle/>
-          <a:p>
-            <a:pPr algn="ctr"/>
-            <a:r>
-              <a:rPr lang="en-GB" sz="4000" b="1">
-                <a:solidFill>
-                  <a:schemeClr val="tx1"/>
-                </a:solidFill>
-              </a:rPr>
-              <a:t>4</a:t>
-            </a:r>
-          </a:p>
-        </p:txBody>
-      </p:sp>
-      <p:sp>
-        <p:nvSpPr>
-          <p:cNvPr id="20" name="Oval 19"/>
-          <p:cNvSpPr/>
-          <p:nvPr/>
-        </p:nvSpPr>
-        <p:spPr>
-          <a:xfrm>
-            <a:off x="6299736" y="3140968"/>
-            <a:ext cx="720080" cy="720080"/>
-          </a:xfrm>
-          <a:prstGeom prst="ellipse">
-            <a:avLst/>
-          </a:prstGeom>
-          <a:noFill/>
-          <a:ln>
-            <a:solidFill>
-              <a:schemeClr val="tx1"/>
-            </a:solidFill>
-          </a:ln>
-        </p:spPr>
-        <p:style>
-          <a:lnRef idx="2">
-            <a:schemeClr val="accent1">
-              <a:shade val="50000"/>
-            </a:schemeClr>
-          </a:lnRef>
-          <a:fillRef idx="1">
-            <a:schemeClr val="accent1"/>
-          </a:fillRef>
-          <a:effectRef idx="0">
-            <a:schemeClr val="accent1"/>
-          </a:effectRef>
-          <a:fontRef idx="minor">
-            <a:schemeClr val="lt1"/>
-          </a:fontRef>
-        </p:style>
-        <p:txBody>
-          <a:bodyPr lIns="0" tIns="0" rIns="0" bIns="0" rtlCol="0" anchor="ctr"/>
-          <a:lstStyle/>
-          <a:p>
-            <a:pPr algn="ctr"/>
-            <a:r>
-              <a:rPr lang="en-GB" sz="4000" b="1">
-                <a:solidFill>
-                  <a:schemeClr val="tx1"/>
-                </a:solidFill>
-              </a:rPr>
-              <a:t>5</a:t>
-            </a:r>
-          </a:p>
-        </p:txBody>
-      </p:sp>
-      <p:sp>
-        <p:nvSpPr>
-          <p:cNvPr id="21" name="Oval 20"/>
-          <p:cNvSpPr/>
-          <p:nvPr/>
-        </p:nvSpPr>
-        <p:spPr>
-          <a:xfrm>
-            <a:off x="7682288" y="3140968"/>
-            <a:ext cx="720080" cy="720080"/>
-          </a:xfrm>
-          <a:prstGeom prst="ellipse">
-            <a:avLst/>
-          </a:prstGeom>
-          <a:noFill/>
-          <a:ln>
-            <a:solidFill>
-              <a:schemeClr val="tx1"/>
-            </a:solidFill>
-          </a:ln>
-        </p:spPr>
-        <p:style>
-          <a:lnRef idx="2">
-            <a:schemeClr val="accent1">
-              <a:shade val="50000"/>
-            </a:schemeClr>
-          </a:lnRef>
-          <a:fillRef idx="1">
-            <a:schemeClr val="accent1"/>
-          </a:fillRef>
-          <a:effectRef idx="0">
-            <a:schemeClr val="accent1"/>
-          </a:effectRef>
-          <a:fontRef idx="minor">
-            <a:schemeClr val="lt1"/>
-          </a:fontRef>
-        </p:style>
-        <p:txBody>
-          <a:bodyPr lIns="0" tIns="0" rIns="0" bIns="0" rtlCol="0" anchor="ctr"/>
-          <a:lstStyle/>
-          <a:p>
-            <a:pPr algn="ctr"/>
-            <a:r>
-              <a:rPr lang="en-GB" sz="4000" b="1">
-                <a:solidFill>
-                  <a:schemeClr val="tx1"/>
-                </a:solidFill>
-              </a:rPr>
-              <a:t>6</a:t>
-            </a:r>
-          </a:p>
-        </p:txBody>
-      </p:sp>
-      <p:sp>
-        <p:nvSpPr>
-          <p:cNvPr id="22" name="TextBox 21"/>
-          <p:cNvSpPr txBox="1"/>
-          <p:nvPr/>
-        </p:nvSpPr>
-        <p:spPr>
-          <a:xfrm>
-            <a:off x="455178" y="2483604"/>
-            <a:ext cx="1334020" cy="369332"/>
-          </a:xfrm>
-          <a:prstGeom prst="rect">
-            <a:avLst/>
-          </a:prstGeom>
-          <a:noFill/>
-        </p:spPr>
-        <p:txBody>
-          <a:bodyPr wrap="none" rtlCol="0">
+        </p:spPr>
+        <p:txBody>
+          <a:bodyPr wrap="square" rtlCol="0">
             <a:spAutoFit/>
           </a:bodyPr>
           <a:lstStyle/>
           <a:p>
-            <a:pPr algn="ctr"/>
-            <a:r>
-              <a:rPr lang="en-GB" smtClean="0"/>
-              <a:t>About team</a:t>
-            </a:r>
-            <a:endParaRPr lang="en-GB"/>
-          </a:p>
-        </p:txBody>
-      </p:sp>
-      <p:sp>
-        <p:nvSpPr>
-          <p:cNvPr id="23" name="TextBox 22"/>
+            <a:r>
+              <a:rPr lang="en-US" sz="2800" b="1" smtClean="0"/>
+              <a:t>Advantage</a:t>
+            </a:r>
+          </a:p>
+        </p:txBody>
+      </p:sp>
+      <p:sp>
+        <p:nvSpPr>
+          <p:cNvPr id="12" name="TextBox 11"/>
           <p:cNvSpPr txBox="1"/>
           <p:nvPr/>
         </p:nvSpPr>
         <p:spPr>
           <a:xfrm>
-            <a:off x="2668637" y="2483604"/>
-            <a:ext cx="2379690" cy="369332"/>
+            <a:off x="5076056" y="1690410"/>
+            <a:ext cx="2808312" cy="523220"/>
           </a:xfrm>
           <a:prstGeom prst="rect">
             <a:avLst/>
@@ -3082,30 +2941,29 @@
           <a:noFill/>
         </p:spPr>
         <p:txBody>
-          <a:bodyPr wrap="none" rtlCol="0">
+          <a:bodyPr wrap="square" rtlCol="0">
             <a:spAutoFit/>
           </a:bodyPr>
           <a:lstStyle/>
           <a:p>
-            <a:pPr algn="ctr"/>
-            <a:r>
-              <a:rPr lang="en-GB" smtClean="0"/>
-              <a:t>Validation and Authen </a:t>
-            </a:r>
-            <a:endParaRPr lang="en-GB"/>
-          </a:p>
-        </p:txBody>
-      </p:sp>
-      <p:sp>
-        <p:nvSpPr>
-          <p:cNvPr id="24" name="TextBox 23"/>
+            <a:r>
+              <a:rPr lang="en-US" sz="2800" b="1" smtClean="0"/>
+              <a:t>Difficult</a:t>
+            </a:r>
+            <a:endParaRPr lang="en-US" sz="2800" b="1"/>
+          </a:p>
+        </p:txBody>
+      </p:sp>
+      <p:sp>
+        <p:nvSpPr>
+          <p:cNvPr id="7" name="TextBox 6"/>
           <p:cNvSpPr txBox="1"/>
           <p:nvPr/>
         </p:nvSpPr>
         <p:spPr>
           <a:xfrm>
-            <a:off x="7419403" y="4149080"/>
-            <a:ext cx="1245855" cy="369332"/>
+            <a:off x="683568" y="2564904"/>
+            <a:ext cx="3600400" cy="2677656"/>
           </a:xfrm>
           <a:prstGeom prst="rect">
             <a:avLst/>
@@ -3113,30 +2971,55 @@
           <a:noFill/>
         </p:spPr>
         <p:txBody>
-          <a:bodyPr wrap="none" rtlCol="0">
+          <a:bodyPr wrap="square" rtlCol="0">
             <a:spAutoFit/>
           </a:bodyPr>
           <a:lstStyle/>
           <a:p>
-            <a:pPr algn="ctr"/>
-            <a:r>
-              <a:rPr lang="en-GB" smtClean="0"/>
-              <a:t>Conclusion</a:t>
-            </a:r>
-            <a:endParaRPr lang="en-GB"/>
-          </a:p>
-        </p:txBody>
-      </p:sp>
-      <p:sp>
-        <p:nvSpPr>
-          <p:cNvPr id="25" name="TextBox 24"/>
+            <a:pPr marL="285750" indent="-285750">
+              <a:buFont typeface="Wingdings" pitchFamily="2" charset="2"/>
+              <a:buChar char="v"/>
+            </a:pPr>
+            <a:r>
+              <a:rPr lang="en-US" sz="2400"/>
+              <a:t>SRS Document provide very detailed</a:t>
+            </a:r>
+          </a:p>
+          <a:p>
+            <a:pPr marL="285750" indent="-285750">
+              <a:buFont typeface="Wingdings" pitchFamily="2" charset="2"/>
+              <a:buChar char="v"/>
+            </a:pPr>
+            <a:r>
+              <a:rPr lang="en-GB" sz="2400"/>
+              <a:t>The help of people with experience</a:t>
+            </a:r>
+          </a:p>
+          <a:p>
+            <a:pPr marL="285750" indent="-285750">
+              <a:buFont typeface="Wingdings" pitchFamily="2" charset="2"/>
+              <a:buChar char="v"/>
+            </a:pPr>
+            <a:r>
+              <a:rPr lang="en-GB" sz="2400"/>
+              <a:t>Sociable group and help each other</a:t>
+            </a:r>
+          </a:p>
+          <a:p>
+            <a:endParaRPr lang="en-US" sz="2400"/>
+          </a:p>
+        </p:txBody>
+      </p:sp>
+      <p:sp>
+        <p:nvSpPr>
+          <p:cNvPr id="9" name="TextBox 8"/>
           <p:cNvSpPr txBox="1"/>
           <p:nvPr/>
         </p:nvSpPr>
         <p:spPr>
           <a:xfrm>
-            <a:off x="1962139" y="4149080"/>
-            <a:ext cx="1098058" cy="369332"/>
+            <a:off x="5220072" y="2492896"/>
+            <a:ext cx="3240360" cy="2677656"/>
           </a:xfrm>
           <a:prstGeom prst="rect">
             <a:avLst/>
@@ -3144,86 +3027,51 @@
           <a:noFill/>
         </p:spPr>
         <p:txBody>
-          <a:bodyPr wrap="none" rtlCol="0">
+          <a:bodyPr wrap="square" rtlCol="0">
             <a:spAutoFit/>
           </a:bodyPr>
           <a:lstStyle/>
           <a:p>
-            <a:pPr algn="ctr"/>
-            <a:r>
-              <a:rPr lang="en-GB" smtClean="0"/>
-              <a:t>Overview</a:t>
-            </a:r>
-            <a:endParaRPr lang="en-GB"/>
-          </a:p>
-        </p:txBody>
-      </p:sp>
-      <p:sp>
-        <p:nvSpPr>
-          <p:cNvPr id="27" name="TextBox 26"/>
-          <p:cNvSpPr txBox="1"/>
-          <p:nvPr/>
-        </p:nvSpPr>
-        <p:spPr>
-          <a:xfrm>
-            <a:off x="6103882" y="2483604"/>
-            <a:ext cx="1107996" cy="369332"/>
-          </a:xfrm>
-          <a:prstGeom prst="rect">
-            <a:avLst/>
-          </a:prstGeom>
-          <a:noFill/>
-        </p:spPr>
-        <p:txBody>
-          <a:bodyPr wrap="none" rtlCol="0">
-            <a:spAutoFit/>
-          </a:bodyPr>
-          <a:lstStyle/>
-          <a:p>
-            <a:pPr algn="ctr"/>
-            <a:r>
-              <a:rPr lang="en-GB" smtClean="0"/>
-              <a:t>Withdraw</a:t>
-            </a:r>
-            <a:endParaRPr lang="en-GB"/>
-          </a:p>
-        </p:txBody>
-      </p:sp>
-      <p:sp>
-        <p:nvSpPr>
-          <p:cNvPr id="28" name="TextBox 27"/>
-          <p:cNvSpPr txBox="1"/>
-          <p:nvPr/>
-        </p:nvSpPr>
-        <p:spPr>
-          <a:xfrm>
-            <a:off x="4477593" y="4149080"/>
-            <a:ext cx="1584088" cy="369332"/>
-          </a:xfrm>
-          <a:prstGeom prst="rect">
-            <a:avLst/>
-          </a:prstGeom>
-          <a:noFill/>
-        </p:spPr>
-        <p:txBody>
-          <a:bodyPr wrap="none" rtlCol="0">
-            <a:spAutoFit/>
-          </a:bodyPr>
-          <a:lstStyle/>
-          <a:p>
-            <a:pPr algn="ctr"/>
-            <a:r>
-              <a:rPr lang="en-GB" smtClean="0"/>
-              <a:t>Check balance</a:t>
-            </a:r>
-            <a:endParaRPr lang="en-GB"/>
+            <a:pPr marL="285750" indent="-285750">
+              <a:buFont typeface="Wingdings" pitchFamily="2" charset="2"/>
+              <a:buChar char="v"/>
+            </a:pPr>
+            <a:r>
+              <a:rPr lang="en-US" sz="2400"/>
+              <a:t>Problem with bean and session of spring Framework</a:t>
+            </a:r>
+          </a:p>
+          <a:p>
+            <a:pPr marL="285750" indent="-285750">
+              <a:buFont typeface="Wingdings" pitchFamily="2" charset="2"/>
+              <a:buChar char="v"/>
+            </a:pPr>
+            <a:r>
+              <a:rPr lang="en-US" sz="2400"/>
+              <a:t>Query data with Hibernate Framework</a:t>
+            </a:r>
+          </a:p>
+          <a:p>
+            <a:pPr marL="285750" indent="-285750">
+              <a:buFont typeface="Wingdings" pitchFamily="2" charset="2"/>
+              <a:buChar char="v"/>
+            </a:pPr>
+            <a:r>
+              <a:rPr lang="en-US" sz="2400"/>
+              <a:t>Rollback data when run </a:t>
+            </a:r>
+            <a:r>
+              <a:rPr lang="en-US" sz="2400" smtClean="0"/>
+              <a:t>Junit</a:t>
+            </a:r>
+            <a:endParaRPr lang="en-GB" sz="2400"/>
           </a:p>
         </p:txBody>
       </p:sp>
     </p:spTree>
     <p:extLst>
       <p:ext uri="{BB962C8B-B14F-4D97-AF65-F5344CB8AC3E}">
-        <p14:creationId xmlns:p14="http://schemas.microsoft.com/office/powerpoint/2010/main" val="801267067"/>
+        <p14:creationId xmlns:p14="http://schemas.microsoft.com/office/powerpoint/2010/main" val="1153193553"/>
       </p:ext>
     </p:extLst>
   </p:cSld>
@@ -3240,7 +3088,7 @@
 </p:sld>
 </file>
 
-<file path=ppt/slides/slide3.xml><?xml version="1.0" encoding="utf-8"?>
+<file path=ppt/slides/slide14.xml><?xml version="1.0" encoding="utf-8"?>
 <p:sld xmlns:a="http://schemas.openxmlformats.org/drawingml/2006/main" xmlns:r="http://schemas.openxmlformats.org/officeDocument/2006/relationships" xmlns:p="http://schemas.openxmlformats.org/presentationml/2006/main">
   <p:cSld>
     <p:spTree>
@@ -3279,860 +3127,6 @@
           <a:p>
             <a:r>
               <a:rPr lang="en-GB" smtClean="0"/>
-              <a:t>Our team</a:t>
-            </a:r>
-            <a:endParaRPr lang="en-GB"/>
-          </a:p>
-        </p:txBody>
-      </p:sp>
-      <p:sp>
-        <p:nvSpPr>
-          <p:cNvPr id="3" name="Rectangle 2"/>
-          <p:cNvSpPr/>
-          <p:nvPr/>
-        </p:nvSpPr>
-        <p:spPr>
-          <a:xfrm>
-            <a:off x="481560" y="2041368"/>
-            <a:ext cx="1296000" cy="1296144"/>
-          </a:xfrm>
-          <a:prstGeom prst="rect">
-            <a:avLst/>
-          </a:prstGeom>
-          <a:solidFill>
-            <a:srgbClr val="F58D01"/>
-          </a:solidFill>
-          <a:ln>
-            <a:noFill/>
-          </a:ln>
-        </p:spPr>
-        <p:style>
-          <a:lnRef idx="2">
-            <a:schemeClr val="accent1">
-              <a:shade val="50000"/>
-            </a:schemeClr>
-          </a:lnRef>
-          <a:fillRef idx="1">
-            <a:schemeClr val="accent1"/>
-          </a:fillRef>
-          <a:effectRef idx="0">
-            <a:schemeClr val="accent1"/>
-          </a:effectRef>
-          <a:fontRef idx="minor">
-            <a:schemeClr val="lt1"/>
-          </a:fontRef>
-        </p:style>
-        <p:txBody>
-          <a:bodyPr rtlCol="0" anchor="ctr"/>
-          <a:lstStyle/>
-          <a:p>
-            <a:pPr algn="ctr"/>
-            <a:endParaRPr lang="en-GB"/>
-          </a:p>
-        </p:txBody>
-      </p:sp>
-      <p:sp>
-        <p:nvSpPr>
-          <p:cNvPr id="4" name="Rectangle 3"/>
-          <p:cNvSpPr/>
-          <p:nvPr/>
-        </p:nvSpPr>
-        <p:spPr>
-          <a:xfrm>
-            <a:off x="481560" y="3776352"/>
-            <a:ext cx="1296000" cy="1296144"/>
-          </a:xfrm>
-          <a:prstGeom prst="rect">
-            <a:avLst/>
-          </a:prstGeom>
-          <a:solidFill>
-            <a:schemeClr val="accent5"/>
-          </a:solidFill>
-          <a:ln>
-            <a:noFill/>
-          </a:ln>
-        </p:spPr>
-        <p:style>
-          <a:lnRef idx="2">
-            <a:schemeClr val="accent1">
-              <a:shade val="50000"/>
-            </a:schemeClr>
-          </a:lnRef>
-          <a:fillRef idx="1">
-            <a:schemeClr val="accent1"/>
-          </a:fillRef>
-          <a:effectRef idx="0">
-            <a:schemeClr val="accent1"/>
-          </a:effectRef>
-          <a:fontRef idx="minor">
-            <a:schemeClr val="lt1"/>
-          </a:fontRef>
-        </p:style>
-        <p:txBody>
-          <a:bodyPr rtlCol="0" anchor="ctr"/>
-          <a:lstStyle/>
-          <a:p>
-            <a:pPr algn="ctr"/>
-            <a:endParaRPr lang="en-GB">
-              <a:solidFill>
-                <a:schemeClr val="tx1"/>
-              </a:solidFill>
-            </a:endParaRPr>
-          </a:p>
-        </p:txBody>
-      </p:sp>
-      <p:sp>
-        <p:nvSpPr>
-          <p:cNvPr id="5" name="Rectangle 4"/>
-          <p:cNvSpPr/>
-          <p:nvPr/>
-        </p:nvSpPr>
-        <p:spPr>
-          <a:xfrm>
-            <a:off x="4725587" y="2041368"/>
-            <a:ext cx="1296000" cy="1296000"/>
-          </a:xfrm>
-          <a:prstGeom prst="rect">
-            <a:avLst/>
-          </a:prstGeom>
-          <a:solidFill>
-            <a:srgbClr val="009F3C"/>
-          </a:solidFill>
-          <a:ln>
-            <a:noFill/>
-          </a:ln>
-        </p:spPr>
-        <p:style>
-          <a:lnRef idx="2">
-            <a:schemeClr val="accent1">
-              <a:shade val="50000"/>
-            </a:schemeClr>
-          </a:lnRef>
-          <a:fillRef idx="1">
-            <a:schemeClr val="accent1"/>
-          </a:fillRef>
-          <a:effectRef idx="0">
-            <a:schemeClr val="accent1"/>
-          </a:effectRef>
-          <a:fontRef idx="minor">
-            <a:schemeClr val="lt1"/>
-          </a:fontRef>
-        </p:style>
-        <p:txBody>
-          <a:bodyPr rtlCol="0" anchor="ctr"/>
-          <a:lstStyle/>
-          <a:p>
-            <a:pPr algn="ctr"/>
-            <a:endParaRPr lang="en-GB">
-              <a:solidFill>
-                <a:schemeClr val="tx1"/>
-              </a:solidFill>
-            </a:endParaRPr>
-          </a:p>
-        </p:txBody>
-      </p:sp>
-      <p:sp>
-        <p:nvSpPr>
-          <p:cNvPr id="6" name="Rectangle 5"/>
-          <p:cNvSpPr/>
-          <p:nvPr/>
-        </p:nvSpPr>
-        <p:spPr>
-          <a:xfrm>
-            <a:off x="4725587" y="3776352"/>
-            <a:ext cx="1296000" cy="1296144"/>
-          </a:xfrm>
-          <a:prstGeom prst="rect">
-            <a:avLst/>
-          </a:prstGeom>
-          <a:solidFill>
-            <a:srgbClr val="464543"/>
-          </a:solidFill>
-          <a:ln>
-            <a:noFill/>
-          </a:ln>
-        </p:spPr>
-        <p:style>
-          <a:lnRef idx="2">
-            <a:schemeClr val="accent1">
-              <a:shade val="50000"/>
-            </a:schemeClr>
-          </a:lnRef>
-          <a:fillRef idx="1">
-            <a:schemeClr val="accent1"/>
-          </a:fillRef>
-          <a:effectRef idx="0">
-            <a:schemeClr val="accent1"/>
-          </a:effectRef>
-          <a:fontRef idx="minor">
-            <a:schemeClr val="lt1"/>
-          </a:fontRef>
-        </p:style>
-        <p:txBody>
-          <a:bodyPr rtlCol="0" anchor="ctr"/>
-          <a:lstStyle/>
-          <a:p>
-            <a:pPr algn="ctr"/>
-            <a:endParaRPr lang="en-GB">
-              <a:solidFill>
-                <a:schemeClr val="tx1"/>
-              </a:solidFill>
-            </a:endParaRPr>
-          </a:p>
-        </p:txBody>
-      </p:sp>
-      <p:sp>
-        <p:nvSpPr>
-          <p:cNvPr id="28" name="Rectangle 27"/>
-          <p:cNvSpPr/>
-          <p:nvPr/>
-        </p:nvSpPr>
-        <p:spPr>
-          <a:xfrm>
-            <a:off x="1779134" y="2041368"/>
-            <a:ext cx="2664296" cy="1296000"/>
-          </a:xfrm>
-          <a:prstGeom prst="rect">
-            <a:avLst/>
-          </a:prstGeom>
-          <a:solidFill>
-            <a:srgbClr val="F58D01"/>
-          </a:solidFill>
-          <a:ln>
-            <a:noFill/>
-          </a:ln>
-        </p:spPr>
-        <p:style>
-          <a:lnRef idx="2">
-            <a:schemeClr val="accent1">
-              <a:shade val="50000"/>
-            </a:schemeClr>
-          </a:lnRef>
-          <a:fillRef idx="1">
-            <a:schemeClr val="accent1"/>
-          </a:fillRef>
-          <a:effectRef idx="0">
-            <a:schemeClr val="accent1"/>
-          </a:effectRef>
-          <a:fontRef idx="minor">
-            <a:schemeClr val="lt1"/>
-          </a:fontRef>
-        </p:style>
-        <p:txBody>
-          <a:bodyPr rtlCol="0" anchor="ctr"/>
-          <a:lstStyle/>
-          <a:p>
-            <a:r>
-              <a:rPr lang="en-GB" b="1" dirty="0" smtClean="0">
-                <a:solidFill>
-                  <a:schemeClr val="tx1"/>
-                </a:solidFill>
-              </a:rPr>
-              <a:t>Lê Văn Phú</a:t>
-            </a:r>
-          </a:p>
-          <a:p>
-            <a:r>
-              <a:rPr lang="en-GB" dirty="0" smtClean="0">
-                <a:solidFill>
-                  <a:schemeClr val="tx1"/>
-                </a:solidFill>
-              </a:rPr>
-              <a:t>PhuLV1</a:t>
-            </a:r>
-          </a:p>
-          <a:p>
-            <a:r>
-              <a:rPr lang="en-GB" dirty="0" smtClean="0">
-                <a:solidFill>
-                  <a:schemeClr val="tx1"/>
-                </a:solidFill>
-              </a:rPr>
-              <a:t>DNU</a:t>
-            </a:r>
-            <a:endParaRPr lang="en-GB" dirty="0">
-              <a:solidFill>
-                <a:schemeClr val="tx1"/>
-              </a:solidFill>
-            </a:endParaRPr>
-          </a:p>
-        </p:txBody>
-      </p:sp>
-      <p:sp>
-        <p:nvSpPr>
-          <p:cNvPr id="29" name="Rectangle 28"/>
-          <p:cNvSpPr/>
-          <p:nvPr/>
-        </p:nvSpPr>
-        <p:spPr>
-          <a:xfrm>
-            <a:off x="6022504" y="2041368"/>
-            <a:ext cx="2664296" cy="1296000"/>
-          </a:xfrm>
-          <a:prstGeom prst="rect">
-            <a:avLst/>
-          </a:prstGeom>
-          <a:solidFill>
-            <a:srgbClr val="009F3C"/>
-          </a:solidFill>
-          <a:ln>
-            <a:noFill/>
-          </a:ln>
-        </p:spPr>
-        <p:style>
-          <a:lnRef idx="2">
-            <a:schemeClr val="accent1">
-              <a:shade val="50000"/>
-            </a:schemeClr>
-          </a:lnRef>
-          <a:fillRef idx="1">
-            <a:schemeClr val="accent1"/>
-          </a:fillRef>
-          <a:effectRef idx="0">
-            <a:schemeClr val="accent1"/>
-          </a:effectRef>
-          <a:fontRef idx="minor">
-            <a:schemeClr val="lt1"/>
-          </a:fontRef>
-        </p:style>
-        <p:txBody>
-          <a:bodyPr rtlCol="0" anchor="ctr"/>
-          <a:lstStyle/>
-          <a:p>
-            <a:r>
-              <a:rPr lang="en-GB" b="1" smtClean="0">
-                <a:solidFill>
-                  <a:schemeClr val="tx1"/>
-                </a:solidFill>
-              </a:rPr>
-              <a:t>Phan Xuân Mạnh</a:t>
-            </a:r>
-          </a:p>
-          <a:p>
-            <a:r>
-              <a:rPr lang="en-GB" smtClean="0">
-                <a:solidFill>
-                  <a:schemeClr val="tx1"/>
-                </a:solidFill>
-              </a:rPr>
-              <a:t>ManhPX1</a:t>
-            </a:r>
-            <a:endParaRPr lang="en-GB">
-              <a:solidFill>
-                <a:schemeClr val="tx1"/>
-              </a:solidFill>
-            </a:endParaRPr>
-          </a:p>
-          <a:p>
-            <a:r>
-              <a:rPr lang="en-GB" smtClean="0">
-                <a:solidFill>
-                  <a:schemeClr val="tx1"/>
-                </a:solidFill>
-              </a:rPr>
-              <a:t>HCMUAF</a:t>
-            </a:r>
-            <a:endParaRPr lang="en-GB">
-              <a:solidFill>
-                <a:schemeClr val="tx1"/>
-              </a:solidFill>
-            </a:endParaRPr>
-          </a:p>
-        </p:txBody>
-      </p:sp>
-      <p:sp>
-        <p:nvSpPr>
-          <p:cNvPr id="30" name="Rectangle 29"/>
-          <p:cNvSpPr/>
-          <p:nvPr/>
-        </p:nvSpPr>
-        <p:spPr>
-          <a:xfrm>
-            <a:off x="1779134" y="3776352"/>
-            <a:ext cx="2664296" cy="1296000"/>
-          </a:xfrm>
-          <a:prstGeom prst="rect">
-            <a:avLst/>
-          </a:prstGeom>
-          <a:solidFill>
-            <a:schemeClr val="accent5"/>
-          </a:solidFill>
-          <a:ln>
-            <a:noFill/>
-          </a:ln>
-        </p:spPr>
-        <p:style>
-          <a:lnRef idx="2">
-            <a:schemeClr val="accent1">
-              <a:shade val="50000"/>
-            </a:schemeClr>
-          </a:lnRef>
-          <a:fillRef idx="1">
-            <a:schemeClr val="accent1"/>
-          </a:fillRef>
-          <a:effectRef idx="0">
-            <a:schemeClr val="accent1"/>
-          </a:effectRef>
-          <a:fontRef idx="minor">
-            <a:schemeClr val="lt1"/>
-          </a:fontRef>
-        </p:style>
-        <p:txBody>
-          <a:bodyPr rtlCol="0" anchor="ctr"/>
-          <a:lstStyle/>
-          <a:p>
-            <a:r>
-              <a:rPr lang="en-GB" b="1" smtClean="0">
-                <a:solidFill>
-                  <a:schemeClr val="tx1"/>
-                </a:solidFill>
-              </a:rPr>
-              <a:t>Trần Anh Quân</a:t>
-            </a:r>
-            <a:endParaRPr lang="en-GB" b="1">
-              <a:solidFill>
-                <a:schemeClr val="tx1"/>
-              </a:solidFill>
-            </a:endParaRPr>
-          </a:p>
-          <a:p>
-            <a:r>
-              <a:rPr lang="en-GB" smtClean="0">
-                <a:solidFill>
-                  <a:schemeClr val="tx1"/>
-                </a:solidFill>
-              </a:rPr>
-              <a:t>QuanTA5</a:t>
-            </a:r>
-            <a:endParaRPr lang="en-GB">
-              <a:solidFill>
-                <a:schemeClr val="tx1"/>
-              </a:solidFill>
-            </a:endParaRPr>
-          </a:p>
-          <a:p>
-            <a:r>
-              <a:rPr lang="en-GB" smtClean="0">
-                <a:solidFill>
-                  <a:schemeClr val="tx1"/>
-                </a:solidFill>
-              </a:rPr>
-              <a:t>UIT</a:t>
-            </a:r>
-            <a:endParaRPr lang="en-GB">
-              <a:solidFill>
-                <a:schemeClr val="tx1"/>
-              </a:solidFill>
-            </a:endParaRPr>
-          </a:p>
-        </p:txBody>
-      </p:sp>
-      <p:sp>
-        <p:nvSpPr>
-          <p:cNvPr id="31" name="Rectangle 30"/>
-          <p:cNvSpPr/>
-          <p:nvPr/>
-        </p:nvSpPr>
-        <p:spPr>
-          <a:xfrm>
-            <a:off x="6022504" y="3776352"/>
-            <a:ext cx="2664296" cy="1296000"/>
-          </a:xfrm>
-          <a:prstGeom prst="rect">
-            <a:avLst/>
-          </a:prstGeom>
-          <a:solidFill>
-            <a:srgbClr val="464543"/>
-          </a:solidFill>
-          <a:ln>
-            <a:noFill/>
-          </a:ln>
-        </p:spPr>
-        <p:style>
-          <a:lnRef idx="2">
-            <a:schemeClr val="accent1">
-              <a:shade val="50000"/>
-            </a:schemeClr>
-          </a:lnRef>
-          <a:fillRef idx="1">
-            <a:schemeClr val="accent1"/>
-          </a:fillRef>
-          <a:effectRef idx="0">
-            <a:schemeClr val="accent1"/>
-          </a:effectRef>
-          <a:fontRef idx="minor">
-            <a:schemeClr val="lt1"/>
-          </a:fontRef>
-        </p:style>
-        <p:txBody>
-          <a:bodyPr rtlCol="0" anchor="ctr"/>
-          <a:lstStyle/>
-          <a:p>
-            <a:r>
-              <a:rPr lang="en-GB" b="1" smtClean="0">
-                <a:solidFill>
-                  <a:schemeClr val="tx1"/>
-                </a:solidFill>
-              </a:rPr>
-              <a:t>Mai Văn Hải</a:t>
-            </a:r>
-            <a:endParaRPr lang="en-GB" b="1">
-              <a:solidFill>
-                <a:schemeClr val="tx1"/>
-              </a:solidFill>
-            </a:endParaRPr>
-          </a:p>
-          <a:p>
-            <a:r>
-              <a:rPr lang="en-GB" smtClean="0">
-                <a:solidFill>
-                  <a:schemeClr val="tx1"/>
-                </a:solidFill>
-              </a:rPr>
-              <a:t>HaiMV</a:t>
-            </a:r>
-            <a:endParaRPr lang="en-GB">
-              <a:solidFill>
-                <a:schemeClr val="tx1"/>
-              </a:solidFill>
-            </a:endParaRPr>
-          </a:p>
-          <a:p>
-            <a:r>
-              <a:rPr lang="en-GB" smtClean="0">
-                <a:solidFill>
-                  <a:schemeClr val="tx1"/>
-                </a:solidFill>
-              </a:rPr>
-              <a:t>HCMUAF</a:t>
-            </a:r>
-            <a:endParaRPr lang="en-GB">
-              <a:solidFill>
-                <a:schemeClr val="tx1"/>
-              </a:solidFill>
-            </a:endParaRPr>
-          </a:p>
-        </p:txBody>
-      </p:sp>
-      <p:pic>
-        <p:nvPicPr>
-          <p:cNvPr id="12289" name="Picture 1" descr="C:\Users\ManhPX1\Downloads\10460479_798920500193803_7091584460138893392_n.jpg"/>
-          <p:cNvPicPr>
-            <a:picLocks noChangeAspect="1" noChangeArrowheads="1"/>
-          </p:cNvPicPr>
-          <p:nvPr/>
-        </p:nvPicPr>
-        <p:blipFill>
-          <a:blip r:embed="rId2" cstate="print"/>
-          <a:srcRect r="20313"/>
-          <a:stretch>
-            <a:fillRect/>
-          </a:stretch>
-        </p:blipFill>
-        <p:spPr bwMode="auto">
-          <a:xfrm>
-            <a:off x="539552" y="3861048"/>
-            <a:ext cx="1224136" cy="1152128"/>
-          </a:xfrm>
-          <a:prstGeom prst="rect">
-            <a:avLst/>
-          </a:prstGeom>
-          <a:noFill/>
-        </p:spPr>
-      </p:pic>
-      <p:pic>
-        <p:nvPicPr>
-          <p:cNvPr id="12290" name="Picture 2" descr="C:\Users\ManhPX1\Downloads\10974524_500095106798083_8761835071408523136_o.jpg"/>
-          <p:cNvPicPr>
-            <a:picLocks noChangeAspect="1" noChangeArrowheads="1"/>
-          </p:cNvPicPr>
-          <p:nvPr/>
-        </p:nvPicPr>
-        <p:blipFill>
-          <a:blip r:embed="rId3" cstate="print"/>
-          <a:srcRect r="15000"/>
-          <a:stretch>
-            <a:fillRect/>
-          </a:stretch>
-        </p:blipFill>
-        <p:spPr bwMode="auto">
-          <a:xfrm>
-            <a:off x="4788024" y="3861048"/>
-            <a:ext cx="1224136" cy="1152128"/>
-          </a:xfrm>
-          <a:prstGeom prst="rect">
-            <a:avLst/>
-          </a:prstGeom>
-          <a:noFill/>
-        </p:spPr>
-      </p:pic>
-      <p:pic>
-        <p:nvPicPr>
-          <p:cNvPr id="12291" name="Picture 3" descr="C:\Users\ManhPX1\Downloads\10301423_708826005831144_3292361299616475581_n.jpg"/>
-          <p:cNvPicPr>
-            <a:picLocks noChangeAspect="1" noChangeArrowheads="1"/>
-          </p:cNvPicPr>
-          <p:nvPr/>
-        </p:nvPicPr>
-        <p:blipFill>
-          <a:blip r:embed="rId4" cstate="print"/>
-          <a:srcRect t="16667" b="12500"/>
-          <a:stretch>
-            <a:fillRect/>
-          </a:stretch>
-        </p:blipFill>
-        <p:spPr bwMode="auto">
-          <a:xfrm>
-            <a:off x="539553" y="2060848"/>
-            <a:ext cx="1152127" cy="1224136"/>
-          </a:xfrm>
-          <a:prstGeom prst="rect">
-            <a:avLst/>
-          </a:prstGeom>
-          <a:noFill/>
-        </p:spPr>
-      </p:pic>
-      <p:pic>
-        <p:nvPicPr>
-          <p:cNvPr id="12292" name="Picture 4" descr="C:\Users\ManhPX1\Downloads\PhanXuanManh.jpg"/>
-          <p:cNvPicPr>
-            <a:picLocks noChangeAspect="1" noChangeArrowheads="1"/>
-          </p:cNvPicPr>
-          <p:nvPr/>
-        </p:nvPicPr>
-        <p:blipFill>
-          <a:blip r:embed="rId5" cstate="print"/>
-          <a:srcRect b="11765"/>
-          <a:stretch>
-            <a:fillRect/>
-          </a:stretch>
-        </p:blipFill>
-        <p:spPr bwMode="auto">
-          <a:xfrm>
-            <a:off x="4823796" y="2132856"/>
-            <a:ext cx="1188364" cy="1152128"/>
-          </a:xfrm>
-          <a:prstGeom prst="rect">
-            <a:avLst/>
-          </a:prstGeom>
-          <a:noFill/>
-        </p:spPr>
-      </p:pic>
-    </p:spTree>
-    <p:extLst>
-      <p:ext uri="{BB962C8B-B14F-4D97-AF65-F5344CB8AC3E}">
-        <p14:creationId xmlns:p14="http://schemas.microsoft.com/office/powerpoint/2010/main" val="765166946"/>
-      </p:ext>
-    </p:extLst>
-  </p:cSld>
-  <p:clrMapOvr>
-    <a:masterClrMapping/>
-  </p:clrMapOvr>
-  <p:timing>
-    <p:tnLst>
-      <p:par>
-        <p:cTn id="1" dur="indefinite" restart="never" nodeType="tmRoot"/>
-      </p:par>
-    </p:tnLst>
-  </p:timing>
-</p:sld>
-</file>
-
-<file path=ppt/slides/slide4.xml><?xml version="1.0" encoding="utf-8"?>
-<p:sld xmlns:a="http://schemas.openxmlformats.org/drawingml/2006/main" xmlns:r="http://schemas.openxmlformats.org/officeDocument/2006/relationships" xmlns:p="http://schemas.openxmlformats.org/presentationml/2006/main">
-  <p:cSld>
-    <p:spTree>
-      <p:nvGrpSpPr>
-        <p:cNvPr id="1" name=""/>
-        <p:cNvGrpSpPr/>
-        <p:nvPr/>
-      </p:nvGrpSpPr>
-      <p:grpSpPr>
-        <a:xfrm>
-          <a:off x="0" y="0"/>
-          <a:ext cx="0" cy="0"/>
-          <a:chOff x="0" y="0"/>
-          <a:chExt cx="0" cy="0"/>
-        </a:xfrm>
-      </p:grpSpPr>
-      <p:sp>
-        <p:nvSpPr>
-          <p:cNvPr id="2" name="Title 1"/>
-          <p:cNvSpPr>
-            <a:spLocks noGrp="1"/>
-          </p:cNvSpPr>
-          <p:nvPr>
-            <p:ph type="title"/>
-          </p:nvPr>
-        </p:nvSpPr>
-        <p:spPr>
-          <a:xfrm>
-            <a:off x="457200" y="274638"/>
-            <a:ext cx="8229600" cy="850106"/>
-          </a:xfrm>
-        </p:spPr>
-        <p:txBody>
-          <a:bodyPr/>
-          <a:lstStyle/>
-          <a:p>
-            <a:r>
-              <a:rPr lang="en-GB" smtClean="0"/>
-              <a:t>Overview</a:t>
-            </a:r>
-            <a:endParaRPr lang="en-GB"/>
-          </a:p>
-        </p:txBody>
-      </p:sp>
-      <p:sp>
-        <p:nvSpPr>
-          <p:cNvPr id="13" name="TextBox 12"/>
-          <p:cNvSpPr txBox="1"/>
-          <p:nvPr/>
-        </p:nvSpPr>
-        <p:spPr>
-          <a:xfrm>
-            <a:off x="611560" y="1340768"/>
-            <a:ext cx="4752528" cy="2016224"/>
-          </a:xfrm>
-          <a:prstGeom prst="rect">
-            <a:avLst/>
-          </a:prstGeom>
-          <a:noFill/>
-        </p:spPr>
-        <p:txBody>
-          <a:bodyPr wrap="square" rtlCol="0">
-            <a:noAutofit/>
-          </a:bodyPr>
-          <a:lstStyle/>
-          <a:p>
-            <a:endParaRPr lang="en-US"/>
-          </a:p>
-        </p:txBody>
-      </p:sp>
-    </p:spTree>
-    <p:extLst>
-      <p:ext uri="{BB962C8B-B14F-4D97-AF65-F5344CB8AC3E}">
-        <p14:creationId xmlns:p14="http://schemas.microsoft.com/office/powerpoint/2010/main" val="2054354637"/>
-      </p:ext>
-    </p:extLst>
-  </p:cSld>
-  <p:clrMapOvr>
-    <a:masterClrMapping/>
-  </p:clrMapOvr>
-  <p:timing>
-    <p:tnLst>
-      <p:par>
-        <p:cTn id="1" dur="indefinite" restart="never" nodeType="tmRoot"/>
-      </p:par>
-    </p:tnLst>
-  </p:timing>
-</p:sld>
-</file>
-
-<file path=ppt/slides/slide5.xml><?xml version="1.0" encoding="utf-8"?>
-<p:sld xmlns:a="http://schemas.openxmlformats.org/drawingml/2006/main" xmlns:r="http://schemas.openxmlformats.org/officeDocument/2006/relationships" xmlns:p="http://schemas.openxmlformats.org/presentationml/2006/main">
-  <p:cSld>
-    <p:spTree>
-      <p:nvGrpSpPr>
-        <p:cNvPr id="1" name=""/>
-        <p:cNvGrpSpPr/>
-        <p:nvPr/>
-      </p:nvGrpSpPr>
-      <p:grpSpPr>
-        <a:xfrm>
-          <a:off x="0" y="0"/>
-          <a:ext cx="0" cy="0"/>
-          <a:chOff x="0" y="0"/>
-          <a:chExt cx="0" cy="0"/>
-        </a:xfrm>
-      </p:grpSpPr>
-      <p:sp>
-        <p:nvSpPr>
-          <p:cNvPr id="2" name="Title 1"/>
-          <p:cNvSpPr>
-            <a:spLocks noGrp="1"/>
-          </p:cNvSpPr>
-          <p:nvPr>
-            <p:ph type="title"/>
-          </p:nvPr>
-        </p:nvSpPr>
-        <p:spPr>
-          <a:xfrm>
-            <a:off x="457200" y="274638"/>
-            <a:ext cx="8229600" cy="850106"/>
-          </a:xfrm>
-        </p:spPr>
-        <p:txBody>
-          <a:bodyPr/>
-          <a:lstStyle/>
-          <a:p>
-            <a:r>
-              <a:rPr lang="en-GB" smtClean="0"/>
-              <a:t>Validation and authenticate</a:t>
-            </a:r>
-            <a:endParaRPr lang="en-GB"/>
-          </a:p>
-        </p:txBody>
-      </p:sp>
-    </p:spTree>
-    <p:extLst>
-      <p:ext uri="{BB962C8B-B14F-4D97-AF65-F5344CB8AC3E}">
-        <p14:creationId xmlns:p14="http://schemas.microsoft.com/office/powerpoint/2010/main" val="2067167423"/>
-      </p:ext>
-    </p:extLst>
-  </p:cSld>
-  <p:clrMapOvr>
-    <a:masterClrMapping/>
-  </p:clrMapOvr>
-  <p:timing>
-    <p:tnLst>
-      <p:par>
-        <p:cTn id="1" dur="indefinite" restart="never" nodeType="tmRoot"/>
-      </p:par>
-    </p:tnLst>
-  </p:timing>
-</p:sld>
-</file>
-
-<file path=ppt/slides/slide6.xml><?xml version="1.0" encoding="utf-8"?>
-<p:sld xmlns:a="http://schemas.openxmlformats.org/drawingml/2006/main" xmlns:r="http://schemas.openxmlformats.org/officeDocument/2006/relationships" xmlns:p="http://schemas.openxmlformats.org/presentationml/2006/main">
-  <p:cSld>
-    <p:spTree>
-      <p:nvGrpSpPr>
-        <p:cNvPr id="1" name=""/>
-        <p:cNvGrpSpPr/>
-        <p:nvPr/>
-      </p:nvGrpSpPr>
-      <p:grpSpPr>
-        <a:xfrm>
-          <a:off x="0" y="0"/>
-          <a:ext cx="0" cy="0"/>
-          <a:chOff x="0" y="0"/>
-          <a:chExt cx="0" cy="0"/>
-        </a:xfrm>
-      </p:grpSpPr>
-      <p:sp>
-        <p:nvSpPr>
-          <p:cNvPr id="2" name="Title 1"/>
-          <p:cNvSpPr>
-            <a:spLocks noGrp="1"/>
-          </p:cNvSpPr>
-          <p:nvPr>
-            <p:ph type="title"/>
-          </p:nvPr>
-        </p:nvSpPr>
-        <p:spPr>
-          <a:xfrm>
-            <a:off x="457200" y="274638"/>
-            <a:ext cx="8229600" cy="850106"/>
-          </a:xfrm>
-        </p:spPr>
-        <p:txBody>
-          <a:bodyPr/>
-          <a:lstStyle/>
-          <a:p>
-            <a:r>
-              <a:rPr lang="en-GB" smtClean="0"/>
               <a:t>Check balance</a:t>
             </a:r>
             <a:endParaRPr lang="en-GB"/>
@@ -4177,7 +3171,7 @@
           <p:nvPr>
             <p:extLst>
               <p:ext uri="{D42A27DB-BD31-4B8C-83A1-F6EECF244321}">
-                <p14:modId xmlns:p14="http://schemas.microsoft.com/office/powerpoint/2010/main" val="8374066"/>
+                <p14:modId xmlns:p14="http://schemas.microsoft.com/office/powerpoint/2010/main" val="3319042562"/>
               </p:ext>
             </p:extLst>
           </p:nvPr>
@@ -4781,6 +3775,3803 @@
 </p:sld>
 </file>
 
+<file path=ppt/slides/slide15.xml><?xml version="1.0" encoding="utf-8"?>
+<p:sld xmlns:a="http://schemas.openxmlformats.org/drawingml/2006/main" xmlns:r="http://schemas.openxmlformats.org/officeDocument/2006/relationships" xmlns:p="http://schemas.openxmlformats.org/presentationml/2006/main">
+  <p:cSld>
+    <p:spTree>
+      <p:nvGrpSpPr>
+        <p:cNvPr id="1" name=""/>
+        <p:cNvGrpSpPr/>
+        <p:nvPr/>
+      </p:nvGrpSpPr>
+      <p:grpSpPr>
+        <a:xfrm>
+          <a:off x="0" y="0"/>
+          <a:ext cx="0" cy="0"/>
+          <a:chOff x="0" y="0"/>
+          <a:chExt cx="0" cy="0"/>
+        </a:xfrm>
+      </p:grpSpPr>
+      <p:sp>
+        <p:nvSpPr>
+          <p:cNvPr id="2" name="Title 1"/>
+          <p:cNvSpPr>
+            <a:spLocks noGrp="1"/>
+          </p:cNvSpPr>
+          <p:nvPr>
+            <p:ph type="title"/>
+          </p:nvPr>
+        </p:nvSpPr>
+        <p:spPr>
+          <a:xfrm>
+            <a:off x="457200" y="274638"/>
+            <a:ext cx="8229600" cy="850106"/>
+          </a:xfrm>
+        </p:spPr>
+        <p:txBody>
+          <a:bodyPr/>
+          <a:lstStyle/>
+          <a:p>
+            <a:r>
+              <a:rPr lang="en-GB" smtClean="0"/>
+              <a:t>Check balance</a:t>
+            </a:r>
+            <a:endParaRPr lang="en-GB"/>
+          </a:p>
+        </p:txBody>
+      </p:sp>
+      <p:sp>
+        <p:nvSpPr>
+          <p:cNvPr id="6" name="TextBox 5"/>
+          <p:cNvSpPr txBox="1"/>
+          <p:nvPr/>
+        </p:nvSpPr>
+        <p:spPr>
+          <a:xfrm>
+            <a:off x="457200" y="2348880"/>
+            <a:ext cx="8229600" cy="369332"/>
+          </a:xfrm>
+          <a:prstGeom prst="rect">
+            <a:avLst/>
+          </a:prstGeom>
+          <a:noFill/>
+        </p:spPr>
+        <p:txBody>
+          <a:bodyPr wrap="square" rtlCol="0">
+            <a:spAutoFit/>
+          </a:bodyPr>
+          <a:lstStyle/>
+          <a:p>
+            <a:endParaRPr lang="vi-VN" dirty="0">
+              <a:latin typeface="Times New Roman" panose="02020603050405020304" pitchFamily="18" charset="0"/>
+              <a:cs typeface="Times New Roman" panose="02020603050405020304" pitchFamily="18" charset="0"/>
+            </a:endParaRPr>
+          </a:p>
+        </p:txBody>
+      </p:sp>
+      <p:sp>
+        <p:nvSpPr>
+          <p:cNvPr id="7" name="TextBox 6"/>
+          <p:cNvSpPr txBox="1"/>
+          <p:nvPr/>
+        </p:nvSpPr>
+        <p:spPr>
+          <a:xfrm>
+            <a:off x="457200" y="1550753"/>
+            <a:ext cx="3312368" cy="553998"/>
+          </a:xfrm>
+          <a:prstGeom prst="rect">
+            <a:avLst/>
+          </a:prstGeom>
+          <a:noFill/>
+        </p:spPr>
+        <p:txBody>
+          <a:bodyPr wrap="square" rtlCol="0">
+            <a:spAutoFit/>
+          </a:bodyPr>
+          <a:lstStyle/>
+          <a:p>
+            <a:r>
+              <a:rPr lang="en-US" sz="3000" dirty="0">
+                <a:solidFill>
+                  <a:srgbClr val="FF0000"/>
+                </a:solidFill>
+                <a:latin typeface="Times New Roman" panose="02020603050405020304" pitchFamily="18" charset="0"/>
+                <a:cs typeface="Times New Roman" panose="02020603050405020304" pitchFamily="18" charset="0"/>
+              </a:rPr>
+              <a:t>2</a:t>
+            </a:r>
+            <a:r>
+              <a:rPr lang="en-US" sz="3000" dirty="0" smtClean="0">
+                <a:solidFill>
+                  <a:srgbClr val="FF0000"/>
+                </a:solidFill>
+                <a:latin typeface="Times New Roman" panose="02020603050405020304" pitchFamily="18" charset="0"/>
+                <a:cs typeface="Times New Roman" panose="02020603050405020304" pitchFamily="18" charset="0"/>
+              </a:rPr>
+              <a:t>. Activities flow</a:t>
+            </a:r>
+            <a:endParaRPr lang="vi-VN" sz="3000" dirty="0">
+              <a:solidFill>
+                <a:srgbClr val="FF0000"/>
+              </a:solidFill>
+              <a:latin typeface="Times New Roman" panose="02020603050405020304" pitchFamily="18" charset="0"/>
+              <a:cs typeface="Times New Roman" panose="02020603050405020304" pitchFamily="18" charset="0"/>
+            </a:endParaRPr>
+          </a:p>
+        </p:txBody>
+      </p:sp>
+      <p:pic>
+        <p:nvPicPr>
+          <p:cNvPr id="8" name="Picture 7"/>
+          <p:cNvPicPr/>
+          <p:nvPr/>
+        </p:nvPicPr>
+        <p:blipFill>
+          <a:blip r:embed="rId2">
+            <a:extLst>
+              <a:ext uri="{28A0092B-C50C-407E-A947-70E740481C1C}">
+                <a14:useLocalDpi xmlns:a14="http://schemas.microsoft.com/office/drawing/2010/main" val="0"/>
+              </a:ext>
+            </a:extLst>
+          </a:blip>
+          <a:srcRect/>
+          <a:stretch>
+            <a:fillRect/>
+          </a:stretch>
+        </p:blipFill>
+        <p:spPr bwMode="auto">
+          <a:xfrm>
+            <a:off x="457200" y="2204864"/>
+            <a:ext cx="8229600" cy="3960440"/>
+          </a:xfrm>
+          <a:prstGeom prst="rect">
+            <a:avLst/>
+          </a:prstGeom>
+          <a:noFill/>
+          <a:ln>
+            <a:noFill/>
+          </a:ln>
+        </p:spPr>
+      </p:pic>
+    </p:spTree>
+    <p:extLst>
+      <p:ext uri="{BB962C8B-B14F-4D97-AF65-F5344CB8AC3E}">
+        <p14:creationId xmlns:p14="http://schemas.microsoft.com/office/powerpoint/2010/main" val="3802227940"/>
+      </p:ext>
+    </p:extLst>
+  </p:cSld>
+  <p:clrMapOvr>
+    <a:masterClrMapping/>
+  </p:clrMapOvr>
+  <p:timing>
+    <p:tnLst>
+      <p:par>
+        <p:cTn id="1" dur="indefinite" restart="never" nodeType="tmRoot"/>
+      </p:par>
+    </p:tnLst>
+  </p:timing>
+</p:sld>
+</file>
+
+<file path=ppt/slides/slide16.xml><?xml version="1.0" encoding="utf-8"?>
+<p:sld xmlns:a="http://schemas.openxmlformats.org/drawingml/2006/main" xmlns:r="http://schemas.openxmlformats.org/officeDocument/2006/relationships" xmlns:p="http://schemas.openxmlformats.org/presentationml/2006/main">
+  <p:cSld>
+    <p:spTree>
+      <p:nvGrpSpPr>
+        <p:cNvPr id="1" name=""/>
+        <p:cNvGrpSpPr/>
+        <p:nvPr/>
+      </p:nvGrpSpPr>
+      <p:grpSpPr>
+        <a:xfrm>
+          <a:off x="0" y="0"/>
+          <a:ext cx="0" cy="0"/>
+          <a:chOff x="0" y="0"/>
+          <a:chExt cx="0" cy="0"/>
+        </a:xfrm>
+      </p:grpSpPr>
+      <p:sp>
+        <p:nvSpPr>
+          <p:cNvPr id="2" name="Title 1"/>
+          <p:cNvSpPr>
+            <a:spLocks noGrp="1"/>
+          </p:cNvSpPr>
+          <p:nvPr>
+            <p:ph type="title"/>
+          </p:nvPr>
+        </p:nvSpPr>
+        <p:spPr>
+          <a:xfrm>
+            <a:off x="467544" y="260648"/>
+            <a:ext cx="8229600" cy="850106"/>
+          </a:xfrm>
+        </p:spPr>
+        <p:txBody>
+          <a:bodyPr/>
+          <a:lstStyle/>
+          <a:p>
+            <a:r>
+              <a:rPr lang="en-GB" smtClean="0"/>
+              <a:t>Withdraw</a:t>
+            </a:r>
+            <a:endParaRPr lang="en-GB"/>
+          </a:p>
+        </p:txBody>
+      </p:sp>
+      <p:pic>
+        <p:nvPicPr>
+          <p:cNvPr id="3" name="Picture 2"/>
+          <p:cNvPicPr/>
+          <p:nvPr/>
+        </p:nvPicPr>
+        <p:blipFill>
+          <a:blip r:embed="rId2" cstate="print">
+            <a:extLst>
+              <a:ext uri="{28A0092B-C50C-407E-A947-70E740481C1C}">
+                <a14:useLocalDpi xmlns:a14="http://schemas.microsoft.com/office/drawing/2010/main" val="0"/>
+              </a:ext>
+            </a:extLst>
+          </a:blip>
+          <a:srcRect/>
+          <a:stretch>
+            <a:fillRect/>
+          </a:stretch>
+        </p:blipFill>
+        <p:spPr bwMode="auto">
+          <a:xfrm>
+            <a:off x="2843808" y="1303784"/>
+            <a:ext cx="6120680" cy="4968552"/>
+          </a:xfrm>
+          <a:prstGeom prst="rect">
+            <a:avLst/>
+          </a:prstGeom>
+          <a:noFill/>
+          <a:ln>
+            <a:noFill/>
+          </a:ln>
+        </p:spPr>
+      </p:pic>
+      <p:sp>
+        <p:nvSpPr>
+          <p:cNvPr id="4" name="TextBox 3"/>
+          <p:cNvSpPr txBox="1"/>
+          <p:nvPr/>
+        </p:nvSpPr>
+        <p:spPr>
+          <a:xfrm>
+            <a:off x="395536" y="1340768"/>
+            <a:ext cx="2304256" cy="461665"/>
+          </a:xfrm>
+          <a:prstGeom prst="rect">
+            <a:avLst/>
+          </a:prstGeom>
+          <a:solidFill>
+            <a:srgbClr val="7030A0"/>
+          </a:solidFill>
+        </p:spPr>
+        <p:txBody>
+          <a:bodyPr wrap="square" rtlCol="0">
+            <a:spAutoFit/>
+          </a:bodyPr>
+          <a:lstStyle/>
+          <a:p>
+            <a:r>
+              <a:rPr lang="en-US" sz="2400" smtClean="0"/>
+              <a:t>Activity diagram</a:t>
+            </a:r>
+            <a:endParaRPr lang="en-US" sz="2400"/>
+          </a:p>
+        </p:txBody>
+      </p:sp>
+    </p:spTree>
+    <p:extLst>
+      <p:ext uri="{BB962C8B-B14F-4D97-AF65-F5344CB8AC3E}">
+        <p14:creationId xmlns:p14="http://schemas.microsoft.com/office/powerpoint/2010/main" val="2468861637"/>
+      </p:ext>
+    </p:extLst>
+  </p:cSld>
+  <p:clrMapOvr>
+    <a:masterClrMapping/>
+  </p:clrMapOvr>
+  <p:timing>
+    <p:tnLst>
+      <p:par>
+        <p:cTn id="1" dur="indefinite" restart="never" nodeType="tmRoot"/>
+      </p:par>
+    </p:tnLst>
+  </p:timing>
+</p:sld>
+</file>
+
+<file path=ppt/slides/slide17.xml><?xml version="1.0" encoding="utf-8"?>
+<p:sld xmlns:a="http://schemas.openxmlformats.org/drawingml/2006/main" xmlns:r="http://schemas.openxmlformats.org/officeDocument/2006/relationships" xmlns:p="http://schemas.openxmlformats.org/presentationml/2006/main">
+  <p:cSld>
+    <p:spTree>
+      <p:nvGrpSpPr>
+        <p:cNvPr id="1" name=""/>
+        <p:cNvGrpSpPr/>
+        <p:nvPr/>
+      </p:nvGrpSpPr>
+      <p:grpSpPr>
+        <a:xfrm>
+          <a:off x="0" y="0"/>
+          <a:ext cx="0" cy="0"/>
+          <a:chOff x="0" y="0"/>
+          <a:chExt cx="0" cy="0"/>
+        </a:xfrm>
+      </p:grpSpPr>
+      <p:sp>
+        <p:nvSpPr>
+          <p:cNvPr id="2" name="Title 1"/>
+          <p:cNvSpPr>
+            <a:spLocks noGrp="1"/>
+          </p:cNvSpPr>
+          <p:nvPr>
+            <p:ph type="title"/>
+          </p:nvPr>
+        </p:nvSpPr>
+        <p:spPr>
+          <a:xfrm>
+            <a:off x="467544" y="260648"/>
+            <a:ext cx="8229600" cy="850106"/>
+          </a:xfrm>
+        </p:spPr>
+        <p:txBody>
+          <a:bodyPr/>
+          <a:lstStyle/>
+          <a:p>
+            <a:r>
+              <a:rPr lang="en-GB" smtClean="0"/>
+              <a:t>Withdraw</a:t>
+            </a:r>
+            <a:endParaRPr lang="en-GB"/>
+          </a:p>
+        </p:txBody>
+      </p:sp>
+      <p:sp>
+        <p:nvSpPr>
+          <p:cNvPr id="4" name="TextBox 3"/>
+          <p:cNvSpPr txBox="1"/>
+          <p:nvPr/>
+        </p:nvSpPr>
+        <p:spPr>
+          <a:xfrm>
+            <a:off x="467544" y="1340768"/>
+            <a:ext cx="1512168" cy="830997"/>
+          </a:xfrm>
+          <a:prstGeom prst="rect">
+            <a:avLst/>
+          </a:prstGeom>
+          <a:solidFill>
+            <a:srgbClr val="7030A0"/>
+          </a:solidFill>
+        </p:spPr>
+        <p:txBody>
+          <a:bodyPr wrap="square" rtlCol="0">
+            <a:spAutoFit/>
+          </a:bodyPr>
+          <a:lstStyle/>
+          <a:p>
+            <a:r>
+              <a:rPr lang="en-US" sz="2400" smtClean="0"/>
+              <a:t>Sequence diagram</a:t>
+            </a:r>
+            <a:endParaRPr lang="en-US" sz="2400"/>
+          </a:p>
+        </p:txBody>
+      </p:sp>
+      <p:pic>
+        <p:nvPicPr>
+          <p:cNvPr id="5" name="Picture 4"/>
+          <p:cNvPicPr/>
+          <p:nvPr/>
+        </p:nvPicPr>
+        <p:blipFill>
+          <a:blip r:embed="rId2" cstate="print">
+            <a:extLst>
+              <a:ext uri="{28A0092B-C50C-407E-A947-70E740481C1C}">
+                <a14:useLocalDpi xmlns:a14="http://schemas.microsoft.com/office/drawing/2010/main" val="0"/>
+              </a:ext>
+            </a:extLst>
+          </a:blip>
+          <a:srcRect/>
+          <a:stretch>
+            <a:fillRect/>
+          </a:stretch>
+        </p:blipFill>
+        <p:spPr bwMode="auto">
+          <a:xfrm>
+            <a:off x="2123728" y="1196752"/>
+            <a:ext cx="6696744" cy="5112568"/>
+          </a:xfrm>
+          <a:prstGeom prst="rect">
+            <a:avLst/>
+          </a:prstGeom>
+          <a:noFill/>
+          <a:ln>
+            <a:noFill/>
+          </a:ln>
+        </p:spPr>
+      </p:pic>
+    </p:spTree>
+    <p:extLst>
+      <p:ext uri="{BB962C8B-B14F-4D97-AF65-F5344CB8AC3E}">
+        <p14:creationId xmlns:p14="http://schemas.microsoft.com/office/powerpoint/2010/main" val="10376904"/>
+      </p:ext>
+    </p:extLst>
+  </p:cSld>
+  <p:clrMapOvr>
+    <a:masterClrMapping/>
+  </p:clrMapOvr>
+  <p:timing>
+    <p:tnLst>
+      <p:par>
+        <p:cTn id="1" dur="indefinite" restart="never" nodeType="tmRoot"/>
+      </p:par>
+    </p:tnLst>
+  </p:timing>
+</p:sld>
+</file>
+
+<file path=ppt/slides/slide18.xml><?xml version="1.0" encoding="utf-8"?>
+<p:sld xmlns:a="http://schemas.openxmlformats.org/drawingml/2006/main" xmlns:r="http://schemas.openxmlformats.org/officeDocument/2006/relationships" xmlns:p="http://schemas.openxmlformats.org/presentationml/2006/main">
+  <p:cSld>
+    <p:spTree>
+      <p:nvGrpSpPr>
+        <p:cNvPr id="1" name=""/>
+        <p:cNvGrpSpPr/>
+        <p:nvPr/>
+      </p:nvGrpSpPr>
+      <p:grpSpPr>
+        <a:xfrm>
+          <a:off x="0" y="0"/>
+          <a:ext cx="0" cy="0"/>
+          <a:chOff x="0" y="0"/>
+          <a:chExt cx="0" cy="0"/>
+        </a:xfrm>
+      </p:grpSpPr>
+      <p:sp>
+        <p:nvSpPr>
+          <p:cNvPr id="2" name="Title 1"/>
+          <p:cNvSpPr>
+            <a:spLocks noGrp="1"/>
+          </p:cNvSpPr>
+          <p:nvPr>
+            <p:ph type="title"/>
+          </p:nvPr>
+        </p:nvSpPr>
+        <p:spPr>
+          <a:xfrm>
+            <a:off x="467544" y="260648"/>
+            <a:ext cx="8229600" cy="850106"/>
+          </a:xfrm>
+        </p:spPr>
+        <p:txBody>
+          <a:bodyPr/>
+          <a:lstStyle/>
+          <a:p>
+            <a:r>
+              <a:rPr lang="en-GB" smtClean="0"/>
+              <a:t>Withdraw</a:t>
+            </a:r>
+            <a:endParaRPr lang="en-GB"/>
+          </a:p>
+        </p:txBody>
+      </p:sp>
+      <p:sp>
+        <p:nvSpPr>
+          <p:cNvPr id="4" name="TextBox 3"/>
+          <p:cNvSpPr txBox="1"/>
+          <p:nvPr/>
+        </p:nvSpPr>
+        <p:spPr>
+          <a:xfrm>
+            <a:off x="467544" y="1340768"/>
+            <a:ext cx="1512168" cy="830997"/>
+          </a:xfrm>
+          <a:prstGeom prst="rect">
+            <a:avLst/>
+          </a:prstGeom>
+          <a:solidFill>
+            <a:srgbClr val="7030A0"/>
+          </a:solidFill>
+        </p:spPr>
+        <p:txBody>
+          <a:bodyPr wrap="square" rtlCol="0">
+            <a:spAutoFit/>
+          </a:bodyPr>
+          <a:lstStyle/>
+          <a:p>
+            <a:r>
+              <a:rPr lang="en-US" sz="2400"/>
+              <a:t>Dispenser money</a:t>
+            </a:r>
+          </a:p>
+        </p:txBody>
+      </p:sp>
+      <p:pic>
+        <p:nvPicPr>
+          <p:cNvPr id="5122" name="Picture 2" descr="E:\fpt_mock\trunk\doc\flowchart.png"/>
+          <p:cNvPicPr>
+            <a:picLocks noChangeAspect="1" noChangeArrowheads="1"/>
+          </p:cNvPicPr>
+          <p:nvPr/>
+        </p:nvPicPr>
+        <p:blipFill>
+          <a:blip r:embed="rId2">
+            <a:extLst>
+              <a:ext uri="{28A0092B-C50C-407E-A947-70E740481C1C}">
+                <a14:useLocalDpi xmlns:a14="http://schemas.microsoft.com/office/drawing/2010/main" val="0"/>
+              </a:ext>
+            </a:extLst>
+          </a:blip>
+          <a:srcRect/>
+          <a:stretch>
+            <a:fillRect/>
+          </a:stretch>
+        </p:blipFill>
+        <p:spPr bwMode="auto">
+          <a:xfrm>
+            <a:off x="2123728" y="1196752"/>
+            <a:ext cx="6721136" cy="5040560"/>
+          </a:xfrm>
+          <a:prstGeom prst="rect">
+            <a:avLst/>
+          </a:prstGeom>
+          <a:noFill/>
+          <a:extLst>
+            <a:ext uri="{909E8E84-426E-40DD-AFC4-6F175D3DCCD1}">
+              <a14:hiddenFill xmlns:a14="http://schemas.microsoft.com/office/drawing/2010/main">
+                <a:solidFill>
+                  <a:srgbClr val="FFFFFF"/>
+                </a:solidFill>
+              </a14:hiddenFill>
+            </a:ext>
+          </a:extLst>
+        </p:spPr>
+      </p:pic>
+    </p:spTree>
+    <p:extLst>
+      <p:ext uri="{BB962C8B-B14F-4D97-AF65-F5344CB8AC3E}">
+        <p14:creationId xmlns:p14="http://schemas.microsoft.com/office/powerpoint/2010/main" val="538707789"/>
+      </p:ext>
+    </p:extLst>
+  </p:cSld>
+  <p:clrMapOvr>
+    <a:masterClrMapping/>
+  </p:clrMapOvr>
+  <p:timing>
+    <p:tnLst>
+      <p:par>
+        <p:cTn id="1" dur="indefinite" restart="never" nodeType="tmRoot"/>
+      </p:par>
+    </p:tnLst>
+  </p:timing>
+</p:sld>
+</file>
+
+<file path=ppt/slides/slide19.xml><?xml version="1.0" encoding="utf-8"?>
+<p:sld xmlns:a="http://schemas.openxmlformats.org/drawingml/2006/main" xmlns:r="http://schemas.openxmlformats.org/officeDocument/2006/relationships" xmlns:p="http://schemas.openxmlformats.org/presentationml/2006/main">
+  <p:cSld>
+    <p:spTree>
+      <p:nvGrpSpPr>
+        <p:cNvPr id="1" name=""/>
+        <p:cNvGrpSpPr/>
+        <p:nvPr/>
+      </p:nvGrpSpPr>
+      <p:grpSpPr>
+        <a:xfrm>
+          <a:off x="0" y="0"/>
+          <a:ext cx="0" cy="0"/>
+          <a:chOff x="0" y="0"/>
+          <a:chExt cx="0" cy="0"/>
+        </a:xfrm>
+      </p:grpSpPr>
+      <p:sp>
+        <p:nvSpPr>
+          <p:cNvPr id="2" name="Title 1"/>
+          <p:cNvSpPr>
+            <a:spLocks noGrp="1"/>
+          </p:cNvSpPr>
+          <p:nvPr>
+            <p:ph type="title"/>
+          </p:nvPr>
+        </p:nvSpPr>
+        <p:spPr>
+          <a:xfrm>
+            <a:off x="457200" y="274638"/>
+            <a:ext cx="8229600" cy="850106"/>
+          </a:xfrm>
+        </p:spPr>
+        <p:txBody>
+          <a:bodyPr/>
+          <a:lstStyle/>
+          <a:p>
+            <a:r>
+              <a:rPr lang="en-GB"/>
+              <a:t>Withdraw</a:t>
+            </a:r>
+          </a:p>
+        </p:txBody>
+      </p:sp>
+      <p:sp>
+        <p:nvSpPr>
+          <p:cNvPr id="4" name="Rectangle 3"/>
+          <p:cNvSpPr/>
+          <p:nvPr/>
+        </p:nvSpPr>
+        <p:spPr>
+          <a:xfrm>
+            <a:off x="558032" y="1483792"/>
+            <a:ext cx="3888432" cy="4032448"/>
+          </a:xfrm>
+          <a:prstGeom prst="rect">
+            <a:avLst/>
+          </a:prstGeom>
+          <a:solidFill>
+            <a:srgbClr val="002060"/>
+          </a:solidFill>
+          <a:ln>
+            <a:noFill/>
+          </a:ln>
+        </p:spPr>
+        <p:style>
+          <a:lnRef idx="2">
+            <a:schemeClr val="accent1">
+              <a:shade val="50000"/>
+            </a:schemeClr>
+          </a:lnRef>
+          <a:fillRef idx="1">
+            <a:schemeClr val="accent1"/>
+          </a:fillRef>
+          <a:effectRef idx="0">
+            <a:schemeClr val="accent1"/>
+          </a:effectRef>
+          <a:fontRef idx="minor">
+            <a:schemeClr val="lt1"/>
+          </a:fontRef>
+        </p:style>
+        <p:txBody>
+          <a:bodyPr rtlCol="0" anchor="ctr"/>
+          <a:lstStyle/>
+          <a:p>
+            <a:pPr algn="ctr"/>
+            <a:endParaRPr lang="en-US"/>
+          </a:p>
+        </p:txBody>
+      </p:sp>
+      <p:sp>
+        <p:nvSpPr>
+          <p:cNvPr id="10" name="Rectangle 9"/>
+          <p:cNvSpPr/>
+          <p:nvPr/>
+        </p:nvSpPr>
+        <p:spPr>
+          <a:xfrm>
+            <a:off x="4932040" y="1484784"/>
+            <a:ext cx="3672408" cy="4032448"/>
+          </a:xfrm>
+          <a:prstGeom prst="rect">
+            <a:avLst/>
+          </a:prstGeom>
+          <a:solidFill>
+            <a:srgbClr val="00B0F0"/>
+          </a:solidFill>
+          <a:ln>
+            <a:noFill/>
+          </a:ln>
+        </p:spPr>
+        <p:style>
+          <a:lnRef idx="2">
+            <a:schemeClr val="accent1">
+              <a:shade val="50000"/>
+            </a:schemeClr>
+          </a:lnRef>
+          <a:fillRef idx="1">
+            <a:schemeClr val="accent1"/>
+          </a:fillRef>
+          <a:effectRef idx="0">
+            <a:schemeClr val="accent1"/>
+          </a:effectRef>
+          <a:fontRef idx="minor">
+            <a:schemeClr val="lt1"/>
+          </a:fontRef>
+        </p:style>
+        <p:txBody>
+          <a:bodyPr rtlCol="0" anchor="ctr"/>
+          <a:lstStyle/>
+          <a:p>
+            <a:pPr algn="ctr"/>
+            <a:endParaRPr lang="en-US"/>
+          </a:p>
+        </p:txBody>
+      </p:sp>
+      <p:sp>
+        <p:nvSpPr>
+          <p:cNvPr id="5" name="TextBox 4"/>
+          <p:cNvSpPr txBox="1"/>
+          <p:nvPr/>
+        </p:nvSpPr>
+        <p:spPr>
+          <a:xfrm>
+            <a:off x="683568" y="1628800"/>
+            <a:ext cx="2808312" cy="523220"/>
+          </a:xfrm>
+          <a:prstGeom prst="rect">
+            <a:avLst/>
+          </a:prstGeom>
+          <a:noFill/>
+        </p:spPr>
+        <p:txBody>
+          <a:bodyPr wrap="square" rtlCol="0">
+            <a:spAutoFit/>
+          </a:bodyPr>
+          <a:lstStyle/>
+          <a:p>
+            <a:r>
+              <a:rPr lang="en-US" sz="2800" b="1" smtClean="0"/>
+              <a:t>Advantage</a:t>
+            </a:r>
+          </a:p>
+        </p:txBody>
+      </p:sp>
+      <p:sp>
+        <p:nvSpPr>
+          <p:cNvPr id="12" name="TextBox 11"/>
+          <p:cNvSpPr txBox="1"/>
+          <p:nvPr/>
+        </p:nvSpPr>
+        <p:spPr>
+          <a:xfrm>
+            <a:off x="5076056" y="1690410"/>
+            <a:ext cx="2808312" cy="523220"/>
+          </a:xfrm>
+          <a:prstGeom prst="rect">
+            <a:avLst/>
+          </a:prstGeom>
+          <a:noFill/>
+        </p:spPr>
+        <p:txBody>
+          <a:bodyPr wrap="square" rtlCol="0">
+            <a:spAutoFit/>
+          </a:bodyPr>
+          <a:lstStyle/>
+          <a:p>
+            <a:r>
+              <a:rPr lang="en-US" sz="2800" b="1" smtClean="0"/>
+              <a:t>Difficult</a:t>
+            </a:r>
+            <a:endParaRPr lang="en-US" sz="2800" b="1"/>
+          </a:p>
+        </p:txBody>
+      </p:sp>
+      <p:sp>
+        <p:nvSpPr>
+          <p:cNvPr id="7" name="TextBox 6"/>
+          <p:cNvSpPr txBox="1"/>
+          <p:nvPr/>
+        </p:nvSpPr>
+        <p:spPr>
+          <a:xfrm>
+            <a:off x="683568" y="2564904"/>
+            <a:ext cx="3600400" cy="1200329"/>
+          </a:xfrm>
+          <a:prstGeom prst="rect">
+            <a:avLst/>
+          </a:prstGeom>
+          <a:noFill/>
+        </p:spPr>
+        <p:txBody>
+          <a:bodyPr wrap="square" rtlCol="0">
+            <a:spAutoFit/>
+          </a:bodyPr>
+          <a:lstStyle/>
+          <a:p>
+            <a:pPr marL="285750" indent="-285750">
+              <a:buFont typeface="Wingdings" pitchFamily="2" charset="2"/>
+              <a:buChar char="v"/>
+            </a:pPr>
+            <a:r>
+              <a:rPr lang="en-GB" sz="2400" smtClean="0"/>
+              <a:t>Sociable </a:t>
+            </a:r>
+            <a:r>
+              <a:rPr lang="en-GB" sz="2400"/>
+              <a:t>group and help each </a:t>
+            </a:r>
+            <a:r>
+              <a:rPr lang="en-GB" sz="2400" smtClean="0"/>
+              <a:t>other</a:t>
+            </a:r>
+          </a:p>
+          <a:p>
+            <a:endParaRPr lang="en-GB" sz="2400" smtClean="0"/>
+          </a:p>
+        </p:txBody>
+      </p:sp>
+      <p:sp>
+        <p:nvSpPr>
+          <p:cNvPr id="9" name="TextBox 8"/>
+          <p:cNvSpPr txBox="1"/>
+          <p:nvPr/>
+        </p:nvSpPr>
+        <p:spPr>
+          <a:xfrm>
+            <a:off x="5220072" y="2492896"/>
+            <a:ext cx="3240360" cy="2308324"/>
+          </a:xfrm>
+          <a:prstGeom prst="rect">
+            <a:avLst/>
+          </a:prstGeom>
+          <a:noFill/>
+        </p:spPr>
+        <p:txBody>
+          <a:bodyPr wrap="square" rtlCol="0">
+            <a:spAutoFit/>
+          </a:bodyPr>
+          <a:lstStyle/>
+          <a:p>
+            <a:pPr marL="285750" indent="-285750">
+              <a:buFont typeface="Wingdings" pitchFamily="2" charset="2"/>
+              <a:buChar char="v"/>
+            </a:pPr>
+            <a:r>
+              <a:rPr lang="en-US" sz="2400" smtClean="0"/>
+              <a:t>Query </a:t>
+            </a:r>
+            <a:r>
+              <a:rPr lang="en-US" sz="2400"/>
+              <a:t>data with Hibernate </a:t>
+            </a:r>
+            <a:r>
+              <a:rPr lang="en-US" sz="2400" smtClean="0"/>
+              <a:t>Framework</a:t>
+            </a:r>
+          </a:p>
+          <a:p>
+            <a:pPr marL="285750" indent="-285750">
+              <a:buFont typeface="Wingdings" pitchFamily="2" charset="2"/>
+              <a:buChar char="v"/>
+            </a:pPr>
+            <a:r>
+              <a:rPr lang="en-US" sz="2400" smtClean="0"/>
+              <a:t>Withdraw function relative to others funtions</a:t>
+            </a:r>
+          </a:p>
+          <a:p>
+            <a:pPr marL="285750" indent="-285750">
+              <a:buFont typeface="Wingdings" pitchFamily="2" charset="2"/>
+              <a:buChar char="v"/>
+            </a:pPr>
+            <a:r>
+              <a:rPr lang="en-US" sz="2400" smtClean="0"/>
+              <a:t>SRS not clear</a:t>
+            </a:r>
+            <a:endParaRPr lang="en-US" sz="2400"/>
+          </a:p>
+        </p:txBody>
+      </p:sp>
+    </p:spTree>
+    <p:extLst>
+      <p:ext uri="{BB962C8B-B14F-4D97-AF65-F5344CB8AC3E}">
+        <p14:creationId xmlns:p14="http://schemas.microsoft.com/office/powerpoint/2010/main" val="1007536844"/>
+      </p:ext>
+    </p:extLst>
+  </p:cSld>
+  <p:clrMapOvr>
+    <a:masterClrMapping/>
+  </p:clrMapOvr>
+  <p:timing>
+    <p:tnLst>
+      <p:par>
+        <p:cTn id="1" dur="indefinite" restart="never" nodeType="tmRoot"/>
+      </p:par>
+    </p:tnLst>
+  </p:timing>
+</p:sld>
+</file>
+
+<file path=ppt/slides/slide2.xml><?xml version="1.0" encoding="utf-8"?>
+<p:sld xmlns:a="http://schemas.openxmlformats.org/drawingml/2006/main" xmlns:r="http://schemas.openxmlformats.org/officeDocument/2006/relationships" xmlns:p="http://schemas.openxmlformats.org/presentationml/2006/main">
+  <p:cSld>
+    <p:spTree>
+      <p:nvGrpSpPr>
+        <p:cNvPr id="1" name=""/>
+        <p:cNvGrpSpPr/>
+        <p:nvPr/>
+      </p:nvGrpSpPr>
+      <p:grpSpPr>
+        <a:xfrm>
+          <a:off x="0" y="0"/>
+          <a:ext cx="0" cy="0"/>
+          <a:chOff x="0" y="0"/>
+          <a:chExt cx="0" cy="0"/>
+        </a:xfrm>
+      </p:grpSpPr>
+      <p:sp>
+        <p:nvSpPr>
+          <p:cNvPr id="2" name="Title 1"/>
+          <p:cNvSpPr>
+            <a:spLocks noGrp="1"/>
+          </p:cNvSpPr>
+          <p:nvPr>
+            <p:ph type="title"/>
+          </p:nvPr>
+        </p:nvSpPr>
+        <p:spPr/>
+        <p:txBody>
+          <a:bodyPr/>
+          <a:lstStyle/>
+          <a:p>
+            <a:r>
+              <a:rPr lang="en-GB" smtClean="0"/>
+              <a:t>Agenda</a:t>
+            </a:r>
+            <a:endParaRPr lang="en-GB"/>
+          </a:p>
+        </p:txBody>
+      </p:sp>
+      <p:sp>
+        <p:nvSpPr>
+          <p:cNvPr id="3" name="Rectangle 2"/>
+          <p:cNvSpPr/>
+          <p:nvPr/>
+        </p:nvSpPr>
+        <p:spPr>
+          <a:xfrm>
+            <a:off x="481560" y="2852936"/>
+            <a:ext cx="1296000" cy="1296144"/>
+          </a:xfrm>
+          <a:prstGeom prst="rect">
+            <a:avLst/>
+          </a:prstGeom>
+          <a:solidFill>
+            <a:srgbClr val="F58D01"/>
+          </a:solidFill>
+          <a:ln>
+            <a:noFill/>
+          </a:ln>
+        </p:spPr>
+        <p:style>
+          <a:lnRef idx="2">
+            <a:schemeClr val="accent1">
+              <a:shade val="50000"/>
+            </a:schemeClr>
+          </a:lnRef>
+          <a:fillRef idx="1">
+            <a:schemeClr val="accent1"/>
+          </a:fillRef>
+          <a:effectRef idx="0">
+            <a:schemeClr val="accent1"/>
+          </a:effectRef>
+          <a:fontRef idx="minor">
+            <a:schemeClr val="lt1"/>
+          </a:fontRef>
+        </p:style>
+        <p:txBody>
+          <a:bodyPr rtlCol="0" anchor="ctr"/>
+          <a:lstStyle/>
+          <a:p>
+            <a:pPr algn="ctr"/>
+            <a:endParaRPr lang="en-GB"/>
+          </a:p>
+        </p:txBody>
+      </p:sp>
+      <p:sp>
+        <p:nvSpPr>
+          <p:cNvPr id="4" name="Rectangle 3">
+            <a:hlinkClick r:id="rId2" action="ppaction://hlinksldjump"/>
+          </p:cNvPr>
+          <p:cNvSpPr/>
+          <p:nvPr/>
+        </p:nvSpPr>
+        <p:spPr>
+          <a:xfrm>
+            <a:off x="1864114" y="2852936"/>
+            <a:ext cx="1296000" cy="1296144"/>
+          </a:xfrm>
+          <a:prstGeom prst="rect">
+            <a:avLst/>
+          </a:prstGeom>
+          <a:solidFill>
+            <a:schemeClr val="accent5"/>
+          </a:solidFill>
+          <a:ln>
+            <a:noFill/>
+          </a:ln>
+        </p:spPr>
+        <p:style>
+          <a:lnRef idx="2">
+            <a:schemeClr val="accent1">
+              <a:shade val="50000"/>
+            </a:schemeClr>
+          </a:lnRef>
+          <a:fillRef idx="1">
+            <a:schemeClr val="accent1"/>
+          </a:fillRef>
+          <a:effectRef idx="0">
+            <a:schemeClr val="accent1"/>
+          </a:effectRef>
+          <a:fontRef idx="minor">
+            <a:schemeClr val="lt1"/>
+          </a:fontRef>
+        </p:style>
+        <p:txBody>
+          <a:bodyPr rtlCol="0" anchor="ctr"/>
+          <a:lstStyle/>
+          <a:p>
+            <a:pPr algn="ctr"/>
+            <a:endParaRPr lang="en-GB">
+              <a:solidFill>
+                <a:schemeClr val="tx1"/>
+              </a:solidFill>
+            </a:endParaRPr>
+          </a:p>
+        </p:txBody>
+      </p:sp>
+      <p:sp>
+        <p:nvSpPr>
+          <p:cNvPr id="5" name="Rectangle 4">
+            <a:hlinkClick r:id="rId3" action="ppaction://hlinksldjump"/>
+          </p:cNvPr>
+          <p:cNvSpPr/>
+          <p:nvPr/>
+        </p:nvSpPr>
+        <p:spPr>
+          <a:xfrm>
+            <a:off x="3246668" y="2852936"/>
+            <a:ext cx="1296000" cy="1296144"/>
+          </a:xfrm>
+          <a:prstGeom prst="rect">
+            <a:avLst/>
+          </a:prstGeom>
+          <a:solidFill>
+            <a:srgbClr val="009F3C"/>
+          </a:solidFill>
+          <a:ln>
+            <a:noFill/>
+          </a:ln>
+        </p:spPr>
+        <p:style>
+          <a:lnRef idx="2">
+            <a:schemeClr val="accent1">
+              <a:shade val="50000"/>
+            </a:schemeClr>
+          </a:lnRef>
+          <a:fillRef idx="1">
+            <a:schemeClr val="accent1"/>
+          </a:fillRef>
+          <a:effectRef idx="0">
+            <a:schemeClr val="accent1"/>
+          </a:effectRef>
+          <a:fontRef idx="minor">
+            <a:schemeClr val="lt1"/>
+          </a:fontRef>
+        </p:style>
+        <p:txBody>
+          <a:bodyPr rtlCol="0" anchor="ctr"/>
+          <a:lstStyle/>
+          <a:p>
+            <a:pPr algn="ctr"/>
+            <a:endParaRPr lang="en-GB">
+              <a:solidFill>
+                <a:schemeClr val="tx1"/>
+              </a:solidFill>
+            </a:endParaRPr>
+          </a:p>
+        </p:txBody>
+      </p:sp>
+      <p:sp>
+        <p:nvSpPr>
+          <p:cNvPr id="6" name="Rectangle 5">
+            <a:hlinkClick r:id="rId4" action="ppaction://hlinksldjump"/>
+          </p:cNvPr>
+          <p:cNvSpPr/>
+          <p:nvPr/>
+        </p:nvSpPr>
+        <p:spPr>
+          <a:xfrm>
+            <a:off x="4629222" y="2852936"/>
+            <a:ext cx="1296000" cy="1296144"/>
+          </a:xfrm>
+          <a:prstGeom prst="rect">
+            <a:avLst/>
+          </a:prstGeom>
+          <a:solidFill>
+            <a:srgbClr val="464543"/>
+          </a:solidFill>
+          <a:ln>
+            <a:noFill/>
+          </a:ln>
+        </p:spPr>
+        <p:style>
+          <a:lnRef idx="2">
+            <a:schemeClr val="accent1">
+              <a:shade val="50000"/>
+            </a:schemeClr>
+          </a:lnRef>
+          <a:fillRef idx="1">
+            <a:schemeClr val="accent1"/>
+          </a:fillRef>
+          <a:effectRef idx="0">
+            <a:schemeClr val="accent1"/>
+          </a:effectRef>
+          <a:fontRef idx="minor">
+            <a:schemeClr val="lt1"/>
+          </a:fontRef>
+        </p:style>
+        <p:txBody>
+          <a:bodyPr rtlCol="0" anchor="ctr"/>
+          <a:lstStyle/>
+          <a:p>
+            <a:pPr algn="ctr"/>
+            <a:endParaRPr lang="en-GB">
+              <a:solidFill>
+                <a:schemeClr val="tx1"/>
+              </a:solidFill>
+            </a:endParaRPr>
+          </a:p>
+        </p:txBody>
+      </p:sp>
+      <p:sp>
+        <p:nvSpPr>
+          <p:cNvPr id="7" name="Rectangle 6">
+            <a:hlinkClick r:id="rId5" action="ppaction://hlinksldjump"/>
+          </p:cNvPr>
+          <p:cNvSpPr/>
+          <p:nvPr/>
+        </p:nvSpPr>
+        <p:spPr>
+          <a:xfrm>
+            <a:off x="6011776" y="2852936"/>
+            <a:ext cx="1296000" cy="1296144"/>
+          </a:xfrm>
+          <a:prstGeom prst="rect">
+            <a:avLst/>
+          </a:prstGeom>
+          <a:solidFill>
+            <a:srgbClr val="006699"/>
+          </a:solidFill>
+          <a:ln>
+            <a:noFill/>
+          </a:ln>
+        </p:spPr>
+        <p:style>
+          <a:lnRef idx="2">
+            <a:schemeClr val="accent1">
+              <a:shade val="50000"/>
+            </a:schemeClr>
+          </a:lnRef>
+          <a:fillRef idx="1">
+            <a:schemeClr val="accent1"/>
+          </a:fillRef>
+          <a:effectRef idx="0">
+            <a:schemeClr val="accent1"/>
+          </a:effectRef>
+          <a:fontRef idx="minor">
+            <a:schemeClr val="lt1"/>
+          </a:fontRef>
+        </p:style>
+        <p:txBody>
+          <a:bodyPr rtlCol="0" anchor="ctr"/>
+          <a:lstStyle/>
+          <a:p>
+            <a:pPr algn="ctr"/>
+            <a:endParaRPr lang="en-GB">
+              <a:solidFill>
+                <a:schemeClr val="tx1"/>
+              </a:solidFill>
+            </a:endParaRPr>
+          </a:p>
+        </p:txBody>
+      </p:sp>
+      <p:sp>
+        <p:nvSpPr>
+          <p:cNvPr id="8" name="Rectangle 7">
+            <a:hlinkClick r:id="rId6" action="ppaction://hlinksldjump"/>
+          </p:cNvPr>
+          <p:cNvSpPr/>
+          <p:nvPr/>
+        </p:nvSpPr>
+        <p:spPr>
+          <a:xfrm>
+            <a:off x="7394328" y="2852936"/>
+            <a:ext cx="1296000" cy="1296144"/>
+          </a:xfrm>
+          <a:prstGeom prst="rect">
+            <a:avLst/>
+          </a:prstGeom>
+          <a:ln>
+            <a:noFill/>
+          </a:ln>
+        </p:spPr>
+        <p:style>
+          <a:lnRef idx="2">
+            <a:schemeClr val="accent1">
+              <a:shade val="50000"/>
+            </a:schemeClr>
+          </a:lnRef>
+          <a:fillRef idx="1">
+            <a:schemeClr val="accent1"/>
+          </a:fillRef>
+          <a:effectRef idx="0">
+            <a:schemeClr val="accent1"/>
+          </a:effectRef>
+          <a:fontRef idx="minor">
+            <a:schemeClr val="lt1"/>
+          </a:fontRef>
+        </p:style>
+        <p:txBody>
+          <a:bodyPr rtlCol="0" anchor="ctr"/>
+          <a:lstStyle/>
+          <a:p>
+            <a:pPr algn="ctr"/>
+            <a:endParaRPr lang="en-GB"/>
+          </a:p>
+        </p:txBody>
+      </p:sp>
+      <p:sp>
+        <p:nvSpPr>
+          <p:cNvPr id="13" name="Oval 12"/>
+          <p:cNvSpPr/>
+          <p:nvPr/>
+        </p:nvSpPr>
+        <p:spPr>
+          <a:xfrm>
+            <a:off x="769520" y="3140968"/>
+            <a:ext cx="720080" cy="720080"/>
+          </a:xfrm>
+          <a:prstGeom prst="ellipse">
+            <a:avLst/>
+          </a:prstGeom>
+          <a:noFill/>
+          <a:ln>
+            <a:solidFill>
+              <a:schemeClr val="tx1"/>
+            </a:solidFill>
+          </a:ln>
+        </p:spPr>
+        <p:style>
+          <a:lnRef idx="2">
+            <a:schemeClr val="accent1">
+              <a:shade val="50000"/>
+            </a:schemeClr>
+          </a:lnRef>
+          <a:fillRef idx="1">
+            <a:schemeClr val="accent1"/>
+          </a:fillRef>
+          <a:effectRef idx="0">
+            <a:schemeClr val="accent1"/>
+          </a:effectRef>
+          <a:fontRef idx="minor">
+            <a:schemeClr val="lt1"/>
+          </a:fontRef>
+        </p:style>
+        <p:txBody>
+          <a:bodyPr lIns="0" tIns="0" rIns="0" bIns="0" rtlCol="0" anchor="ctr"/>
+          <a:lstStyle/>
+          <a:p>
+            <a:pPr algn="ctr"/>
+            <a:r>
+              <a:rPr lang="en-GB" sz="4000" b="1" smtClean="0">
+                <a:solidFill>
+                  <a:schemeClr val="tx1"/>
+                </a:solidFill>
+              </a:rPr>
+              <a:t>1</a:t>
+            </a:r>
+            <a:endParaRPr lang="en-GB" sz="4000" b="1">
+              <a:solidFill>
+                <a:schemeClr val="tx1"/>
+              </a:solidFill>
+            </a:endParaRPr>
+          </a:p>
+        </p:txBody>
+      </p:sp>
+      <p:sp>
+        <p:nvSpPr>
+          <p:cNvPr id="15" name="Oval 14"/>
+          <p:cNvSpPr/>
+          <p:nvPr/>
+        </p:nvSpPr>
+        <p:spPr>
+          <a:xfrm>
+            <a:off x="2151128" y="3140968"/>
+            <a:ext cx="720080" cy="720080"/>
+          </a:xfrm>
+          <a:prstGeom prst="ellipse">
+            <a:avLst/>
+          </a:prstGeom>
+          <a:noFill/>
+          <a:ln>
+            <a:solidFill>
+              <a:schemeClr val="tx1"/>
+            </a:solidFill>
+          </a:ln>
+        </p:spPr>
+        <p:style>
+          <a:lnRef idx="2">
+            <a:schemeClr val="accent1">
+              <a:shade val="50000"/>
+            </a:schemeClr>
+          </a:lnRef>
+          <a:fillRef idx="1">
+            <a:schemeClr val="accent1"/>
+          </a:fillRef>
+          <a:effectRef idx="0">
+            <a:schemeClr val="accent1"/>
+          </a:effectRef>
+          <a:fontRef idx="minor">
+            <a:schemeClr val="lt1"/>
+          </a:fontRef>
+        </p:style>
+        <p:txBody>
+          <a:bodyPr lIns="0" tIns="0" rIns="0" bIns="0" rtlCol="0" anchor="ctr"/>
+          <a:lstStyle/>
+          <a:p>
+            <a:pPr algn="ctr"/>
+            <a:r>
+              <a:rPr lang="en-GB" sz="4000" b="1">
+                <a:solidFill>
+                  <a:schemeClr val="tx1"/>
+                </a:solidFill>
+              </a:rPr>
+              <a:t>2</a:t>
+            </a:r>
+          </a:p>
+        </p:txBody>
+      </p:sp>
+      <p:sp>
+        <p:nvSpPr>
+          <p:cNvPr id="16" name="Oval 15"/>
+          <p:cNvSpPr/>
+          <p:nvPr/>
+        </p:nvSpPr>
+        <p:spPr>
+          <a:xfrm>
+            <a:off x="3534628" y="3140968"/>
+            <a:ext cx="720080" cy="720080"/>
+          </a:xfrm>
+          <a:prstGeom prst="ellipse">
+            <a:avLst/>
+          </a:prstGeom>
+          <a:noFill/>
+          <a:ln>
+            <a:solidFill>
+              <a:schemeClr val="tx1"/>
+            </a:solidFill>
+          </a:ln>
+        </p:spPr>
+        <p:style>
+          <a:lnRef idx="2">
+            <a:schemeClr val="accent1">
+              <a:shade val="50000"/>
+            </a:schemeClr>
+          </a:lnRef>
+          <a:fillRef idx="1">
+            <a:schemeClr val="accent1"/>
+          </a:fillRef>
+          <a:effectRef idx="0">
+            <a:schemeClr val="accent1"/>
+          </a:effectRef>
+          <a:fontRef idx="minor">
+            <a:schemeClr val="lt1"/>
+          </a:fontRef>
+        </p:style>
+        <p:txBody>
+          <a:bodyPr lIns="0" tIns="0" rIns="0" bIns="0" rtlCol="0" anchor="ctr"/>
+          <a:lstStyle/>
+          <a:p>
+            <a:pPr algn="ctr"/>
+            <a:r>
+              <a:rPr lang="en-GB" sz="4000" b="1">
+                <a:solidFill>
+                  <a:schemeClr val="tx1"/>
+                </a:solidFill>
+              </a:rPr>
+              <a:t>3</a:t>
+            </a:r>
+          </a:p>
+        </p:txBody>
+      </p:sp>
+      <p:sp>
+        <p:nvSpPr>
+          <p:cNvPr id="19" name="Oval 18"/>
+          <p:cNvSpPr/>
+          <p:nvPr/>
+        </p:nvSpPr>
+        <p:spPr>
+          <a:xfrm>
+            <a:off x="4917182" y="3140968"/>
+            <a:ext cx="720080" cy="720080"/>
+          </a:xfrm>
+          <a:prstGeom prst="ellipse">
+            <a:avLst/>
+          </a:prstGeom>
+          <a:noFill/>
+          <a:ln>
+            <a:solidFill>
+              <a:schemeClr val="tx1"/>
+            </a:solidFill>
+          </a:ln>
+        </p:spPr>
+        <p:style>
+          <a:lnRef idx="2">
+            <a:schemeClr val="accent1">
+              <a:shade val="50000"/>
+            </a:schemeClr>
+          </a:lnRef>
+          <a:fillRef idx="1">
+            <a:schemeClr val="accent1"/>
+          </a:fillRef>
+          <a:effectRef idx="0">
+            <a:schemeClr val="accent1"/>
+          </a:effectRef>
+          <a:fontRef idx="minor">
+            <a:schemeClr val="lt1"/>
+          </a:fontRef>
+        </p:style>
+        <p:txBody>
+          <a:bodyPr lIns="0" tIns="0" rIns="0" bIns="0" rtlCol="0" anchor="ctr"/>
+          <a:lstStyle/>
+          <a:p>
+            <a:pPr algn="ctr"/>
+            <a:r>
+              <a:rPr lang="en-GB" sz="4000" b="1">
+                <a:solidFill>
+                  <a:schemeClr val="tx1"/>
+                </a:solidFill>
+              </a:rPr>
+              <a:t>4</a:t>
+            </a:r>
+          </a:p>
+        </p:txBody>
+      </p:sp>
+      <p:sp>
+        <p:nvSpPr>
+          <p:cNvPr id="20" name="Oval 19"/>
+          <p:cNvSpPr/>
+          <p:nvPr/>
+        </p:nvSpPr>
+        <p:spPr>
+          <a:xfrm>
+            <a:off x="6299736" y="3140968"/>
+            <a:ext cx="720080" cy="720080"/>
+          </a:xfrm>
+          <a:prstGeom prst="ellipse">
+            <a:avLst/>
+          </a:prstGeom>
+          <a:noFill/>
+          <a:ln>
+            <a:solidFill>
+              <a:schemeClr val="tx1"/>
+            </a:solidFill>
+          </a:ln>
+        </p:spPr>
+        <p:style>
+          <a:lnRef idx="2">
+            <a:schemeClr val="accent1">
+              <a:shade val="50000"/>
+            </a:schemeClr>
+          </a:lnRef>
+          <a:fillRef idx="1">
+            <a:schemeClr val="accent1"/>
+          </a:fillRef>
+          <a:effectRef idx="0">
+            <a:schemeClr val="accent1"/>
+          </a:effectRef>
+          <a:fontRef idx="minor">
+            <a:schemeClr val="lt1"/>
+          </a:fontRef>
+        </p:style>
+        <p:txBody>
+          <a:bodyPr lIns="0" tIns="0" rIns="0" bIns="0" rtlCol="0" anchor="ctr"/>
+          <a:lstStyle/>
+          <a:p>
+            <a:pPr algn="ctr"/>
+            <a:r>
+              <a:rPr lang="en-GB" sz="4000" b="1">
+                <a:solidFill>
+                  <a:schemeClr val="tx1"/>
+                </a:solidFill>
+              </a:rPr>
+              <a:t>5</a:t>
+            </a:r>
+          </a:p>
+        </p:txBody>
+      </p:sp>
+      <p:sp>
+        <p:nvSpPr>
+          <p:cNvPr id="21" name="Oval 20"/>
+          <p:cNvSpPr/>
+          <p:nvPr/>
+        </p:nvSpPr>
+        <p:spPr>
+          <a:xfrm>
+            <a:off x="7682288" y="3140968"/>
+            <a:ext cx="720080" cy="720080"/>
+          </a:xfrm>
+          <a:prstGeom prst="ellipse">
+            <a:avLst/>
+          </a:prstGeom>
+          <a:noFill/>
+          <a:ln>
+            <a:solidFill>
+              <a:schemeClr val="tx1"/>
+            </a:solidFill>
+          </a:ln>
+        </p:spPr>
+        <p:style>
+          <a:lnRef idx="2">
+            <a:schemeClr val="accent1">
+              <a:shade val="50000"/>
+            </a:schemeClr>
+          </a:lnRef>
+          <a:fillRef idx="1">
+            <a:schemeClr val="accent1"/>
+          </a:fillRef>
+          <a:effectRef idx="0">
+            <a:schemeClr val="accent1"/>
+          </a:effectRef>
+          <a:fontRef idx="minor">
+            <a:schemeClr val="lt1"/>
+          </a:fontRef>
+        </p:style>
+        <p:txBody>
+          <a:bodyPr lIns="0" tIns="0" rIns="0" bIns="0" rtlCol="0" anchor="ctr"/>
+          <a:lstStyle/>
+          <a:p>
+            <a:pPr algn="ctr"/>
+            <a:r>
+              <a:rPr lang="en-GB" sz="4000" b="1">
+                <a:solidFill>
+                  <a:schemeClr val="tx1"/>
+                </a:solidFill>
+              </a:rPr>
+              <a:t>6</a:t>
+            </a:r>
+          </a:p>
+        </p:txBody>
+      </p:sp>
+      <p:sp>
+        <p:nvSpPr>
+          <p:cNvPr id="22" name="TextBox 21"/>
+          <p:cNvSpPr txBox="1"/>
+          <p:nvPr/>
+        </p:nvSpPr>
+        <p:spPr>
+          <a:xfrm>
+            <a:off x="455178" y="2483604"/>
+            <a:ext cx="1334020" cy="369332"/>
+          </a:xfrm>
+          <a:prstGeom prst="rect">
+            <a:avLst/>
+          </a:prstGeom>
+          <a:noFill/>
+        </p:spPr>
+        <p:txBody>
+          <a:bodyPr wrap="none" rtlCol="0">
+            <a:spAutoFit/>
+          </a:bodyPr>
+          <a:lstStyle/>
+          <a:p>
+            <a:pPr algn="ctr"/>
+            <a:r>
+              <a:rPr lang="en-GB" smtClean="0"/>
+              <a:t>About team</a:t>
+            </a:r>
+            <a:endParaRPr lang="en-GB"/>
+          </a:p>
+        </p:txBody>
+      </p:sp>
+      <p:sp>
+        <p:nvSpPr>
+          <p:cNvPr id="23" name="TextBox 22"/>
+          <p:cNvSpPr txBox="1"/>
+          <p:nvPr/>
+        </p:nvSpPr>
+        <p:spPr>
+          <a:xfrm>
+            <a:off x="2668637" y="2483604"/>
+            <a:ext cx="2379690" cy="369332"/>
+          </a:xfrm>
+          <a:prstGeom prst="rect">
+            <a:avLst/>
+          </a:prstGeom>
+          <a:noFill/>
+        </p:spPr>
+        <p:txBody>
+          <a:bodyPr wrap="none" rtlCol="0">
+            <a:spAutoFit/>
+          </a:bodyPr>
+          <a:lstStyle/>
+          <a:p>
+            <a:pPr algn="ctr"/>
+            <a:r>
+              <a:rPr lang="en-GB" smtClean="0"/>
+              <a:t>Validation and Authen </a:t>
+            </a:r>
+            <a:endParaRPr lang="en-GB"/>
+          </a:p>
+        </p:txBody>
+      </p:sp>
+      <p:sp>
+        <p:nvSpPr>
+          <p:cNvPr id="24" name="TextBox 23"/>
+          <p:cNvSpPr txBox="1"/>
+          <p:nvPr/>
+        </p:nvSpPr>
+        <p:spPr>
+          <a:xfrm>
+            <a:off x="7419403" y="4149080"/>
+            <a:ext cx="1245855" cy="369332"/>
+          </a:xfrm>
+          <a:prstGeom prst="rect">
+            <a:avLst/>
+          </a:prstGeom>
+          <a:noFill/>
+        </p:spPr>
+        <p:txBody>
+          <a:bodyPr wrap="none" rtlCol="0">
+            <a:spAutoFit/>
+          </a:bodyPr>
+          <a:lstStyle/>
+          <a:p>
+            <a:pPr algn="ctr"/>
+            <a:r>
+              <a:rPr lang="en-GB" smtClean="0"/>
+              <a:t>Conclusion</a:t>
+            </a:r>
+            <a:endParaRPr lang="en-GB"/>
+          </a:p>
+        </p:txBody>
+      </p:sp>
+      <p:sp>
+        <p:nvSpPr>
+          <p:cNvPr id="25" name="TextBox 24"/>
+          <p:cNvSpPr txBox="1"/>
+          <p:nvPr/>
+        </p:nvSpPr>
+        <p:spPr>
+          <a:xfrm>
+            <a:off x="1962139" y="4149080"/>
+            <a:ext cx="1098058" cy="369332"/>
+          </a:xfrm>
+          <a:prstGeom prst="rect">
+            <a:avLst/>
+          </a:prstGeom>
+          <a:noFill/>
+        </p:spPr>
+        <p:txBody>
+          <a:bodyPr wrap="none" rtlCol="0">
+            <a:spAutoFit/>
+          </a:bodyPr>
+          <a:lstStyle/>
+          <a:p>
+            <a:pPr algn="ctr"/>
+            <a:r>
+              <a:rPr lang="en-GB" smtClean="0"/>
+              <a:t>Overview</a:t>
+            </a:r>
+            <a:endParaRPr lang="en-GB"/>
+          </a:p>
+        </p:txBody>
+      </p:sp>
+      <p:sp>
+        <p:nvSpPr>
+          <p:cNvPr id="27" name="TextBox 26"/>
+          <p:cNvSpPr txBox="1"/>
+          <p:nvPr/>
+        </p:nvSpPr>
+        <p:spPr>
+          <a:xfrm>
+            <a:off x="6103882" y="2483604"/>
+            <a:ext cx="1107996" cy="369332"/>
+          </a:xfrm>
+          <a:prstGeom prst="rect">
+            <a:avLst/>
+          </a:prstGeom>
+          <a:noFill/>
+        </p:spPr>
+        <p:txBody>
+          <a:bodyPr wrap="none" rtlCol="0">
+            <a:spAutoFit/>
+          </a:bodyPr>
+          <a:lstStyle/>
+          <a:p>
+            <a:pPr algn="ctr"/>
+            <a:r>
+              <a:rPr lang="en-GB" smtClean="0"/>
+              <a:t>Withdraw</a:t>
+            </a:r>
+            <a:endParaRPr lang="en-GB"/>
+          </a:p>
+        </p:txBody>
+      </p:sp>
+      <p:sp>
+        <p:nvSpPr>
+          <p:cNvPr id="28" name="TextBox 27"/>
+          <p:cNvSpPr txBox="1"/>
+          <p:nvPr/>
+        </p:nvSpPr>
+        <p:spPr>
+          <a:xfrm>
+            <a:off x="4477593" y="4149080"/>
+            <a:ext cx="1584088" cy="369332"/>
+          </a:xfrm>
+          <a:prstGeom prst="rect">
+            <a:avLst/>
+          </a:prstGeom>
+          <a:noFill/>
+        </p:spPr>
+        <p:txBody>
+          <a:bodyPr wrap="none" rtlCol="0">
+            <a:spAutoFit/>
+          </a:bodyPr>
+          <a:lstStyle/>
+          <a:p>
+            <a:pPr algn="ctr"/>
+            <a:r>
+              <a:rPr lang="en-GB" smtClean="0"/>
+              <a:t>Check balance</a:t>
+            </a:r>
+            <a:endParaRPr lang="en-GB"/>
+          </a:p>
+        </p:txBody>
+      </p:sp>
+    </p:spTree>
+    <p:extLst>
+      <p:ext uri="{BB962C8B-B14F-4D97-AF65-F5344CB8AC3E}">
+        <p14:creationId xmlns:p14="http://schemas.microsoft.com/office/powerpoint/2010/main" val="801267067"/>
+      </p:ext>
+    </p:extLst>
+  </p:cSld>
+  <p:clrMapOvr>
+    <a:masterClrMapping/>
+  </p:clrMapOvr>
+  <p:timing>
+    <p:tnLst>
+      <p:par>
+        <p:cTn id="1" dur="indefinite" restart="never" nodeType="tmRoot"/>
+      </p:par>
+    </p:tnLst>
+  </p:timing>
+</p:sld>
+</file>
+
+<file path=ppt/slides/slide20.xml><?xml version="1.0" encoding="utf-8"?>
+<p:sld xmlns:a="http://schemas.openxmlformats.org/drawingml/2006/main" xmlns:r="http://schemas.openxmlformats.org/officeDocument/2006/relationships" xmlns:p="http://schemas.openxmlformats.org/presentationml/2006/main">
+  <p:cSld>
+    <p:spTree>
+      <p:nvGrpSpPr>
+        <p:cNvPr id="1" name=""/>
+        <p:cNvGrpSpPr/>
+        <p:nvPr/>
+      </p:nvGrpSpPr>
+      <p:grpSpPr>
+        <a:xfrm>
+          <a:off x="0" y="0"/>
+          <a:ext cx="0" cy="0"/>
+          <a:chOff x="0" y="0"/>
+          <a:chExt cx="0" cy="0"/>
+        </a:xfrm>
+      </p:grpSpPr>
+      <p:sp>
+        <p:nvSpPr>
+          <p:cNvPr id="2" name="Title 1"/>
+          <p:cNvSpPr>
+            <a:spLocks noGrp="1"/>
+          </p:cNvSpPr>
+          <p:nvPr>
+            <p:ph type="title"/>
+          </p:nvPr>
+        </p:nvSpPr>
+        <p:spPr/>
+        <p:txBody>
+          <a:bodyPr>
+            <a:normAutofit/>
+          </a:bodyPr>
+          <a:lstStyle/>
+          <a:p>
+            <a:r>
+              <a:rPr lang="en-GB" smtClean="0"/>
+              <a:t>Conclusion</a:t>
+            </a:r>
+            <a:endParaRPr lang="en-GB" dirty="0"/>
+          </a:p>
+        </p:txBody>
+      </p:sp>
+    </p:spTree>
+    <p:extLst>
+      <p:ext uri="{BB962C8B-B14F-4D97-AF65-F5344CB8AC3E}">
+        <p14:creationId xmlns:p14="http://schemas.microsoft.com/office/powerpoint/2010/main" val="761104530"/>
+      </p:ext>
+    </p:extLst>
+  </p:cSld>
+  <p:clrMapOvr>
+    <a:masterClrMapping/>
+  </p:clrMapOvr>
+  <p:timing>
+    <p:tnLst>
+      <p:par>
+        <p:cTn id="1" dur="indefinite" restart="never" nodeType="tmRoot"/>
+      </p:par>
+    </p:tnLst>
+  </p:timing>
+</p:sld>
+</file>
+
+<file path=ppt/slides/slide3.xml><?xml version="1.0" encoding="utf-8"?>
+<p:sld xmlns:a="http://schemas.openxmlformats.org/drawingml/2006/main" xmlns:r="http://schemas.openxmlformats.org/officeDocument/2006/relationships" xmlns:p="http://schemas.openxmlformats.org/presentationml/2006/main">
+  <p:cSld>
+    <p:spTree>
+      <p:nvGrpSpPr>
+        <p:cNvPr id="1" name=""/>
+        <p:cNvGrpSpPr/>
+        <p:nvPr/>
+      </p:nvGrpSpPr>
+      <p:grpSpPr>
+        <a:xfrm>
+          <a:off x="0" y="0"/>
+          <a:ext cx="0" cy="0"/>
+          <a:chOff x="0" y="0"/>
+          <a:chExt cx="0" cy="0"/>
+        </a:xfrm>
+      </p:grpSpPr>
+      <p:sp>
+        <p:nvSpPr>
+          <p:cNvPr id="2" name="Title 1"/>
+          <p:cNvSpPr>
+            <a:spLocks noGrp="1"/>
+          </p:cNvSpPr>
+          <p:nvPr>
+            <p:ph type="title"/>
+          </p:nvPr>
+        </p:nvSpPr>
+        <p:spPr>
+          <a:xfrm>
+            <a:off x="457200" y="274638"/>
+            <a:ext cx="8229600" cy="850106"/>
+          </a:xfrm>
+        </p:spPr>
+        <p:txBody>
+          <a:bodyPr/>
+          <a:lstStyle/>
+          <a:p>
+            <a:r>
+              <a:rPr lang="en-GB" smtClean="0"/>
+              <a:t>Our team</a:t>
+            </a:r>
+            <a:endParaRPr lang="en-GB"/>
+          </a:p>
+        </p:txBody>
+      </p:sp>
+      <p:sp>
+        <p:nvSpPr>
+          <p:cNvPr id="3" name="Rectangle 2"/>
+          <p:cNvSpPr/>
+          <p:nvPr/>
+        </p:nvSpPr>
+        <p:spPr>
+          <a:xfrm>
+            <a:off x="481560" y="2041368"/>
+            <a:ext cx="1296000" cy="1296144"/>
+          </a:xfrm>
+          <a:prstGeom prst="rect">
+            <a:avLst/>
+          </a:prstGeom>
+          <a:solidFill>
+            <a:srgbClr val="F58D01"/>
+          </a:solidFill>
+          <a:ln>
+            <a:noFill/>
+          </a:ln>
+        </p:spPr>
+        <p:style>
+          <a:lnRef idx="2">
+            <a:schemeClr val="accent1">
+              <a:shade val="50000"/>
+            </a:schemeClr>
+          </a:lnRef>
+          <a:fillRef idx="1">
+            <a:schemeClr val="accent1"/>
+          </a:fillRef>
+          <a:effectRef idx="0">
+            <a:schemeClr val="accent1"/>
+          </a:effectRef>
+          <a:fontRef idx="minor">
+            <a:schemeClr val="lt1"/>
+          </a:fontRef>
+        </p:style>
+        <p:txBody>
+          <a:bodyPr rtlCol="0" anchor="ctr"/>
+          <a:lstStyle/>
+          <a:p>
+            <a:pPr algn="ctr"/>
+            <a:endParaRPr lang="en-GB"/>
+          </a:p>
+        </p:txBody>
+      </p:sp>
+      <p:sp>
+        <p:nvSpPr>
+          <p:cNvPr id="4" name="Rectangle 3"/>
+          <p:cNvSpPr/>
+          <p:nvPr/>
+        </p:nvSpPr>
+        <p:spPr>
+          <a:xfrm>
+            <a:off x="481560" y="3776352"/>
+            <a:ext cx="1296000" cy="1296144"/>
+          </a:xfrm>
+          <a:prstGeom prst="rect">
+            <a:avLst/>
+          </a:prstGeom>
+          <a:solidFill>
+            <a:schemeClr val="accent5"/>
+          </a:solidFill>
+          <a:ln>
+            <a:noFill/>
+          </a:ln>
+        </p:spPr>
+        <p:style>
+          <a:lnRef idx="2">
+            <a:schemeClr val="accent1">
+              <a:shade val="50000"/>
+            </a:schemeClr>
+          </a:lnRef>
+          <a:fillRef idx="1">
+            <a:schemeClr val="accent1"/>
+          </a:fillRef>
+          <a:effectRef idx="0">
+            <a:schemeClr val="accent1"/>
+          </a:effectRef>
+          <a:fontRef idx="minor">
+            <a:schemeClr val="lt1"/>
+          </a:fontRef>
+        </p:style>
+        <p:txBody>
+          <a:bodyPr rtlCol="0" anchor="ctr"/>
+          <a:lstStyle/>
+          <a:p>
+            <a:pPr algn="ctr"/>
+            <a:endParaRPr lang="en-GB">
+              <a:solidFill>
+                <a:schemeClr val="tx1"/>
+              </a:solidFill>
+            </a:endParaRPr>
+          </a:p>
+        </p:txBody>
+      </p:sp>
+      <p:sp>
+        <p:nvSpPr>
+          <p:cNvPr id="5" name="Rectangle 4"/>
+          <p:cNvSpPr/>
+          <p:nvPr/>
+        </p:nvSpPr>
+        <p:spPr>
+          <a:xfrm>
+            <a:off x="4725587" y="2041368"/>
+            <a:ext cx="1296000" cy="1296000"/>
+          </a:xfrm>
+          <a:prstGeom prst="rect">
+            <a:avLst/>
+          </a:prstGeom>
+          <a:solidFill>
+            <a:srgbClr val="009F3C"/>
+          </a:solidFill>
+          <a:ln>
+            <a:noFill/>
+          </a:ln>
+        </p:spPr>
+        <p:style>
+          <a:lnRef idx="2">
+            <a:schemeClr val="accent1">
+              <a:shade val="50000"/>
+            </a:schemeClr>
+          </a:lnRef>
+          <a:fillRef idx="1">
+            <a:schemeClr val="accent1"/>
+          </a:fillRef>
+          <a:effectRef idx="0">
+            <a:schemeClr val="accent1"/>
+          </a:effectRef>
+          <a:fontRef idx="minor">
+            <a:schemeClr val="lt1"/>
+          </a:fontRef>
+        </p:style>
+        <p:txBody>
+          <a:bodyPr rtlCol="0" anchor="ctr"/>
+          <a:lstStyle/>
+          <a:p>
+            <a:pPr algn="ctr"/>
+            <a:endParaRPr lang="en-GB">
+              <a:solidFill>
+                <a:schemeClr val="tx1"/>
+              </a:solidFill>
+            </a:endParaRPr>
+          </a:p>
+        </p:txBody>
+      </p:sp>
+      <p:sp>
+        <p:nvSpPr>
+          <p:cNvPr id="6" name="Rectangle 5"/>
+          <p:cNvSpPr/>
+          <p:nvPr/>
+        </p:nvSpPr>
+        <p:spPr>
+          <a:xfrm>
+            <a:off x="4725587" y="3776352"/>
+            <a:ext cx="1296000" cy="1296144"/>
+          </a:xfrm>
+          <a:prstGeom prst="rect">
+            <a:avLst/>
+          </a:prstGeom>
+          <a:solidFill>
+            <a:srgbClr val="464543"/>
+          </a:solidFill>
+          <a:ln>
+            <a:noFill/>
+          </a:ln>
+        </p:spPr>
+        <p:style>
+          <a:lnRef idx="2">
+            <a:schemeClr val="accent1">
+              <a:shade val="50000"/>
+            </a:schemeClr>
+          </a:lnRef>
+          <a:fillRef idx="1">
+            <a:schemeClr val="accent1"/>
+          </a:fillRef>
+          <a:effectRef idx="0">
+            <a:schemeClr val="accent1"/>
+          </a:effectRef>
+          <a:fontRef idx="minor">
+            <a:schemeClr val="lt1"/>
+          </a:fontRef>
+        </p:style>
+        <p:txBody>
+          <a:bodyPr rtlCol="0" anchor="ctr"/>
+          <a:lstStyle/>
+          <a:p>
+            <a:pPr algn="ctr"/>
+            <a:endParaRPr lang="en-GB">
+              <a:solidFill>
+                <a:schemeClr val="tx1"/>
+              </a:solidFill>
+            </a:endParaRPr>
+          </a:p>
+        </p:txBody>
+      </p:sp>
+      <p:sp>
+        <p:nvSpPr>
+          <p:cNvPr id="28" name="Rectangle 27"/>
+          <p:cNvSpPr/>
+          <p:nvPr/>
+        </p:nvSpPr>
+        <p:spPr>
+          <a:xfrm>
+            <a:off x="1779134" y="2041368"/>
+            <a:ext cx="2664296" cy="1296000"/>
+          </a:xfrm>
+          <a:prstGeom prst="rect">
+            <a:avLst/>
+          </a:prstGeom>
+          <a:solidFill>
+            <a:srgbClr val="F58D01"/>
+          </a:solidFill>
+          <a:ln>
+            <a:noFill/>
+          </a:ln>
+        </p:spPr>
+        <p:style>
+          <a:lnRef idx="2">
+            <a:schemeClr val="accent1">
+              <a:shade val="50000"/>
+            </a:schemeClr>
+          </a:lnRef>
+          <a:fillRef idx="1">
+            <a:schemeClr val="accent1"/>
+          </a:fillRef>
+          <a:effectRef idx="0">
+            <a:schemeClr val="accent1"/>
+          </a:effectRef>
+          <a:fontRef idx="minor">
+            <a:schemeClr val="lt1"/>
+          </a:fontRef>
+        </p:style>
+        <p:txBody>
+          <a:bodyPr rtlCol="0" anchor="ctr"/>
+          <a:lstStyle/>
+          <a:p>
+            <a:r>
+              <a:rPr lang="en-GB" b="1" smtClean="0">
+                <a:solidFill>
+                  <a:schemeClr val="tx1"/>
+                </a:solidFill>
+              </a:rPr>
+              <a:t>Lê Văn Phú</a:t>
+            </a:r>
+          </a:p>
+          <a:p>
+            <a:r>
+              <a:rPr lang="en-GB" smtClean="0">
+                <a:solidFill>
+                  <a:schemeClr val="tx1"/>
+                </a:solidFill>
+              </a:rPr>
+              <a:t>PhuLV1</a:t>
+            </a:r>
+          </a:p>
+          <a:p>
+            <a:r>
+              <a:rPr lang="en-GB" smtClean="0">
+                <a:solidFill>
+                  <a:schemeClr val="tx1"/>
+                </a:solidFill>
+              </a:rPr>
+              <a:t>DNU</a:t>
+            </a:r>
+          </a:p>
+        </p:txBody>
+      </p:sp>
+      <p:sp>
+        <p:nvSpPr>
+          <p:cNvPr id="29" name="Rectangle 28"/>
+          <p:cNvSpPr/>
+          <p:nvPr/>
+        </p:nvSpPr>
+        <p:spPr>
+          <a:xfrm>
+            <a:off x="6022504" y="2041368"/>
+            <a:ext cx="2664296" cy="1296000"/>
+          </a:xfrm>
+          <a:prstGeom prst="rect">
+            <a:avLst/>
+          </a:prstGeom>
+          <a:solidFill>
+            <a:srgbClr val="009F3C"/>
+          </a:solidFill>
+          <a:ln>
+            <a:noFill/>
+          </a:ln>
+        </p:spPr>
+        <p:style>
+          <a:lnRef idx="2">
+            <a:schemeClr val="accent1">
+              <a:shade val="50000"/>
+            </a:schemeClr>
+          </a:lnRef>
+          <a:fillRef idx="1">
+            <a:schemeClr val="accent1"/>
+          </a:fillRef>
+          <a:effectRef idx="0">
+            <a:schemeClr val="accent1"/>
+          </a:effectRef>
+          <a:fontRef idx="minor">
+            <a:schemeClr val="lt1"/>
+          </a:fontRef>
+        </p:style>
+        <p:txBody>
+          <a:bodyPr rtlCol="0" anchor="ctr"/>
+          <a:lstStyle/>
+          <a:p>
+            <a:r>
+              <a:rPr lang="en-GB" b="1" smtClean="0">
+                <a:solidFill>
+                  <a:schemeClr val="tx1"/>
+                </a:solidFill>
+              </a:rPr>
+              <a:t>Phan Xuân Mạnh</a:t>
+            </a:r>
+          </a:p>
+          <a:p>
+            <a:r>
+              <a:rPr lang="en-GB" smtClean="0">
+                <a:solidFill>
+                  <a:schemeClr val="tx1"/>
+                </a:solidFill>
+              </a:rPr>
+              <a:t>ManhPX1</a:t>
+            </a:r>
+            <a:endParaRPr lang="en-GB">
+              <a:solidFill>
+                <a:schemeClr val="tx1"/>
+              </a:solidFill>
+            </a:endParaRPr>
+          </a:p>
+          <a:p>
+            <a:r>
+              <a:rPr lang="en-GB" smtClean="0">
+                <a:solidFill>
+                  <a:schemeClr val="tx1"/>
+                </a:solidFill>
+              </a:rPr>
+              <a:t>HCMUAF</a:t>
+            </a:r>
+            <a:endParaRPr lang="en-GB">
+              <a:solidFill>
+                <a:schemeClr val="tx1"/>
+              </a:solidFill>
+            </a:endParaRPr>
+          </a:p>
+        </p:txBody>
+      </p:sp>
+      <p:sp>
+        <p:nvSpPr>
+          <p:cNvPr id="30" name="Rectangle 29"/>
+          <p:cNvSpPr/>
+          <p:nvPr/>
+        </p:nvSpPr>
+        <p:spPr>
+          <a:xfrm>
+            <a:off x="1779134" y="3776352"/>
+            <a:ext cx="2664296" cy="1296000"/>
+          </a:xfrm>
+          <a:prstGeom prst="rect">
+            <a:avLst/>
+          </a:prstGeom>
+          <a:solidFill>
+            <a:schemeClr val="accent5"/>
+          </a:solidFill>
+          <a:ln>
+            <a:noFill/>
+          </a:ln>
+        </p:spPr>
+        <p:style>
+          <a:lnRef idx="2">
+            <a:schemeClr val="accent1">
+              <a:shade val="50000"/>
+            </a:schemeClr>
+          </a:lnRef>
+          <a:fillRef idx="1">
+            <a:schemeClr val="accent1"/>
+          </a:fillRef>
+          <a:effectRef idx="0">
+            <a:schemeClr val="accent1"/>
+          </a:effectRef>
+          <a:fontRef idx="minor">
+            <a:schemeClr val="lt1"/>
+          </a:fontRef>
+        </p:style>
+        <p:txBody>
+          <a:bodyPr rtlCol="0" anchor="ctr"/>
+          <a:lstStyle/>
+          <a:p>
+            <a:r>
+              <a:rPr lang="en-GB" b="1" smtClean="0">
+                <a:solidFill>
+                  <a:schemeClr val="tx1"/>
+                </a:solidFill>
+              </a:rPr>
+              <a:t>Trần Anh Quân</a:t>
+            </a:r>
+            <a:endParaRPr lang="en-GB" b="1">
+              <a:solidFill>
+                <a:schemeClr val="tx1"/>
+              </a:solidFill>
+            </a:endParaRPr>
+          </a:p>
+          <a:p>
+            <a:r>
+              <a:rPr lang="en-GB" smtClean="0">
+                <a:solidFill>
+                  <a:schemeClr val="tx1"/>
+                </a:solidFill>
+              </a:rPr>
+              <a:t>QuanTA5</a:t>
+            </a:r>
+            <a:endParaRPr lang="en-GB">
+              <a:solidFill>
+                <a:schemeClr val="tx1"/>
+              </a:solidFill>
+            </a:endParaRPr>
+          </a:p>
+          <a:p>
+            <a:r>
+              <a:rPr lang="en-GB" smtClean="0">
+                <a:solidFill>
+                  <a:schemeClr val="tx1"/>
+                </a:solidFill>
+              </a:rPr>
+              <a:t>UIT</a:t>
+            </a:r>
+          </a:p>
+        </p:txBody>
+      </p:sp>
+      <p:sp>
+        <p:nvSpPr>
+          <p:cNvPr id="31" name="Rectangle 30"/>
+          <p:cNvSpPr/>
+          <p:nvPr/>
+        </p:nvSpPr>
+        <p:spPr>
+          <a:xfrm>
+            <a:off x="6022504" y="3776352"/>
+            <a:ext cx="2664296" cy="1296000"/>
+          </a:xfrm>
+          <a:prstGeom prst="rect">
+            <a:avLst/>
+          </a:prstGeom>
+          <a:solidFill>
+            <a:srgbClr val="464543"/>
+          </a:solidFill>
+          <a:ln>
+            <a:noFill/>
+          </a:ln>
+        </p:spPr>
+        <p:style>
+          <a:lnRef idx="2">
+            <a:schemeClr val="accent1">
+              <a:shade val="50000"/>
+            </a:schemeClr>
+          </a:lnRef>
+          <a:fillRef idx="1">
+            <a:schemeClr val="accent1"/>
+          </a:fillRef>
+          <a:effectRef idx="0">
+            <a:schemeClr val="accent1"/>
+          </a:effectRef>
+          <a:fontRef idx="minor">
+            <a:schemeClr val="lt1"/>
+          </a:fontRef>
+        </p:style>
+        <p:txBody>
+          <a:bodyPr rtlCol="0" anchor="ctr"/>
+          <a:lstStyle/>
+          <a:p>
+            <a:r>
+              <a:rPr lang="en-GB" b="1" smtClean="0">
+                <a:solidFill>
+                  <a:schemeClr val="tx1"/>
+                </a:solidFill>
+              </a:rPr>
+              <a:t>Mai Văn Hải</a:t>
+            </a:r>
+            <a:endParaRPr lang="en-GB" b="1">
+              <a:solidFill>
+                <a:schemeClr val="tx1"/>
+              </a:solidFill>
+            </a:endParaRPr>
+          </a:p>
+          <a:p>
+            <a:r>
+              <a:rPr lang="en-GB" smtClean="0">
+                <a:solidFill>
+                  <a:schemeClr val="tx1"/>
+                </a:solidFill>
+              </a:rPr>
+              <a:t>HaiMV</a:t>
+            </a:r>
+            <a:endParaRPr lang="en-GB">
+              <a:solidFill>
+                <a:schemeClr val="tx1"/>
+              </a:solidFill>
+            </a:endParaRPr>
+          </a:p>
+          <a:p>
+            <a:r>
+              <a:rPr lang="en-GB" smtClean="0">
+                <a:solidFill>
+                  <a:schemeClr val="tx1"/>
+                </a:solidFill>
+              </a:rPr>
+              <a:t>HCMUAF</a:t>
+            </a:r>
+            <a:endParaRPr lang="en-GB">
+              <a:solidFill>
+                <a:schemeClr val="tx1"/>
+              </a:solidFill>
+            </a:endParaRPr>
+          </a:p>
+        </p:txBody>
+      </p:sp>
+      <p:pic>
+        <p:nvPicPr>
+          <p:cNvPr id="12289" name="Picture 1" descr="C:\Users\ManhPX1\Downloads\10460479_798920500193803_7091584460138893392_n.jpg"/>
+          <p:cNvPicPr>
+            <a:picLocks noChangeAspect="1" noChangeArrowheads="1"/>
+          </p:cNvPicPr>
+          <p:nvPr/>
+        </p:nvPicPr>
+        <p:blipFill>
+          <a:blip r:embed="rId2" cstate="print"/>
+          <a:srcRect r="20313"/>
+          <a:stretch>
+            <a:fillRect/>
+          </a:stretch>
+        </p:blipFill>
+        <p:spPr bwMode="auto">
+          <a:xfrm>
+            <a:off x="539552" y="3861048"/>
+            <a:ext cx="1224136" cy="1152128"/>
+          </a:xfrm>
+          <a:prstGeom prst="rect">
+            <a:avLst/>
+          </a:prstGeom>
+          <a:noFill/>
+        </p:spPr>
+      </p:pic>
+      <p:pic>
+        <p:nvPicPr>
+          <p:cNvPr id="12290" name="Picture 2" descr="C:\Users\ManhPX1\Downloads\10974524_500095106798083_8761835071408523136_o.jpg"/>
+          <p:cNvPicPr>
+            <a:picLocks noChangeAspect="1" noChangeArrowheads="1"/>
+          </p:cNvPicPr>
+          <p:nvPr/>
+        </p:nvPicPr>
+        <p:blipFill>
+          <a:blip r:embed="rId3" cstate="print"/>
+          <a:srcRect r="15000"/>
+          <a:stretch>
+            <a:fillRect/>
+          </a:stretch>
+        </p:blipFill>
+        <p:spPr bwMode="auto">
+          <a:xfrm>
+            <a:off x="4788024" y="3861048"/>
+            <a:ext cx="1224136" cy="1152128"/>
+          </a:xfrm>
+          <a:prstGeom prst="rect">
+            <a:avLst/>
+          </a:prstGeom>
+          <a:noFill/>
+        </p:spPr>
+      </p:pic>
+      <p:pic>
+        <p:nvPicPr>
+          <p:cNvPr id="12291" name="Picture 3" descr="C:\Users\ManhPX1\Downloads\10301423_708826005831144_3292361299616475581_n.jpg"/>
+          <p:cNvPicPr>
+            <a:picLocks noChangeAspect="1" noChangeArrowheads="1"/>
+          </p:cNvPicPr>
+          <p:nvPr/>
+        </p:nvPicPr>
+        <p:blipFill>
+          <a:blip r:embed="rId4" cstate="print"/>
+          <a:srcRect t="16667" b="12500"/>
+          <a:stretch>
+            <a:fillRect/>
+          </a:stretch>
+        </p:blipFill>
+        <p:spPr bwMode="auto">
+          <a:xfrm>
+            <a:off x="539553" y="2060848"/>
+            <a:ext cx="1152127" cy="1224136"/>
+          </a:xfrm>
+          <a:prstGeom prst="rect">
+            <a:avLst/>
+          </a:prstGeom>
+          <a:noFill/>
+        </p:spPr>
+      </p:pic>
+      <p:pic>
+        <p:nvPicPr>
+          <p:cNvPr id="12292" name="Picture 4" descr="C:\Users\ManhPX1\Downloads\PhanXuanManh.jpg"/>
+          <p:cNvPicPr>
+            <a:picLocks noChangeAspect="1" noChangeArrowheads="1"/>
+          </p:cNvPicPr>
+          <p:nvPr/>
+        </p:nvPicPr>
+        <p:blipFill>
+          <a:blip r:embed="rId5" cstate="print"/>
+          <a:srcRect b="11765"/>
+          <a:stretch>
+            <a:fillRect/>
+          </a:stretch>
+        </p:blipFill>
+        <p:spPr bwMode="auto">
+          <a:xfrm>
+            <a:off x="4823796" y="2132856"/>
+            <a:ext cx="1188364" cy="1152128"/>
+          </a:xfrm>
+          <a:prstGeom prst="rect">
+            <a:avLst/>
+          </a:prstGeom>
+          <a:noFill/>
+        </p:spPr>
+      </p:pic>
+    </p:spTree>
+    <p:extLst>
+      <p:ext uri="{BB962C8B-B14F-4D97-AF65-F5344CB8AC3E}">
+        <p14:creationId xmlns:p14="http://schemas.microsoft.com/office/powerpoint/2010/main" val="765166946"/>
+      </p:ext>
+    </p:extLst>
+  </p:cSld>
+  <p:clrMapOvr>
+    <a:masterClrMapping/>
+  </p:clrMapOvr>
+  <p:timing>
+    <p:tnLst>
+      <p:par>
+        <p:cTn id="1" dur="indefinite" restart="never" nodeType="tmRoot"/>
+      </p:par>
+    </p:tnLst>
+  </p:timing>
+</p:sld>
+</file>
+
+<file path=ppt/slides/slide4.xml><?xml version="1.0" encoding="utf-8"?>
+<p:sld xmlns:a="http://schemas.openxmlformats.org/drawingml/2006/main" xmlns:r="http://schemas.openxmlformats.org/officeDocument/2006/relationships" xmlns:p="http://schemas.openxmlformats.org/presentationml/2006/main">
+  <p:cSld>
+    <p:spTree>
+      <p:nvGrpSpPr>
+        <p:cNvPr id="1" name=""/>
+        <p:cNvGrpSpPr/>
+        <p:nvPr/>
+      </p:nvGrpSpPr>
+      <p:grpSpPr>
+        <a:xfrm>
+          <a:off x="0" y="0"/>
+          <a:ext cx="0" cy="0"/>
+          <a:chOff x="0" y="0"/>
+          <a:chExt cx="0" cy="0"/>
+        </a:xfrm>
+      </p:grpSpPr>
+      <p:sp>
+        <p:nvSpPr>
+          <p:cNvPr id="2" name="Title 1"/>
+          <p:cNvSpPr>
+            <a:spLocks noGrp="1"/>
+          </p:cNvSpPr>
+          <p:nvPr>
+            <p:ph type="title"/>
+          </p:nvPr>
+        </p:nvSpPr>
+        <p:spPr>
+          <a:xfrm>
+            <a:off x="457200" y="274638"/>
+            <a:ext cx="8229600" cy="850106"/>
+          </a:xfrm>
+        </p:spPr>
+        <p:txBody>
+          <a:bodyPr/>
+          <a:lstStyle/>
+          <a:p>
+            <a:r>
+              <a:rPr lang="en-GB" smtClean="0"/>
+              <a:t>Overview</a:t>
+            </a:r>
+            <a:endParaRPr lang="en-GB"/>
+          </a:p>
+        </p:txBody>
+      </p:sp>
+      <p:sp>
+        <p:nvSpPr>
+          <p:cNvPr id="3" name="TextBox 2"/>
+          <p:cNvSpPr txBox="1"/>
+          <p:nvPr/>
+        </p:nvSpPr>
+        <p:spPr>
+          <a:xfrm>
+            <a:off x="467544" y="1124744"/>
+            <a:ext cx="3096344" cy="461665"/>
+          </a:xfrm>
+          <a:prstGeom prst="rect">
+            <a:avLst/>
+          </a:prstGeom>
+          <a:noFill/>
+        </p:spPr>
+        <p:txBody>
+          <a:bodyPr wrap="square" rtlCol="0">
+            <a:spAutoFit/>
+          </a:bodyPr>
+          <a:lstStyle/>
+          <a:p>
+            <a:r>
+              <a:rPr lang="en-US" sz="2400" b="1" smtClean="0"/>
+              <a:t>About project</a:t>
+            </a:r>
+            <a:endParaRPr lang="en-US" sz="2400" b="1"/>
+          </a:p>
+        </p:txBody>
+      </p:sp>
+      <p:sp>
+        <p:nvSpPr>
+          <p:cNvPr id="5" name="Rectangle 2"/>
+          <p:cNvSpPr>
+            <a:spLocks noChangeArrowheads="1"/>
+          </p:cNvSpPr>
+          <p:nvPr/>
+        </p:nvSpPr>
+        <p:spPr bwMode="auto">
+          <a:xfrm>
+            <a:off x="0" y="0"/>
+            <a:ext cx="9144000" cy="0"/>
+          </a:xfrm>
+          <a:prstGeom prst="rect">
+            <a:avLst/>
+          </a:prstGeom>
+          <a:noFill/>
+          <a:ln>
+            <a:noFill/>
+          </a:ln>
+          <a:effectLst/>
+          <a:extLst>
+            <a:ext uri="{909E8E84-426E-40DD-AFC4-6F175D3DCCD1}">
+              <a14:hiddenFill xmlns:a14="http://schemas.microsoft.com/office/drawing/2010/main">
+                <a:solidFill>
+                  <a:schemeClr val="accent1"/>
+                </a:solidFill>
+              </a14:hiddenFill>
+            </a:ext>
+            <a:ext uri="{91240B29-F687-4F45-9708-019B960494DF}">
+              <a14:hiddenLine xmlns:a14="http://schemas.microsoft.com/office/drawing/2010/main" w="9525">
+                <a:solidFill>
+                  <a:schemeClr val="tx1"/>
+                </a:solidFill>
+                <a:miter lim="800000"/>
+                <a:headEnd/>
+                <a:tailEnd/>
+              </a14:hiddenLine>
+            </a:ext>
+            <a:ext uri="{AF507438-7753-43E0-B8FC-AC1667EBCBE1}">
+              <a14:hiddenEffects xmlns:a14="http://schemas.microsoft.com/office/drawing/2010/main">
+                <a:effectLst>
+                  <a:outerShdw dist="35921" dir="2700000" algn="ctr" rotWithShape="0">
+                    <a:schemeClr val="bg2"/>
+                  </a:outerShdw>
+                </a:effectLst>
+              </a14:hiddenEffects>
+            </a:ext>
+          </a:extLst>
+        </p:spPr>
+        <p:txBody>
+          <a:bodyPr vert="horz" wrap="none" lIns="91440" tIns="45720" rIns="91440" bIns="45720" numCol="1" anchor="ctr" anchorCtr="0" compatLnSpc="1">
+            <a:prstTxWarp prst="textNoShape">
+              <a:avLst/>
+            </a:prstTxWarp>
+            <a:spAutoFit/>
+          </a:bodyPr>
+          <a:lstStyle/>
+          <a:p>
+            <a:endParaRPr lang="en-US"/>
+          </a:p>
+        </p:txBody>
+      </p:sp>
+      <p:sp>
+        <p:nvSpPr>
+          <p:cNvPr id="7" name="Rectangle 6"/>
+          <p:cNvSpPr/>
+          <p:nvPr/>
+        </p:nvSpPr>
+        <p:spPr>
+          <a:xfrm>
+            <a:off x="539552" y="1659533"/>
+            <a:ext cx="5040560" cy="4505771"/>
+          </a:xfrm>
+          <a:prstGeom prst="rect">
+            <a:avLst/>
+          </a:prstGeom>
+          <a:solidFill>
+            <a:schemeClr val="tx1"/>
+          </a:solidFill>
+          <a:ln>
+            <a:noFill/>
+          </a:ln>
+        </p:spPr>
+        <p:style>
+          <a:lnRef idx="2">
+            <a:schemeClr val="accent1">
+              <a:shade val="50000"/>
+            </a:schemeClr>
+          </a:lnRef>
+          <a:fillRef idx="1">
+            <a:schemeClr val="accent1"/>
+          </a:fillRef>
+          <a:effectRef idx="0">
+            <a:schemeClr val="accent1"/>
+          </a:effectRef>
+          <a:fontRef idx="minor">
+            <a:schemeClr val="lt1"/>
+          </a:fontRef>
+        </p:style>
+        <p:txBody>
+          <a:bodyPr rtlCol="0" anchor="ctr"/>
+          <a:lstStyle/>
+          <a:p>
+            <a:pPr algn="ctr"/>
+            <a:endParaRPr lang="en-US"/>
+          </a:p>
+        </p:txBody>
+      </p:sp>
+      <p:sp>
+        <p:nvSpPr>
+          <p:cNvPr id="8" name="Rectangle 4"/>
+          <p:cNvSpPr>
+            <a:spLocks noChangeArrowheads="1"/>
+          </p:cNvSpPr>
+          <p:nvPr/>
+        </p:nvSpPr>
+        <p:spPr bwMode="auto">
+          <a:xfrm>
+            <a:off x="0" y="0"/>
+            <a:ext cx="9144000" cy="0"/>
+          </a:xfrm>
+          <a:prstGeom prst="rect">
+            <a:avLst/>
+          </a:prstGeom>
+          <a:noFill/>
+          <a:ln>
+            <a:noFill/>
+          </a:ln>
+          <a:effectLst/>
+          <a:extLst>
+            <a:ext uri="{909E8E84-426E-40DD-AFC4-6F175D3DCCD1}">
+              <a14:hiddenFill xmlns:a14="http://schemas.microsoft.com/office/drawing/2010/main">
+                <a:solidFill>
+                  <a:schemeClr val="accent1"/>
+                </a:solidFill>
+              </a14:hiddenFill>
+            </a:ext>
+            <a:ext uri="{91240B29-F687-4F45-9708-019B960494DF}">
+              <a14:hiddenLine xmlns:a14="http://schemas.microsoft.com/office/drawing/2010/main" w="9525">
+                <a:solidFill>
+                  <a:schemeClr val="tx1"/>
+                </a:solidFill>
+                <a:miter lim="800000"/>
+                <a:headEnd/>
+                <a:tailEnd/>
+              </a14:hiddenLine>
+            </a:ext>
+            <a:ext uri="{AF507438-7753-43E0-B8FC-AC1667EBCBE1}">
+              <a14:hiddenEffects xmlns:a14="http://schemas.microsoft.com/office/drawing/2010/main">
+                <a:effectLst>
+                  <a:outerShdw dist="35921" dir="2700000" algn="ctr" rotWithShape="0">
+                    <a:schemeClr val="bg2"/>
+                  </a:outerShdw>
+                </a:effectLst>
+              </a14:hiddenEffects>
+            </a:ext>
+          </a:extLst>
+        </p:spPr>
+        <p:txBody>
+          <a:bodyPr vert="horz" wrap="none" lIns="91440" tIns="45720" rIns="91440" bIns="45720" numCol="1" anchor="ctr" anchorCtr="0" compatLnSpc="1">
+            <a:prstTxWarp prst="textNoShape">
+              <a:avLst/>
+            </a:prstTxWarp>
+            <a:spAutoFit/>
+          </a:bodyPr>
+          <a:lstStyle/>
+          <a:p>
+            <a:endParaRPr lang="en-US"/>
+          </a:p>
+        </p:txBody>
+      </p:sp>
+      <p:graphicFrame>
+        <p:nvGraphicFramePr>
+          <p:cNvPr id="9" name="Object 8"/>
+          <p:cNvGraphicFramePr>
+            <a:graphicFrameLocks noChangeAspect="1"/>
+          </p:cNvGraphicFramePr>
+          <p:nvPr>
+            <p:extLst>
+              <p:ext uri="{D42A27DB-BD31-4B8C-83A1-F6EECF244321}">
+                <p14:modId xmlns:p14="http://schemas.microsoft.com/office/powerpoint/2010/main" val="3405779744"/>
+              </p:ext>
+            </p:extLst>
+          </p:nvPr>
+        </p:nvGraphicFramePr>
+        <p:xfrm>
+          <a:off x="566242" y="1680865"/>
+          <a:ext cx="5161725" cy="4517504"/>
+        </p:xfrm>
+        <a:graphic>
+          <a:graphicData uri="http://schemas.openxmlformats.org/presentationml/2006/ole">
+            <mc:AlternateContent xmlns:mc="http://schemas.openxmlformats.org/markup-compatibility/2006">
+              <mc:Choice xmlns:v="urn:schemas-microsoft-com:vml" Requires="v">
+                <p:oleObj spid="_x0000_s1039" r:id="rId3" imgW="8450229" imgH="7398609" progId="Visio.Drawing.11">
+                  <p:embed/>
+                </p:oleObj>
+              </mc:Choice>
+              <mc:Fallback>
+                <p:oleObj r:id="rId3" imgW="8450229" imgH="7398609" progId="Visio.Drawing.11">
+                  <p:embed/>
+                  <p:pic>
+                    <p:nvPicPr>
+                      <p:cNvPr id="0" name="Object 3"/>
+                      <p:cNvPicPr>
+                        <a:picLocks noChangeAspect="1" noChangeArrowheads="1"/>
+                      </p:cNvPicPr>
+                      <p:nvPr/>
+                    </p:nvPicPr>
+                    <p:blipFill>
+                      <a:blip r:embed="rId4">
+                        <a:extLst>
+                          <a:ext uri="{28A0092B-C50C-407E-A947-70E740481C1C}">
+                            <a14:useLocalDpi xmlns:a14="http://schemas.microsoft.com/office/drawing/2010/main" val="0"/>
+                          </a:ext>
+                        </a:extLst>
+                      </a:blip>
+                      <a:srcRect/>
+                      <a:stretch>
+                        <a:fillRect/>
+                      </a:stretch>
+                    </p:blipFill>
+                    <p:spPr bwMode="auto">
+                      <a:xfrm>
+                        <a:off x="566242" y="1680865"/>
+                        <a:ext cx="5161725" cy="4517504"/>
+                      </a:xfrm>
+                      <a:prstGeom prst="rect">
+                        <a:avLst/>
+                      </a:prstGeom>
+                      <a:noFill/>
+                    </p:spPr>
+                  </p:pic>
+                </p:oleObj>
+              </mc:Fallback>
+            </mc:AlternateContent>
+          </a:graphicData>
+        </a:graphic>
+      </p:graphicFrame>
+      <p:sp>
+        <p:nvSpPr>
+          <p:cNvPr id="10" name="Rectangle 9"/>
+          <p:cNvSpPr/>
+          <p:nvPr/>
+        </p:nvSpPr>
+        <p:spPr>
+          <a:xfrm>
+            <a:off x="5724128" y="1659533"/>
+            <a:ext cx="3168352" cy="4505771"/>
+          </a:xfrm>
+          <a:prstGeom prst="rect">
+            <a:avLst/>
+          </a:prstGeom>
+          <a:solidFill>
+            <a:schemeClr val="accent5"/>
+          </a:solidFill>
+          <a:ln>
+            <a:noFill/>
+          </a:ln>
+        </p:spPr>
+        <p:style>
+          <a:lnRef idx="2">
+            <a:schemeClr val="accent1">
+              <a:shade val="50000"/>
+            </a:schemeClr>
+          </a:lnRef>
+          <a:fillRef idx="1">
+            <a:schemeClr val="accent1"/>
+          </a:fillRef>
+          <a:effectRef idx="0">
+            <a:schemeClr val="accent1"/>
+          </a:effectRef>
+          <a:fontRef idx="minor">
+            <a:schemeClr val="lt1"/>
+          </a:fontRef>
+        </p:style>
+        <p:txBody>
+          <a:bodyPr rtlCol="0" anchor="ctr"/>
+          <a:lstStyle/>
+          <a:p>
+            <a:pPr algn="ctr"/>
+            <a:endParaRPr lang="en-US"/>
+          </a:p>
+        </p:txBody>
+      </p:sp>
+      <p:sp>
+        <p:nvSpPr>
+          <p:cNvPr id="11" name="TextBox 10"/>
+          <p:cNvSpPr txBox="1"/>
+          <p:nvPr/>
+        </p:nvSpPr>
+        <p:spPr>
+          <a:xfrm>
+            <a:off x="5724128" y="1844824"/>
+            <a:ext cx="3024336" cy="2092881"/>
+          </a:xfrm>
+          <a:prstGeom prst="rect">
+            <a:avLst/>
+          </a:prstGeom>
+          <a:noFill/>
+        </p:spPr>
+        <p:txBody>
+          <a:bodyPr wrap="square" rtlCol="0">
+            <a:spAutoFit/>
+          </a:bodyPr>
+          <a:lstStyle/>
+          <a:p>
+            <a:r>
+              <a:rPr lang="en-US" b="1" smtClean="0"/>
+              <a:t>Object:</a:t>
+            </a:r>
+          </a:p>
+          <a:p>
+            <a:pPr lvl="1"/>
+            <a:r>
+              <a:rPr lang="en-US" sz="1600" smtClean="0"/>
+              <a:t>-Build an ATM simulator application</a:t>
+            </a:r>
+          </a:p>
+          <a:p>
+            <a:pPr lvl="1"/>
+            <a:r>
+              <a:rPr lang="en-US" sz="1600" smtClean="0"/>
+              <a:t>-Understand software development process, MVC architecture</a:t>
+            </a:r>
+          </a:p>
+          <a:p>
+            <a:pPr lvl="1"/>
+            <a:r>
+              <a:rPr lang="en-US" sz="1600" smtClean="0"/>
+              <a:t>-Study new technology</a:t>
+            </a:r>
+          </a:p>
+          <a:p>
+            <a:endParaRPr lang="en-US" sz="1600"/>
+          </a:p>
+        </p:txBody>
+      </p:sp>
+      <p:sp>
+        <p:nvSpPr>
+          <p:cNvPr id="12" name="TextBox 11"/>
+          <p:cNvSpPr txBox="1"/>
+          <p:nvPr/>
+        </p:nvSpPr>
+        <p:spPr>
+          <a:xfrm>
+            <a:off x="5760132" y="3689156"/>
+            <a:ext cx="3096344" cy="1107996"/>
+          </a:xfrm>
+          <a:prstGeom prst="rect">
+            <a:avLst/>
+          </a:prstGeom>
+          <a:noFill/>
+        </p:spPr>
+        <p:txBody>
+          <a:bodyPr wrap="square" rtlCol="0">
+            <a:spAutoFit/>
+          </a:bodyPr>
+          <a:lstStyle/>
+          <a:p>
+            <a:r>
+              <a:rPr lang="en-US" b="1" smtClean="0"/>
+              <a:t>Technology:</a:t>
+            </a:r>
+          </a:p>
+          <a:p>
+            <a:pPr lvl="1"/>
+            <a:r>
+              <a:rPr lang="en-US" sz="1600" smtClean="0"/>
+              <a:t>-Spring MVC</a:t>
+            </a:r>
+          </a:p>
+          <a:p>
+            <a:pPr lvl="1"/>
+            <a:r>
+              <a:rPr lang="en-US" sz="1600" smtClean="0"/>
+              <a:t>-Hibernate</a:t>
+            </a:r>
+          </a:p>
+          <a:p>
+            <a:pPr lvl="1"/>
+            <a:r>
+              <a:rPr lang="en-US" sz="1600" smtClean="0"/>
+              <a:t>-MySql database</a:t>
+            </a:r>
+          </a:p>
+        </p:txBody>
+      </p:sp>
+      <p:sp>
+        <p:nvSpPr>
+          <p:cNvPr id="14" name="TextBox 13"/>
+          <p:cNvSpPr txBox="1"/>
+          <p:nvPr/>
+        </p:nvSpPr>
+        <p:spPr>
+          <a:xfrm>
+            <a:off x="5753794" y="4941168"/>
+            <a:ext cx="3096344" cy="1107996"/>
+          </a:xfrm>
+          <a:prstGeom prst="rect">
+            <a:avLst/>
+          </a:prstGeom>
+          <a:noFill/>
+        </p:spPr>
+        <p:txBody>
+          <a:bodyPr wrap="square" rtlCol="0">
+            <a:spAutoFit/>
+          </a:bodyPr>
+          <a:lstStyle/>
+          <a:p>
+            <a:r>
+              <a:rPr lang="en-US" b="1" smtClean="0"/>
+              <a:t>Tools:</a:t>
+            </a:r>
+          </a:p>
+          <a:p>
+            <a:pPr lvl="1"/>
+            <a:r>
+              <a:rPr lang="en-US" sz="1600" smtClean="0"/>
+              <a:t>-Spring Tool Suite</a:t>
+            </a:r>
+          </a:p>
+          <a:p>
+            <a:pPr lvl="1"/>
+            <a:r>
+              <a:rPr lang="en-US" sz="1600" smtClean="0"/>
+              <a:t>-XAMP</a:t>
+            </a:r>
+          </a:p>
+          <a:p>
+            <a:pPr lvl="1"/>
+            <a:r>
+              <a:rPr lang="en-US" sz="1600" smtClean="0"/>
+              <a:t>-Tortoise SVN</a:t>
+            </a:r>
+          </a:p>
+        </p:txBody>
+      </p:sp>
+    </p:spTree>
+    <p:extLst>
+      <p:ext uri="{BB962C8B-B14F-4D97-AF65-F5344CB8AC3E}">
+        <p14:creationId xmlns:p14="http://schemas.microsoft.com/office/powerpoint/2010/main" val="2054354637"/>
+      </p:ext>
+    </p:extLst>
+  </p:cSld>
+  <p:clrMapOvr>
+    <a:masterClrMapping/>
+  </p:clrMapOvr>
+  <p:timing>
+    <p:tnLst>
+      <p:par>
+        <p:cTn id="1" dur="indefinite" restart="never" nodeType="tmRoot"/>
+      </p:par>
+    </p:tnLst>
+  </p:timing>
+</p:sld>
+</file>
+
+<file path=ppt/slides/slide5.xml><?xml version="1.0" encoding="utf-8"?>
+<p:sld xmlns:a="http://schemas.openxmlformats.org/drawingml/2006/main" xmlns:r="http://schemas.openxmlformats.org/officeDocument/2006/relationships" xmlns:p="http://schemas.openxmlformats.org/presentationml/2006/main">
+  <p:cSld>
+    <p:spTree>
+      <p:nvGrpSpPr>
+        <p:cNvPr id="1" name=""/>
+        <p:cNvGrpSpPr/>
+        <p:nvPr/>
+      </p:nvGrpSpPr>
+      <p:grpSpPr>
+        <a:xfrm>
+          <a:off x="0" y="0"/>
+          <a:ext cx="0" cy="0"/>
+          <a:chOff x="0" y="0"/>
+          <a:chExt cx="0" cy="0"/>
+        </a:xfrm>
+      </p:grpSpPr>
+      <p:sp>
+        <p:nvSpPr>
+          <p:cNvPr id="2" name="Title 1"/>
+          <p:cNvSpPr>
+            <a:spLocks noGrp="1"/>
+          </p:cNvSpPr>
+          <p:nvPr>
+            <p:ph type="title"/>
+          </p:nvPr>
+        </p:nvSpPr>
+        <p:spPr>
+          <a:xfrm>
+            <a:off x="457200" y="274638"/>
+            <a:ext cx="8229600" cy="850106"/>
+          </a:xfrm>
+        </p:spPr>
+        <p:txBody>
+          <a:bodyPr/>
+          <a:lstStyle/>
+          <a:p>
+            <a:r>
+              <a:rPr lang="en-GB" smtClean="0"/>
+              <a:t>Overview</a:t>
+            </a:r>
+            <a:endParaRPr lang="en-GB"/>
+          </a:p>
+        </p:txBody>
+      </p:sp>
+      <p:sp>
+        <p:nvSpPr>
+          <p:cNvPr id="3" name="TextBox 2"/>
+          <p:cNvSpPr txBox="1"/>
+          <p:nvPr/>
+        </p:nvSpPr>
+        <p:spPr>
+          <a:xfrm>
+            <a:off x="498426" y="1176536"/>
+            <a:ext cx="3096344" cy="461665"/>
+          </a:xfrm>
+          <a:prstGeom prst="rect">
+            <a:avLst/>
+          </a:prstGeom>
+          <a:noFill/>
+        </p:spPr>
+        <p:txBody>
+          <a:bodyPr wrap="square" rtlCol="0">
+            <a:spAutoFit/>
+          </a:bodyPr>
+          <a:lstStyle/>
+          <a:p>
+            <a:r>
+              <a:rPr lang="en-US" sz="2400" b="1" smtClean="0"/>
+              <a:t>Use case diagram</a:t>
+            </a:r>
+            <a:endParaRPr lang="en-US" sz="2400" b="1"/>
+          </a:p>
+        </p:txBody>
+      </p:sp>
+      <p:sp>
+        <p:nvSpPr>
+          <p:cNvPr id="5" name="Rectangle 2"/>
+          <p:cNvSpPr>
+            <a:spLocks noChangeArrowheads="1"/>
+          </p:cNvSpPr>
+          <p:nvPr/>
+        </p:nvSpPr>
+        <p:spPr bwMode="auto">
+          <a:xfrm>
+            <a:off x="0" y="0"/>
+            <a:ext cx="9144000" cy="0"/>
+          </a:xfrm>
+          <a:prstGeom prst="rect">
+            <a:avLst/>
+          </a:prstGeom>
+          <a:noFill/>
+          <a:ln>
+            <a:noFill/>
+          </a:ln>
+          <a:effectLst/>
+          <a:extLst>
+            <a:ext uri="{909E8E84-426E-40DD-AFC4-6F175D3DCCD1}">
+              <a14:hiddenFill xmlns:a14="http://schemas.microsoft.com/office/drawing/2010/main">
+                <a:solidFill>
+                  <a:schemeClr val="accent1"/>
+                </a:solidFill>
+              </a14:hiddenFill>
+            </a:ext>
+            <a:ext uri="{91240B29-F687-4F45-9708-019B960494DF}">
+              <a14:hiddenLine xmlns:a14="http://schemas.microsoft.com/office/drawing/2010/main" w="9525">
+                <a:solidFill>
+                  <a:schemeClr val="tx1"/>
+                </a:solidFill>
+                <a:miter lim="800000"/>
+                <a:headEnd/>
+                <a:tailEnd/>
+              </a14:hiddenLine>
+            </a:ext>
+            <a:ext uri="{AF507438-7753-43E0-B8FC-AC1667EBCBE1}">
+              <a14:hiddenEffects xmlns:a14="http://schemas.microsoft.com/office/drawing/2010/main">
+                <a:effectLst>
+                  <a:outerShdw dist="35921" dir="2700000" algn="ctr" rotWithShape="0">
+                    <a:schemeClr val="bg2"/>
+                  </a:outerShdw>
+                </a:effectLst>
+              </a14:hiddenEffects>
+            </a:ext>
+          </a:extLst>
+        </p:spPr>
+        <p:txBody>
+          <a:bodyPr vert="horz" wrap="none" lIns="91440" tIns="45720" rIns="91440" bIns="45720" numCol="1" anchor="ctr" anchorCtr="0" compatLnSpc="1">
+            <a:prstTxWarp prst="textNoShape">
+              <a:avLst/>
+            </a:prstTxWarp>
+            <a:spAutoFit/>
+          </a:bodyPr>
+          <a:lstStyle/>
+          <a:p>
+            <a:endParaRPr lang="en-US"/>
+          </a:p>
+        </p:txBody>
+      </p:sp>
+      <p:sp>
+        <p:nvSpPr>
+          <p:cNvPr id="8" name="Rectangle 4"/>
+          <p:cNvSpPr>
+            <a:spLocks noChangeArrowheads="1"/>
+          </p:cNvSpPr>
+          <p:nvPr/>
+        </p:nvSpPr>
+        <p:spPr bwMode="auto">
+          <a:xfrm>
+            <a:off x="0" y="0"/>
+            <a:ext cx="9144000" cy="0"/>
+          </a:xfrm>
+          <a:prstGeom prst="rect">
+            <a:avLst/>
+          </a:prstGeom>
+          <a:noFill/>
+          <a:ln>
+            <a:noFill/>
+          </a:ln>
+          <a:effectLst/>
+          <a:extLst>
+            <a:ext uri="{909E8E84-426E-40DD-AFC4-6F175D3DCCD1}">
+              <a14:hiddenFill xmlns:a14="http://schemas.microsoft.com/office/drawing/2010/main">
+                <a:solidFill>
+                  <a:schemeClr val="accent1"/>
+                </a:solidFill>
+              </a14:hiddenFill>
+            </a:ext>
+            <a:ext uri="{91240B29-F687-4F45-9708-019B960494DF}">
+              <a14:hiddenLine xmlns:a14="http://schemas.microsoft.com/office/drawing/2010/main" w="9525">
+                <a:solidFill>
+                  <a:schemeClr val="tx1"/>
+                </a:solidFill>
+                <a:miter lim="800000"/>
+                <a:headEnd/>
+                <a:tailEnd/>
+              </a14:hiddenLine>
+            </a:ext>
+            <a:ext uri="{AF507438-7753-43E0-B8FC-AC1667EBCBE1}">
+              <a14:hiddenEffects xmlns:a14="http://schemas.microsoft.com/office/drawing/2010/main">
+                <a:effectLst>
+                  <a:outerShdw dist="35921" dir="2700000" algn="ctr" rotWithShape="0">
+                    <a:schemeClr val="bg2"/>
+                  </a:outerShdw>
+                </a:effectLst>
+              </a14:hiddenEffects>
+            </a:ext>
+          </a:extLst>
+        </p:spPr>
+        <p:txBody>
+          <a:bodyPr vert="horz" wrap="none" lIns="91440" tIns="45720" rIns="91440" bIns="45720" numCol="1" anchor="ctr" anchorCtr="0" compatLnSpc="1">
+            <a:prstTxWarp prst="textNoShape">
+              <a:avLst/>
+            </a:prstTxWarp>
+            <a:spAutoFit/>
+          </a:bodyPr>
+          <a:lstStyle/>
+          <a:p>
+            <a:endParaRPr lang="en-US"/>
+          </a:p>
+        </p:txBody>
+      </p:sp>
+      <p:sp>
+        <p:nvSpPr>
+          <p:cNvPr id="4" name="Rectangle 3"/>
+          <p:cNvSpPr/>
+          <p:nvPr/>
+        </p:nvSpPr>
+        <p:spPr>
+          <a:xfrm>
+            <a:off x="1070000" y="1638102"/>
+            <a:ext cx="7462440" cy="4599210"/>
+          </a:xfrm>
+          <a:prstGeom prst="rect">
+            <a:avLst/>
+          </a:prstGeom>
+          <a:solidFill>
+            <a:schemeClr val="tx1"/>
+          </a:solidFill>
+          <a:ln>
+            <a:noFill/>
+          </a:ln>
+        </p:spPr>
+        <p:style>
+          <a:lnRef idx="2">
+            <a:schemeClr val="accent1">
+              <a:shade val="50000"/>
+            </a:schemeClr>
+          </a:lnRef>
+          <a:fillRef idx="1">
+            <a:schemeClr val="accent1"/>
+          </a:fillRef>
+          <a:effectRef idx="0">
+            <a:schemeClr val="accent1"/>
+          </a:effectRef>
+          <a:fontRef idx="minor">
+            <a:schemeClr val="lt1"/>
+          </a:fontRef>
+        </p:style>
+        <p:txBody>
+          <a:bodyPr rtlCol="0" anchor="ctr"/>
+          <a:lstStyle/>
+          <a:p>
+            <a:pPr algn="ctr"/>
+            <a:endParaRPr lang="en-US"/>
+          </a:p>
+        </p:txBody>
+      </p:sp>
+      <p:sp>
+        <p:nvSpPr>
+          <p:cNvPr id="6" name="Rectangle 2"/>
+          <p:cNvSpPr>
+            <a:spLocks noChangeArrowheads="1"/>
+          </p:cNvSpPr>
+          <p:nvPr/>
+        </p:nvSpPr>
+        <p:spPr bwMode="auto">
+          <a:xfrm>
+            <a:off x="0" y="0"/>
+            <a:ext cx="9144000" cy="0"/>
+          </a:xfrm>
+          <a:prstGeom prst="rect">
+            <a:avLst/>
+          </a:prstGeom>
+          <a:noFill/>
+          <a:ln>
+            <a:noFill/>
+          </a:ln>
+          <a:effectLst/>
+          <a:extLst>
+            <a:ext uri="{909E8E84-426E-40DD-AFC4-6F175D3DCCD1}">
+              <a14:hiddenFill xmlns:a14="http://schemas.microsoft.com/office/drawing/2010/main">
+                <a:solidFill>
+                  <a:schemeClr val="accent1"/>
+                </a:solidFill>
+              </a14:hiddenFill>
+            </a:ext>
+            <a:ext uri="{91240B29-F687-4F45-9708-019B960494DF}">
+              <a14:hiddenLine xmlns:a14="http://schemas.microsoft.com/office/drawing/2010/main" w="9525">
+                <a:solidFill>
+                  <a:schemeClr val="tx1"/>
+                </a:solidFill>
+                <a:miter lim="800000"/>
+                <a:headEnd/>
+                <a:tailEnd/>
+              </a14:hiddenLine>
+            </a:ext>
+            <a:ext uri="{AF507438-7753-43E0-B8FC-AC1667EBCBE1}">
+              <a14:hiddenEffects xmlns:a14="http://schemas.microsoft.com/office/drawing/2010/main">
+                <a:effectLst>
+                  <a:outerShdw dist="35921" dir="2700000" algn="ctr" rotWithShape="0">
+                    <a:schemeClr val="bg2"/>
+                  </a:outerShdw>
+                </a:effectLst>
+              </a14:hiddenEffects>
+            </a:ext>
+          </a:extLst>
+        </p:spPr>
+        <p:txBody>
+          <a:bodyPr vert="horz" wrap="none" lIns="91440" tIns="45720" rIns="91440" bIns="45720" numCol="1" anchor="ctr" anchorCtr="0" compatLnSpc="1">
+            <a:prstTxWarp prst="textNoShape">
+              <a:avLst/>
+            </a:prstTxWarp>
+            <a:spAutoFit/>
+          </a:bodyPr>
+          <a:lstStyle/>
+          <a:p>
+            <a:endParaRPr lang="en-US"/>
+          </a:p>
+        </p:txBody>
+      </p:sp>
+      <p:graphicFrame>
+        <p:nvGraphicFramePr>
+          <p:cNvPr id="13" name="Object 12"/>
+          <p:cNvGraphicFramePr>
+            <a:graphicFrameLocks noChangeAspect="1"/>
+          </p:cNvGraphicFramePr>
+          <p:nvPr>
+            <p:extLst>
+              <p:ext uri="{D42A27DB-BD31-4B8C-83A1-F6EECF244321}">
+                <p14:modId xmlns:p14="http://schemas.microsoft.com/office/powerpoint/2010/main" val="3487684342"/>
+              </p:ext>
+            </p:extLst>
+          </p:nvPr>
+        </p:nvGraphicFramePr>
+        <p:xfrm>
+          <a:off x="1054968" y="1649627"/>
+          <a:ext cx="7320632" cy="4587685"/>
+        </p:xfrm>
+        <a:graphic>
+          <a:graphicData uri="http://schemas.openxmlformats.org/presentationml/2006/ole">
+            <mc:AlternateContent xmlns:mc="http://schemas.openxmlformats.org/markup-compatibility/2006">
+              <mc:Choice xmlns:v="urn:schemas-microsoft-com:vml" Requires="v">
+                <p:oleObj spid="_x0000_s2057" r:id="rId3" imgW="7601535" imgH="5756064" progId="Visio.Drawing.11">
+                  <p:embed/>
+                </p:oleObj>
+              </mc:Choice>
+              <mc:Fallback>
+                <p:oleObj r:id="rId3" imgW="7601535" imgH="5756064" progId="Visio.Drawing.11">
+                  <p:embed/>
+                  <p:pic>
+                    <p:nvPicPr>
+                      <p:cNvPr id="0" name="Object 1"/>
+                      <p:cNvPicPr>
+                        <a:picLocks noChangeAspect="1" noChangeArrowheads="1"/>
+                      </p:cNvPicPr>
+                      <p:nvPr/>
+                    </p:nvPicPr>
+                    <p:blipFill>
+                      <a:blip r:embed="rId4">
+                        <a:extLst>
+                          <a:ext uri="{28A0092B-C50C-407E-A947-70E740481C1C}">
+                            <a14:useLocalDpi xmlns:a14="http://schemas.microsoft.com/office/drawing/2010/main" val="0"/>
+                          </a:ext>
+                        </a:extLst>
+                      </a:blip>
+                      <a:srcRect/>
+                      <a:stretch>
+                        <a:fillRect/>
+                      </a:stretch>
+                    </p:blipFill>
+                    <p:spPr bwMode="auto">
+                      <a:xfrm>
+                        <a:off x="1054968" y="1649627"/>
+                        <a:ext cx="7320632" cy="4587685"/>
+                      </a:xfrm>
+                      <a:prstGeom prst="rect">
+                        <a:avLst/>
+                      </a:prstGeom>
+                      <a:noFill/>
+                    </p:spPr>
+                  </p:pic>
+                </p:oleObj>
+              </mc:Fallback>
+            </mc:AlternateContent>
+          </a:graphicData>
+        </a:graphic>
+      </p:graphicFrame>
+    </p:spTree>
+    <p:extLst>
+      <p:ext uri="{BB962C8B-B14F-4D97-AF65-F5344CB8AC3E}">
+        <p14:creationId xmlns:p14="http://schemas.microsoft.com/office/powerpoint/2010/main" val="1994821625"/>
+      </p:ext>
+    </p:extLst>
+  </p:cSld>
+  <p:clrMapOvr>
+    <a:masterClrMapping/>
+  </p:clrMapOvr>
+  <p:timing>
+    <p:tnLst>
+      <p:par>
+        <p:cTn id="1" dur="indefinite" restart="never" nodeType="tmRoot"/>
+      </p:par>
+    </p:tnLst>
+  </p:timing>
+</p:sld>
+</file>
+
+<file path=ppt/slides/slide6.xml><?xml version="1.0" encoding="utf-8"?>
+<p:sld xmlns:a="http://schemas.openxmlformats.org/drawingml/2006/main" xmlns:r="http://schemas.openxmlformats.org/officeDocument/2006/relationships" xmlns:p="http://schemas.openxmlformats.org/presentationml/2006/main">
+  <p:cSld>
+    <p:spTree>
+      <p:nvGrpSpPr>
+        <p:cNvPr id="1" name=""/>
+        <p:cNvGrpSpPr/>
+        <p:nvPr/>
+      </p:nvGrpSpPr>
+      <p:grpSpPr>
+        <a:xfrm>
+          <a:off x="0" y="0"/>
+          <a:ext cx="0" cy="0"/>
+          <a:chOff x="0" y="0"/>
+          <a:chExt cx="0" cy="0"/>
+        </a:xfrm>
+      </p:grpSpPr>
+      <p:sp>
+        <p:nvSpPr>
+          <p:cNvPr id="2" name="Title 1"/>
+          <p:cNvSpPr>
+            <a:spLocks noGrp="1"/>
+          </p:cNvSpPr>
+          <p:nvPr>
+            <p:ph type="title"/>
+          </p:nvPr>
+        </p:nvSpPr>
+        <p:spPr>
+          <a:xfrm>
+            <a:off x="457200" y="274638"/>
+            <a:ext cx="8229600" cy="850106"/>
+          </a:xfrm>
+        </p:spPr>
+        <p:txBody>
+          <a:bodyPr/>
+          <a:lstStyle/>
+          <a:p>
+            <a:r>
+              <a:rPr lang="en-GB" smtClean="0"/>
+              <a:t>Overview</a:t>
+            </a:r>
+            <a:endParaRPr lang="en-GB"/>
+          </a:p>
+        </p:txBody>
+      </p:sp>
+      <p:sp>
+        <p:nvSpPr>
+          <p:cNvPr id="3" name="TextBox 2"/>
+          <p:cNvSpPr txBox="1"/>
+          <p:nvPr/>
+        </p:nvSpPr>
+        <p:spPr>
+          <a:xfrm>
+            <a:off x="498426" y="1176536"/>
+            <a:ext cx="4577630" cy="461665"/>
+          </a:xfrm>
+          <a:prstGeom prst="rect">
+            <a:avLst/>
+          </a:prstGeom>
+          <a:noFill/>
+        </p:spPr>
+        <p:txBody>
+          <a:bodyPr wrap="square" rtlCol="0">
+            <a:spAutoFit/>
+          </a:bodyPr>
+          <a:lstStyle/>
+          <a:p>
+            <a:r>
+              <a:rPr lang="en-US" sz="2400" b="1" smtClean="0"/>
+              <a:t>Entity Relationship diagram</a:t>
+            </a:r>
+            <a:endParaRPr lang="en-US" sz="2400" b="1"/>
+          </a:p>
+        </p:txBody>
+      </p:sp>
+      <p:sp>
+        <p:nvSpPr>
+          <p:cNvPr id="5" name="Rectangle 2"/>
+          <p:cNvSpPr>
+            <a:spLocks noChangeArrowheads="1"/>
+          </p:cNvSpPr>
+          <p:nvPr/>
+        </p:nvSpPr>
+        <p:spPr bwMode="auto">
+          <a:xfrm>
+            <a:off x="0" y="0"/>
+            <a:ext cx="9144000" cy="0"/>
+          </a:xfrm>
+          <a:prstGeom prst="rect">
+            <a:avLst/>
+          </a:prstGeom>
+          <a:noFill/>
+          <a:ln>
+            <a:noFill/>
+          </a:ln>
+          <a:effectLst/>
+          <a:extLst>
+            <a:ext uri="{909E8E84-426E-40DD-AFC4-6F175D3DCCD1}">
+              <a14:hiddenFill xmlns:a14="http://schemas.microsoft.com/office/drawing/2010/main">
+                <a:solidFill>
+                  <a:schemeClr val="accent1"/>
+                </a:solidFill>
+              </a14:hiddenFill>
+            </a:ext>
+            <a:ext uri="{91240B29-F687-4F45-9708-019B960494DF}">
+              <a14:hiddenLine xmlns:a14="http://schemas.microsoft.com/office/drawing/2010/main" w="9525">
+                <a:solidFill>
+                  <a:schemeClr val="tx1"/>
+                </a:solidFill>
+                <a:miter lim="800000"/>
+                <a:headEnd/>
+                <a:tailEnd/>
+              </a14:hiddenLine>
+            </a:ext>
+            <a:ext uri="{AF507438-7753-43E0-B8FC-AC1667EBCBE1}">
+              <a14:hiddenEffects xmlns:a14="http://schemas.microsoft.com/office/drawing/2010/main">
+                <a:effectLst>
+                  <a:outerShdw dist="35921" dir="2700000" algn="ctr" rotWithShape="0">
+                    <a:schemeClr val="bg2"/>
+                  </a:outerShdw>
+                </a:effectLst>
+              </a14:hiddenEffects>
+            </a:ext>
+          </a:extLst>
+        </p:spPr>
+        <p:txBody>
+          <a:bodyPr vert="horz" wrap="none" lIns="91440" tIns="45720" rIns="91440" bIns="45720" numCol="1" anchor="ctr" anchorCtr="0" compatLnSpc="1">
+            <a:prstTxWarp prst="textNoShape">
+              <a:avLst/>
+            </a:prstTxWarp>
+            <a:spAutoFit/>
+          </a:bodyPr>
+          <a:lstStyle/>
+          <a:p>
+            <a:endParaRPr lang="en-US"/>
+          </a:p>
+        </p:txBody>
+      </p:sp>
+      <p:sp>
+        <p:nvSpPr>
+          <p:cNvPr id="8" name="Rectangle 4"/>
+          <p:cNvSpPr>
+            <a:spLocks noChangeArrowheads="1"/>
+          </p:cNvSpPr>
+          <p:nvPr/>
+        </p:nvSpPr>
+        <p:spPr bwMode="auto">
+          <a:xfrm>
+            <a:off x="0" y="0"/>
+            <a:ext cx="9144000" cy="0"/>
+          </a:xfrm>
+          <a:prstGeom prst="rect">
+            <a:avLst/>
+          </a:prstGeom>
+          <a:noFill/>
+          <a:ln>
+            <a:noFill/>
+          </a:ln>
+          <a:effectLst/>
+          <a:extLst>
+            <a:ext uri="{909E8E84-426E-40DD-AFC4-6F175D3DCCD1}">
+              <a14:hiddenFill xmlns:a14="http://schemas.microsoft.com/office/drawing/2010/main">
+                <a:solidFill>
+                  <a:schemeClr val="accent1"/>
+                </a:solidFill>
+              </a14:hiddenFill>
+            </a:ext>
+            <a:ext uri="{91240B29-F687-4F45-9708-019B960494DF}">
+              <a14:hiddenLine xmlns:a14="http://schemas.microsoft.com/office/drawing/2010/main" w="9525">
+                <a:solidFill>
+                  <a:schemeClr val="tx1"/>
+                </a:solidFill>
+                <a:miter lim="800000"/>
+                <a:headEnd/>
+                <a:tailEnd/>
+              </a14:hiddenLine>
+            </a:ext>
+            <a:ext uri="{AF507438-7753-43E0-B8FC-AC1667EBCBE1}">
+              <a14:hiddenEffects xmlns:a14="http://schemas.microsoft.com/office/drawing/2010/main">
+                <a:effectLst>
+                  <a:outerShdw dist="35921" dir="2700000" algn="ctr" rotWithShape="0">
+                    <a:schemeClr val="bg2"/>
+                  </a:outerShdw>
+                </a:effectLst>
+              </a14:hiddenEffects>
+            </a:ext>
+          </a:extLst>
+        </p:spPr>
+        <p:txBody>
+          <a:bodyPr vert="horz" wrap="none" lIns="91440" tIns="45720" rIns="91440" bIns="45720" numCol="1" anchor="ctr" anchorCtr="0" compatLnSpc="1">
+            <a:prstTxWarp prst="textNoShape">
+              <a:avLst/>
+            </a:prstTxWarp>
+            <a:spAutoFit/>
+          </a:bodyPr>
+          <a:lstStyle/>
+          <a:p>
+            <a:endParaRPr lang="en-US"/>
+          </a:p>
+        </p:txBody>
+      </p:sp>
+      <p:sp>
+        <p:nvSpPr>
+          <p:cNvPr id="4" name="Rectangle 3"/>
+          <p:cNvSpPr/>
+          <p:nvPr/>
+        </p:nvSpPr>
+        <p:spPr>
+          <a:xfrm>
+            <a:off x="683568" y="1638102"/>
+            <a:ext cx="7920880" cy="4599210"/>
+          </a:xfrm>
+          <a:prstGeom prst="rect">
+            <a:avLst/>
+          </a:prstGeom>
+          <a:solidFill>
+            <a:schemeClr val="tx1"/>
+          </a:solidFill>
+          <a:ln>
+            <a:noFill/>
+          </a:ln>
+        </p:spPr>
+        <p:style>
+          <a:lnRef idx="2">
+            <a:schemeClr val="accent1">
+              <a:shade val="50000"/>
+            </a:schemeClr>
+          </a:lnRef>
+          <a:fillRef idx="1">
+            <a:schemeClr val="accent1"/>
+          </a:fillRef>
+          <a:effectRef idx="0">
+            <a:schemeClr val="accent1"/>
+          </a:effectRef>
+          <a:fontRef idx="minor">
+            <a:schemeClr val="lt1"/>
+          </a:fontRef>
+        </p:style>
+        <p:txBody>
+          <a:bodyPr rtlCol="0" anchor="ctr"/>
+          <a:lstStyle/>
+          <a:p>
+            <a:pPr algn="ctr"/>
+            <a:endParaRPr lang="en-US"/>
+          </a:p>
+        </p:txBody>
+      </p:sp>
+      <p:sp>
+        <p:nvSpPr>
+          <p:cNvPr id="6" name="Rectangle 2"/>
+          <p:cNvSpPr>
+            <a:spLocks noChangeArrowheads="1"/>
+          </p:cNvSpPr>
+          <p:nvPr/>
+        </p:nvSpPr>
+        <p:spPr bwMode="auto">
+          <a:xfrm>
+            <a:off x="0" y="0"/>
+            <a:ext cx="9144000" cy="0"/>
+          </a:xfrm>
+          <a:prstGeom prst="rect">
+            <a:avLst/>
+          </a:prstGeom>
+          <a:noFill/>
+          <a:ln>
+            <a:noFill/>
+          </a:ln>
+          <a:effectLst/>
+          <a:extLst>
+            <a:ext uri="{909E8E84-426E-40DD-AFC4-6F175D3DCCD1}">
+              <a14:hiddenFill xmlns:a14="http://schemas.microsoft.com/office/drawing/2010/main">
+                <a:solidFill>
+                  <a:schemeClr val="accent1"/>
+                </a:solidFill>
+              </a14:hiddenFill>
+            </a:ext>
+            <a:ext uri="{91240B29-F687-4F45-9708-019B960494DF}">
+              <a14:hiddenLine xmlns:a14="http://schemas.microsoft.com/office/drawing/2010/main" w="9525">
+                <a:solidFill>
+                  <a:schemeClr val="tx1"/>
+                </a:solidFill>
+                <a:miter lim="800000"/>
+                <a:headEnd/>
+                <a:tailEnd/>
+              </a14:hiddenLine>
+            </a:ext>
+            <a:ext uri="{AF507438-7753-43E0-B8FC-AC1667EBCBE1}">
+              <a14:hiddenEffects xmlns:a14="http://schemas.microsoft.com/office/drawing/2010/main">
+                <a:effectLst>
+                  <a:outerShdw dist="35921" dir="2700000" algn="ctr" rotWithShape="0">
+                    <a:schemeClr val="bg2"/>
+                  </a:outerShdw>
+                </a:effectLst>
+              </a14:hiddenEffects>
+            </a:ext>
+          </a:extLst>
+        </p:spPr>
+        <p:txBody>
+          <a:bodyPr vert="horz" wrap="none" lIns="91440" tIns="45720" rIns="91440" bIns="45720" numCol="1" anchor="ctr" anchorCtr="0" compatLnSpc="1">
+            <a:prstTxWarp prst="textNoShape">
+              <a:avLst/>
+            </a:prstTxWarp>
+            <a:spAutoFit/>
+          </a:bodyPr>
+          <a:lstStyle/>
+          <a:p>
+            <a:endParaRPr lang="en-US"/>
+          </a:p>
+        </p:txBody>
+      </p:sp>
+      <p:pic>
+        <p:nvPicPr>
+          <p:cNvPr id="9" name="Picture 8"/>
+          <p:cNvPicPr/>
+          <p:nvPr/>
+        </p:nvPicPr>
+        <p:blipFill>
+          <a:blip r:embed="rId2" cstate="print"/>
+          <a:stretch>
+            <a:fillRect/>
+          </a:stretch>
+        </p:blipFill>
+        <p:spPr>
+          <a:xfrm>
+            <a:off x="827584" y="1667198"/>
+            <a:ext cx="7632848" cy="4570114"/>
+          </a:xfrm>
+          <a:prstGeom prst="rect">
+            <a:avLst/>
+          </a:prstGeom>
+        </p:spPr>
+      </p:pic>
+    </p:spTree>
+    <p:extLst>
+      <p:ext uri="{BB962C8B-B14F-4D97-AF65-F5344CB8AC3E}">
+        <p14:creationId xmlns:p14="http://schemas.microsoft.com/office/powerpoint/2010/main" val="2738285893"/>
+      </p:ext>
+    </p:extLst>
+  </p:cSld>
+  <p:clrMapOvr>
+    <a:masterClrMapping/>
+  </p:clrMapOvr>
+  <p:timing>
+    <p:tnLst>
+      <p:par>
+        <p:cTn id="1" dur="indefinite" restart="never" nodeType="tmRoot"/>
+      </p:par>
+    </p:tnLst>
+  </p:timing>
+</p:sld>
+</file>
+
 <file path=ppt/slides/slide7.xml><?xml version="1.0" encoding="utf-8"?>
 <p:sld xmlns:a="http://schemas.openxmlformats.org/drawingml/2006/main" xmlns:r="http://schemas.openxmlformats.org/officeDocument/2006/relationships" xmlns:p="http://schemas.openxmlformats.org/presentationml/2006/main">
   <p:cSld>
@@ -4820,7 +7611,7 @@
           <a:p>
             <a:r>
               <a:rPr lang="en-GB" smtClean="0"/>
-              <a:t>Check balance</a:t>
+              <a:t>Overview</a:t>
             </a:r>
             <a:endParaRPr lang="en-GB"/>
           </a:p>
@@ -4834,8 +7625,8 @@
         </p:nvSpPr>
         <p:spPr>
           <a:xfrm>
-            <a:off x="457200" y="2348880"/>
-            <a:ext cx="8229600" cy="369332"/>
+            <a:off x="498426" y="1176536"/>
+            <a:ext cx="4577630" cy="461665"/>
           </a:xfrm>
           <a:prstGeom prst="rect">
             <a:avLst/>
@@ -4848,69 +7639,209 @@
           </a:bodyPr>
           <a:lstStyle/>
           <a:p>
-            <a:endParaRPr lang="vi-VN" dirty="0">
-              <a:latin typeface="Times New Roman" panose="02020603050405020304" pitchFamily="18" charset="0"/>
-              <a:cs typeface="Times New Roman" panose="02020603050405020304" pitchFamily="18" charset="0"/>
-            </a:endParaRPr>
-          </a:p>
-        </p:txBody>
-      </p:sp>
-      <p:sp>
-        <p:nvSpPr>
-          <p:cNvPr id="5" name="TextBox 4"/>
-          <p:cNvSpPr txBox="1"/>
-          <p:nvPr/>
-        </p:nvSpPr>
-        <p:spPr>
-          <a:xfrm>
-            <a:off x="457200" y="1550753"/>
-            <a:ext cx="3312368" cy="553998"/>
+            <a:r>
+              <a:rPr lang="en-US" sz="2400" b="1" smtClean="0"/>
+              <a:t>UI</a:t>
+            </a:r>
+            <a:endParaRPr lang="en-US" sz="2400" b="1"/>
+          </a:p>
+        </p:txBody>
+      </p:sp>
+      <p:sp>
+        <p:nvSpPr>
+          <p:cNvPr id="5" name="Rectangle 2"/>
+          <p:cNvSpPr>
+            <a:spLocks noChangeArrowheads="1"/>
+          </p:cNvSpPr>
+          <p:nvPr/>
+        </p:nvSpPr>
+        <p:spPr bwMode="auto">
+          <a:xfrm>
+            <a:off x="0" y="0"/>
+            <a:ext cx="9144000" cy="0"/>
           </a:xfrm>
           <a:prstGeom prst="rect">
             <a:avLst/>
           </a:prstGeom>
           <a:noFill/>
-        </p:spPr>
-        <p:txBody>
-          <a:bodyPr wrap="square" rtlCol="0">
+          <a:ln>
+            <a:noFill/>
+          </a:ln>
+          <a:effectLst/>
+          <a:extLst>
+            <a:ext uri="{909E8E84-426E-40DD-AFC4-6F175D3DCCD1}">
+              <a14:hiddenFill xmlns:a14="http://schemas.microsoft.com/office/drawing/2010/main">
+                <a:solidFill>
+                  <a:schemeClr val="accent1"/>
+                </a:solidFill>
+              </a14:hiddenFill>
+            </a:ext>
+            <a:ext uri="{91240B29-F687-4F45-9708-019B960494DF}">
+              <a14:hiddenLine xmlns:a14="http://schemas.microsoft.com/office/drawing/2010/main" w="9525">
+                <a:solidFill>
+                  <a:schemeClr val="tx1"/>
+                </a:solidFill>
+                <a:miter lim="800000"/>
+                <a:headEnd/>
+                <a:tailEnd/>
+              </a14:hiddenLine>
+            </a:ext>
+            <a:ext uri="{AF507438-7753-43E0-B8FC-AC1667EBCBE1}">
+              <a14:hiddenEffects xmlns:a14="http://schemas.microsoft.com/office/drawing/2010/main">
+                <a:effectLst>
+                  <a:outerShdw dist="35921" dir="2700000" algn="ctr" rotWithShape="0">
+                    <a:schemeClr val="bg2"/>
+                  </a:outerShdw>
+                </a:effectLst>
+              </a14:hiddenEffects>
+            </a:ext>
+          </a:extLst>
+        </p:spPr>
+        <p:txBody>
+          <a:bodyPr vert="horz" wrap="none" lIns="91440" tIns="45720" rIns="91440" bIns="45720" numCol="1" anchor="ctr" anchorCtr="0" compatLnSpc="1">
+            <a:prstTxWarp prst="textNoShape">
+              <a:avLst/>
+            </a:prstTxWarp>
             <a:spAutoFit/>
           </a:bodyPr>
           <a:lstStyle/>
           <a:p>
-            <a:r>
-              <a:rPr lang="en-US" sz="3000" dirty="0">
+            <a:endParaRPr lang="en-US"/>
+          </a:p>
+        </p:txBody>
+      </p:sp>
+      <p:sp>
+        <p:nvSpPr>
+          <p:cNvPr id="8" name="Rectangle 4"/>
+          <p:cNvSpPr>
+            <a:spLocks noChangeArrowheads="1"/>
+          </p:cNvSpPr>
+          <p:nvPr/>
+        </p:nvSpPr>
+        <p:spPr bwMode="auto">
+          <a:xfrm>
+            <a:off x="0" y="0"/>
+            <a:ext cx="9144000" cy="0"/>
+          </a:xfrm>
+          <a:prstGeom prst="rect">
+            <a:avLst/>
+          </a:prstGeom>
+          <a:noFill/>
+          <a:ln>
+            <a:noFill/>
+          </a:ln>
+          <a:effectLst/>
+          <a:extLst>
+            <a:ext uri="{909E8E84-426E-40DD-AFC4-6F175D3DCCD1}">
+              <a14:hiddenFill xmlns:a14="http://schemas.microsoft.com/office/drawing/2010/main">
                 <a:solidFill>
-                  <a:srgbClr val="FF0000"/>
+                  <a:schemeClr val="accent1"/>
                 </a:solidFill>
-                <a:latin typeface="Times New Roman" panose="02020603050405020304" pitchFamily="18" charset="0"/>
-                <a:cs typeface="Times New Roman" panose="02020603050405020304" pitchFamily="18" charset="0"/>
-              </a:rPr>
-              <a:t>2</a:t>
-            </a:r>
-            <a:r>
-              <a:rPr lang="en-US" sz="3000" dirty="0" smtClean="0">
+              </a14:hiddenFill>
+            </a:ext>
+            <a:ext uri="{91240B29-F687-4F45-9708-019B960494DF}">
+              <a14:hiddenLine xmlns:a14="http://schemas.microsoft.com/office/drawing/2010/main" w="9525">
                 <a:solidFill>
-                  <a:srgbClr val="FF0000"/>
+                  <a:schemeClr val="tx1"/>
                 </a:solidFill>
-                <a:latin typeface="Times New Roman" panose="02020603050405020304" pitchFamily="18" charset="0"/>
-                <a:cs typeface="Times New Roman" panose="02020603050405020304" pitchFamily="18" charset="0"/>
-              </a:rPr>
-              <a:t>. Activities flow</a:t>
-            </a:r>
-            <a:endParaRPr lang="vi-VN" sz="3000" dirty="0">
-              <a:solidFill>
-                <a:srgbClr val="FF0000"/>
-              </a:solidFill>
-              <a:latin typeface="Times New Roman" panose="02020603050405020304" pitchFamily="18" charset="0"/>
-              <a:cs typeface="Times New Roman" panose="02020603050405020304" pitchFamily="18" charset="0"/>
-            </a:endParaRPr>
+                <a:miter lim="800000"/>
+                <a:headEnd/>
+                <a:tailEnd/>
+              </a14:hiddenLine>
+            </a:ext>
+            <a:ext uri="{AF507438-7753-43E0-B8FC-AC1667EBCBE1}">
+              <a14:hiddenEffects xmlns:a14="http://schemas.microsoft.com/office/drawing/2010/main">
+                <a:effectLst>
+                  <a:outerShdw dist="35921" dir="2700000" algn="ctr" rotWithShape="0">
+                    <a:schemeClr val="bg2"/>
+                  </a:outerShdw>
+                </a:effectLst>
+              </a14:hiddenEffects>
+            </a:ext>
+          </a:extLst>
+        </p:spPr>
+        <p:txBody>
+          <a:bodyPr vert="horz" wrap="none" lIns="91440" tIns="45720" rIns="91440" bIns="45720" numCol="1" anchor="ctr" anchorCtr="0" compatLnSpc="1">
+            <a:prstTxWarp prst="textNoShape">
+              <a:avLst/>
+            </a:prstTxWarp>
+            <a:spAutoFit/>
+          </a:bodyPr>
+          <a:lstStyle/>
+          <a:p>
+            <a:endParaRPr lang="en-US"/>
+          </a:p>
+        </p:txBody>
+      </p:sp>
+      <p:sp>
+        <p:nvSpPr>
+          <p:cNvPr id="6" name="Rectangle 2"/>
+          <p:cNvSpPr>
+            <a:spLocks noChangeArrowheads="1"/>
+          </p:cNvSpPr>
+          <p:nvPr/>
+        </p:nvSpPr>
+        <p:spPr bwMode="auto">
+          <a:xfrm>
+            <a:off x="0" y="0"/>
+            <a:ext cx="9144000" cy="0"/>
+          </a:xfrm>
+          <a:prstGeom prst="rect">
+            <a:avLst/>
+          </a:prstGeom>
+          <a:noFill/>
+          <a:ln>
+            <a:noFill/>
+          </a:ln>
+          <a:effectLst/>
+          <a:extLst>
+            <a:ext uri="{909E8E84-426E-40DD-AFC4-6F175D3DCCD1}">
+              <a14:hiddenFill xmlns:a14="http://schemas.microsoft.com/office/drawing/2010/main">
+                <a:solidFill>
+                  <a:schemeClr val="accent1"/>
+                </a:solidFill>
+              </a14:hiddenFill>
+            </a:ext>
+            <a:ext uri="{91240B29-F687-4F45-9708-019B960494DF}">
+              <a14:hiddenLine xmlns:a14="http://schemas.microsoft.com/office/drawing/2010/main" w="9525">
+                <a:solidFill>
+                  <a:schemeClr val="tx1"/>
+                </a:solidFill>
+                <a:miter lim="800000"/>
+                <a:headEnd/>
+                <a:tailEnd/>
+              </a14:hiddenLine>
+            </a:ext>
+            <a:ext uri="{AF507438-7753-43E0-B8FC-AC1667EBCBE1}">
+              <a14:hiddenEffects xmlns:a14="http://schemas.microsoft.com/office/drawing/2010/main">
+                <a:effectLst>
+                  <a:outerShdw dist="35921" dir="2700000" algn="ctr" rotWithShape="0">
+                    <a:schemeClr val="bg2"/>
+                  </a:outerShdw>
+                </a:effectLst>
+              </a14:hiddenEffects>
+            </a:ext>
+          </a:extLst>
+        </p:spPr>
+        <p:txBody>
+          <a:bodyPr vert="horz" wrap="none" lIns="91440" tIns="45720" rIns="91440" bIns="45720" numCol="1" anchor="ctr" anchorCtr="0" compatLnSpc="1">
+            <a:prstTxWarp prst="textNoShape">
+              <a:avLst/>
+            </a:prstTxWarp>
+            <a:spAutoFit/>
+          </a:bodyPr>
+          <a:lstStyle/>
+          <a:p>
+            <a:endParaRPr lang="en-US"/>
           </a:p>
         </p:txBody>
       </p:sp>
       <p:pic>
         <p:nvPicPr>
-          <p:cNvPr id="6" name="Picture 5"/>
-          <p:cNvPicPr/>
+          <p:cNvPr id="4098" name="Picture 2" descr="E:\fpt_mock\trunk\haiImage\hai\2.PNG"/>
+          <p:cNvPicPr>
+            <a:picLocks noChangeAspect="1" noChangeArrowheads="1"/>
+          </p:cNvPicPr>
           <p:nvPr/>
         </p:nvPicPr>
         <p:blipFill>
@@ -4928,22 +7859,28 @@
         </p:blipFill>
         <p:spPr bwMode="auto">
           <a:xfrm>
-            <a:off x="457200" y="2204864"/>
-            <a:ext cx="8229600" cy="3960440"/>
+            <a:off x="1259632" y="1334626"/>
+            <a:ext cx="7128792" cy="4887599"/>
           </a:xfrm>
           <a:prstGeom prst="rect">
             <a:avLst/>
           </a:prstGeom>
           <a:noFill/>
-          <a:ln>
-            <a:noFill/>
-          </a:ln>
+          <a:extLst>
+            <a:ext uri="{909E8E84-426E-40DD-AFC4-6F175D3DCCD1}">
+              <a14:hiddenFill xmlns:a14="http://schemas.microsoft.com/office/drawing/2010/main">
+                <a:solidFill>
+                  <a:srgbClr val="FFFFFF"/>
+                </a:solidFill>
+              </a14:hiddenFill>
+            </a:ext>
+          </a:extLst>
         </p:spPr>
       </p:pic>
     </p:spTree>
     <p:extLst>
       <p:ext uri="{BB962C8B-B14F-4D97-AF65-F5344CB8AC3E}">
-        <p14:creationId xmlns:p14="http://schemas.microsoft.com/office/powerpoint/2010/main" val="2761531101"/>
+        <p14:creationId xmlns:p14="http://schemas.microsoft.com/office/powerpoint/2010/main" val="2985878340"/>
       </p:ext>
     </p:extLst>
   </p:cSld>
@@ -4999,7 +7936,7 @@
           <a:p>
             <a:r>
               <a:rPr lang="en-GB" smtClean="0"/>
-              <a:t>Check balance</a:t>
+              <a:t>Validation</a:t>
             </a:r>
             <a:endParaRPr lang="en-GB"/>
           </a:p>
@@ -5007,616 +7944,198 @@
       </p:sp>
       <p:sp>
         <p:nvSpPr>
-          <p:cNvPr id="3" name="TextBox 2"/>
-          <p:cNvSpPr txBox="1"/>
-          <p:nvPr/>
-        </p:nvSpPr>
-        <p:spPr>
-          <a:xfrm>
-            <a:off x="457200" y="2348880"/>
-            <a:ext cx="8229600" cy="369332"/>
+          <p:cNvPr id="6" name="Rectangle 5"/>
+          <p:cNvSpPr/>
+          <p:nvPr/>
+        </p:nvSpPr>
+        <p:spPr>
+          <a:xfrm>
+            <a:off x="547440" y="1916832"/>
+            <a:ext cx="3672408" cy="1512168"/>
+          </a:xfrm>
+          <a:prstGeom prst="rect">
+            <a:avLst/>
+          </a:prstGeom>
+          <a:solidFill>
+            <a:srgbClr val="00B0F0"/>
+          </a:solidFill>
+          <a:ln>
+            <a:noFill/>
+          </a:ln>
+        </p:spPr>
+        <p:style>
+          <a:lnRef idx="2">
+            <a:schemeClr val="accent1">
+              <a:shade val="50000"/>
+            </a:schemeClr>
+          </a:lnRef>
+          <a:fillRef idx="1">
+            <a:schemeClr val="accent1"/>
+          </a:fillRef>
+          <a:effectRef idx="0">
+            <a:schemeClr val="accent1"/>
+          </a:effectRef>
+          <a:fontRef idx="minor">
+            <a:schemeClr val="lt1"/>
+          </a:fontRef>
+        </p:style>
+        <p:txBody>
+          <a:bodyPr rtlCol="0" anchor="ctr"/>
+          <a:lstStyle/>
+          <a:p>
+            <a:pPr algn="ctr"/>
+            <a:r>
+              <a:rPr lang="en-US" sz="2400" b="1" smtClean="0">
+                <a:solidFill>
+                  <a:schemeClr val="tx1"/>
+                </a:solidFill>
+              </a:rPr>
+              <a:t>Validate card</a:t>
+            </a:r>
+            <a:endParaRPr lang="en-US" sz="2400" b="1">
+              <a:solidFill>
+                <a:schemeClr val="tx1"/>
+              </a:solidFill>
+            </a:endParaRPr>
+          </a:p>
+        </p:txBody>
+      </p:sp>
+      <p:pic>
+        <p:nvPicPr>
+          <p:cNvPr id="3074" name="Picture 2" descr="C:\Users\Admin\Desktop\co\smart1.jpg"/>
+          <p:cNvPicPr>
+            <a:picLocks noChangeAspect="1" noChangeArrowheads="1"/>
+          </p:cNvPicPr>
+          <p:nvPr/>
+        </p:nvPicPr>
+        <p:blipFill>
+          <a:blip r:embed="rId2">
+            <a:extLst>
+              <a:ext uri="{28A0092B-C50C-407E-A947-70E740481C1C}">
+                <a14:useLocalDpi xmlns:a14="http://schemas.microsoft.com/office/drawing/2010/main" val="0"/>
+              </a:ext>
+            </a:extLst>
+          </a:blip>
+          <a:srcRect/>
+          <a:stretch>
+            <a:fillRect/>
+          </a:stretch>
+        </p:blipFill>
+        <p:spPr bwMode="auto">
+          <a:xfrm>
+            <a:off x="5076055" y="1916832"/>
+            <a:ext cx="1661591" cy="1512168"/>
           </a:xfrm>
           <a:prstGeom prst="rect">
             <a:avLst/>
           </a:prstGeom>
           <a:noFill/>
-        </p:spPr>
-        <p:txBody>
-          <a:bodyPr wrap="square" rtlCol="0">
-            <a:spAutoFit/>
-          </a:bodyPr>
-          <a:lstStyle/>
-          <a:p>
-            <a:endParaRPr lang="vi-VN" dirty="0">
-              <a:latin typeface="Times New Roman" panose="02020603050405020304" pitchFamily="18" charset="0"/>
-              <a:cs typeface="Times New Roman" panose="02020603050405020304" pitchFamily="18" charset="0"/>
-            </a:endParaRPr>
-          </a:p>
-        </p:txBody>
-      </p:sp>
-      <p:graphicFrame>
-        <p:nvGraphicFramePr>
-          <p:cNvPr id="4" name="Table 3"/>
-          <p:cNvGraphicFramePr>
-            <a:graphicFrameLocks noGrp="1"/>
-          </p:cNvGraphicFramePr>
-          <p:nvPr/>
-        </p:nvGraphicFramePr>
-        <p:xfrm>
-          <a:off x="489295" y="2345558"/>
-          <a:ext cx="8165410" cy="3459706"/>
-        </p:xfrm>
-        <a:graphic>
-          <a:graphicData uri="http://schemas.openxmlformats.org/drawingml/2006/table">
-            <a:tbl>
-              <a:tblPr firstRow="1" firstCol="1" bandRow="1">
-                <a:tableStyleId>{5C22544A-7EE6-4342-B048-85BDC9FD1C3A}</a:tableStyleId>
-              </a:tblPr>
-              <a:tblGrid>
-                <a:gridCol w="1508968"/>
-                <a:gridCol w="6656442"/>
-              </a:tblGrid>
-              <a:tr h="486423">
-                <a:tc>
-                  <a:txBody>
-                    <a:bodyPr/>
-                    <a:lstStyle/>
-                    <a:p>
-                      <a:pPr marL="0" marR="0">
-                        <a:lnSpc>
-                          <a:spcPct val="115000"/>
-                        </a:lnSpc>
-                        <a:spcBef>
-                          <a:spcPts val="0"/>
-                        </a:spcBef>
-                        <a:spcAft>
-                          <a:spcPts val="0"/>
-                        </a:spcAft>
-                      </a:pPr>
-                      <a:r>
-                        <a:rPr lang="en-US" sz="2000" dirty="0">
-                          <a:effectLst/>
-                          <a:latin typeface="Times New Roman" panose="02020603050405020304" pitchFamily="18" charset="0"/>
-                          <a:cs typeface="Times New Roman" panose="02020603050405020304" pitchFamily="18" charset="0"/>
-                        </a:rPr>
-                        <a:t>Name</a:t>
-                      </a:r>
-                      <a:endParaRPr lang="vi-VN" sz="2000" dirty="0">
-                        <a:effectLst/>
-                        <a:latin typeface="Times New Roman" panose="02020603050405020304" pitchFamily="18" charset="0"/>
-                        <a:ea typeface="MS Mincho" panose="02020609040205080304" pitchFamily="49" charset="-128"/>
-                        <a:cs typeface="Times New Roman" panose="02020603050405020304" pitchFamily="18" charset="0"/>
-                      </a:endParaRPr>
-                    </a:p>
-                  </a:txBody>
-                  <a:tcPr marL="73025" marR="73025" marT="18415" marB="18415"/>
-                </a:tc>
-                <a:tc>
-                  <a:txBody>
-                    <a:bodyPr/>
-                    <a:lstStyle/>
-                    <a:p>
-                      <a:pPr marL="0" marR="0">
-                        <a:lnSpc>
-                          <a:spcPct val="115000"/>
-                        </a:lnSpc>
-                        <a:spcBef>
-                          <a:spcPts val="0"/>
-                        </a:spcBef>
-                        <a:spcAft>
-                          <a:spcPts val="0"/>
-                        </a:spcAft>
-                      </a:pPr>
-                      <a:r>
-                        <a:rPr lang="en-US" sz="2000" dirty="0" err="1">
-                          <a:effectLst/>
-                          <a:latin typeface="Times New Roman" panose="02020603050405020304" pitchFamily="18" charset="0"/>
-                          <a:cs typeface="Times New Roman" panose="02020603050405020304" pitchFamily="18" charset="0"/>
-                        </a:rPr>
-                        <a:t>CheckBalance</a:t>
-                      </a:r>
-                      <a:endParaRPr lang="vi-VN" sz="2000" dirty="0">
-                        <a:effectLst/>
-                        <a:latin typeface="Times New Roman" panose="02020603050405020304" pitchFamily="18" charset="0"/>
-                        <a:ea typeface="MS Mincho" panose="02020609040205080304" pitchFamily="49" charset="-128"/>
-                        <a:cs typeface="Times New Roman" panose="02020603050405020304" pitchFamily="18" charset="0"/>
-                      </a:endParaRPr>
-                    </a:p>
-                  </a:txBody>
-                  <a:tcPr marL="73025" marR="73025" marT="18415" marB="18415"/>
-                </a:tc>
-              </a:tr>
-              <a:tr h="486423">
-                <a:tc>
-                  <a:txBody>
-                    <a:bodyPr/>
-                    <a:lstStyle/>
-                    <a:p>
-                      <a:pPr marL="0" marR="0">
-                        <a:lnSpc>
-                          <a:spcPct val="115000"/>
-                        </a:lnSpc>
-                        <a:spcBef>
-                          <a:spcPts val="0"/>
-                        </a:spcBef>
-                        <a:spcAft>
-                          <a:spcPts val="0"/>
-                        </a:spcAft>
-                      </a:pPr>
-                      <a:r>
-                        <a:rPr lang="en-US" sz="2000">
-                          <a:effectLst/>
-                          <a:latin typeface="Times New Roman" panose="02020603050405020304" pitchFamily="18" charset="0"/>
-                          <a:cs typeface="Times New Roman" panose="02020603050405020304" pitchFamily="18" charset="0"/>
-                        </a:rPr>
-                        <a:t>Description</a:t>
-                      </a:r>
-                      <a:endParaRPr lang="vi-VN" sz="2000">
-                        <a:effectLst/>
-                        <a:latin typeface="Times New Roman" panose="02020603050405020304" pitchFamily="18" charset="0"/>
-                        <a:ea typeface="MS Mincho" panose="02020609040205080304" pitchFamily="49" charset="-128"/>
-                        <a:cs typeface="Times New Roman" panose="02020603050405020304" pitchFamily="18" charset="0"/>
-                      </a:endParaRPr>
-                    </a:p>
-                  </a:txBody>
-                  <a:tcPr marL="73025" marR="73025" marT="18415" marB="18415"/>
-                </a:tc>
-                <a:tc>
-                  <a:txBody>
-                    <a:bodyPr/>
-                    <a:lstStyle/>
-                    <a:p>
-                      <a:pPr marL="0" marR="0">
-                        <a:lnSpc>
-                          <a:spcPct val="115000"/>
-                        </a:lnSpc>
-                        <a:spcBef>
-                          <a:spcPts val="0"/>
-                        </a:spcBef>
-                        <a:spcAft>
-                          <a:spcPts val="0"/>
-                        </a:spcAft>
-                      </a:pPr>
-                      <a:r>
-                        <a:rPr lang="en-US" sz="2000" dirty="0">
-                          <a:solidFill>
-                            <a:schemeClr val="bg1">
-                              <a:lumMod val="75000"/>
-                            </a:schemeClr>
-                          </a:solidFill>
-                          <a:effectLst/>
-                          <a:latin typeface="Times New Roman" panose="02020603050405020304" pitchFamily="18" charset="0"/>
-                          <a:cs typeface="Times New Roman" panose="02020603050405020304" pitchFamily="18" charset="0"/>
-                        </a:rPr>
-                        <a:t>This use case allows Customer to check their Balance. </a:t>
-                      </a:r>
-                      <a:endParaRPr lang="vi-VN" sz="2000" dirty="0">
-                        <a:solidFill>
-                          <a:schemeClr val="bg1">
-                            <a:lumMod val="75000"/>
-                          </a:schemeClr>
-                        </a:solidFill>
-                        <a:effectLst/>
-                        <a:latin typeface="Times New Roman" panose="02020603050405020304" pitchFamily="18" charset="0"/>
-                        <a:ea typeface="MS Mincho" panose="02020609040205080304" pitchFamily="49" charset="-128"/>
-                        <a:cs typeface="Times New Roman" panose="02020603050405020304" pitchFamily="18" charset="0"/>
-                      </a:endParaRPr>
-                    </a:p>
-                  </a:txBody>
-                  <a:tcPr marL="73025" marR="73025" marT="18415" marB="18415"/>
-                </a:tc>
-              </a:tr>
-              <a:tr h="486423">
-                <a:tc>
-                  <a:txBody>
-                    <a:bodyPr/>
-                    <a:lstStyle/>
-                    <a:p>
-                      <a:pPr marL="0" marR="0">
-                        <a:lnSpc>
-                          <a:spcPct val="115000"/>
-                        </a:lnSpc>
-                        <a:spcBef>
-                          <a:spcPts val="0"/>
-                        </a:spcBef>
-                        <a:spcAft>
-                          <a:spcPts val="0"/>
-                        </a:spcAft>
-                      </a:pPr>
-                      <a:r>
-                        <a:rPr lang="en-US" sz="2000">
-                          <a:effectLst/>
-                          <a:latin typeface="Times New Roman" panose="02020603050405020304" pitchFamily="18" charset="0"/>
-                          <a:cs typeface="Times New Roman" panose="02020603050405020304" pitchFamily="18" charset="0"/>
-                        </a:rPr>
-                        <a:t>Actor</a:t>
-                      </a:r>
-                      <a:endParaRPr lang="vi-VN" sz="2000">
-                        <a:effectLst/>
-                        <a:latin typeface="Times New Roman" panose="02020603050405020304" pitchFamily="18" charset="0"/>
-                        <a:ea typeface="MS Mincho" panose="02020609040205080304" pitchFamily="49" charset="-128"/>
-                        <a:cs typeface="Times New Roman" panose="02020603050405020304" pitchFamily="18" charset="0"/>
-                      </a:endParaRPr>
-                    </a:p>
-                  </a:txBody>
-                  <a:tcPr marL="73025" marR="73025" marT="18415" marB="18415"/>
-                </a:tc>
-                <a:tc>
-                  <a:txBody>
-                    <a:bodyPr/>
-                    <a:lstStyle/>
-                    <a:p>
-                      <a:pPr marL="0" marR="0">
-                        <a:lnSpc>
-                          <a:spcPct val="115000"/>
-                        </a:lnSpc>
-                        <a:spcBef>
-                          <a:spcPts val="0"/>
-                        </a:spcBef>
-                        <a:spcAft>
-                          <a:spcPts val="0"/>
-                        </a:spcAft>
-                      </a:pPr>
-                      <a:r>
-                        <a:rPr lang="en-US" sz="2000" dirty="0">
-                          <a:solidFill>
-                            <a:schemeClr val="bg1">
-                              <a:lumMod val="75000"/>
-                            </a:schemeClr>
-                          </a:solidFill>
-                          <a:effectLst/>
-                          <a:latin typeface="Times New Roman" panose="02020603050405020304" pitchFamily="18" charset="0"/>
-                          <a:cs typeface="Times New Roman" panose="02020603050405020304" pitchFamily="18" charset="0"/>
-                        </a:rPr>
-                        <a:t>Customer</a:t>
-                      </a:r>
-                      <a:endParaRPr lang="vi-VN" sz="2000" dirty="0">
-                        <a:solidFill>
-                          <a:schemeClr val="bg1">
-                            <a:lumMod val="75000"/>
-                          </a:schemeClr>
-                        </a:solidFill>
-                        <a:effectLst/>
-                        <a:latin typeface="Times New Roman" panose="02020603050405020304" pitchFamily="18" charset="0"/>
-                        <a:ea typeface="MS Mincho" panose="02020609040205080304" pitchFamily="49" charset="-128"/>
-                        <a:cs typeface="Times New Roman" panose="02020603050405020304" pitchFamily="18" charset="0"/>
-                      </a:endParaRPr>
-                    </a:p>
-                  </a:txBody>
-                  <a:tcPr marL="73025" marR="73025" marT="18415" marB="18415"/>
-                </a:tc>
-              </a:tr>
-              <a:tr h="486423">
-                <a:tc>
-                  <a:txBody>
-                    <a:bodyPr/>
-                    <a:lstStyle/>
-                    <a:p>
-                      <a:pPr marL="0" marR="0">
-                        <a:lnSpc>
-                          <a:spcPct val="115000"/>
-                        </a:lnSpc>
-                        <a:spcBef>
-                          <a:spcPts val="0"/>
-                        </a:spcBef>
-                        <a:spcAft>
-                          <a:spcPts val="0"/>
-                        </a:spcAft>
-                      </a:pPr>
-                      <a:r>
-                        <a:rPr lang="en-US" sz="2000" dirty="0">
-                          <a:effectLst/>
-                          <a:latin typeface="Times New Roman" panose="02020603050405020304" pitchFamily="18" charset="0"/>
-                          <a:cs typeface="Times New Roman" panose="02020603050405020304" pitchFamily="18" charset="0"/>
-                        </a:rPr>
-                        <a:t>Trigger</a:t>
-                      </a:r>
-                      <a:endParaRPr lang="vi-VN" sz="2000" dirty="0">
-                        <a:effectLst/>
-                        <a:latin typeface="Times New Roman" panose="02020603050405020304" pitchFamily="18" charset="0"/>
-                        <a:ea typeface="MS Mincho" panose="02020609040205080304" pitchFamily="49" charset="-128"/>
-                        <a:cs typeface="Times New Roman" panose="02020603050405020304" pitchFamily="18" charset="0"/>
-                      </a:endParaRPr>
-                    </a:p>
-                  </a:txBody>
-                  <a:tcPr marL="73025" marR="73025" marT="18415" marB="18415"/>
-                </a:tc>
-                <a:tc>
-                  <a:txBody>
-                    <a:bodyPr/>
-                    <a:lstStyle/>
-                    <a:p>
-                      <a:pPr marL="0" marR="0">
-                        <a:lnSpc>
-                          <a:spcPct val="115000"/>
-                        </a:lnSpc>
-                        <a:spcBef>
-                          <a:spcPts val="0"/>
-                        </a:spcBef>
-                        <a:spcAft>
-                          <a:spcPts val="0"/>
-                        </a:spcAft>
-                      </a:pPr>
-                      <a:r>
-                        <a:rPr lang="en-US" sz="2000" dirty="0">
-                          <a:solidFill>
-                            <a:schemeClr val="bg1">
-                              <a:lumMod val="75000"/>
-                            </a:schemeClr>
-                          </a:solidFill>
-                          <a:effectLst/>
-                          <a:latin typeface="Times New Roman" panose="02020603050405020304" pitchFamily="18" charset="0"/>
-                          <a:cs typeface="Times New Roman" panose="02020603050405020304" pitchFamily="18" charset="0"/>
-                        </a:rPr>
-                        <a:t>When Customer click “Check balance” button in </a:t>
-                      </a:r>
-                      <a:r>
-                        <a:rPr lang="en-US" sz="2000" dirty="0" err="1">
-                          <a:solidFill>
-                            <a:schemeClr val="bg1">
-                              <a:lumMod val="75000"/>
-                            </a:schemeClr>
-                          </a:solidFill>
-                          <a:effectLst/>
-                          <a:latin typeface="Times New Roman" panose="02020603050405020304" pitchFamily="18" charset="0"/>
-                          <a:cs typeface="Times New Roman" panose="02020603050405020304" pitchFamily="18" charset="0"/>
-                        </a:rPr>
-                        <a:t>MainScreen</a:t>
-                      </a:r>
-                      <a:endParaRPr lang="vi-VN" sz="2000" dirty="0">
-                        <a:solidFill>
-                          <a:schemeClr val="bg1">
-                            <a:lumMod val="75000"/>
-                          </a:schemeClr>
-                        </a:solidFill>
-                        <a:effectLst/>
-                        <a:latin typeface="Times New Roman" panose="02020603050405020304" pitchFamily="18" charset="0"/>
-                        <a:ea typeface="MS Mincho" panose="02020609040205080304" pitchFamily="49" charset="-128"/>
-                        <a:cs typeface="Times New Roman" panose="02020603050405020304" pitchFamily="18" charset="0"/>
-                      </a:endParaRPr>
-                    </a:p>
-                  </a:txBody>
-                  <a:tcPr marL="73025" marR="73025" marT="18415" marB="18415"/>
-                </a:tc>
-              </a:tr>
-              <a:tr h="757007">
-                <a:tc>
-                  <a:txBody>
-                    <a:bodyPr/>
-                    <a:lstStyle/>
-                    <a:p>
-                      <a:pPr marL="0" marR="0">
-                        <a:lnSpc>
-                          <a:spcPct val="115000"/>
-                        </a:lnSpc>
-                        <a:spcBef>
-                          <a:spcPts val="0"/>
-                        </a:spcBef>
-                        <a:spcAft>
-                          <a:spcPts val="0"/>
-                        </a:spcAft>
-                      </a:pPr>
-                      <a:r>
-                        <a:rPr lang="en-US" sz="2000">
-                          <a:effectLst/>
-                          <a:latin typeface="Times New Roman" panose="02020603050405020304" pitchFamily="18" charset="0"/>
-                          <a:cs typeface="Times New Roman" panose="02020603050405020304" pitchFamily="18" charset="0"/>
-                        </a:rPr>
-                        <a:t>Pre-condition</a:t>
-                      </a:r>
-                      <a:endParaRPr lang="vi-VN" sz="2000">
-                        <a:effectLst/>
-                        <a:latin typeface="Times New Roman" panose="02020603050405020304" pitchFamily="18" charset="0"/>
-                        <a:ea typeface="MS Mincho" panose="02020609040205080304" pitchFamily="49" charset="-128"/>
-                        <a:cs typeface="Times New Roman" panose="02020603050405020304" pitchFamily="18" charset="0"/>
-                      </a:endParaRPr>
-                    </a:p>
-                  </a:txBody>
-                  <a:tcPr marL="73025" marR="73025" marT="18415" marB="18415"/>
-                </a:tc>
-                <a:tc>
-                  <a:txBody>
-                    <a:bodyPr/>
-                    <a:lstStyle/>
-                    <a:p>
-                      <a:pPr marL="0" marR="0">
-                        <a:lnSpc>
-                          <a:spcPts val="1300"/>
-                        </a:lnSpc>
-                        <a:spcBef>
-                          <a:spcPts val="0"/>
-                        </a:spcBef>
-                        <a:spcAft>
-                          <a:spcPts val="0"/>
-                        </a:spcAft>
-                      </a:pPr>
-                      <a:endParaRPr lang="en-US" sz="2000" dirty="0" smtClean="0">
-                        <a:solidFill>
-                          <a:schemeClr val="bg1">
-                            <a:lumMod val="75000"/>
-                          </a:schemeClr>
-                        </a:solidFill>
-                        <a:effectLst/>
-                        <a:latin typeface="Times New Roman" panose="02020603050405020304" pitchFamily="18" charset="0"/>
-                        <a:cs typeface="Times New Roman" panose="02020603050405020304" pitchFamily="18" charset="0"/>
-                      </a:endParaRPr>
-                    </a:p>
-                    <a:p>
-                      <a:pPr marL="0" marR="0">
-                        <a:lnSpc>
-                          <a:spcPts val="1300"/>
-                        </a:lnSpc>
-                        <a:spcBef>
-                          <a:spcPts val="0"/>
-                        </a:spcBef>
-                        <a:spcAft>
-                          <a:spcPts val="0"/>
-                        </a:spcAft>
-                      </a:pPr>
-                      <a:r>
-                        <a:rPr lang="en-US" sz="2000" dirty="0" smtClean="0">
-                          <a:solidFill>
-                            <a:schemeClr val="bg1">
-                              <a:lumMod val="75000"/>
-                            </a:schemeClr>
-                          </a:solidFill>
-                          <a:effectLst/>
-                          <a:latin typeface="Times New Roman" panose="02020603050405020304" pitchFamily="18" charset="0"/>
-                          <a:cs typeface="Times New Roman" panose="02020603050405020304" pitchFamily="18" charset="0"/>
-                        </a:rPr>
-                        <a:t>Customer </a:t>
-                      </a:r>
-                      <a:r>
-                        <a:rPr lang="en-US" sz="2000" dirty="0">
-                          <a:solidFill>
-                            <a:schemeClr val="bg1">
-                              <a:lumMod val="75000"/>
-                            </a:schemeClr>
-                          </a:solidFill>
-                          <a:effectLst/>
-                          <a:latin typeface="Times New Roman" panose="02020603050405020304" pitchFamily="18" charset="0"/>
-                          <a:cs typeface="Times New Roman" panose="02020603050405020304" pitchFamily="18" charset="0"/>
-                        </a:rPr>
-                        <a:t>had Validation to ATM.</a:t>
-                      </a:r>
-                      <a:endParaRPr lang="vi-VN" sz="2000" dirty="0">
-                        <a:solidFill>
-                          <a:schemeClr val="bg1">
-                            <a:lumMod val="75000"/>
-                          </a:schemeClr>
-                        </a:solidFill>
-                        <a:effectLst/>
-                        <a:latin typeface="Times New Roman" panose="02020603050405020304" pitchFamily="18" charset="0"/>
-                        <a:ea typeface="MS Mincho" panose="02020609040205080304" pitchFamily="49" charset="-128"/>
-                        <a:cs typeface="Times New Roman" panose="02020603050405020304" pitchFamily="18" charset="0"/>
-                      </a:endParaRPr>
-                    </a:p>
-                  </a:txBody>
-                  <a:tcPr marL="73025" marR="73025" marT="18415" marB="18415"/>
-                </a:tc>
-              </a:tr>
-              <a:tr h="757007">
-                <a:tc>
-                  <a:txBody>
-                    <a:bodyPr/>
-                    <a:lstStyle/>
-                    <a:p>
-                      <a:pPr marL="0" marR="0">
-                        <a:lnSpc>
-                          <a:spcPct val="115000"/>
-                        </a:lnSpc>
-                        <a:spcBef>
-                          <a:spcPts val="0"/>
-                        </a:spcBef>
-                        <a:spcAft>
-                          <a:spcPts val="0"/>
-                        </a:spcAft>
-                      </a:pPr>
-                      <a:r>
-                        <a:rPr lang="en-US" sz="2000">
-                          <a:effectLst/>
-                          <a:latin typeface="Times New Roman" panose="02020603050405020304" pitchFamily="18" charset="0"/>
-                          <a:cs typeface="Times New Roman" panose="02020603050405020304" pitchFamily="18" charset="0"/>
-                        </a:rPr>
-                        <a:t>Post-condition</a:t>
-                      </a:r>
-                      <a:endParaRPr lang="vi-VN" sz="2000">
-                        <a:effectLst/>
-                        <a:latin typeface="Times New Roman" panose="02020603050405020304" pitchFamily="18" charset="0"/>
-                        <a:ea typeface="MS Mincho" panose="02020609040205080304" pitchFamily="49" charset="-128"/>
-                        <a:cs typeface="Times New Roman" panose="02020603050405020304" pitchFamily="18" charset="0"/>
-                      </a:endParaRPr>
-                    </a:p>
-                  </a:txBody>
-                  <a:tcPr marL="73025" marR="73025" marT="18415" marB="18415"/>
-                </a:tc>
-                <a:tc>
-                  <a:txBody>
-                    <a:bodyPr/>
-                    <a:lstStyle/>
-                    <a:p>
-                      <a:pPr marL="0" marR="0">
-                        <a:lnSpc>
-                          <a:spcPct val="115000"/>
-                        </a:lnSpc>
-                        <a:spcBef>
-                          <a:spcPts val="0"/>
-                        </a:spcBef>
-                        <a:spcAft>
-                          <a:spcPts val="0"/>
-                        </a:spcAft>
-                      </a:pPr>
-                      <a:r>
-                        <a:rPr lang="en-US" sz="2000" dirty="0">
-                          <a:solidFill>
-                            <a:schemeClr val="bg1">
-                              <a:lumMod val="75000"/>
-                            </a:schemeClr>
-                          </a:solidFill>
-                          <a:effectLst/>
-                          <a:latin typeface="Times New Roman" panose="02020603050405020304" pitchFamily="18" charset="0"/>
-                          <a:cs typeface="Times New Roman" panose="02020603050405020304" pitchFamily="18" charset="0"/>
-                        </a:rPr>
-                        <a:t>ATM system display balance of Customer. </a:t>
-                      </a:r>
-                      <a:endParaRPr lang="vi-VN" sz="2000" dirty="0">
-                        <a:solidFill>
-                          <a:schemeClr val="bg1">
-                            <a:lumMod val="75000"/>
-                          </a:schemeClr>
-                        </a:solidFill>
-                        <a:effectLst/>
-                        <a:latin typeface="Times New Roman" panose="02020603050405020304" pitchFamily="18" charset="0"/>
-                        <a:ea typeface="MS Mincho" panose="02020609040205080304" pitchFamily="49" charset="-128"/>
-                        <a:cs typeface="Times New Roman" panose="02020603050405020304" pitchFamily="18" charset="0"/>
-                      </a:endParaRPr>
-                    </a:p>
-                  </a:txBody>
-                  <a:tcPr marL="73025" marR="73025" marT="18415" marB="18415"/>
-                </a:tc>
-              </a:tr>
-            </a:tbl>
-          </a:graphicData>
-        </a:graphic>
-      </p:graphicFrame>
-      <p:sp>
-        <p:nvSpPr>
-          <p:cNvPr id="5" name="TextBox 4"/>
-          <p:cNvSpPr txBox="1"/>
-          <p:nvPr/>
-        </p:nvSpPr>
-        <p:spPr>
-          <a:xfrm>
-            <a:off x="457200" y="1550753"/>
-            <a:ext cx="3312368" cy="553998"/>
+          <a:extLst>
+            <a:ext uri="{909E8E84-426E-40DD-AFC4-6F175D3DCCD1}">
+              <a14:hiddenFill xmlns:a14="http://schemas.microsoft.com/office/drawing/2010/main">
+                <a:solidFill>
+                  <a:srgbClr val="FFFFFF"/>
+                </a:solidFill>
+              </a14:hiddenFill>
+            </a:ext>
+          </a:extLst>
+        </p:spPr>
+      </p:pic>
+      <p:pic>
+        <p:nvPicPr>
+          <p:cNvPr id="3076" name="Picture 4" descr="http://www.patentlyapple.com/.a/6a0120a5580826970c0120a6870d7d970b-800wi"/>
+          <p:cNvPicPr>
+            <a:picLocks noChangeAspect="1" noChangeArrowheads="1"/>
+          </p:cNvPicPr>
+          <p:nvPr/>
+        </p:nvPicPr>
+        <p:blipFill>
+          <a:blip r:embed="rId3">
+            <a:extLst>
+              <a:ext uri="{28A0092B-C50C-407E-A947-70E740481C1C}">
+                <a14:useLocalDpi xmlns:a14="http://schemas.microsoft.com/office/drawing/2010/main" val="0"/>
+              </a:ext>
+            </a:extLst>
+          </a:blip>
+          <a:srcRect/>
+          <a:stretch>
+            <a:fillRect/>
+          </a:stretch>
+        </p:blipFill>
+        <p:spPr bwMode="auto">
+          <a:xfrm>
+            <a:off x="6021544" y="4005064"/>
+            <a:ext cx="1661591" cy="1566098"/>
           </a:xfrm>
           <a:prstGeom prst="rect">
             <a:avLst/>
           </a:prstGeom>
           <a:noFill/>
-        </p:spPr>
-        <p:txBody>
-          <a:bodyPr wrap="square" rtlCol="0">
-            <a:spAutoFit/>
-          </a:bodyPr>
-          <a:lstStyle/>
-          <a:p>
-            <a:r>
-              <a:rPr lang="en-US" sz="3000" dirty="0" smtClean="0">
+          <a:extLst>
+            <a:ext uri="{909E8E84-426E-40DD-AFC4-6F175D3DCCD1}">
+              <a14:hiddenFill xmlns:a14="http://schemas.microsoft.com/office/drawing/2010/main">
                 <a:solidFill>
-                  <a:srgbClr val="FF0000"/>
+                  <a:srgbClr val="FFFFFF"/>
                 </a:solidFill>
-                <a:latin typeface="Times New Roman" panose="02020603050405020304" pitchFamily="18" charset="0"/>
-                <a:cs typeface="Times New Roman" panose="02020603050405020304" pitchFamily="18" charset="0"/>
+              </a14:hiddenFill>
+            </a:ext>
+          </a:extLst>
+        </p:spPr>
+      </p:pic>
+      <p:sp>
+        <p:nvSpPr>
+          <p:cNvPr id="9" name="Rectangle 8"/>
+          <p:cNvSpPr/>
+          <p:nvPr/>
+        </p:nvSpPr>
+        <p:spPr>
+          <a:xfrm>
+            <a:off x="1475656" y="4032029"/>
+            <a:ext cx="3672408" cy="1512168"/>
+          </a:xfrm>
+          <a:prstGeom prst="rect">
+            <a:avLst/>
+          </a:prstGeom>
+          <a:solidFill>
+            <a:srgbClr val="00B0F0"/>
+          </a:solidFill>
+          <a:ln>
+            <a:noFill/>
+          </a:ln>
+        </p:spPr>
+        <p:style>
+          <a:lnRef idx="2">
+            <a:schemeClr val="accent1">
+              <a:shade val="50000"/>
+            </a:schemeClr>
+          </a:lnRef>
+          <a:fillRef idx="1">
+            <a:schemeClr val="accent1"/>
+          </a:fillRef>
+          <a:effectRef idx="0">
+            <a:schemeClr val="accent1"/>
+          </a:effectRef>
+          <a:fontRef idx="minor">
+            <a:schemeClr val="lt1"/>
+          </a:fontRef>
+        </p:style>
+        <p:txBody>
+          <a:bodyPr rtlCol="0" anchor="ctr"/>
+          <a:lstStyle/>
+          <a:p>
+            <a:pPr algn="ctr"/>
+            <a:r>
+              <a:rPr lang="en-US" sz="2400" b="1" smtClean="0">
+                <a:solidFill>
+                  <a:schemeClr val="tx1"/>
+                </a:solidFill>
               </a:rPr>
-              <a:t>1. Use Case</a:t>
-            </a:r>
-            <a:endParaRPr lang="vi-VN" sz="3000" dirty="0">
+              <a:t>Authenticate user</a:t>
+            </a:r>
+            <a:endParaRPr lang="en-US" sz="2400" b="1">
               <a:solidFill>
-                <a:srgbClr val="FF0000"/>
+                <a:schemeClr val="tx1"/>
               </a:solidFill>
-              <a:latin typeface="Times New Roman" panose="02020603050405020304" pitchFamily="18" charset="0"/>
-              <a:cs typeface="Times New Roman" panose="02020603050405020304" pitchFamily="18" charset="0"/>
             </a:endParaRPr>
           </a:p>
         </p:txBody>
@@ -5624,7 +8143,7 @@
     </p:spTree>
     <p:extLst>
       <p:ext uri="{BB962C8B-B14F-4D97-AF65-F5344CB8AC3E}">
-        <p14:creationId xmlns:p14="http://schemas.microsoft.com/office/powerpoint/2010/main" val="1065343697"/>
+        <p14:creationId xmlns:p14="http://schemas.microsoft.com/office/powerpoint/2010/main" val="2067167423"/>
       </p:ext>
     </p:extLst>
   </p:cSld>
@@ -5670,7 +8189,7 @@
         </p:nvSpPr>
         <p:spPr>
           <a:xfrm>
-            <a:off x="467544" y="260648"/>
+            <a:off x="457200" y="274638"/>
             <a:ext cx="8229600" cy="850106"/>
           </a:xfrm>
         </p:spPr>
@@ -5680,16 +8199,110 @@
           <a:p>
             <a:r>
               <a:rPr lang="en-GB" smtClean="0"/>
-              <a:t>Withdraw</a:t>
+              <a:t>Validation</a:t>
             </a:r>
             <a:endParaRPr lang="en-GB"/>
+          </a:p>
+        </p:txBody>
+      </p:sp>
+      <p:sp>
+        <p:nvSpPr>
+          <p:cNvPr id="3" name="TextBox 2"/>
+          <p:cNvSpPr txBox="1"/>
+          <p:nvPr/>
+        </p:nvSpPr>
+        <p:spPr>
+          <a:xfrm>
+            <a:off x="467544" y="1340768"/>
+            <a:ext cx="2016224" cy="461665"/>
+          </a:xfrm>
+          <a:prstGeom prst="rect">
+            <a:avLst/>
+          </a:prstGeom>
+          <a:solidFill>
+            <a:srgbClr val="7030A0"/>
+          </a:solidFill>
+        </p:spPr>
+        <p:txBody>
+          <a:bodyPr wrap="square" rtlCol="0">
+            <a:spAutoFit/>
+          </a:bodyPr>
+          <a:lstStyle/>
+          <a:p>
+            <a:r>
+              <a:rPr lang="en-US" sz="2400" smtClean="0"/>
+              <a:t>Validate card</a:t>
+            </a:r>
+            <a:endParaRPr lang="en-US" sz="2400"/>
+          </a:p>
+        </p:txBody>
+      </p:sp>
+      <p:pic>
+        <p:nvPicPr>
+          <p:cNvPr id="4" name="Picture 3"/>
+          <p:cNvPicPr>
+            <a:picLocks noChangeAspect="1"/>
+          </p:cNvPicPr>
+          <p:nvPr/>
+        </p:nvPicPr>
+        <p:blipFill>
+          <a:blip r:embed="rId2">
+            <a:extLst>
+              <a:ext uri="{28A0092B-C50C-407E-A947-70E740481C1C}">
+                <a14:useLocalDpi xmlns:a14="http://schemas.microsoft.com/office/drawing/2010/main" val="0"/>
+              </a:ext>
+            </a:extLst>
+          </a:blip>
+          <a:stretch>
+            <a:fillRect/>
+          </a:stretch>
+        </p:blipFill>
+        <p:spPr>
+          <a:xfrm>
+            <a:off x="2699792" y="1306848"/>
+            <a:ext cx="5976664" cy="4787434"/>
+          </a:xfrm>
+          <a:prstGeom prst="rect">
+            <a:avLst/>
+          </a:prstGeom>
+        </p:spPr>
+      </p:pic>
+      <p:sp>
+        <p:nvSpPr>
+          <p:cNvPr id="5" name="TextBox 4"/>
+          <p:cNvSpPr txBox="1"/>
+          <p:nvPr/>
+        </p:nvSpPr>
+        <p:spPr>
+          <a:xfrm>
+            <a:off x="467544" y="2368610"/>
+            <a:ext cx="2016224" cy="400110"/>
+          </a:xfrm>
+          <a:prstGeom prst="rect">
+            <a:avLst/>
+          </a:prstGeom>
+          <a:solidFill>
+            <a:srgbClr val="0070C0"/>
+          </a:solidFill>
+        </p:spPr>
+        <p:txBody>
+          <a:bodyPr wrap="square" rtlCol="0">
+            <a:spAutoFit/>
+          </a:bodyPr>
+          <a:lstStyle/>
+          <a:p>
+            <a:r>
+              <a:rPr lang="en-US" sz="2000" smtClean="0"/>
+              <a:t>Activity diagram</a:t>
+            </a:r>
+            <a:endParaRPr lang="en-US" sz="2000"/>
           </a:p>
         </p:txBody>
       </p:sp>
     </p:spTree>
     <p:extLst>
       <p:ext uri="{BB962C8B-B14F-4D97-AF65-F5344CB8AC3E}">
-        <p14:creationId xmlns:p14="http://schemas.microsoft.com/office/powerpoint/2010/main" val="2468861637"/>
+        <p14:creationId xmlns:p14="http://schemas.microsoft.com/office/powerpoint/2010/main" val="1505981396"/>
       </p:ext>
     </p:extLst>
   </p:cSld>

--- a/doc/ATM slide.pptx
+++ b/doc/ATM slide.pptx
@@ -558,6 +558,91 @@
         </p:txBody>
       </p:sp>
     </p:spTree>
+  </p:cSld>
+  <p:clrMapOvr>
+    <a:masterClrMapping/>
+  </p:clrMapOvr>
+</p:notes>
+</file>
+
+<file path=ppt/notesSlides/notesSlide2.xml><?xml version="1.0" encoding="utf-8"?>
+<p:notes xmlns:a="http://schemas.openxmlformats.org/drawingml/2006/main" xmlns:r="http://schemas.openxmlformats.org/officeDocument/2006/relationships" xmlns:p="http://schemas.openxmlformats.org/presentationml/2006/main">
+  <p:cSld>
+    <p:spTree>
+      <p:nvGrpSpPr>
+        <p:cNvPr id="1" name=""/>
+        <p:cNvGrpSpPr/>
+        <p:nvPr/>
+      </p:nvGrpSpPr>
+      <p:grpSpPr>
+        <a:xfrm>
+          <a:off x="0" y="0"/>
+          <a:ext cx="0" cy="0"/>
+          <a:chOff x="0" y="0"/>
+          <a:chExt cx="0" cy="0"/>
+        </a:xfrm>
+      </p:grpSpPr>
+      <p:sp>
+        <p:nvSpPr>
+          <p:cNvPr id="2" name="Slide Image Placeholder 1"/>
+          <p:cNvSpPr>
+            <a:spLocks noGrp="1" noRot="1" noChangeAspect="1"/>
+          </p:cNvSpPr>
+          <p:nvPr>
+            <p:ph type="sldImg"/>
+          </p:nvPr>
+        </p:nvSpPr>
+        <p:spPr/>
+      </p:sp>
+      <p:sp>
+        <p:nvSpPr>
+          <p:cNvPr id="3" name="Notes Placeholder 2"/>
+          <p:cNvSpPr>
+            <a:spLocks noGrp="1"/>
+          </p:cNvSpPr>
+          <p:nvPr>
+            <p:ph type="body" idx="1"/>
+          </p:nvPr>
+        </p:nvSpPr>
+        <p:spPr/>
+        <p:txBody>
+          <a:bodyPr/>
+          <a:lstStyle/>
+          <a:p>
+            <a:endParaRPr lang="en-US"/>
+          </a:p>
+        </p:txBody>
+      </p:sp>
+      <p:sp>
+        <p:nvSpPr>
+          <p:cNvPr id="4" name="Slide Number Placeholder 3"/>
+          <p:cNvSpPr>
+            <a:spLocks noGrp="1"/>
+          </p:cNvSpPr>
+          <p:nvPr>
+            <p:ph type="sldNum" sz="quarter" idx="10"/>
+          </p:nvPr>
+        </p:nvSpPr>
+        <p:spPr/>
+        <p:txBody>
+          <a:bodyPr/>
+          <a:lstStyle/>
+          <a:p>
+            <a:fld id="{B4E5A845-A166-40F2-A330-13E3485D8DB5}" type="slidenum">
+              <a:rPr lang="en-US" smtClean="0"/>
+              <a:pPr/>
+              <a:t>2</a:t>
+            </a:fld>
+            <a:endParaRPr lang="en-US"/>
+          </a:p>
+        </p:txBody>
+      </p:sp>
+    </p:spTree>
+    <p:extLst>
+      <p:ext uri="{BB962C8B-B14F-4D97-AF65-F5344CB8AC3E}">
+        <p14:creationId xmlns:p14="http://schemas.microsoft.com/office/powerpoint/2010/main" val="2599727459"/>
+      </p:ext>
+    </p:extLst>
   </p:cSld>
   <p:clrMapOvr>
     <a:masterClrMapping/>
@@ -4761,7 +4846,7 @@
       <p:sp>
         <p:nvSpPr>
           <p:cNvPr id="4" name="Rectangle 3">
-            <a:hlinkClick r:id="rId2" action="ppaction://hlinksldjump"/>
+            <a:hlinkClick r:id="rId3" action="ppaction://hlinksldjump"/>
           </p:cNvPr>
           <p:cNvSpPr/>
           <p:nvPr/>
@@ -4813,7 +4898,7 @@
       <p:sp>
         <p:nvSpPr>
           <p:cNvPr id="5" name="Rectangle 4">
-            <a:hlinkClick r:id="rId3" action="ppaction://hlinksldjump"/>
+            <a:hlinkClick r:id="rId4" action="ppaction://hlinksldjump"/>
           </p:cNvPr>
           <p:cNvSpPr/>
           <p:nvPr/>
@@ -4865,7 +4950,7 @@
       <p:sp>
         <p:nvSpPr>
           <p:cNvPr id="6" name="Rectangle 5">
-            <a:hlinkClick r:id="rId4" action="ppaction://hlinksldjump"/>
+            <a:hlinkClick r:id="rId5" action="ppaction://hlinksldjump"/>
           </p:cNvPr>
           <p:cNvSpPr/>
           <p:nvPr/>
@@ -4917,7 +5002,7 @@
       <p:sp>
         <p:nvSpPr>
           <p:cNvPr id="7" name="Rectangle 6">
-            <a:hlinkClick r:id="rId5" action="ppaction://hlinksldjump"/>
+            <a:hlinkClick r:id="rId6" action="ppaction://hlinksldjump"/>
           </p:cNvPr>
           <p:cNvSpPr/>
           <p:nvPr/>
@@ -4969,7 +5054,7 @@
       <p:sp>
         <p:nvSpPr>
           <p:cNvPr id="8" name="Rectangle 7">
-            <a:hlinkClick r:id="rId6" action="ppaction://hlinksldjump"/>
+            <a:hlinkClick r:id="rId7" action="ppaction://hlinksldjump"/>
           </p:cNvPr>
           <p:cNvSpPr/>
           <p:nvPr/>
@@ -5373,8 +5458,8 @@
         </p:nvSpPr>
         <p:spPr>
           <a:xfrm>
-            <a:off x="2668637" y="2483604"/>
-            <a:ext cx="2379690" cy="369332"/>
+            <a:off x="3297014" y="2483604"/>
+            <a:ext cx="1122935" cy="369332"/>
           </a:xfrm>
           <a:prstGeom prst="rect">
             <a:avLst/>
@@ -5390,7 +5475,7 @@
             <a:pPr algn="ctr"/>
             <a:r>
               <a:rPr lang="en-GB" smtClean="0"/>
-              <a:t>Validation and Authen </a:t>
+              <a:t>Validation</a:t>
             </a:r>
             <a:endParaRPr lang="en-GB"/>
           </a:p>
@@ -6559,7 +6644,7 @@
           <a:graphicData uri="http://schemas.openxmlformats.org/presentationml/2006/ole">
             <mc:AlternateContent xmlns:mc="http://schemas.openxmlformats.org/markup-compatibility/2006">
               <mc:Choice xmlns:v="urn:schemas-microsoft-com:vml" Requires="v">
-                <p:oleObj spid="_x0000_s1039" r:id="rId3" imgW="8450229" imgH="7398609" progId="Visio.Drawing.11">
+                <p:oleObj spid="_x0000_s1040" r:id="rId3" imgW="8450229" imgH="7398609" progId="Visio.Drawing.11">
                   <p:embed/>
                 </p:oleObj>
               </mc:Choice>
@@ -7155,7 +7240,7 @@
           <a:graphicData uri="http://schemas.openxmlformats.org/presentationml/2006/ole">
             <mc:AlternateContent xmlns:mc="http://schemas.openxmlformats.org/markup-compatibility/2006">
               <mc:Choice xmlns:v="urn:schemas-microsoft-com:vml" Requires="v">
-                <p:oleObj spid="_x0000_s2057" r:id="rId3" imgW="7601535" imgH="5756064" progId="Visio.Drawing.11">
+                <p:oleObj spid="_x0000_s2058" r:id="rId3" imgW="7601535" imgH="5756064" progId="Visio.Drawing.11">
                   <p:embed/>
                 </p:oleObj>
               </mc:Choice>

--- a/doc/ATM slide.pptx
+++ b/doc/ATM slide.pptx
@@ -5,7 +5,7 @@
     <p:sldMasterId id="2147483648" r:id="rId1"/>
   </p:sldMasterIdLst>
   <p:notesMasterIdLst>
-    <p:notesMasterId r:id="rId22"/>
+    <p:notesMasterId r:id="rId23"/>
   </p:notesMasterIdLst>
   <p:sldIdLst>
     <p:sldId id="256" r:id="rId2"/>
@@ -23,11 +23,12 @@
     <p:sldId id="275" r:id="rId14"/>
     <p:sldId id="265" r:id="rId15"/>
     <p:sldId id="280" r:id="rId16"/>
-    <p:sldId id="266" r:id="rId17"/>
-    <p:sldId id="277" r:id="rId18"/>
-    <p:sldId id="278" r:id="rId19"/>
-    <p:sldId id="279" r:id="rId20"/>
-    <p:sldId id="267" r:id="rId21"/>
+    <p:sldId id="281" r:id="rId17"/>
+    <p:sldId id="266" r:id="rId18"/>
+    <p:sldId id="277" r:id="rId19"/>
+    <p:sldId id="278" r:id="rId20"/>
+    <p:sldId id="279" r:id="rId21"/>
+    <p:sldId id="267" r:id="rId22"/>
   </p:sldIdLst>
   <p:sldSz cx="9144000" cy="6858000" type="screen4x3"/>
   <p:notesSz cx="6858000" cy="9144000"/>
@@ -383,7 +384,7 @@
     </p:spTree>
     <p:extLst>
       <p:ext uri="{BB962C8B-B14F-4D97-AF65-F5344CB8AC3E}">
-        <p14:creationId xmlns:p14="http://schemas.microsoft.com/office/powerpoint/2010/main" val="2233501657"/>
+        <p14:creationId xmlns:p14="http://schemas.microsoft.com/office/powerpoint/2010/main" xmlns="" val="2233501657"/>
       </p:ext>
     </p:extLst>
   </p:cSld>
@@ -640,7 +641,7 @@
     </p:spTree>
     <p:extLst>
       <p:ext uri="{BB962C8B-B14F-4D97-AF65-F5344CB8AC3E}">
-        <p14:creationId xmlns:p14="http://schemas.microsoft.com/office/powerpoint/2010/main" val="2599727459"/>
+        <p14:creationId xmlns:p14="http://schemas.microsoft.com/office/powerpoint/2010/main" xmlns="" val="2599727459"/>
       </p:ext>
     </p:extLst>
   </p:cSld>
@@ -834,7 +835,7 @@
     </p:spTree>
     <p:extLst>
       <p:ext uri="{BB962C8B-B14F-4D97-AF65-F5344CB8AC3E}">
-        <p14:creationId xmlns:p14="http://schemas.microsoft.com/office/powerpoint/2010/main" val="774822008"/>
+        <p14:creationId xmlns:p14="http://schemas.microsoft.com/office/powerpoint/2010/main" xmlns="" val="774822008"/>
       </p:ext>
     </p:extLst>
   </p:cSld>
@@ -887,7 +888,7 @@
     </p:spTree>
     <p:extLst>
       <p:ext uri="{BB962C8B-B14F-4D97-AF65-F5344CB8AC3E}">
-        <p14:creationId xmlns:p14="http://schemas.microsoft.com/office/powerpoint/2010/main" val="3427868849"/>
+        <p14:creationId xmlns:p14="http://schemas.microsoft.com/office/powerpoint/2010/main" xmlns="" val="3427868849"/>
       </p:ext>
     </p:extLst>
   </p:cSld>
@@ -1049,7 +1050,7 @@
     </p:spTree>
     <p:extLst>
       <p:ext uri="{BB962C8B-B14F-4D97-AF65-F5344CB8AC3E}">
-        <p14:creationId xmlns:p14="http://schemas.microsoft.com/office/powerpoint/2010/main" val="1117342930"/>
+        <p14:creationId xmlns:p14="http://schemas.microsoft.com/office/powerpoint/2010/main" xmlns="" val="1117342930"/>
       </p:ext>
     </p:extLst>
   </p:cSld>
@@ -1513,7 +1514,7 @@
           <a:blip r:embed="rId2" cstate="print">
             <a:extLst>
               <a:ext uri="{28A0092B-C50C-407E-A947-70E740481C1C}">
-                <a14:useLocalDpi xmlns:a14="http://schemas.microsoft.com/office/drawing/2010/main" val="0"/>
+                <a14:useLocalDpi xmlns:a14="http://schemas.microsoft.com/office/drawing/2010/main" xmlns="" val="0"/>
               </a:ext>
             </a:extLst>
           </a:blip>
@@ -1545,7 +1546,7 @@
           <a:blip r:embed="rId2" cstate="print">
             <a:extLst>
               <a:ext uri="{28A0092B-C50C-407E-A947-70E740481C1C}">
-                <a14:useLocalDpi xmlns:a14="http://schemas.microsoft.com/office/drawing/2010/main" val="0"/>
+                <a14:useLocalDpi xmlns:a14="http://schemas.microsoft.com/office/drawing/2010/main" xmlns="" val="0"/>
               </a:ext>
             </a:extLst>
           </a:blip>
@@ -1566,7 +1567,7 @@
     </p:spTree>
     <p:extLst>
       <p:ext uri="{BB962C8B-B14F-4D97-AF65-F5344CB8AC3E}">
-        <p14:creationId xmlns:p14="http://schemas.microsoft.com/office/powerpoint/2010/main" val="2845707207"/>
+        <p14:creationId xmlns:p14="http://schemas.microsoft.com/office/powerpoint/2010/main" xmlns="" val="2845707207"/>
       </p:ext>
     </p:extLst>
   </p:cSld>
@@ -1637,7 +1638,7 @@
           <a:blip r:embed="rId2" cstate="print">
             <a:extLst>
               <a:ext uri="{28A0092B-C50C-407E-A947-70E740481C1C}">
-                <a14:useLocalDpi xmlns:a14="http://schemas.microsoft.com/office/drawing/2010/main" val="0"/>
+                <a14:useLocalDpi xmlns:a14="http://schemas.microsoft.com/office/drawing/2010/main" xmlns="" val="0"/>
               </a:ext>
             </a:extLst>
           </a:blip>
@@ -1658,7 +1659,7 @@
     </p:spTree>
     <p:extLst>
       <p:ext uri="{BB962C8B-B14F-4D97-AF65-F5344CB8AC3E}">
-        <p14:creationId xmlns:p14="http://schemas.microsoft.com/office/powerpoint/2010/main" val="1475645304"/>
+        <p14:creationId xmlns:p14="http://schemas.microsoft.com/office/powerpoint/2010/main" xmlns="" val="1475645304"/>
       </p:ext>
     </p:extLst>
   </p:cSld>
@@ -1812,7 +1813,7 @@
           <a:blip r:embed="rId7" cstate="print">
             <a:extLst>
               <a:ext uri="{28A0092B-C50C-407E-A947-70E740481C1C}">
-                <a14:useLocalDpi xmlns:a14="http://schemas.microsoft.com/office/drawing/2010/main" val="0"/>
+                <a14:useLocalDpi xmlns:a14="http://schemas.microsoft.com/office/drawing/2010/main" xmlns="" val="0"/>
               </a:ext>
             </a:extLst>
           </a:blip>
@@ -1832,7 +1833,7 @@
           <a:noFill/>
           <a:extLst>
             <a:ext uri="{909E8E84-426E-40DD-AFC4-6F175D3DCCD1}">
-              <a14:hiddenFill xmlns:a14="http://schemas.microsoft.com/office/drawing/2010/main">
+              <a14:hiddenFill xmlns:a14="http://schemas.microsoft.com/office/drawing/2010/main" xmlns="">
                 <a:solidFill>
                   <a:srgbClr val="FFFFFF"/>
                 </a:solidFill>
@@ -1855,7 +1856,7 @@
           <a:blip r:embed="rId8" cstate="print">
             <a:extLst>
               <a:ext uri="{28A0092B-C50C-407E-A947-70E740481C1C}">
-                <a14:useLocalDpi xmlns:a14="http://schemas.microsoft.com/office/drawing/2010/main" val="0"/>
+                <a14:useLocalDpi xmlns:a14="http://schemas.microsoft.com/office/drawing/2010/main" xmlns="" val="0"/>
               </a:ext>
             </a:extLst>
           </a:blip>
@@ -1887,7 +1888,7 @@
           <a:blip r:embed="rId9" cstate="print">
             <a:extLst>
               <a:ext uri="{28A0092B-C50C-407E-A947-70E740481C1C}">
-                <a14:useLocalDpi xmlns:a14="http://schemas.microsoft.com/office/drawing/2010/main" val="0"/>
+                <a14:useLocalDpi xmlns:a14="http://schemas.microsoft.com/office/drawing/2010/main" xmlns="" val="0"/>
               </a:ext>
             </a:extLst>
           </a:blip>
@@ -1919,7 +1920,7 @@
           <a:blip r:embed="rId10" cstate="print">
             <a:extLst>
               <a:ext uri="{28A0092B-C50C-407E-A947-70E740481C1C}">
-                <a14:useLocalDpi xmlns:a14="http://schemas.microsoft.com/office/drawing/2010/main" val="0"/>
+                <a14:useLocalDpi xmlns:a14="http://schemas.microsoft.com/office/drawing/2010/main" xmlns="" val="0"/>
               </a:ext>
             </a:extLst>
           </a:blip>
@@ -1940,7 +1941,7 @@
     </p:spTree>
     <p:extLst>
       <p:ext uri="{BB962C8B-B14F-4D97-AF65-F5344CB8AC3E}">
-        <p14:creationId xmlns:p14="http://schemas.microsoft.com/office/powerpoint/2010/main" val="3345936536"/>
+        <p14:creationId xmlns:p14="http://schemas.microsoft.com/office/powerpoint/2010/main" xmlns="" val="3345936536"/>
       </p:ext>
     </p:extLst>
   </p:cSld>
@@ -2349,7 +2350,7 @@
     </p:spTree>
     <p:extLst>
       <p:ext uri="{BB962C8B-B14F-4D97-AF65-F5344CB8AC3E}">
-        <p14:creationId xmlns:p14="http://schemas.microsoft.com/office/powerpoint/2010/main" val="2631791243"/>
+        <p14:creationId xmlns:p14="http://schemas.microsoft.com/office/powerpoint/2010/main" xmlns="" val="2631791243"/>
       </p:ext>
     </p:extLst>
   </p:cSld>
@@ -2484,10 +2485,10 @@
           <p:nvPr/>
         </p:nvPicPr>
         <p:blipFill>
-          <a:blip r:embed="rId2">
+          <a:blip r:embed="rId2" cstate="print">
             <a:extLst>
               <a:ext uri="{28A0092B-C50C-407E-A947-70E740481C1C}">
-                <a14:useLocalDpi xmlns:a14="http://schemas.microsoft.com/office/drawing/2010/main" val="0"/>
+                <a14:useLocalDpi xmlns:a14="http://schemas.microsoft.com/office/drawing/2010/main" xmlns="" val="0"/>
               </a:ext>
             </a:extLst>
           </a:blip>
@@ -2508,7 +2509,7 @@
     </p:spTree>
     <p:extLst>
       <p:ext uri="{BB962C8B-B14F-4D97-AF65-F5344CB8AC3E}">
-        <p14:creationId xmlns:p14="http://schemas.microsoft.com/office/powerpoint/2010/main" val="4126432131"/>
+        <p14:creationId xmlns:p14="http://schemas.microsoft.com/office/powerpoint/2010/main" xmlns="" val="4126432131"/>
       </p:ext>
     </p:extLst>
   </p:cSld>
@@ -2643,10 +2644,10 @@
           <p:nvPr/>
         </p:nvPicPr>
         <p:blipFill>
-          <a:blip r:embed="rId2">
+          <a:blip r:embed="rId2" cstate="print">
             <a:extLst>
               <a:ext uri="{28A0092B-C50C-407E-A947-70E740481C1C}">
-                <a14:useLocalDpi xmlns:a14="http://schemas.microsoft.com/office/drawing/2010/main" val="0"/>
+                <a14:useLocalDpi xmlns:a14="http://schemas.microsoft.com/office/drawing/2010/main" xmlns="" val="0"/>
               </a:ext>
             </a:extLst>
           </a:blip>
@@ -2667,7 +2668,7 @@
     </p:spTree>
     <p:extLst>
       <p:ext uri="{BB962C8B-B14F-4D97-AF65-F5344CB8AC3E}">
-        <p14:creationId xmlns:p14="http://schemas.microsoft.com/office/powerpoint/2010/main" val="1959912032"/>
+        <p14:creationId xmlns:p14="http://schemas.microsoft.com/office/powerpoint/2010/main" xmlns="" val="1959912032"/>
       </p:ext>
     </p:extLst>
   </p:cSld>
@@ -2802,10 +2803,10 @@
           <p:nvPr/>
         </p:nvPicPr>
         <p:blipFill>
-          <a:blip r:embed="rId2">
+          <a:blip r:embed="rId2" cstate="print">
             <a:extLst>
               <a:ext uri="{28A0092B-C50C-407E-A947-70E740481C1C}">
-                <a14:useLocalDpi xmlns:a14="http://schemas.microsoft.com/office/drawing/2010/main" val="0"/>
+                <a14:useLocalDpi xmlns:a14="http://schemas.microsoft.com/office/drawing/2010/main" xmlns="" val="0"/>
               </a:ext>
             </a:extLst>
           </a:blip>
@@ -2826,7 +2827,7 @@
     </p:spTree>
     <p:extLst>
       <p:ext uri="{BB962C8B-B14F-4D97-AF65-F5344CB8AC3E}">
-        <p14:creationId xmlns:p14="http://schemas.microsoft.com/office/powerpoint/2010/main" val="3203926366"/>
+        <p14:creationId xmlns:p14="http://schemas.microsoft.com/office/powerpoint/2010/main" xmlns="" val="3203926366"/>
       </p:ext>
     </p:extLst>
   </p:cSld>
@@ -3156,7 +3157,7 @@
     </p:spTree>
     <p:extLst>
       <p:ext uri="{BB962C8B-B14F-4D97-AF65-F5344CB8AC3E}">
-        <p14:creationId xmlns:p14="http://schemas.microsoft.com/office/powerpoint/2010/main" val="1153193553"/>
+        <p14:creationId xmlns:p14="http://schemas.microsoft.com/office/powerpoint/2010/main" xmlns="" val="1153193553"/>
       </p:ext>
     </p:extLst>
   </p:cSld>
@@ -3256,7 +3257,7 @@
           <p:nvPr>
             <p:extLst>
               <p:ext uri="{D42A27DB-BD31-4B8C-83A1-F6EECF244321}">
-                <p14:modId xmlns:p14="http://schemas.microsoft.com/office/powerpoint/2010/main" val="3319042562"/>
+                <p14:modId xmlns:p14="http://schemas.microsoft.com/office/powerpoint/2010/main" xmlns="" val="3319042562"/>
               </p:ext>
             </p:extLst>
           </p:nvPr>
@@ -3327,7 +3328,7 @@
                         </a:spcAft>
                       </a:pPr>
                       <a:r>
-                        <a:rPr lang="en-US" sz="2000" dirty="0" err="1">
+                        <a:rPr lang="en-US" sz="2000" dirty="0" err="1" smtClean="0">
                           <a:effectLst/>
                           <a:latin typeface="Times New Roman" panose="02020603050405020304" pitchFamily="18" charset="0"/>
                           <a:cs typeface="Times New Roman" panose="02020603050405020304" pitchFamily="18" charset="0"/>
@@ -3843,7 +3844,7 @@
     </p:spTree>
     <p:extLst>
       <p:ext uri="{BB962C8B-B14F-4D97-AF65-F5344CB8AC3E}">
-        <p14:creationId xmlns:p14="http://schemas.microsoft.com/office/powerpoint/2010/main" val="1205388186"/>
+        <p14:creationId xmlns:p14="http://schemas.microsoft.com/office/powerpoint/2010/main" xmlns="" val="1205388186"/>
       </p:ext>
     </p:extLst>
   </p:cSld>
@@ -3993,10 +3994,10 @@
           <p:nvPr/>
         </p:nvPicPr>
         <p:blipFill>
-          <a:blip r:embed="rId2">
+          <a:blip r:embed="rId2" cstate="print">
             <a:extLst>
               <a:ext uri="{28A0092B-C50C-407E-A947-70E740481C1C}">
-                <a14:useLocalDpi xmlns:a14="http://schemas.microsoft.com/office/drawing/2010/main" val="0"/>
+                <a14:useLocalDpi xmlns:a14="http://schemas.microsoft.com/office/drawing/2010/main" xmlns="" val="0"/>
               </a:ext>
             </a:extLst>
           </a:blip>
@@ -4022,7 +4023,7 @@
     </p:spTree>
     <p:extLst>
       <p:ext uri="{BB962C8B-B14F-4D97-AF65-F5344CB8AC3E}">
-        <p14:creationId xmlns:p14="http://schemas.microsoft.com/office/powerpoint/2010/main" val="3802227940"/>
+        <p14:creationId xmlns:p14="http://schemas.microsoft.com/office/powerpoint/2010/main" xmlns="" val="3802227940"/>
       </p:ext>
     </p:extLst>
   </p:cSld>
@@ -4068,7 +4069,7 @@
         </p:nvSpPr>
         <p:spPr>
           <a:xfrm>
-            <a:off x="467544" y="260648"/>
+            <a:off x="457200" y="274638"/>
             <a:ext cx="8229600" cy="850106"/>
           </a:xfrm>
         </p:spPr>
@@ -4077,63 +4078,120 @@
           <a:lstStyle/>
           <a:p>
             <a:r>
-              <a:rPr lang="en-GB" smtClean="0"/>
-              <a:t>Withdraw</a:t>
-            </a:r>
-            <a:endParaRPr lang="en-GB"/>
-          </a:p>
-        </p:txBody>
-      </p:sp>
-      <p:pic>
-        <p:nvPicPr>
-          <p:cNvPr id="3" name="Picture 2"/>
-          <p:cNvPicPr/>
-          <p:nvPr/>
-        </p:nvPicPr>
-        <p:blipFill>
-          <a:blip r:embed="rId2" cstate="print">
-            <a:extLst>
-              <a:ext uri="{28A0092B-C50C-407E-A947-70E740481C1C}">
-                <a14:useLocalDpi xmlns:a14="http://schemas.microsoft.com/office/drawing/2010/main" val="0"/>
-              </a:ext>
-            </a:extLst>
-          </a:blip>
-          <a:srcRect/>
-          <a:stretch>
-            <a:fillRect/>
-          </a:stretch>
-        </p:blipFill>
-        <p:spPr bwMode="auto">
-          <a:xfrm>
-            <a:off x="2843808" y="1303784"/>
-            <a:ext cx="6120680" cy="4968552"/>
-          </a:xfrm>
-          <a:prstGeom prst="rect">
-            <a:avLst/>
-          </a:prstGeom>
-          <a:noFill/>
+              <a:rPr lang="en-GB" dirty="0" smtClean="0"/>
+              <a:t>Check Balance</a:t>
+            </a:r>
+            <a:endParaRPr lang="en-GB" dirty="0"/>
+          </a:p>
+        </p:txBody>
+      </p:sp>
+      <p:sp>
+        <p:nvSpPr>
+          <p:cNvPr id="4" name="Rectangle 3"/>
+          <p:cNvSpPr/>
+          <p:nvPr/>
+        </p:nvSpPr>
+        <p:spPr>
+          <a:xfrm>
+            <a:off x="558032" y="1483792"/>
+            <a:ext cx="3888432" cy="4032448"/>
+          </a:xfrm>
+          <a:prstGeom prst="rect">
+            <a:avLst/>
+          </a:prstGeom>
+          <a:solidFill>
+            <a:srgbClr val="002060"/>
+          </a:solidFill>
           <a:ln>
             <a:noFill/>
           </a:ln>
         </p:spPr>
-      </p:pic>
-      <p:sp>
-        <p:nvSpPr>
-          <p:cNvPr id="4" name="TextBox 3"/>
+        <p:style>
+          <a:lnRef idx="2">
+            <a:schemeClr val="accent1">
+              <a:shade val="50000"/>
+            </a:schemeClr>
+          </a:lnRef>
+          <a:fillRef idx="1">
+            <a:schemeClr val="accent1"/>
+          </a:fillRef>
+          <a:effectRef idx="0">
+            <a:schemeClr val="accent1"/>
+          </a:effectRef>
+          <a:fontRef idx="minor">
+            <a:schemeClr val="lt1"/>
+          </a:fontRef>
+        </p:style>
+        <p:txBody>
+          <a:bodyPr rtlCol="0" anchor="ctr"/>
+          <a:lstStyle/>
+          <a:p>
+            <a:pPr algn="ctr"/>
+            <a:endParaRPr lang="en-US"/>
+          </a:p>
+        </p:txBody>
+      </p:sp>
+      <p:sp>
+        <p:nvSpPr>
+          <p:cNvPr id="10" name="Rectangle 9"/>
+          <p:cNvSpPr/>
+          <p:nvPr/>
+        </p:nvSpPr>
+        <p:spPr>
+          <a:xfrm>
+            <a:off x="4932040" y="1484784"/>
+            <a:ext cx="3672408" cy="4032448"/>
+          </a:xfrm>
+          <a:prstGeom prst="rect">
+            <a:avLst/>
+          </a:prstGeom>
+          <a:solidFill>
+            <a:srgbClr val="00B0F0"/>
+          </a:solidFill>
+          <a:ln>
+            <a:noFill/>
+          </a:ln>
+        </p:spPr>
+        <p:style>
+          <a:lnRef idx="2">
+            <a:schemeClr val="accent1">
+              <a:shade val="50000"/>
+            </a:schemeClr>
+          </a:lnRef>
+          <a:fillRef idx="1">
+            <a:schemeClr val="accent1"/>
+          </a:fillRef>
+          <a:effectRef idx="0">
+            <a:schemeClr val="accent1"/>
+          </a:effectRef>
+          <a:fontRef idx="minor">
+            <a:schemeClr val="lt1"/>
+          </a:fontRef>
+        </p:style>
+        <p:txBody>
+          <a:bodyPr rtlCol="0" anchor="ctr"/>
+          <a:lstStyle/>
+          <a:p>
+            <a:pPr algn="ctr"/>
+            <a:endParaRPr lang="en-US"/>
+          </a:p>
+        </p:txBody>
+      </p:sp>
+      <p:sp>
+        <p:nvSpPr>
+          <p:cNvPr id="5" name="TextBox 4"/>
           <p:cNvSpPr txBox="1"/>
           <p:nvPr/>
         </p:nvSpPr>
         <p:spPr>
           <a:xfrm>
-            <a:off x="395536" y="1340768"/>
-            <a:ext cx="2304256" cy="461665"/>
-          </a:xfrm>
-          <a:prstGeom prst="rect">
-            <a:avLst/>
-          </a:prstGeom>
-          <a:solidFill>
-            <a:srgbClr val="7030A0"/>
-          </a:solidFill>
+            <a:off x="683568" y="1628800"/>
+            <a:ext cx="2808312" cy="523220"/>
+          </a:xfrm>
+          <a:prstGeom prst="rect">
+            <a:avLst/>
+          </a:prstGeom>
+          <a:noFill/>
         </p:spPr>
         <p:txBody>
           <a:bodyPr wrap="square" rtlCol="0">
@@ -4142,17 +4200,125 @@
           <a:lstStyle/>
           <a:p>
             <a:r>
-              <a:rPr lang="en-US" sz="2400" smtClean="0"/>
-              <a:t>Activity diagram</a:t>
-            </a:r>
-            <a:endParaRPr lang="en-US" sz="2400"/>
+              <a:rPr lang="en-US" sz="2800" b="1" dirty="0" smtClean="0"/>
+              <a:t>Advantage</a:t>
+            </a:r>
+          </a:p>
+        </p:txBody>
+      </p:sp>
+      <p:sp>
+        <p:nvSpPr>
+          <p:cNvPr id="12" name="TextBox 11"/>
+          <p:cNvSpPr txBox="1"/>
+          <p:nvPr/>
+        </p:nvSpPr>
+        <p:spPr>
+          <a:xfrm>
+            <a:off x="5076056" y="1690410"/>
+            <a:ext cx="2808312" cy="523220"/>
+          </a:xfrm>
+          <a:prstGeom prst="rect">
+            <a:avLst/>
+          </a:prstGeom>
+          <a:noFill/>
+        </p:spPr>
+        <p:txBody>
+          <a:bodyPr wrap="square" rtlCol="0">
+            <a:spAutoFit/>
+          </a:bodyPr>
+          <a:lstStyle/>
+          <a:p>
+            <a:r>
+              <a:rPr lang="en-US" sz="2800" b="1" smtClean="0"/>
+              <a:t>Difficult</a:t>
+            </a:r>
+            <a:endParaRPr lang="en-US" sz="2800" b="1"/>
+          </a:p>
+        </p:txBody>
+      </p:sp>
+      <p:sp>
+        <p:nvSpPr>
+          <p:cNvPr id="7" name="TextBox 6"/>
+          <p:cNvSpPr txBox="1"/>
+          <p:nvPr/>
+        </p:nvSpPr>
+        <p:spPr>
+          <a:xfrm>
+            <a:off x="683568" y="2564904"/>
+            <a:ext cx="3600400" cy="830997"/>
+          </a:xfrm>
+          <a:prstGeom prst="rect">
+            <a:avLst/>
+          </a:prstGeom>
+          <a:noFill/>
+        </p:spPr>
+        <p:txBody>
+          <a:bodyPr wrap="square" rtlCol="0">
+            <a:spAutoFit/>
+          </a:bodyPr>
+          <a:lstStyle/>
+          <a:p>
+            <a:pPr marL="285750" indent="-285750">
+              <a:buFont typeface="Wingdings" pitchFamily="2" charset="2"/>
+              <a:buChar char="v"/>
+            </a:pPr>
+            <a:r>
+              <a:rPr lang="en-GB" sz="2400" dirty="0" smtClean="0"/>
+              <a:t>Function simple</a:t>
+            </a:r>
+            <a:endParaRPr lang="en-GB" sz="2400" dirty="0" smtClean="0"/>
+          </a:p>
+          <a:p>
+            <a:endParaRPr lang="en-GB" sz="2400" dirty="0" smtClean="0"/>
+          </a:p>
+        </p:txBody>
+      </p:sp>
+      <p:sp>
+        <p:nvSpPr>
+          <p:cNvPr id="9" name="TextBox 8"/>
+          <p:cNvSpPr txBox="1"/>
+          <p:nvPr/>
+        </p:nvSpPr>
+        <p:spPr>
+          <a:xfrm>
+            <a:off x="5220072" y="2492896"/>
+            <a:ext cx="3240360" cy="830997"/>
+          </a:xfrm>
+          <a:prstGeom prst="rect">
+            <a:avLst/>
+          </a:prstGeom>
+          <a:noFill/>
+        </p:spPr>
+        <p:txBody>
+          <a:bodyPr wrap="square" rtlCol="0">
+            <a:spAutoFit/>
+          </a:bodyPr>
+          <a:lstStyle/>
+          <a:p>
+            <a:pPr marL="285750" indent="-285750">
+              <a:buFont typeface="Wingdings" pitchFamily="2" charset="2"/>
+              <a:buChar char="v"/>
+            </a:pPr>
+            <a:r>
+              <a:rPr lang="en-US" sz="2400" dirty="0" smtClean="0"/>
+              <a:t>Query </a:t>
+            </a:r>
+            <a:r>
+              <a:rPr lang="en-US" sz="2400" dirty="0"/>
+              <a:t>data with Hibernate </a:t>
+            </a:r>
+            <a:r>
+              <a:rPr lang="en-US" sz="2400" dirty="0" smtClean="0"/>
+              <a:t>Framework</a:t>
+            </a:r>
+            <a:endParaRPr lang="en-US" sz="2400" dirty="0" smtClean="0"/>
           </a:p>
         </p:txBody>
       </p:sp>
     </p:spTree>
     <p:extLst>
       <p:ext uri="{BB962C8B-B14F-4D97-AF65-F5344CB8AC3E}">
-        <p14:creationId xmlns:p14="http://schemas.microsoft.com/office/powerpoint/2010/main" val="2468861637"/>
+        <p14:creationId xmlns:p14="http://schemas.microsoft.com/office/powerpoint/2010/main" xmlns="" val="1007536844"/>
       </p:ext>
     </p:extLst>
   </p:cSld>
@@ -4214,41 +4380,9 @@
           </a:p>
         </p:txBody>
       </p:sp>
-      <p:sp>
-        <p:nvSpPr>
-          <p:cNvPr id="4" name="TextBox 3"/>
-          <p:cNvSpPr txBox="1"/>
-          <p:nvPr/>
-        </p:nvSpPr>
-        <p:spPr>
-          <a:xfrm>
-            <a:off x="467544" y="1340768"/>
-            <a:ext cx="1512168" cy="830997"/>
-          </a:xfrm>
-          <a:prstGeom prst="rect">
-            <a:avLst/>
-          </a:prstGeom>
-          <a:solidFill>
-            <a:srgbClr val="7030A0"/>
-          </a:solidFill>
-        </p:spPr>
-        <p:txBody>
-          <a:bodyPr wrap="square" rtlCol="0">
-            <a:spAutoFit/>
-          </a:bodyPr>
-          <a:lstStyle/>
-          <a:p>
-            <a:r>
-              <a:rPr lang="en-US" sz="2400" smtClean="0"/>
-              <a:t>Sequence diagram</a:t>
-            </a:r>
-            <a:endParaRPr lang="en-US" sz="2400"/>
-          </a:p>
-        </p:txBody>
-      </p:sp>
       <p:pic>
         <p:nvPicPr>
-          <p:cNvPr id="5" name="Picture 4"/>
+          <p:cNvPr id="3" name="Picture 2"/>
           <p:cNvPicPr/>
           <p:nvPr/>
         </p:nvPicPr>
@@ -4256,7 +4390,7 @@
           <a:blip r:embed="rId2" cstate="print">
             <a:extLst>
               <a:ext uri="{28A0092B-C50C-407E-A947-70E740481C1C}">
-                <a14:useLocalDpi xmlns:a14="http://schemas.microsoft.com/office/drawing/2010/main" val="0"/>
+                <a14:useLocalDpi xmlns:a14="http://schemas.microsoft.com/office/drawing/2010/main" xmlns="" val="0"/>
               </a:ext>
             </a:extLst>
           </a:blip>
@@ -4267,8 +4401,8 @@
         </p:blipFill>
         <p:spPr bwMode="auto">
           <a:xfrm>
-            <a:off x="2123728" y="1196752"/>
-            <a:ext cx="6696744" cy="5112568"/>
+            <a:off x="2843808" y="1303784"/>
+            <a:ext cx="6120680" cy="4968552"/>
           </a:xfrm>
           <a:prstGeom prst="rect">
             <a:avLst/>
@@ -4279,10 +4413,42 @@
           </a:ln>
         </p:spPr>
       </p:pic>
+      <p:sp>
+        <p:nvSpPr>
+          <p:cNvPr id="4" name="TextBox 3"/>
+          <p:cNvSpPr txBox="1"/>
+          <p:nvPr/>
+        </p:nvSpPr>
+        <p:spPr>
+          <a:xfrm>
+            <a:off x="395536" y="1340768"/>
+            <a:ext cx="2304256" cy="461665"/>
+          </a:xfrm>
+          <a:prstGeom prst="rect">
+            <a:avLst/>
+          </a:prstGeom>
+          <a:solidFill>
+            <a:srgbClr val="7030A0"/>
+          </a:solidFill>
+        </p:spPr>
+        <p:txBody>
+          <a:bodyPr wrap="square" rtlCol="0">
+            <a:spAutoFit/>
+          </a:bodyPr>
+          <a:lstStyle/>
+          <a:p>
+            <a:r>
+              <a:rPr lang="en-US" sz="2400" smtClean="0"/>
+              <a:t>Activity diagram</a:t>
+            </a:r>
+            <a:endParaRPr lang="en-US" sz="2400"/>
+          </a:p>
+        </p:txBody>
+      </p:sp>
     </p:spTree>
     <p:extLst>
       <p:ext uri="{BB962C8B-B14F-4D97-AF65-F5344CB8AC3E}">
-        <p14:creationId xmlns:p14="http://schemas.microsoft.com/office/powerpoint/2010/main" val="10376904"/>
+        <p14:creationId xmlns:p14="http://schemas.microsoft.com/office/powerpoint/2010/main" xmlns="" val="2468861637"/>
       </p:ext>
     </p:extLst>
   </p:cSld>
@@ -4369,25 +4535,24 @@
           <a:lstStyle/>
           <a:p>
             <a:r>
-              <a:rPr lang="en-US" sz="2400"/>
-              <a:t>Dispenser money</a:t>
-            </a:r>
+              <a:rPr lang="en-US" sz="2400" smtClean="0"/>
+              <a:t>Sequence diagram</a:t>
+            </a:r>
+            <a:endParaRPr lang="en-US" sz="2400"/>
           </a:p>
         </p:txBody>
       </p:sp>
       <p:pic>
         <p:nvPicPr>
-          <p:cNvPr id="5122" name="Picture 2" descr="E:\fpt_mock\trunk\doc\flowchart.png"/>
-          <p:cNvPicPr>
-            <a:picLocks noChangeAspect="1" noChangeArrowheads="1"/>
-          </p:cNvPicPr>
+          <p:cNvPr id="5" name="Picture 4"/>
+          <p:cNvPicPr/>
           <p:nvPr/>
         </p:nvPicPr>
         <p:blipFill>
-          <a:blip r:embed="rId2">
+          <a:blip r:embed="rId2" cstate="print">
             <a:extLst>
               <a:ext uri="{28A0092B-C50C-407E-A947-70E740481C1C}">
-                <a14:useLocalDpi xmlns:a14="http://schemas.microsoft.com/office/drawing/2010/main" val="0"/>
+                <a14:useLocalDpi xmlns:a14="http://schemas.microsoft.com/office/drawing/2010/main" xmlns="" val="0"/>
               </a:ext>
             </a:extLst>
           </a:blip>
@@ -4399,27 +4564,21 @@
         <p:spPr bwMode="auto">
           <a:xfrm>
             <a:off x="2123728" y="1196752"/>
-            <a:ext cx="6721136" cy="5040560"/>
+            <a:ext cx="6696744" cy="5112568"/>
           </a:xfrm>
           <a:prstGeom prst="rect">
             <a:avLst/>
           </a:prstGeom>
           <a:noFill/>
-          <a:extLst>
-            <a:ext uri="{909E8E84-426E-40DD-AFC4-6F175D3DCCD1}">
-              <a14:hiddenFill xmlns:a14="http://schemas.microsoft.com/office/drawing/2010/main">
-                <a:solidFill>
-                  <a:srgbClr val="FFFFFF"/>
-                </a:solidFill>
-              </a14:hiddenFill>
-            </a:ext>
-          </a:extLst>
+          <a:ln>
+            <a:noFill/>
+          </a:ln>
         </p:spPr>
       </p:pic>
     </p:spTree>
     <p:extLst>
       <p:ext uri="{BB962C8B-B14F-4D97-AF65-F5344CB8AC3E}">
-        <p14:creationId xmlns:p14="http://schemas.microsoft.com/office/powerpoint/2010/main" val="538707789"/>
+        <p14:creationId xmlns:p14="http://schemas.microsoft.com/office/powerpoint/2010/main" xmlns="" val="10376904"/>
       </p:ext>
     </p:extLst>
   </p:cSld>
@@ -4465,7 +4624,7 @@
         </p:nvSpPr>
         <p:spPr>
           <a:xfrm>
-            <a:off x="457200" y="274638"/>
+            <a:off x="467544" y="260648"/>
             <a:ext cx="8229600" cy="850106"/>
           </a:xfrm>
         </p:spPr>
@@ -4474,119 +4633,30 @@
           <a:lstStyle/>
           <a:p>
             <a:r>
-              <a:rPr lang="en-GB"/>
+              <a:rPr lang="en-GB" smtClean="0"/>
               <a:t>Withdraw</a:t>
             </a:r>
-          </a:p>
-        </p:txBody>
-      </p:sp>
-      <p:sp>
-        <p:nvSpPr>
-          <p:cNvPr id="4" name="Rectangle 3"/>
-          <p:cNvSpPr/>
-          <p:nvPr/>
-        </p:nvSpPr>
-        <p:spPr>
-          <a:xfrm>
-            <a:off x="558032" y="1483792"/>
-            <a:ext cx="3888432" cy="4032448"/>
+            <a:endParaRPr lang="en-GB"/>
+          </a:p>
+        </p:txBody>
+      </p:sp>
+      <p:sp>
+        <p:nvSpPr>
+          <p:cNvPr id="4" name="TextBox 3"/>
+          <p:cNvSpPr txBox="1"/>
+          <p:nvPr/>
+        </p:nvSpPr>
+        <p:spPr>
+          <a:xfrm>
+            <a:off x="467544" y="1340768"/>
+            <a:ext cx="1512168" cy="830997"/>
           </a:xfrm>
           <a:prstGeom prst="rect">
             <a:avLst/>
           </a:prstGeom>
           <a:solidFill>
-            <a:srgbClr val="002060"/>
+            <a:srgbClr val="7030A0"/>
           </a:solidFill>
-          <a:ln>
-            <a:noFill/>
-          </a:ln>
-        </p:spPr>
-        <p:style>
-          <a:lnRef idx="2">
-            <a:schemeClr val="accent1">
-              <a:shade val="50000"/>
-            </a:schemeClr>
-          </a:lnRef>
-          <a:fillRef idx="1">
-            <a:schemeClr val="accent1"/>
-          </a:fillRef>
-          <a:effectRef idx="0">
-            <a:schemeClr val="accent1"/>
-          </a:effectRef>
-          <a:fontRef idx="minor">
-            <a:schemeClr val="lt1"/>
-          </a:fontRef>
-        </p:style>
-        <p:txBody>
-          <a:bodyPr rtlCol="0" anchor="ctr"/>
-          <a:lstStyle/>
-          <a:p>
-            <a:pPr algn="ctr"/>
-            <a:endParaRPr lang="en-US"/>
-          </a:p>
-        </p:txBody>
-      </p:sp>
-      <p:sp>
-        <p:nvSpPr>
-          <p:cNvPr id="10" name="Rectangle 9"/>
-          <p:cNvSpPr/>
-          <p:nvPr/>
-        </p:nvSpPr>
-        <p:spPr>
-          <a:xfrm>
-            <a:off x="4932040" y="1484784"/>
-            <a:ext cx="3672408" cy="4032448"/>
-          </a:xfrm>
-          <a:prstGeom prst="rect">
-            <a:avLst/>
-          </a:prstGeom>
-          <a:solidFill>
-            <a:srgbClr val="00B0F0"/>
-          </a:solidFill>
-          <a:ln>
-            <a:noFill/>
-          </a:ln>
-        </p:spPr>
-        <p:style>
-          <a:lnRef idx="2">
-            <a:schemeClr val="accent1">
-              <a:shade val="50000"/>
-            </a:schemeClr>
-          </a:lnRef>
-          <a:fillRef idx="1">
-            <a:schemeClr val="accent1"/>
-          </a:fillRef>
-          <a:effectRef idx="0">
-            <a:schemeClr val="accent1"/>
-          </a:effectRef>
-          <a:fontRef idx="minor">
-            <a:schemeClr val="lt1"/>
-          </a:fontRef>
-        </p:style>
-        <p:txBody>
-          <a:bodyPr rtlCol="0" anchor="ctr"/>
-          <a:lstStyle/>
-          <a:p>
-            <a:pPr algn="ctr"/>
-            <a:endParaRPr lang="en-US"/>
-          </a:p>
-        </p:txBody>
-      </p:sp>
-      <p:sp>
-        <p:nvSpPr>
-          <p:cNvPr id="5" name="TextBox 4"/>
-          <p:cNvSpPr txBox="1"/>
-          <p:nvPr/>
-        </p:nvSpPr>
-        <p:spPr>
-          <a:xfrm>
-            <a:off x="683568" y="1628800"/>
-            <a:ext cx="2808312" cy="523220"/>
-          </a:xfrm>
-          <a:prstGeom prst="rect">
-            <a:avLst/>
-          </a:prstGeom>
-          <a:noFill/>
         </p:spPr>
         <p:txBody>
           <a:bodyPr wrap="square" rtlCol="0">
@@ -4595,152 +4665,57 @@
           <a:lstStyle/>
           <a:p>
             <a:r>
-              <a:rPr lang="en-US" sz="2800" b="1" smtClean="0"/>
-              <a:t>Advantage</a:t>
-            </a:r>
-          </a:p>
-        </p:txBody>
-      </p:sp>
-      <p:sp>
-        <p:nvSpPr>
-          <p:cNvPr id="12" name="TextBox 11"/>
-          <p:cNvSpPr txBox="1"/>
-          <p:nvPr/>
-        </p:nvSpPr>
-        <p:spPr>
-          <a:xfrm>
-            <a:off x="5076056" y="1690410"/>
-            <a:ext cx="2808312" cy="523220"/>
+              <a:rPr lang="en-US" sz="2400"/>
+              <a:t>Dispenser money</a:t>
+            </a:r>
+          </a:p>
+        </p:txBody>
+      </p:sp>
+      <p:pic>
+        <p:nvPicPr>
+          <p:cNvPr id="5122" name="Picture 2" descr="E:\fpt_mock\trunk\doc\flowchart.png"/>
+          <p:cNvPicPr>
+            <a:picLocks noChangeAspect="1" noChangeArrowheads="1"/>
+          </p:cNvPicPr>
+          <p:nvPr/>
+        </p:nvPicPr>
+        <p:blipFill>
+          <a:blip r:embed="rId2" cstate="print">
+            <a:extLst>
+              <a:ext uri="{28A0092B-C50C-407E-A947-70E740481C1C}">
+                <a14:useLocalDpi xmlns:a14="http://schemas.microsoft.com/office/drawing/2010/main" xmlns="" val="0"/>
+              </a:ext>
+            </a:extLst>
+          </a:blip>
+          <a:srcRect/>
+          <a:stretch>
+            <a:fillRect/>
+          </a:stretch>
+        </p:blipFill>
+        <p:spPr bwMode="auto">
+          <a:xfrm>
+            <a:off x="2123728" y="1196752"/>
+            <a:ext cx="6721136" cy="5040560"/>
           </a:xfrm>
           <a:prstGeom prst="rect">
             <a:avLst/>
           </a:prstGeom>
           <a:noFill/>
-        </p:spPr>
-        <p:txBody>
-          <a:bodyPr wrap="square" rtlCol="0">
-            <a:spAutoFit/>
-          </a:bodyPr>
-          <a:lstStyle/>
-          <a:p>
-            <a:r>
-              <a:rPr lang="en-US" sz="2800" b="1" smtClean="0"/>
-              <a:t>Difficult</a:t>
-            </a:r>
-            <a:endParaRPr lang="en-US" sz="2800" b="1"/>
-          </a:p>
-        </p:txBody>
-      </p:sp>
-      <p:sp>
-        <p:nvSpPr>
-          <p:cNvPr id="7" name="TextBox 6"/>
-          <p:cNvSpPr txBox="1"/>
-          <p:nvPr/>
-        </p:nvSpPr>
-        <p:spPr>
-          <a:xfrm>
-            <a:off x="683568" y="2564904"/>
-            <a:ext cx="3600400" cy="1200329"/>
-          </a:xfrm>
-          <a:prstGeom prst="rect">
-            <a:avLst/>
-          </a:prstGeom>
-          <a:noFill/>
-        </p:spPr>
-        <p:txBody>
-          <a:bodyPr wrap="square" rtlCol="0">
-            <a:spAutoFit/>
-          </a:bodyPr>
-          <a:lstStyle/>
-          <a:p>
-            <a:pPr marL="285750" indent="-285750">
-              <a:buFont typeface="Wingdings" pitchFamily="2" charset="2"/>
-              <a:buChar char="v"/>
-            </a:pPr>
-            <a:r>
-              <a:rPr lang="en-GB" sz="2400" smtClean="0"/>
-              <a:t>Sociable </a:t>
-            </a:r>
-            <a:r>
-              <a:rPr lang="en-GB" sz="2400"/>
-              <a:t>group and help each </a:t>
-            </a:r>
-            <a:r>
-              <a:rPr lang="en-GB" sz="2400" smtClean="0"/>
-              <a:t>other</a:t>
-            </a:r>
-          </a:p>
-          <a:p>
-            <a:endParaRPr lang="en-GB" sz="2400" smtClean="0"/>
-          </a:p>
-        </p:txBody>
-      </p:sp>
-      <p:sp>
-        <p:nvSpPr>
-          <p:cNvPr id="9" name="TextBox 8"/>
-          <p:cNvSpPr txBox="1"/>
-          <p:nvPr/>
-        </p:nvSpPr>
-        <p:spPr>
-          <a:xfrm>
-            <a:off x="5220072" y="2492896"/>
-            <a:ext cx="3240360" cy="2308324"/>
-          </a:xfrm>
-          <a:prstGeom prst="rect">
-            <a:avLst/>
-          </a:prstGeom>
-          <a:noFill/>
-        </p:spPr>
-        <p:txBody>
-          <a:bodyPr wrap="square" rtlCol="0">
-            <a:spAutoFit/>
-          </a:bodyPr>
-          <a:lstStyle/>
-          <a:p>
-            <a:pPr marL="285750" indent="-285750">
-              <a:buFont typeface="Wingdings" pitchFamily="2" charset="2"/>
-              <a:buChar char="v"/>
-            </a:pPr>
-            <a:r>
-              <a:rPr lang="en-US" sz="2400" smtClean="0"/>
-              <a:t>Query </a:t>
-            </a:r>
-            <a:r>
-              <a:rPr lang="en-US" sz="2400"/>
-              <a:t>data with Hibernate </a:t>
-            </a:r>
-            <a:r>
-              <a:rPr lang="en-US" sz="2400" smtClean="0"/>
-              <a:t>Framework</a:t>
-            </a:r>
-          </a:p>
-          <a:p>
-            <a:pPr marL="285750" indent="-285750">
-              <a:buFont typeface="Wingdings" pitchFamily="2" charset="2"/>
-              <a:buChar char="v"/>
-            </a:pPr>
-            <a:r>
-              <a:rPr lang="en-US" sz="2400" smtClean="0"/>
-              <a:t>Withdraw function relative to others funtions</a:t>
-            </a:r>
-          </a:p>
-          <a:p>
-            <a:pPr marL="285750" indent="-285750">
-              <a:buFont typeface="Wingdings" pitchFamily="2" charset="2"/>
-              <a:buChar char="v"/>
-            </a:pPr>
-            <a:r>
-              <a:rPr lang="en-US" sz="2400" smtClean="0"/>
-              <a:t>SRS not clear</a:t>
-            </a:r>
-            <a:endParaRPr lang="en-US" sz="2400"/>
-          </a:p>
-        </p:txBody>
-      </p:sp>
+          <a:extLst>
+            <a:ext uri="{909E8E84-426E-40DD-AFC4-6F175D3DCCD1}">
+              <a14:hiddenFill xmlns:a14="http://schemas.microsoft.com/office/drawing/2010/main" xmlns="">
+                <a:solidFill>
+                  <a:srgbClr val="FFFFFF"/>
+                </a:solidFill>
+              </a14:hiddenFill>
+            </a:ext>
+          </a:extLst>
+        </p:spPr>
+      </p:pic>
     </p:spTree>
     <p:extLst>
       <p:ext uri="{BB962C8B-B14F-4D97-AF65-F5344CB8AC3E}">
-        <p14:creationId xmlns:p14="http://schemas.microsoft.com/office/powerpoint/2010/main" val="1007536844"/>
+        <p14:creationId xmlns:p14="http://schemas.microsoft.com/office/powerpoint/2010/main" xmlns="" val="538707789"/>
       </p:ext>
     </p:extLst>
   </p:cSld>
@@ -5608,7 +5583,7 @@
     </p:spTree>
     <p:extLst>
       <p:ext uri="{BB962C8B-B14F-4D97-AF65-F5344CB8AC3E}">
-        <p14:creationId xmlns:p14="http://schemas.microsoft.com/office/powerpoint/2010/main" val="801267067"/>
+        <p14:creationId xmlns:p14="http://schemas.microsoft.com/office/powerpoint/2010/main" xmlns="" val="801267067"/>
       </p:ext>
     </p:extLst>
   </p:cSld>
@@ -5652,6 +5627,327 @@
             <p:ph type="title"/>
           </p:nvPr>
         </p:nvSpPr>
+        <p:spPr>
+          <a:xfrm>
+            <a:off x="457200" y="274638"/>
+            <a:ext cx="8229600" cy="850106"/>
+          </a:xfrm>
+        </p:spPr>
+        <p:txBody>
+          <a:bodyPr/>
+          <a:lstStyle/>
+          <a:p>
+            <a:r>
+              <a:rPr lang="en-GB"/>
+              <a:t>Withdraw</a:t>
+            </a:r>
+          </a:p>
+        </p:txBody>
+      </p:sp>
+      <p:sp>
+        <p:nvSpPr>
+          <p:cNvPr id="4" name="Rectangle 3"/>
+          <p:cNvSpPr/>
+          <p:nvPr/>
+        </p:nvSpPr>
+        <p:spPr>
+          <a:xfrm>
+            <a:off x="558032" y="1483792"/>
+            <a:ext cx="3888432" cy="4032448"/>
+          </a:xfrm>
+          <a:prstGeom prst="rect">
+            <a:avLst/>
+          </a:prstGeom>
+          <a:solidFill>
+            <a:srgbClr val="002060"/>
+          </a:solidFill>
+          <a:ln>
+            <a:noFill/>
+          </a:ln>
+        </p:spPr>
+        <p:style>
+          <a:lnRef idx="2">
+            <a:schemeClr val="accent1">
+              <a:shade val="50000"/>
+            </a:schemeClr>
+          </a:lnRef>
+          <a:fillRef idx="1">
+            <a:schemeClr val="accent1"/>
+          </a:fillRef>
+          <a:effectRef idx="0">
+            <a:schemeClr val="accent1"/>
+          </a:effectRef>
+          <a:fontRef idx="minor">
+            <a:schemeClr val="lt1"/>
+          </a:fontRef>
+        </p:style>
+        <p:txBody>
+          <a:bodyPr rtlCol="0" anchor="ctr"/>
+          <a:lstStyle/>
+          <a:p>
+            <a:pPr algn="ctr"/>
+            <a:endParaRPr lang="en-US"/>
+          </a:p>
+        </p:txBody>
+      </p:sp>
+      <p:sp>
+        <p:nvSpPr>
+          <p:cNvPr id="10" name="Rectangle 9"/>
+          <p:cNvSpPr/>
+          <p:nvPr/>
+        </p:nvSpPr>
+        <p:spPr>
+          <a:xfrm>
+            <a:off x="4932040" y="1484784"/>
+            <a:ext cx="3672408" cy="4032448"/>
+          </a:xfrm>
+          <a:prstGeom prst="rect">
+            <a:avLst/>
+          </a:prstGeom>
+          <a:solidFill>
+            <a:srgbClr val="00B0F0"/>
+          </a:solidFill>
+          <a:ln>
+            <a:noFill/>
+          </a:ln>
+        </p:spPr>
+        <p:style>
+          <a:lnRef idx="2">
+            <a:schemeClr val="accent1">
+              <a:shade val="50000"/>
+            </a:schemeClr>
+          </a:lnRef>
+          <a:fillRef idx="1">
+            <a:schemeClr val="accent1"/>
+          </a:fillRef>
+          <a:effectRef idx="0">
+            <a:schemeClr val="accent1"/>
+          </a:effectRef>
+          <a:fontRef idx="minor">
+            <a:schemeClr val="lt1"/>
+          </a:fontRef>
+        </p:style>
+        <p:txBody>
+          <a:bodyPr rtlCol="0" anchor="ctr"/>
+          <a:lstStyle/>
+          <a:p>
+            <a:pPr algn="ctr"/>
+            <a:endParaRPr lang="en-US"/>
+          </a:p>
+        </p:txBody>
+      </p:sp>
+      <p:sp>
+        <p:nvSpPr>
+          <p:cNvPr id="5" name="TextBox 4"/>
+          <p:cNvSpPr txBox="1"/>
+          <p:nvPr/>
+        </p:nvSpPr>
+        <p:spPr>
+          <a:xfrm>
+            <a:off x="683568" y="1628800"/>
+            <a:ext cx="2808312" cy="523220"/>
+          </a:xfrm>
+          <a:prstGeom prst="rect">
+            <a:avLst/>
+          </a:prstGeom>
+          <a:noFill/>
+        </p:spPr>
+        <p:txBody>
+          <a:bodyPr wrap="square" rtlCol="0">
+            <a:spAutoFit/>
+          </a:bodyPr>
+          <a:lstStyle/>
+          <a:p>
+            <a:r>
+              <a:rPr lang="en-US" sz="2800" b="1" smtClean="0"/>
+              <a:t>Advantage</a:t>
+            </a:r>
+          </a:p>
+        </p:txBody>
+      </p:sp>
+      <p:sp>
+        <p:nvSpPr>
+          <p:cNvPr id="12" name="TextBox 11"/>
+          <p:cNvSpPr txBox="1"/>
+          <p:nvPr/>
+        </p:nvSpPr>
+        <p:spPr>
+          <a:xfrm>
+            <a:off x="5076056" y="1690410"/>
+            <a:ext cx="2808312" cy="523220"/>
+          </a:xfrm>
+          <a:prstGeom prst="rect">
+            <a:avLst/>
+          </a:prstGeom>
+          <a:noFill/>
+        </p:spPr>
+        <p:txBody>
+          <a:bodyPr wrap="square" rtlCol="0">
+            <a:spAutoFit/>
+          </a:bodyPr>
+          <a:lstStyle/>
+          <a:p>
+            <a:r>
+              <a:rPr lang="en-US" sz="2800" b="1" smtClean="0"/>
+              <a:t>Difficult</a:t>
+            </a:r>
+            <a:endParaRPr lang="en-US" sz="2800" b="1"/>
+          </a:p>
+        </p:txBody>
+      </p:sp>
+      <p:sp>
+        <p:nvSpPr>
+          <p:cNvPr id="7" name="TextBox 6"/>
+          <p:cNvSpPr txBox="1"/>
+          <p:nvPr/>
+        </p:nvSpPr>
+        <p:spPr>
+          <a:xfrm>
+            <a:off x="683568" y="2564904"/>
+            <a:ext cx="3600400" cy="1200329"/>
+          </a:xfrm>
+          <a:prstGeom prst="rect">
+            <a:avLst/>
+          </a:prstGeom>
+          <a:noFill/>
+        </p:spPr>
+        <p:txBody>
+          <a:bodyPr wrap="square" rtlCol="0">
+            <a:spAutoFit/>
+          </a:bodyPr>
+          <a:lstStyle/>
+          <a:p>
+            <a:pPr marL="285750" indent="-285750">
+              <a:buFont typeface="Wingdings" pitchFamily="2" charset="2"/>
+              <a:buChar char="v"/>
+            </a:pPr>
+            <a:r>
+              <a:rPr lang="en-GB" sz="2400" smtClean="0"/>
+              <a:t>Sociable </a:t>
+            </a:r>
+            <a:r>
+              <a:rPr lang="en-GB" sz="2400"/>
+              <a:t>group and help each </a:t>
+            </a:r>
+            <a:r>
+              <a:rPr lang="en-GB" sz="2400" smtClean="0"/>
+              <a:t>other</a:t>
+            </a:r>
+          </a:p>
+          <a:p>
+            <a:endParaRPr lang="en-GB" sz="2400" smtClean="0"/>
+          </a:p>
+        </p:txBody>
+      </p:sp>
+      <p:sp>
+        <p:nvSpPr>
+          <p:cNvPr id="9" name="TextBox 8"/>
+          <p:cNvSpPr txBox="1"/>
+          <p:nvPr/>
+        </p:nvSpPr>
+        <p:spPr>
+          <a:xfrm>
+            <a:off x="5220072" y="2492896"/>
+            <a:ext cx="3240360" cy="2308324"/>
+          </a:xfrm>
+          <a:prstGeom prst="rect">
+            <a:avLst/>
+          </a:prstGeom>
+          <a:noFill/>
+        </p:spPr>
+        <p:txBody>
+          <a:bodyPr wrap="square" rtlCol="0">
+            <a:spAutoFit/>
+          </a:bodyPr>
+          <a:lstStyle/>
+          <a:p>
+            <a:pPr marL="285750" indent="-285750">
+              <a:buFont typeface="Wingdings" pitchFamily="2" charset="2"/>
+              <a:buChar char="v"/>
+            </a:pPr>
+            <a:r>
+              <a:rPr lang="en-US" sz="2400" smtClean="0"/>
+              <a:t>Query </a:t>
+            </a:r>
+            <a:r>
+              <a:rPr lang="en-US" sz="2400"/>
+              <a:t>data with Hibernate </a:t>
+            </a:r>
+            <a:r>
+              <a:rPr lang="en-US" sz="2400" smtClean="0"/>
+              <a:t>Framework</a:t>
+            </a:r>
+          </a:p>
+          <a:p>
+            <a:pPr marL="285750" indent="-285750">
+              <a:buFont typeface="Wingdings" pitchFamily="2" charset="2"/>
+              <a:buChar char="v"/>
+            </a:pPr>
+            <a:r>
+              <a:rPr lang="en-US" sz="2400" smtClean="0"/>
+              <a:t>Withdraw function relative to others funtions</a:t>
+            </a:r>
+          </a:p>
+          <a:p>
+            <a:pPr marL="285750" indent="-285750">
+              <a:buFont typeface="Wingdings" pitchFamily="2" charset="2"/>
+              <a:buChar char="v"/>
+            </a:pPr>
+            <a:r>
+              <a:rPr lang="en-US" sz="2400" smtClean="0"/>
+              <a:t>SRS not clear</a:t>
+            </a:r>
+            <a:endParaRPr lang="en-US" sz="2400"/>
+          </a:p>
+        </p:txBody>
+      </p:sp>
+    </p:spTree>
+    <p:extLst>
+      <p:ext uri="{BB962C8B-B14F-4D97-AF65-F5344CB8AC3E}">
+        <p14:creationId xmlns:p14="http://schemas.microsoft.com/office/powerpoint/2010/main" xmlns="" val="1007536844"/>
+      </p:ext>
+    </p:extLst>
+  </p:cSld>
+  <p:clrMapOvr>
+    <a:masterClrMapping/>
+  </p:clrMapOvr>
+  <p:timing>
+    <p:tnLst>
+      <p:par>
+        <p:cTn id="1" dur="indefinite" restart="never" nodeType="tmRoot"/>
+      </p:par>
+    </p:tnLst>
+  </p:timing>
+</p:sld>
+</file>
+
+<file path=ppt/slides/slide21.xml><?xml version="1.0" encoding="utf-8"?>
+<p:sld xmlns:a="http://schemas.openxmlformats.org/drawingml/2006/main" xmlns:r="http://schemas.openxmlformats.org/officeDocument/2006/relationships" xmlns:p="http://schemas.openxmlformats.org/presentationml/2006/main">
+  <p:cSld>
+    <p:spTree>
+      <p:nvGrpSpPr>
+        <p:cNvPr id="1" name=""/>
+        <p:cNvGrpSpPr/>
+        <p:nvPr/>
+      </p:nvGrpSpPr>
+      <p:grpSpPr>
+        <a:xfrm>
+          <a:off x="0" y="0"/>
+          <a:ext cx="0" cy="0"/>
+          <a:chOff x="0" y="0"/>
+          <a:chExt cx="0" cy="0"/>
+        </a:xfrm>
+      </p:grpSpPr>
+      <p:sp>
+        <p:nvSpPr>
+          <p:cNvPr id="2" name="Title 1"/>
+          <p:cNvSpPr>
+            <a:spLocks noGrp="1"/>
+          </p:cNvSpPr>
+          <p:nvPr>
+            <p:ph type="title"/>
+          </p:nvPr>
+        </p:nvSpPr>
         <p:spPr/>
         <p:txBody>
           <a:bodyPr>
@@ -5670,7 +5966,7 @@
     </p:spTree>
     <p:extLst>
       <p:ext uri="{BB962C8B-B14F-4D97-AF65-F5344CB8AC3E}">
-        <p14:creationId xmlns:p14="http://schemas.microsoft.com/office/powerpoint/2010/main" val="761104530"/>
+        <p14:creationId xmlns:p14="http://schemas.microsoft.com/office/powerpoint/2010/main" xmlns="" val="761104530"/>
       </p:ext>
     </p:extLst>
   </p:cSld>
@@ -5970,17 +6266,54 @@
           <a:lstStyle/>
           <a:p>
             <a:r>
-              <a:rPr lang="en-GB" b="1" smtClean="0">
+              <a:rPr lang="en-GB" b="1" dirty="0" err="1" smtClean="0">
                 <a:solidFill>
                   <a:schemeClr val="tx1"/>
                 </a:solidFill>
               </a:rPr>
-              <a:t>Lê Văn Phú</a:t>
-            </a:r>
-          </a:p>
-          <a:p>
-            <a:r>
-              <a:rPr lang="en-GB" smtClean="0">
+              <a:t>Lê</a:t>
+            </a:r>
+            <a:r>
+              <a:rPr lang="en-GB" b="1" dirty="0" smtClean="0">
+                <a:solidFill>
+                  <a:schemeClr val="tx1"/>
+                </a:solidFill>
+              </a:rPr>
+              <a:t> </a:t>
+            </a:r>
+            <a:r>
+              <a:rPr lang="en-GB" b="1" dirty="0" err="1" smtClean="0">
+                <a:solidFill>
+                  <a:schemeClr val="tx1"/>
+                </a:solidFill>
+              </a:rPr>
+              <a:t>Văn</a:t>
+            </a:r>
+            <a:r>
+              <a:rPr lang="en-GB" b="1" dirty="0" smtClean="0">
+                <a:solidFill>
+                  <a:schemeClr val="tx1"/>
+                </a:solidFill>
+              </a:rPr>
+              <a:t> </a:t>
+            </a:r>
+            <a:r>
+              <a:rPr lang="en-GB" b="1" dirty="0" err="1" smtClean="0">
+                <a:solidFill>
+                  <a:schemeClr val="tx1"/>
+                </a:solidFill>
+              </a:rPr>
+              <a:t>Phú</a:t>
+            </a:r>
+            <a:endParaRPr lang="en-GB" b="1" dirty="0" smtClean="0">
+              <a:solidFill>
+                <a:schemeClr val="tx1"/>
+              </a:solidFill>
+            </a:endParaRPr>
+          </a:p>
+          <a:p>
+            <a:r>
+              <a:rPr lang="en-GB" dirty="0" smtClean="0">
                 <a:solidFill>
                   <a:schemeClr val="tx1"/>
                 </a:solidFill>
@@ -5990,13 +6323,18 @@
           </a:p>
           <a:p>
             <a:r>
-              <a:rPr lang="en-GB" smtClean="0">
+              <a:rPr lang="en-GB" dirty="0" smtClean="0">
                 <a:solidFill>
                   <a:schemeClr val="tx1"/>
                 </a:solidFill>
               </a:rPr>
-              <a:t>DNU</a:t>
-            </a:r>
+              <a:t>DUT</a:t>
+            </a:r>
+            <a:endParaRPr lang="en-GB" dirty="0" smtClean="0">
+              <a:solidFill>
+                <a:schemeClr val="tx1"/>
+              </a:solidFill>
+            </a:endParaRPr>
           </a:p>
         </p:txBody>
       </p:sp>
@@ -6358,7 +6696,7 @@
     </p:spTree>
     <p:extLst>
       <p:ext uri="{BB962C8B-B14F-4D97-AF65-F5344CB8AC3E}">
-        <p14:creationId xmlns:p14="http://schemas.microsoft.com/office/powerpoint/2010/main" val="765166946"/>
+        <p14:creationId xmlns:p14="http://schemas.microsoft.com/office/powerpoint/2010/main" xmlns="" val="765166946"/>
       </p:ext>
     </p:extLst>
   </p:cSld>
@@ -6473,14 +6811,14 @@
           <a:effectLst/>
           <a:extLst>
             <a:ext uri="{909E8E84-426E-40DD-AFC4-6F175D3DCCD1}">
-              <a14:hiddenFill xmlns:a14="http://schemas.microsoft.com/office/drawing/2010/main">
+              <a14:hiddenFill xmlns:a14="http://schemas.microsoft.com/office/drawing/2010/main" xmlns="">
                 <a:solidFill>
                   <a:schemeClr val="accent1"/>
                 </a:solidFill>
               </a14:hiddenFill>
             </a:ext>
             <a:ext uri="{91240B29-F687-4F45-9708-019B960494DF}">
-              <a14:hiddenLine xmlns:a14="http://schemas.microsoft.com/office/drawing/2010/main" w="9525">
+              <a14:hiddenLine xmlns:a14="http://schemas.microsoft.com/office/drawing/2010/main" xmlns="" w="9525">
                 <a:solidFill>
                   <a:schemeClr val="tx1"/>
                 </a:solidFill>
@@ -6490,7 +6828,7 @@
               </a14:hiddenLine>
             </a:ext>
             <a:ext uri="{AF507438-7753-43E0-B8FC-AC1667EBCBE1}">
-              <a14:hiddenEffects xmlns:a14="http://schemas.microsoft.com/office/drawing/2010/main">
+              <a14:hiddenEffects xmlns:a14="http://schemas.microsoft.com/office/drawing/2010/main" xmlns="">
                 <a:effectLst>
                   <a:outerShdw dist="35921" dir="2700000" algn="ctr" rotWithShape="0">
                     <a:schemeClr val="bg2"/>
@@ -6582,14 +6920,14 @@
           <a:effectLst/>
           <a:extLst>
             <a:ext uri="{909E8E84-426E-40DD-AFC4-6F175D3DCCD1}">
-              <a14:hiddenFill xmlns:a14="http://schemas.microsoft.com/office/drawing/2010/main">
+              <a14:hiddenFill xmlns:a14="http://schemas.microsoft.com/office/drawing/2010/main" xmlns="">
                 <a:solidFill>
                   <a:schemeClr val="accent1"/>
                 </a:solidFill>
               </a14:hiddenFill>
             </a:ext>
             <a:ext uri="{91240B29-F687-4F45-9708-019B960494DF}">
-              <a14:hiddenLine xmlns:a14="http://schemas.microsoft.com/office/drawing/2010/main" w="9525">
+              <a14:hiddenLine xmlns:a14="http://schemas.microsoft.com/office/drawing/2010/main" xmlns="" w="9525">
                 <a:solidFill>
                   <a:schemeClr val="tx1"/>
                 </a:solidFill>
@@ -6599,7 +6937,7 @@
               </a14:hiddenLine>
             </a:ext>
             <a:ext uri="{AF507438-7753-43E0-B8FC-AC1667EBCBE1}">
-              <a14:hiddenEffects xmlns:a14="http://schemas.microsoft.com/office/drawing/2010/main">
+              <a14:hiddenEffects xmlns:a14="http://schemas.microsoft.com/office/drawing/2010/main" xmlns="">
                 <a:effectLst>
                   <a:outerShdw dist="35921" dir="2700000" algn="ctr" rotWithShape="0">
                     <a:schemeClr val="bg2"/>
@@ -6631,7 +6969,7 @@
           <p:nvPr>
             <p:extLst>
               <p:ext uri="{D42A27DB-BD31-4B8C-83A1-F6EECF244321}">
-                <p14:modId xmlns:p14="http://schemas.microsoft.com/office/powerpoint/2010/main" val="3405779744"/>
+                <p14:modId xmlns:p14="http://schemas.microsoft.com/office/powerpoint/2010/main" xmlns="" val="3405779744"/>
               </p:ext>
             </p:extLst>
           </p:nvPr>
@@ -6642,50 +6980,9 @@
         </p:xfrm>
         <a:graphic>
           <a:graphicData uri="http://schemas.openxmlformats.org/presentationml/2006/ole">
-            <mc:AlternateContent xmlns:mc="http://schemas.openxmlformats.org/markup-compatibility/2006">
-              <mc:Choice xmlns:v="urn:schemas-microsoft-com:vml" Requires="v">
-                <p:oleObj spid="_x0000_s1040" r:id="rId3" imgW="8450229" imgH="7398609" progId="Visio.Drawing.11">
-                  <p:embed/>
-                </p:oleObj>
-              </mc:Choice>
-              <mc:Fallback>
-                <p:oleObj r:id="rId3" imgW="8450229" imgH="7398609" progId="Visio.Drawing.11">
-                  <p:embed/>
-                  <p:pic>
-                    <p:nvPicPr>
-                      <p:cNvPr id="0" name="Object 3"/>
-                      <p:cNvPicPr>
-                        <a:picLocks noChangeAspect="1" noChangeArrowheads="1"/>
-                      </p:cNvPicPr>
-                      <p:nvPr/>
-                    </p:nvPicPr>
-                    <p:blipFill>
-                      <a:blip r:embed="rId4">
-                        <a:extLst>
-                          <a:ext uri="{28A0092B-C50C-407E-A947-70E740481C1C}">
-                            <a14:useLocalDpi xmlns:a14="http://schemas.microsoft.com/office/drawing/2010/main" val="0"/>
-                          </a:ext>
-                        </a:extLst>
-                      </a:blip>
-                      <a:srcRect/>
-                      <a:stretch>
-                        <a:fillRect/>
-                      </a:stretch>
-                    </p:blipFill>
-                    <p:spPr bwMode="auto">
-                      <a:xfrm>
-                        <a:off x="566242" y="1680865"/>
-                        <a:ext cx="5161725" cy="4517504"/>
-                      </a:xfrm>
-                      <a:prstGeom prst="rect">
-                        <a:avLst/>
-                      </a:prstGeom>
-                      <a:noFill/>
-                    </p:spPr>
-                  </p:pic>
-                </p:oleObj>
-              </mc:Fallback>
-            </mc:AlternateContent>
+            <p:oleObj spid="_x0000_s1040" r:id="rId3" imgW="8450229" imgH="7398609" progId="">
+              <p:embed/>
+            </p:oleObj>
           </a:graphicData>
         </a:graphic>
       </p:graphicFrame>
@@ -6891,7 +7188,7 @@
     </p:spTree>
     <p:extLst>
       <p:ext uri="{BB962C8B-B14F-4D97-AF65-F5344CB8AC3E}">
-        <p14:creationId xmlns:p14="http://schemas.microsoft.com/office/powerpoint/2010/main" val="2054354637"/>
+        <p14:creationId xmlns:p14="http://schemas.microsoft.com/office/powerpoint/2010/main" xmlns="" val="2054354637"/>
       </p:ext>
     </p:extLst>
   </p:cSld>
@@ -7006,14 +7303,14 @@
           <a:effectLst/>
           <a:extLst>
             <a:ext uri="{909E8E84-426E-40DD-AFC4-6F175D3DCCD1}">
-              <a14:hiddenFill xmlns:a14="http://schemas.microsoft.com/office/drawing/2010/main">
+              <a14:hiddenFill xmlns:a14="http://schemas.microsoft.com/office/drawing/2010/main" xmlns="">
                 <a:solidFill>
                   <a:schemeClr val="accent1"/>
                 </a:solidFill>
               </a14:hiddenFill>
             </a:ext>
             <a:ext uri="{91240B29-F687-4F45-9708-019B960494DF}">
-              <a14:hiddenLine xmlns:a14="http://schemas.microsoft.com/office/drawing/2010/main" w="9525">
+              <a14:hiddenLine xmlns:a14="http://schemas.microsoft.com/office/drawing/2010/main" xmlns="" w="9525">
                 <a:solidFill>
                   <a:schemeClr val="tx1"/>
                 </a:solidFill>
@@ -7023,7 +7320,7 @@
               </a14:hiddenLine>
             </a:ext>
             <a:ext uri="{AF507438-7753-43E0-B8FC-AC1667EBCBE1}">
-              <a14:hiddenEffects xmlns:a14="http://schemas.microsoft.com/office/drawing/2010/main">
+              <a14:hiddenEffects xmlns:a14="http://schemas.microsoft.com/office/drawing/2010/main" xmlns="">
                 <a:effectLst>
                   <a:outerShdw dist="35921" dir="2700000" algn="ctr" rotWithShape="0">
                     <a:schemeClr val="bg2"/>
@@ -7069,14 +7366,14 @@
           <a:effectLst/>
           <a:extLst>
             <a:ext uri="{909E8E84-426E-40DD-AFC4-6F175D3DCCD1}">
-              <a14:hiddenFill xmlns:a14="http://schemas.microsoft.com/office/drawing/2010/main">
+              <a14:hiddenFill xmlns:a14="http://schemas.microsoft.com/office/drawing/2010/main" xmlns="">
                 <a:solidFill>
                   <a:schemeClr val="accent1"/>
                 </a:solidFill>
               </a14:hiddenFill>
             </a:ext>
             <a:ext uri="{91240B29-F687-4F45-9708-019B960494DF}">
-              <a14:hiddenLine xmlns:a14="http://schemas.microsoft.com/office/drawing/2010/main" w="9525">
+              <a14:hiddenLine xmlns:a14="http://schemas.microsoft.com/office/drawing/2010/main" xmlns="" w="9525">
                 <a:solidFill>
                   <a:schemeClr val="tx1"/>
                 </a:solidFill>
@@ -7086,7 +7383,7 @@
               </a14:hiddenLine>
             </a:ext>
             <a:ext uri="{AF507438-7753-43E0-B8FC-AC1667EBCBE1}">
-              <a14:hiddenEffects xmlns:a14="http://schemas.microsoft.com/office/drawing/2010/main">
+              <a14:hiddenEffects xmlns:a14="http://schemas.microsoft.com/office/drawing/2010/main" xmlns="">
                 <a:effectLst>
                   <a:outerShdw dist="35921" dir="2700000" algn="ctr" rotWithShape="0">
                     <a:schemeClr val="bg2"/>
@@ -7178,14 +7475,14 @@
           <a:effectLst/>
           <a:extLst>
             <a:ext uri="{909E8E84-426E-40DD-AFC4-6F175D3DCCD1}">
-              <a14:hiddenFill xmlns:a14="http://schemas.microsoft.com/office/drawing/2010/main">
+              <a14:hiddenFill xmlns:a14="http://schemas.microsoft.com/office/drawing/2010/main" xmlns="">
                 <a:solidFill>
                   <a:schemeClr val="accent1"/>
                 </a:solidFill>
               </a14:hiddenFill>
             </a:ext>
             <a:ext uri="{91240B29-F687-4F45-9708-019B960494DF}">
-              <a14:hiddenLine xmlns:a14="http://schemas.microsoft.com/office/drawing/2010/main" w="9525">
+              <a14:hiddenLine xmlns:a14="http://schemas.microsoft.com/office/drawing/2010/main" xmlns="" w="9525">
                 <a:solidFill>
                   <a:schemeClr val="tx1"/>
                 </a:solidFill>
@@ -7195,7 +7492,7 @@
               </a14:hiddenLine>
             </a:ext>
             <a:ext uri="{AF507438-7753-43E0-B8FC-AC1667EBCBE1}">
-              <a14:hiddenEffects xmlns:a14="http://schemas.microsoft.com/office/drawing/2010/main">
+              <a14:hiddenEffects xmlns:a14="http://schemas.microsoft.com/office/drawing/2010/main" xmlns="">
                 <a:effectLst>
                   <a:outerShdw dist="35921" dir="2700000" algn="ctr" rotWithShape="0">
                     <a:schemeClr val="bg2"/>
@@ -7227,7 +7524,7 @@
           <p:nvPr>
             <p:extLst>
               <p:ext uri="{D42A27DB-BD31-4B8C-83A1-F6EECF244321}">
-                <p14:modId xmlns:p14="http://schemas.microsoft.com/office/powerpoint/2010/main" val="3487684342"/>
+                <p14:modId xmlns:p14="http://schemas.microsoft.com/office/powerpoint/2010/main" xmlns="" val="3487684342"/>
               </p:ext>
             </p:extLst>
           </p:nvPr>
@@ -7238,57 +7535,16 @@
         </p:xfrm>
         <a:graphic>
           <a:graphicData uri="http://schemas.openxmlformats.org/presentationml/2006/ole">
-            <mc:AlternateContent xmlns:mc="http://schemas.openxmlformats.org/markup-compatibility/2006">
-              <mc:Choice xmlns:v="urn:schemas-microsoft-com:vml" Requires="v">
-                <p:oleObj spid="_x0000_s2058" r:id="rId3" imgW="7601535" imgH="5756064" progId="Visio.Drawing.11">
-                  <p:embed/>
-                </p:oleObj>
-              </mc:Choice>
-              <mc:Fallback>
-                <p:oleObj r:id="rId3" imgW="7601535" imgH="5756064" progId="Visio.Drawing.11">
-                  <p:embed/>
-                  <p:pic>
-                    <p:nvPicPr>
-                      <p:cNvPr id="0" name="Object 1"/>
-                      <p:cNvPicPr>
-                        <a:picLocks noChangeAspect="1" noChangeArrowheads="1"/>
-                      </p:cNvPicPr>
-                      <p:nvPr/>
-                    </p:nvPicPr>
-                    <p:blipFill>
-                      <a:blip r:embed="rId4">
-                        <a:extLst>
-                          <a:ext uri="{28A0092B-C50C-407E-A947-70E740481C1C}">
-                            <a14:useLocalDpi xmlns:a14="http://schemas.microsoft.com/office/drawing/2010/main" val="0"/>
-                          </a:ext>
-                        </a:extLst>
-                      </a:blip>
-                      <a:srcRect/>
-                      <a:stretch>
-                        <a:fillRect/>
-                      </a:stretch>
-                    </p:blipFill>
-                    <p:spPr bwMode="auto">
-                      <a:xfrm>
-                        <a:off x="1054968" y="1649627"/>
-                        <a:ext cx="7320632" cy="4587685"/>
-                      </a:xfrm>
-                      <a:prstGeom prst="rect">
-                        <a:avLst/>
-                      </a:prstGeom>
-                      <a:noFill/>
-                    </p:spPr>
-                  </p:pic>
-                </p:oleObj>
-              </mc:Fallback>
-            </mc:AlternateContent>
+            <p:oleObj spid="_x0000_s2058" r:id="rId3" imgW="7601535" imgH="5756064" progId="">
+              <p:embed/>
+            </p:oleObj>
           </a:graphicData>
         </a:graphic>
       </p:graphicFrame>
     </p:spTree>
     <p:extLst>
       <p:ext uri="{BB962C8B-B14F-4D97-AF65-F5344CB8AC3E}">
-        <p14:creationId xmlns:p14="http://schemas.microsoft.com/office/powerpoint/2010/main" val="1994821625"/>
+        <p14:creationId xmlns:p14="http://schemas.microsoft.com/office/powerpoint/2010/main" xmlns="" val="1994821625"/>
       </p:ext>
     </p:extLst>
   </p:cSld>
@@ -7403,14 +7659,14 @@
           <a:effectLst/>
           <a:extLst>
             <a:ext uri="{909E8E84-426E-40DD-AFC4-6F175D3DCCD1}">
-              <a14:hiddenFill xmlns:a14="http://schemas.microsoft.com/office/drawing/2010/main">
+              <a14:hiddenFill xmlns:a14="http://schemas.microsoft.com/office/drawing/2010/main" xmlns="">
                 <a:solidFill>
                   <a:schemeClr val="accent1"/>
                 </a:solidFill>
               </a14:hiddenFill>
             </a:ext>
             <a:ext uri="{91240B29-F687-4F45-9708-019B960494DF}">
-              <a14:hiddenLine xmlns:a14="http://schemas.microsoft.com/office/drawing/2010/main" w="9525">
+              <a14:hiddenLine xmlns:a14="http://schemas.microsoft.com/office/drawing/2010/main" xmlns="" w="9525">
                 <a:solidFill>
                   <a:schemeClr val="tx1"/>
                 </a:solidFill>
@@ -7420,7 +7676,7 @@
               </a14:hiddenLine>
             </a:ext>
             <a:ext uri="{AF507438-7753-43E0-B8FC-AC1667EBCBE1}">
-              <a14:hiddenEffects xmlns:a14="http://schemas.microsoft.com/office/drawing/2010/main">
+              <a14:hiddenEffects xmlns:a14="http://schemas.microsoft.com/office/drawing/2010/main" xmlns="">
                 <a:effectLst>
                   <a:outerShdw dist="35921" dir="2700000" algn="ctr" rotWithShape="0">
                     <a:schemeClr val="bg2"/>
@@ -7466,14 +7722,14 @@
           <a:effectLst/>
           <a:extLst>
             <a:ext uri="{909E8E84-426E-40DD-AFC4-6F175D3DCCD1}">
-              <a14:hiddenFill xmlns:a14="http://schemas.microsoft.com/office/drawing/2010/main">
+              <a14:hiddenFill xmlns:a14="http://schemas.microsoft.com/office/drawing/2010/main" xmlns="">
                 <a:solidFill>
                   <a:schemeClr val="accent1"/>
                 </a:solidFill>
               </a14:hiddenFill>
             </a:ext>
             <a:ext uri="{91240B29-F687-4F45-9708-019B960494DF}">
-              <a14:hiddenLine xmlns:a14="http://schemas.microsoft.com/office/drawing/2010/main" w="9525">
+              <a14:hiddenLine xmlns:a14="http://schemas.microsoft.com/office/drawing/2010/main" xmlns="" w="9525">
                 <a:solidFill>
                   <a:schemeClr val="tx1"/>
                 </a:solidFill>
@@ -7483,7 +7739,7 @@
               </a14:hiddenLine>
             </a:ext>
             <a:ext uri="{AF507438-7753-43E0-B8FC-AC1667EBCBE1}">
-              <a14:hiddenEffects xmlns:a14="http://schemas.microsoft.com/office/drawing/2010/main">
+              <a14:hiddenEffects xmlns:a14="http://schemas.microsoft.com/office/drawing/2010/main" xmlns="">
                 <a:effectLst>
                   <a:outerShdw dist="35921" dir="2700000" algn="ctr" rotWithShape="0">
                     <a:schemeClr val="bg2"/>
@@ -7575,14 +7831,14 @@
           <a:effectLst/>
           <a:extLst>
             <a:ext uri="{909E8E84-426E-40DD-AFC4-6F175D3DCCD1}">
-              <a14:hiddenFill xmlns:a14="http://schemas.microsoft.com/office/drawing/2010/main">
+              <a14:hiddenFill xmlns:a14="http://schemas.microsoft.com/office/drawing/2010/main" xmlns="">
                 <a:solidFill>
                   <a:schemeClr val="accent1"/>
                 </a:solidFill>
               </a14:hiddenFill>
             </a:ext>
             <a:ext uri="{91240B29-F687-4F45-9708-019B960494DF}">
-              <a14:hiddenLine xmlns:a14="http://schemas.microsoft.com/office/drawing/2010/main" w="9525">
+              <a14:hiddenLine xmlns:a14="http://schemas.microsoft.com/office/drawing/2010/main" xmlns="" w="9525">
                 <a:solidFill>
                   <a:schemeClr val="tx1"/>
                 </a:solidFill>
@@ -7592,7 +7848,7 @@
               </a14:hiddenLine>
             </a:ext>
             <a:ext uri="{AF507438-7753-43E0-B8FC-AC1667EBCBE1}">
-              <a14:hiddenEffects xmlns:a14="http://schemas.microsoft.com/office/drawing/2010/main">
+              <a14:hiddenEffects xmlns:a14="http://schemas.microsoft.com/office/drawing/2010/main" xmlns="">
                 <a:effectLst>
                   <a:outerShdw dist="35921" dir="2700000" algn="ctr" rotWithShape="0">
                     <a:schemeClr val="bg2"/>
@@ -7640,7 +7896,7 @@
     </p:spTree>
     <p:extLst>
       <p:ext uri="{BB962C8B-B14F-4D97-AF65-F5344CB8AC3E}">
-        <p14:creationId xmlns:p14="http://schemas.microsoft.com/office/powerpoint/2010/main" val="2738285893"/>
+        <p14:creationId xmlns:p14="http://schemas.microsoft.com/office/powerpoint/2010/main" xmlns="" val="2738285893"/>
       </p:ext>
     </p:extLst>
   </p:cSld>
@@ -7755,14 +8011,14 @@
           <a:effectLst/>
           <a:extLst>
             <a:ext uri="{909E8E84-426E-40DD-AFC4-6F175D3DCCD1}">
-              <a14:hiddenFill xmlns:a14="http://schemas.microsoft.com/office/drawing/2010/main">
+              <a14:hiddenFill xmlns:a14="http://schemas.microsoft.com/office/drawing/2010/main" xmlns="">
                 <a:solidFill>
                   <a:schemeClr val="accent1"/>
                 </a:solidFill>
               </a14:hiddenFill>
             </a:ext>
             <a:ext uri="{91240B29-F687-4F45-9708-019B960494DF}">
-              <a14:hiddenLine xmlns:a14="http://schemas.microsoft.com/office/drawing/2010/main" w="9525">
+              <a14:hiddenLine xmlns:a14="http://schemas.microsoft.com/office/drawing/2010/main" xmlns="" w="9525">
                 <a:solidFill>
                   <a:schemeClr val="tx1"/>
                 </a:solidFill>
@@ -7772,7 +8028,7 @@
               </a14:hiddenLine>
             </a:ext>
             <a:ext uri="{AF507438-7753-43E0-B8FC-AC1667EBCBE1}">
-              <a14:hiddenEffects xmlns:a14="http://schemas.microsoft.com/office/drawing/2010/main">
+              <a14:hiddenEffects xmlns:a14="http://schemas.microsoft.com/office/drawing/2010/main" xmlns="">
                 <a:effectLst>
                   <a:outerShdw dist="35921" dir="2700000" algn="ctr" rotWithShape="0">
                     <a:schemeClr val="bg2"/>
@@ -7818,14 +8074,14 @@
           <a:effectLst/>
           <a:extLst>
             <a:ext uri="{909E8E84-426E-40DD-AFC4-6F175D3DCCD1}">
-              <a14:hiddenFill xmlns:a14="http://schemas.microsoft.com/office/drawing/2010/main">
+              <a14:hiddenFill xmlns:a14="http://schemas.microsoft.com/office/drawing/2010/main" xmlns="">
                 <a:solidFill>
                   <a:schemeClr val="accent1"/>
                 </a:solidFill>
               </a14:hiddenFill>
             </a:ext>
             <a:ext uri="{91240B29-F687-4F45-9708-019B960494DF}">
-              <a14:hiddenLine xmlns:a14="http://schemas.microsoft.com/office/drawing/2010/main" w="9525">
+              <a14:hiddenLine xmlns:a14="http://schemas.microsoft.com/office/drawing/2010/main" xmlns="" w="9525">
                 <a:solidFill>
                   <a:schemeClr val="tx1"/>
                 </a:solidFill>
@@ -7835,7 +8091,7 @@
               </a14:hiddenLine>
             </a:ext>
             <a:ext uri="{AF507438-7753-43E0-B8FC-AC1667EBCBE1}">
-              <a14:hiddenEffects xmlns:a14="http://schemas.microsoft.com/office/drawing/2010/main">
+              <a14:hiddenEffects xmlns:a14="http://schemas.microsoft.com/office/drawing/2010/main" xmlns="">
                 <a:effectLst>
                   <a:outerShdw dist="35921" dir="2700000" algn="ctr" rotWithShape="0">
                     <a:schemeClr val="bg2"/>
@@ -7881,14 +8137,14 @@
           <a:effectLst/>
           <a:extLst>
             <a:ext uri="{909E8E84-426E-40DD-AFC4-6F175D3DCCD1}">
-              <a14:hiddenFill xmlns:a14="http://schemas.microsoft.com/office/drawing/2010/main">
+              <a14:hiddenFill xmlns:a14="http://schemas.microsoft.com/office/drawing/2010/main" xmlns="">
                 <a:solidFill>
                   <a:schemeClr val="accent1"/>
                 </a:solidFill>
               </a14:hiddenFill>
             </a:ext>
             <a:ext uri="{91240B29-F687-4F45-9708-019B960494DF}">
-              <a14:hiddenLine xmlns:a14="http://schemas.microsoft.com/office/drawing/2010/main" w="9525">
+              <a14:hiddenLine xmlns:a14="http://schemas.microsoft.com/office/drawing/2010/main" xmlns="" w="9525">
                 <a:solidFill>
                   <a:schemeClr val="tx1"/>
                 </a:solidFill>
@@ -7898,7 +8154,7 @@
               </a14:hiddenLine>
             </a:ext>
             <a:ext uri="{AF507438-7753-43E0-B8FC-AC1667EBCBE1}">
-              <a14:hiddenEffects xmlns:a14="http://schemas.microsoft.com/office/drawing/2010/main">
+              <a14:hiddenEffects xmlns:a14="http://schemas.microsoft.com/office/drawing/2010/main" xmlns="">
                 <a:effectLst>
                   <a:outerShdw dist="35921" dir="2700000" algn="ctr" rotWithShape="0">
                     <a:schemeClr val="bg2"/>
@@ -7930,10 +8186,10 @@
           <p:nvPr/>
         </p:nvPicPr>
         <p:blipFill>
-          <a:blip r:embed="rId2">
+          <a:blip r:embed="rId2" cstate="print">
             <a:extLst>
               <a:ext uri="{28A0092B-C50C-407E-A947-70E740481C1C}">
-                <a14:useLocalDpi xmlns:a14="http://schemas.microsoft.com/office/drawing/2010/main" val="0"/>
+                <a14:useLocalDpi xmlns:a14="http://schemas.microsoft.com/office/drawing/2010/main" xmlns="" val="0"/>
               </a:ext>
             </a:extLst>
           </a:blip>
@@ -7953,7 +8209,7 @@
           <a:noFill/>
           <a:extLst>
             <a:ext uri="{909E8E84-426E-40DD-AFC4-6F175D3DCCD1}">
-              <a14:hiddenFill xmlns:a14="http://schemas.microsoft.com/office/drawing/2010/main">
+              <a14:hiddenFill xmlns:a14="http://schemas.microsoft.com/office/drawing/2010/main" xmlns="">
                 <a:solidFill>
                   <a:srgbClr val="FFFFFF"/>
                 </a:solidFill>
@@ -7965,7 +8221,7 @@
     </p:spTree>
     <p:extLst>
       <p:ext uri="{BB962C8B-B14F-4D97-AF65-F5344CB8AC3E}">
-        <p14:creationId xmlns:p14="http://schemas.microsoft.com/office/powerpoint/2010/main" val="2985878340"/>
+        <p14:creationId xmlns:p14="http://schemas.microsoft.com/office/powerpoint/2010/main" xmlns="" val="2985878340"/>
       </p:ext>
     </p:extLst>
   </p:cSld>
@@ -8094,10 +8350,10 @@
           <p:nvPr/>
         </p:nvPicPr>
         <p:blipFill>
-          <a:blip r:embed="rId2">
+          <a:blip r:embed="rId2" cstate="print">
             <a:extLst>
               <a:ext uri="{28A0092B-C50C-407E-A947-70E740481C1C}">
-                <a14:useLocalDpi xmlns:a14="http://schemas.microsoft.com/office/drawing/2010/main" val="0"/>
+                <a14:useLocalDpi xmlns:a14="http://schemas.microsoft.com/office/drawing/2010/main" xmlns="" val="0"/>
               </a:ext>
             </a:extLst>
           </a:blip>
@@ -8117,7 +8373,7 @@
           <a:noFill/>
           <a:extLst>
             <a:ext uri="{909E8E84-426E-40DD-AFC4-6F175D3DCCD1}">
-              <a14:hiddenFill xmlns:a14="http://schemas.microsoft.com/office/drawing/2010/main">
+              <a14:hiddenFill xmlns:a14="http://schemas.microsoft.com/office/drawing/2010/main" xmlns="">
                 <a:solidFill>
                   <a:srgbClr val="FFFFFF"/>
                 </a:solidFill>
@@ -8135,10 +8391,10 @@
           <p:nvPr/>
         </p:nvPicPr>
         <p:blipFill>
-          <a:blip r:embed="rId3">
+          <a:blip r:embed="rId3" cstate="print">
             <a:extLst>
               <a:ext uri="{28A0092B-C50C-407E-A947-70E740481C1C}">
-                <a14:useLocalDpi xmlns:a14="http://schemas.microsoft.com/office/drawing/2010/main" val="0"/>
+                <a14:useLocalDpi xmlns:a14="http://schemas.microsoft.com/office/drawing/2010/main" xmlns="" val="0"/>
               </a:ext>
             </a:extLst>
           </a:blip>
@@ -8158,7 +8414,7 @@
           <a:noFill/>
           <a:extLst>
             <a:ext uri="{909E8E84-426E-40DD-AFC4-6F175D3DCCD1}">
-              <a14:hiddenFill xmlns:a14="http://schemas.microsoft.com/office/drawing/2010/main">
+              <a14:hiddenFill xmlns:a14="http://schemas.microsoft.com/office/drawing/2010/main" xmlns="">
                 <a:solidFill>
                   <a:srgbClr val="FFFFFF"/>
                 </a:solidFill>
@@ -8228,7 +8484,7 @@
     </p:spTree>
     <p:extLst>
       <p:ext uri="{BB962C8B-B14F-4D97-AF65-F5344CB8AC3E}">
-        <p14:creationId xmlns:p14="http://schemas.microsoft.com/office/powerpoint/2010/main" val="2067167423"/>
+        <p14:creationId xmlns:p14="http://schemas.microsoft.com/office/powerpoint/2010/main" xmlns="" val="2067167423"/>
       </p:ext>
     </p:extLst>
   </p:cSld>
@@ -8331,10 +8587,10 @@
           <p:nvPr/>
         </p:nvPicPr>
         <p:blipFill>
-          <a:blip r:embed="rId2">
+          <a:blip r:embed="rId2" cstate="print">
             <a:extLst>
               <a:ext uri="{28A0092B-C50C-407E-A947-70E740481C1C}">
-                <a14:useLocalDpi xmlns:a14="http://schemas.microsoft.com/office/drawing/2010/main" val="0"/>
+                <a14:useLocalDpi xmlns:a14="http://schemas.microsoft.com/office/drawing/2010/main" xmlns="" val="0"/>
               </a:ext>
             </a:extLst>
           </a:blip>
@@ -8387,7 +8643,7 @@
     </p:spTree>
     <p:extLst>
       <p:ext uri="{BB962C8B-B14F-4D97-AF65-F5344CB8AC3E}">
-        <p14:creationId xmlns:p14="http://schemas.microsoft.com/office/powerpoint/2010/main" val="1505981396"/>
+        <p14:creationId xmlns:p14="http://schemas.microsoft.com/office/powerpoint/2010/main" xmlns="" val="1505981396"/>
       </p:ext>
     </p:extLst>
   </p:cSld>
